--- a/第2节课/01ppt/P1-2第二节.pptx
+++ b/第2节课/01ppt/P1-2第二节.pptx
@@ -11,22 +11,24 @@
     <p:sldId id="428" r:id="rId6"/>
     <p:sldId id="400" r:id="rId7"/>
     <p:sldId id="275" r:id="rId8"/>
-    <p:sldId id="430" r:id="rId9"/>
-    <p:sldId id="431" r:id="rId10"/>
-    <p:sldId id="432" r:id="rId11"/>
-    <p:sldId id="433" r:id="rId12"/>
-    <p:sldId id="435" r:id="rId13"/>
-    <p:sldId id="436" r:id="rId14"/>
-    <p:sldId id="437" r:id="rId15"/>
-    <p:sldId id="438" r:id="rId16"/>
-    <p:sldId id="439" r:id="rId17"/>
-    <p:sldId id="440" r:id="rId18"/>
-    <p:sldId id="441" r:id="rId19"/>
-    <p:sldId id="442" r:id="rId20"/>
-    <p:sldId id="443" r:id="rId21"/>
-    <p:sldId id="444" r:id="rId22"/>
-    <p:sldId id="446" r:id="rId23"/>
-    <p:sldId id="260" r:id="rId24"/>
+    <p:sldId id="448" r:id="rId9"/>
+    <p:sldId id="430" r:id="rId10"/>
+    <p:sldId id="449" r:id="rId11"/>
+    <p:sldId id="431" r:id="rId12"/>
+    <p:sldId id="432" r:id="rId13"/>
+    <p:sldId id="433" r:id="rId14"/>
+    <p:sldId id="435" r:id="rId15"/>
+    <p:sldId id="436" r:id="rId16"/>
+    <p:sldId id="437" r:id="rId17"/>
+    <p:sldId id="438" r:id="rId18"/>
+    <p:sldId id="439" r:id="rId19"/>
+    <p:sldId id="440" r:id="rId20"/>
+    <p:sldId id="441" r:id="rId21"/>
+    <p:sldId id="442" r:id="rId22"/>
+    <p:sldId id="443" r:id="rId23"/>
+    <p:sldId id="444" r:id="rId24"/>
+    <p:sldId id="446" r:id="rId25"/>
+    <p:sldId id="260" r:id="rId26"/>
   </p:sldIdLst>
   <p:sldSz cx="12192000" cy="6858000"/>
   <p:notesSz cx="6858000" cy="9144000"/>
@@ -13140,7 +13142,7 @@
       </p:grpSpPr>
       <p:sp>
         <p:nvSpPr>
-          <p:cNvPr id="16386" name="文本框 3"/>
+          <p:cNvPr id="13314" name="文本框 5"/>
           <p:cNvSpPr txBox="1">
             <a:spLocks noChangeArrowheads="1"/>
           </p:cNvSpPr>
@@ -13148,8 +13150,8 @@
         </p:nvSpPr>
         <p:spPr bwMode="auto">
           <a:xfrm>
-            <a:off x="887413" y="419100"/>
-            <a:ext cx="3729037" cy="368300"/>
+            <a:off x="4596957" y="1862493"/>
+            <a:ext cx="5416550" cy="461963"/>
           </a:xfrm>
           <a:prstGeom prst="rect">
             <a:avLst/>
@@ -13301,9 +13303,404 @@
           <a:p>
             <a:pPr eaLnBrk="1" hangingPunct="1"/>
             <a:r>
-              <a:rPr lang="zh-CN" altLang="en-US" dirty="0" smtClean="0">
-                <a:solidFill>
-                  <a:schemeClr val="tx1"/>
+              <a:rPr lang="en-US" altLang="zh-CN" sz="2400" dirty="0">
+                <a:latin typeface="微软雅黑" panose="020B0503020204020204" pitchFamily="34" charset="-122"/>
+                <a:ea typeface="微软雅黑" panose="020B0503020204020204" pitchFamily="34" charset="-122"/>
+              </a:rPr>
+              <a:t>1</a:t>
+            </a:r>
+            <a:r>
+              <a:rPr lang="zh-CN" altLang="en-US" sz="2400" dirty="0" smtClean="0">
+                <a:latin typeface="微软雅黑" panose="020B0503020204020204" pitchFamily="34" charset="-122"/>
+                <a:ea typeface="微软雅黑" panose="020B0503020204020204" pitchFamily="34" charset="-122"/>
+              </a:rPr>
+              <a:t>、课前回顾</a:t>
+            </a:r>
+            <a:endParaRPr lang="zh-CN" altLang="en-US" sz="2400" dirty="0">
+              <a:latin typeface="微软雅黑" panose="020B0503020204020204" pitchFamily="34" charset="-122"/>
+              <a:ea typeface="微软雅黑" panose="020B0503020204020204" pitchFamily="34" charset="-122"/>
+            </a:endParaRPr>
+          </a:p>
+        </p:txBody>
+      </p:sp>
+      <p:sp>
+        <p:nvSpPr>
+          <p:cNvPr id="13315" name="文本框 5"/>
+          <p:cNvSpPr txBox="1">
+            <a:spLocks noChangeArrowheads="1"/>
+          </p:cNvSpPr>
+          <p:nvPr/>
+        </p:nvSpPr>
+        <p:spPr bwMode="auto">
+          <a:xfrm>
+            <a:off x="4596957" y="2754668"/>
+            <a:ext cx="5416550" cy="460375"/>
+          </a:xfrm>
+          <a:prstGeom prst="rect">
+            <a:avLst/>
+          </a:prstGeom>
+          <a:noFill/>
+          <a:ln>
+            <a:noFill/>
+          </a:ln>
+          <a:extLst>
+            <a:ext uri="{909E8E84-426E-40DD-AFC4-6F175D3DCCD1}">
+              <a14:hiddenFill xmlns:a14="http://schemas.microsoft.com/office/drawing/2010/main">
+                <a:solidFill>
+                  <a:srgbClr val="FFFFFF"/>
+                </a:solidFill>
+              </a14:hiddenFill>
+            </a:ext>
+            <a:ext uri="{91240B29-F687-4F45-9708-019B960494DF}">
+              <a14:hiddenLine xmlns:a14="http://schemas.microsoft.com/office/drawing/2010/main" w="9525">
+                <a:solidFill>
+                  <a:srgbClr val="000000"/>
+                </a:solidFill>
+                <a:miter lim="800000"/>
+                <a:headEnd/>
+                <a:tailEnd/>
+              </a14:hiddenLine>
+            </a:ext>
+          </a:extLst>
+        </p:spPr>
+        <p:txBody>
+          <a:bodyPr>
+            <a:spAutoFit/>
+          </a:bodyPr>
+          <a:lstStyle>
+            <a:lvl1pPr eaLnBrk="0" hangingPunct="0">
+              <a:defRPr>
+                <a:solidFill>
+                  <a:schemeClr val="tx1"/>
+                </a:solidFill>
+                <a:latin typeface="等线" panose="02010600030101010101" charset="-122"/>
+                <a:ea typeface="等线" panose="02010600030101010101" charset="-122"/>
+                <a:cs typeface="等线" panose="02010600030101010101" charset="-122"/>
+              </a:defRPr>
+            </a:lvl1pPr>
+            <a:lvl2pPr marL="742950" indent="-285750" eaLnBrk="0" hangingPunct="0">
+              <a:defRPr>
+                <a:solidFill>
+                  <a:schemeClr val="tx1"/>
+                </a:solidFill>
+                <a:latin typeface="等线" panose="02010600030101010101" charset="-122"/>
+                <a:ea typeface="等线" panose="02010600030101010101" charset="-122"/>
+                <a:cs typeface="等线" panose="02010600030101010101" charset="-122"/>
+              </a:defRPr>
+            </a:lvl2pPr>
+            <a:lvl3pPr marL="1143000" indent="-228600" eaLnBrk="0" hangingPunct="0">
+              <a:defRPr>
+                <a:solidFill>
+                  <a:schemeClr val="tx1"/>
+                </a:solidFill>
+                <a:latin typeface="等线" panose="02010600030101010101" charset="-122"/>
+                <a:ea typeface="等线" panose="02010600030101010101" charset="-122"/>
+                <a:cs typeface="等线" panose="02010600030101010101" charset="-122"/>
+              </a:defRPr>
+            </a:lvl3pPr>
+            <a:lvl4pPr marL="1600200" indent="-228600" eaLnBrk="0" hangingPunct="0">
+              <a:defRPr>
+                <a:solidFill>
+                  <a:schemeClr val="tx1"/>
+                </a:solidFill>
+                <a:latin typeface="等线" panose="02010600030101010101" charset="-122"/>
+                <a:ea typeface="等线" panose="02010600030101010101" charset="-122"/>
+                <a:cs typeface="等线" panose="02010600030101010101" charset="-122"/>
+              </a:defRPr>
+            </a:lvl4pPr>
+            <a:lvl5pPr marL="2057400" indent="-228600" eaLnBrk="0" hangingPunct="0">
+              <a:defRPr>
+                <a:solidFill>
+                  <a:schemeClr val="tx1"/>
+                </a:solidFill>
+                <a:latin typeface="等线" panose="02010600030101010101" charset="-122"/>
+                <a:ea typeface="等线" panose="02010600030101010101" charset="-122"/>
+                <a:cs typeface="等线" panose="02010600030101010101" charset="-122"/>
+              </a:defRPr>
+            </a:lvl5pPr>
+            <a:lvl6pPr marL="2514600" indent="-228600" eaLnBrk="0" fontAlgn="base" hangingPunct="0">
+              <a:spcBef>
+                <a:spcPct val="0"/>
+              </a:spcBef>
+              <a:spcAft>
+                <a:spcPct val="0"/>
+              </a:spcAft>
+              <a:defRPr>
+                <a:solidFill>
+                  <a:schemeClr val="tx1"/>
+                </a:solidFill>
+                <a:latin typeface="等线" panose="02010600030101010101" charset="-122"/>
+                <a:ea typeface="等线" panose="02010600030101010101" charset="-122"/>
+                <a:cs typeface="等线" panose="02010600030101010101" charset="-122"/>
+              </a:defRPr>
+            </a:lvl6pPr>
+            <a:lvl7pPr marL="2971800" indent="-228600" eaLnBrk="0" fontAlgn="base" hangingPunct="0">
+              <a:spcBef>
+                <a:spcPct val="0"/>
+              </a:spcBef>
+              <a:spcAft>
+                <a:spcPct val="0"/>
+              </a:spcAft>
+              <a:defRPr>
+                <a:solidFill>
+                  <a:schemeClr val="tx1"/>
+                </a:solidFill>
+                <a:latin typeface="等线" panose="02010600030101010101" charset="-122"/>
+                <a:ea typeface="等线" panose="02010600030101010101" charset="-122"/>
+                <a:cs typeface="等线" panose="02010600030101010101" charset="-122"/>
+              </a:defRPr>
+            </a:lvl7pPr>
+            <a:lvl8pPr marL="3429000" indent="-228600" eaLnBrk="0" fontAlgn="base" hangingPunct="0">
+              <a:spcBef>
+                <a:spcPct val="0"/>
+              </a:spcBef>
+              <a:spcAft>
+                <a:spcPct val="0"/>
+              </a:spcAft>
+              <a:defRPr>
+                <a:solidFill>
+                  <a:schemeClr val="tx1"/>
+                </a:solidFill>
+                <a:latin typeface="等线" panose="02010600030101010101" charset="-122"/>
+                <a:ea typeface="等线" panose="02010600030101010101" charset="-122"/>
+                <a:cs typeface="等线" panose="02010600030101010101" charset="-122"/>
+              </a:defRPr>
+            </a:lvl8pPr>
+            <a:lvl9pPr marL="3886200" indent="-228600" eaLnBrk="0" fontAlgn="base" hangingPunct="0">
+              <a:spcBef>
+                <a:spcPct val="0"/>
+              </a:spcBef>
+              <a:spcAft>
+                <a:spcPct val="0"/>
+              </a:spcAft>
+              <a:defRPr>
+                <a:solidFill>
+                  <a:schemeClr val="tx1"/>
+                </a:solidFill>
+                <a:latin typeface="等线" panose="02010600030101010101" charset="-122"/>
+                <a:ea typeface="等线" panose="02010600030101010101" charset="-122"/>
+                <a:cs typeface="等线" panose="02010600030101010101" charset="-122"/>
+              </a:defRPr>
+            </a:lvl9pPr>
+          </a:lstStyle>
+          <a:p>
+            <a:pPr eaLnBrk="1" hangingPunct="1"/>
+            <a:r>
+              <a:rPr lang="en-US" altLang="zh-CN" sz="2400" dirty="0">
+                <a:solidFill>
+                  <a:schemeClr val="tx1"/>
+                </a:solidFill>
+                <a:latin typeface="微软雅黑" panose="020B0503020204020204" pitchFamily="34" charset="-122"/>
+                <a:ea typeface="微软雅黑" panose="020B0503020204020204" pitchFamily="34" charset="-122"/>
+              </a:rPr>
+              <a:t>2</a:t>
+            </a:r>
+            <a:r>
+              <a:rPr lang="zh-CN" altLang="en-US" sz="2400" dirty="0" smtClean="0">
+                <a:solidFill>
+                  <a:schemeClr val="tx1"/>
+                </a:solidFill>
+                <a:latin typeface="微软雅黑" panose="020B0503020204020204" pitchFamily="34" charset="-122"/>
+                <a:ea typeface="微软雅黑" panose="020B0503020204020204" pitchFamily="34" charset="-122"/>
+              </a:rPr>
+              <a:t>、理解简单数学运算</a:t>
+            </a:r>
+            <a:endParaRPr lang="zh-CN" altLang="en-US" sz="2400" dirty="0" smtClean="0">
+              <a:solidFill>
+                <a:schemeClr val="tx1"/>
+              </a:solidFill>
+              <a:latin typeface="微软雅黑" panose="020B0503020204020204" pitchFamily="34" charset="-122"/>
+              <a:ea typeface="微软雅黑" panose="020B0503020204020204" pitchFamily="34" charset="-122"/>
+            </a:endParaRPr>
+          </a:p>
+        </p:txBody>
+      </p:sp>
+      <p:sp>
+        <p:nvSpPr>
+          <p:cNvPr id="13316" name="文本框 5"/>
+          <p:cNvSpPr txBox="1">
+            <a:spLocks noChangeArrowheads="1"/>
+          </p:cNvSpPr>
+          <p:nvPr/>
+        </p:nvSpPr>
+        <p:spPr bwMode="auto">
+          <a:xfrm>
+            <a:off x="4596957" y="3610299"/>
+            <a:ext cx="5416550" cy="460375"/>
+          </a:xfrm>
+          <a:prstGeom prst="rect">
+            <a:avLst/>
+          </a:prstGeom>
+          <a:noFill/>
+          <a:ln>
+            <a:noFill/>
+          </a:ln>
+          <a:extLst>
+            <a:ext uri="{909E8E84-426E-40DD-AFC4-6F175D3DCCD1}">
+              <a14:hiddenFill xmlns:a14="http://schemas.microsoft.com/office/drawing/2010/main">
+                <a:solidFill>
+                  <a:srgbClr val="FFFFFF"/>
+                </a:solidFill>
+              </a14:hiddenFill>
+            </a:ext>
+            <a:ext uri="{91240B29-F687-4F45-9708-019B960494DF}">
+              <a14:hiddenLine xmlns:a14="http://schemas.microsoft.com/office/drawing/2010/main" w="9525">
+                <a:solidFill>
+                  <a:srgbClr val="000000"/>
+                </a:solidFill>
+                <a:miter lim="800000"/>
+                <a:headEnd/>
+                <a:tailEnd/>
+              </a14:hiddenLine>
+            </a:ext>
+          </a:extLst>
+        </p:spPr>
+        <p:txBody>
+          <a:bodyPr>
+            <a:spAutoFit/>
+          </a:bodyPr>
+          <a:lstStyle>
+            <a:lvl1pPr eaLnBrk="0" hangingPunct="0">
+              <a:defRPr>
+                <a:solidFill>
+                  <a:schemeClr val="tx1"/>
+                </a:solidFill>
+                <a:latin typeface="等线" panose="02010600030101010101" charset="-122"/>
+                <a:ea typeface="等线" panose="02010600030101010101" charset="-122"/>
+                <a:cs typeface="等线" panose="02010600030101010101" charset="-122"/>
+              </a:defRPr>
+            </a:lvl1pPr>
+            <a:lvl2pPr marL="742950" indent="-285750" eaLnBrk="0" hangingPunct="0">
+              <a:defRPr>
+                <a:solidFill>
+                  <a:schemeClr val="tx1"/>
+                </a:solidFill>
+                <a:latin typeface="等线" panose="02010600030101010101" charset="-122"/>
+                <a:ea typeface="等线" panose="02010600030101010101" charset="-122"/>
+                <a:cs typeface="等线" panose="02010600030101010101" charset="-122"/>
+              </a:defRPr>
+            </a:lvl2pPr>
+            <a:lvl3pPr marL="1143000" indent="-228600" eaLnBrk="0" hangingPunct="0">
+              <a:defRPr>
+                <a:solidFill>
+                  <a:schemeClr val="tx1"/>
+                </a:solidFill>
+                <a:latin typeface="等线" panose="02010600030101010101" charset="-122"/>
+                <a:ea typeface="等线" panose="02010600030101010101" charset="-122"/>
+                <a:cs typeface="等线" panose="02010600030101010101" charset="-122"/>
+              </a:defRPr>
+            </a:lvl3pPr>
+            <a:lvl4pPr marL="1600200" indent="-228600" eaLnBrk="0" hangingPunct="0">
+              <a:defRPr>
+                <a:solidFill>
+                  <a:schemeClr val="tx1"/>
+                </a:solidFill>
+                <a:latin typeface="等线" panose="02010600030101010101" charset="-122"/>
+                <a:ea typeface="等线" panose="02010600030101010101" charset="-122"/>
+                <a:cs typeface="等线" panose="02010600030101010101" charset="-122"/>
+              </a:defRPr>
+            </a:lvl4pPr>
+            <a:lvl5pPr marL="2057400" indent="-228600" eaLnBrk="0" hangingPunct="0">
+              <a:defRPr>
+                <a:solidFill>
+                  <a:schemeClr val="tx1"/>
+                </a:solidFill>
+                <a:latin typeface="等线" panose="02010600030101010101" charset="-122"/>
+                <a:ea typeface="等线" panose="02010600030101010101" charset="-122"/>
+                <a:cs typeface="等线" panose="02010600030101010101" charset="-122"/>
+              </a:defRPr>
+            </a:lvl5pPr>
+            <a:lvl6pPr marL="2514600" indent="-228600" eaLnBrk="0" fontAlgn="base" hangingPunct="0">
+              <a:spcBef>
+                <a:spcPct val="0"/>
+              </a:spcBef>
+              <a:spcAft>
+                <a:spcPct val="0"/>
+              </a:spcAft>
+              <a:defRPr>
+                <a:solidFill>
+                  <a:schemeClr val="tx1"/>
+                </a:solidFill>
+                <a:latin typeface="等线" panose="02010600030101010101" charset="-122"/>
+                <a:ea typeface="等线" panose="02010600030101010101" charset="-122"/>
+                <a:cs typeface="等线" panose="02010600030101010101" charset="-122"/>
+              </a:defRPr>
+            </a:lvl6pPr>
+            <a:lvl7pPr marL="2971800" indent="-228600" eaLnBrk="0" fontAlgn="base" hangingPunct="0">
+              <a:spcBef>
+                <a:spcPct val="0"/>
+              </a:spcBef>
+              <a:spcAft>
+                <a:spcPct val="0"/>
+              </a:spcAft>
+              <a:defRPr>
+                <a:solidFill>
+                  <a:schemeClr val="tx1"/>
+                </a:solidFill>
+                <a:latin typeface="等线" panose="02010600030101010101" charset="-122"/>
+                <a:ea typeface="等线" panose="02010600030101010101" charset="-122"/>
+                <a:cs typeface="等线" panose="02010600030101010101" charset="-122"/>
+              </a:defRPr>
+            </a:lvl7pPr>
+            <a:lvl8pPr marL="3429000" indent="-228600" eaLnBrk="0" fontAlgn="base" hangingPunct="0">
+              <a:spcBef>
+                <a:spcPct val="0"/>
+              </a:spcBef>
+              <a:spcAft>
+                <a:spcPct val="0"/>
+              </a:spcAft>
+              <a:defRPr>
+                <a:solidFill>
+                  <a:schemeClr val="tx1"/>
+                </a:solidFill>
+                <a:latin typeface="等线" panose="02010600030101010101" charset="-122"/>
+                <a:ea typeface="等线" panose="02010600030101010101" charset="-122"/>
+                <a:cs typeface="等线" panose="02010600030101010101" charset="-122"/>
+              </a:defRPr>
+            </a:lvl8pPr>
+            <a:lvl9pPr marL="3886200" indent="-228600" eaLnBrk="0" fontAlgn="base" hangingPunct="0">
+              <a:spcBef>
+                <a:spcPct val="0"/>
+              </a:spcBef>
+              <a:spcAft>
+                <a:spcPct val="0"/>
+              </a:spcAft>
+              <a:defRPr>
+                <a:solidFill>
+                  <a:schemeClr val="tx1"/>
+                </a:solidFill>
+                <a:latin typeface="等线" panose="02010600030101010101" charset="-122"/>
+                <a:ea typeface="等线" panose="02010600030101010101" charset="-122"/>
+                <a:cs typeface="等线" panose="02010600030101010101" charset="-122"/>
+              </a:defRPr>
+            </a:lvl9pPr>
+          </a:lstStyle>
+          <a:p>
+            <a:pPr eaLnBrk="1" hangingPunct="1"/>
+            <a:r>
+              <a:rPr lang="en-US" altLang="zh-CN" sz="2400" dirty="0">
+                <a:solidFill>
+                  <a:schemeClr val="accent4"/>
+                </a:solidFill>
+                <a:latin typeface="微软雅黑" panose="020B0503020204020204" pitchFamily="34" charset="-122"/>
+                <a:ea typeface="微软雅黑" panose="020B0503020204020204" pitchFamily="34" charset="-122"/>
+              </a:rPr>
+              <a:t>3</a:t>
+            </a:r>
+            <a:r>
+              <a:rPr lang="zh-CN" altLang="en-US" sz="2400" dirty="0" smtClean="0">
+                <a:solidFill>
+                  <a:schemeClr val="accent4"/>
+                </a:solidFill>
+                <a:latin typeface="微软雅黑" panose="020B0503020204020204" pitchFamily="34" charset="-122"/>
+                <a:ea typeface="微软雅黑" panose="020B0503020204020204" pitchFamily="34" charset="-122"/>
+              </a:rPr>
+              <a:t>、</a:t>
+            </a:r>
+            <a:r>
+              <a:rPr lang="zh-CN" altLang="en-US" sz="2400" dirty="0" smtClean="0">
+                <a:solidFill>
+                  <a:schemeClr val="accent4"/>
                 </a:solidFill>
                 <a:latin typeface="微软雅黑" panose="020B0503020204020204" pitchFamily="34" charset="-122"/>
                 <a:ea typeface="微软雅黑" panose="020B0503020204020204" pitchFamily="34" charset="-122"/>
@@ -13311,9 +13708,9 @@
               </a:rPr>
               <a:t>了解人机对话</a:t>
             </a:r>
-            <a:endParaRPr lang="zh-CN" altLang="en-US" dirty="0" smtClean="0">
+            <a:endParaRPr lang="zh-CN" altLang="en-US" sz="2400" dirty="0" smtClean="0">
               <a:solidFill>
-                <a:schemeClr val="tx1"/>
+                <a:schemeClr val="accent4"/>
               </a:solidFill>
               <a:latin typeface="微软雅黑" panose="020B0503020204020204" pitchFamily="34" charset="-122"/>
               <a:ea typeface="微软雅黑" panose="020B0503020204020204" pitchFamily="34" charset="-122"/>
@@ -13324,474 +13721,200 @@
       </p:sp>
       <p:sp>
         <p:nvSpPr>
-          <p:cNvPr id="3" name="TextBox 2"/>
-          <p:cNvSpPr txBox="1"/>
+          <p:cNvPr id="5" name="文本框 5"/>
+          <p:cNvSpPr txBox="1">
+            <a:spLocks noChangeArrowheads="1"/>
+          </p:cNvSpPr>
           <p:nvPr/>
         </p:nvSpPr>
-        <p:spPr>
+        <p:spPr bwMode="auto">
           <a:xfrm>
-            <a:off x="1015009" y="932322"/>
-            <a:ext cx="1744980" cy="460375"/>
+            <a:off x="4596957" y="4458459"/>
+            <a:ext cx="5416550" cy="460375"/>
           </a:xfrm>
           <a:prstGeom prst="rect">
             <a:avLst/>
           </a:prstGeom>
           <a:noFill/>
+          <a:ln>
+            <a:noFill/>
+          </a:ln>
+          <a:extLst>
+            <a:ext uri="{909E8E84-426E-40DD-AFC4-6F175D3DCCD1}">
+              <a14:hiddenFill xmlns:a14="http://schemas.microsoft.com/office/drawing/2010/main">
+                <a:solidFill>
+                  <a:srgbClr val="FFFFFF"/>
+                </a:solidFill>
+              </a14:hiddenFill>
+            </a:ext>
+            <a:ext uri="{91240B29-F687-4F45-9708-019B960494DF}">
+              <a14:hiddenLine xmlns:a14="http://schemas.microsoft.com/office/drawing/2010/main" w="9525">
+                <a:solidFill>
+                  <a:srgbClr val="000000"/>
+                </a:solidFill>
+                <a:miter lim="800000"/>
+                <a:headEnd/>
+                <a:tailEnd/>
+              </a14:hiddenLine>
+            </a:ext>
+          </a:extLst>
         </p:spPr>
         <p:txBody>
-          <a:bodyPr wrap="none" rtlCol="0">
+          <a:bodyPr>
             <a:spAutoFit/>
           </a:bodyPr>
-          <a:lstStyle/>
-          <a:p>
-            <a:pPr marL="342900" indent="-342900" algn="l">
-              <a:buFont typeface="Wingdings" panose="05000000000000000000" charset="0"/>
-              <a:buChar char="Ø"/>
-            </a:pPr>
+          <a:lstStyle>
+            <a:lvl1pPr eaLnBrk="0" hangingPunct="0">
+              <a:defRPr>
+                <a:solidFill>
+                  <a:schemeClr val="tx1"/>
+                </a:solidFill>
+                <a:latin typeface="等线" panose="02010600030101010101" charset="-122"/>
+                <a:ea typeface="等线" panose="02010600030101010101" charset="-122"/>
+                <a:cs typeface="等线" panose="02010600030101010101" charset="-122"/>
+              </a:defRPr>
+            </a:lvl1pPr>
+            <a:lvl2pPr marL="742950" indent="-285750" eaLnBrk="0" hangingPunct="0">
+              <a:defRPr>
+                <a:solidFill>
+                  <a:schemeClr val="tx1"/>
+                </a:solidFill>
+                <a:latin typeface="等线" panose="02010600030101010101" charset="-122"/>
+                <a:ea typeface="等线" panose="02010600030101010101" charset="-122"/>
+                <a:cs typeface="等线" panose="02010600030101010101" charset="-122"/>
+              </a:defRPr>
+            </a:lvl2pPr>
+            <a:lvl3pPr marL="1143000" indent="-228600" eaLnBrk="0" hangingPunct="0">
+              <a:defRPr>
+                <a:solidFill>
+                  <a:schemeClr val="tx1"/>
+                </a:solidFill>
+                <a:latin typeface="等线" panose="02010600030101010101" charset="-122"/>
+                <a:ea typeface="等线" panose="02010600030101010101" charset="-122"/>
+                <a:cs typeface="等线" panose="02010600030101010101" charset="-122"/>
+              </a:defRPr>
+            </a:lvl3pPr>
+            <a:lvl4pPr marL="1600200" indent="-228600" eaLnBrk="0" hangingPunct="0">
+              <a:defRPr>
+                <a:solidFill>
+                  <a:schemeClr val="tx1"/>
+                </a:solidFill>
+                <a:latin typeface="等线" panose="02010600030101010101" charset="-122"/>
+                <a:ea typeface="等线" panose="02010600030101010101" charset="-122"/>
+                <a:cs typeface="等线" panose="02010600030101010101" charset="-122"/>
+              </a:defRPr>
+            </a:lvl4pPr>
+            <a:lvl5pPr marL="2057400" indent="-228600" eaLnBrk="0" hangingPunct="0">
+              <a:defRPr>
+                <a:solidFill>
+                  <a:schemeClr val="tx1"/>
+                </a:solidFill>
+                <a:latin typeface="等线" panose="02010600030101010101" charset="-122"/>
+                <a:ea typeface="等线" panose="02010600030101010101" charset="-122"/>
+                <a:cs typeface="等线" panose="02010600030101010101" charset="-122"/>
+              </a:defRPr>
+            </a:lvl5pPr>
+            <a:lvl6pPr marL="2514600" indent="-228600" eaLnBrk="0" fontAlgn="base" hangingPunct="0">
+              <a:spcBef>
+                <a:spcPct val="0"/>
+              </a:spcBef>
+              <a:spcAft>
+                <a:spcPct val="0"/>
+              </a:spcAft>
+              <a:defRPr>
+                <a:solidFill>
+                  <a:schemeClr val="tx1"/>
+                </a:solidFill>
+                <a:latin typeface="等线" panose="02010600030101010101" charset="-122"/>
+                <a:ea typeface="等线" panose="02010600030101010101" charset="-122"/>
+                <a:cs typeface="等线" panose="02010600030101010101" charset="-122"/>
+              </a:defRPr>
+            </a:lvl6pPr>
+            <a:lvl7pPr marL="2971800" indent="-228600" eaLnBrk="0" fontAlgn="base" hangingPunct="0">
+              <a:spcBef>
+                <a:spcPct val="0"/>
+              </a:spcBef>
+              <a:spcAft>
+                <a:spcPct val="0"/>
+              </a:spcAft>
+              <a:defRPr>
+                <a:solidFill>
+                  <a:schemeClr val="tx1"/>
+                </a:solidFill>
+                <a:latin typeface="等线" panose="02010600030101010101" charset="-122"/>
+                <a:ea typeface="等线" panose="02010600030101010101" charset="-122"/>
+                <a:cs typeface="等线" panose="02010600030101010101" charset="-122"/>
+              </a:defRPr>
+            </a:lvl7pPr>
+            <a:lvl8pPr marL="3429000" indent="-228600" eaLnBrk="0" fontAlgn="base" hangingPunct="0">
+              <a:spcBef>
+                <a:spcPct val="0"/>
+              </a:spcBef>
+              <a:spcAft>
+                <a:spcPct val="0"/>
+              </a:spcAft>
+              <a:defRPr>
+                <a:solidFill>
+                  <a:schemeClr val="tx1"/>
+                </a:solidFill>
+                <a:latin typeface="等线" panose="02010600030101010101" charset="-122"/>
+                <a:ea typeface="等线" panose="02010600030101010101" charset="-122"/>
+                <a:cs typeface="等线" panose="02010600030101010101" charset="-122"/>
+              </a:defRPr>
+            </a:lvl8pPr>
+            <a:lvl9pPr marL="3886200" indent="-228600" eaLnBrk="0" fontAlgn="base" hangingPunct="0">
+              <a:spcBef>
+                <a:spcPct val="0"/>
+              </a:spcBef>
+              <a:spcAft>
+                <a:spcPct val="0"/>
+              </a:spcAft>
+              <a:defRPr>
+                <a:solidFill>
+                  <a:schemeClr val="tx1"/>
+                </a:solidFill>
+                <a:latin typeface="等线" panose="02010600030101010101" charset="-122"/>
+                <a:ea typeface="等线" panose="02010600030101010101" charset="-122"/>
+                <a:cs typeface="等线" panose="02010600030101010101" charset="-122"/>
+              </a:defRPr>
+            </a:lvl9pPr>
+          </a:lstStyle>
+          <a:p>
+            <a:pPr eaLnBrk="1" hangingPunct="1"/>
+            <a:r>
+              <a:rPr lang="en-US" altLang="zh-CN" sz="2400" dirty="0" smtClean="0">
+                <a:solidFill>
+                  <a:prstClr val="black"/>
+                </a:solidFill>
+                <a:latin typeface="微软雅黑" panose="020B0503020204020204" pitchFamily="34" charset="-122"/>
+                <a:ea typeface="微软雅黑" panose="020B0503020204020204" pitchFamily="34" charset="-122"/>
+              </a:rPr>
+              <a:t>4</a:t>
+            </a:r>
+            <a:r>
+              <a:rPr lang="zh-CN" altLang="en-US" sz="2400" dirty="0" smtClean="0">
+                <a:solidFill>
+                  <a:prstClr val="black"/>
+                </a:solidFill>
+                <a:latin typeface="微软雅黑" panose="020B0503020204020204" pitchFamily="34" charset="-122"/>
+                <a:ea typeface="微软雅黑" panose="020B0503020204020204" pitchFamily="34" charset="-122"/>
+              </a:rPr>
+              <a:t>、</a:t>
+            </a:r>
             <a:r>
               <a:rPr lang="zh-CN" altLang="en-US" sz="2400" dirty="0" smtClean="0">
                 <a:latin typeface="微软雅黑" panose="020B0503020204020204" pitchFamily="34" charset="-122"/>
                 <a:ea typeface="微软雅黑" panose="020B0503020204020204" pitchFamily="34" charset="-122"/>
+                <a:sym typeface="+mn-ea"/>
               </a:rPr>
-              <a:t>数据类型</a:t>
-            </a:r>
-            <a:endParaRPr lang="zh-CN" altLang="en-US" sz="2400" dirty="0" smtClean="0">
+              <a:t>条件语句</a:t>
+            </a:r>
+            <a:endParaRPr lang="zh-CN" altLang="en-US" sz="2400" dirty="0">
+              <a:solidFill>
+                <a:prstClr val="black"/>
+              </a:solidFill>
               <a:latin typeface="微软雅黑" panose="020B0503020204020204" pitchFamily="34" charset="-122"/>
               <a:ea typeface="微软雅黑" panose="020B0503020204020204" pitchFamily="34" charset="-122"/>
-            </a:endParaRPr>
-          </a:p>
-        </p:txBody>
-      </p:sp>
-      <p:sp>
-        <p:nvSpPr>
-          <p:cNvPr id="7" name="文本框 6"/>
-          <p:cNvSpPr txBox="1"/>
-          <p:nvPr/>
-        </p:nvSpPr>
-        <p:spPr>
-          <a:xfrm>
-            <a:off x="1449705" y="1734185"/>
-            <a:ext cx="5326380" cy="1938020"/>
-          </a:xfrm>
-          <a:prstGeom prst="rect">
-            <a:avLst/>
-          </a:prstGeom>
-          <a:noFill/>
-        </p:spPr>
-        <p:txBody>
-          <a:bodyPr wrap="square" rtlCol="0" anchor="t">
-            <a:spAutoFit/>
-          </a:bodyPr>
-          <a:p>
-            <a:pPr marL="0" indent="0">
-              <a:lnSpc>
-                <a:spcPct val="150000"/>
-              </a:lnSpc>
-              <a:buFont typeface="Wingdings" panose="05000000000000000000" charset="0"/>
-              <a:buNone/>
-            </a:pPr>
-            <a:r>
-              <a:rPr lang="zh-CN" altLang="en-US" sz="2000">
-                <a:solidFill>
-                  <a:schemeClr val="tx1"/>
-                </a:solidFill>
-                <a:effectLst>
-                  <a:outerShdw blurRad="38100" dist="25400" dir="5400000" algn="ctr" rotWithShape="0">
-                    <a:srgbClr val="6E747A">
-                      <a:alpha val="43000"/>
-                    </a:srgbClr>
-                  </a:outerShdw>
-                </a:effectLst>
-                <a:latin typeface="微软雅黑" panose="020B0503020204020204" pitchFamily="34" charset="-122"/>
-                <a:ea typeface="微软雅黑" panose="020B0503020204020204" pitchFamily="34" charset="-122"/>
-                <a:cs typeface="微软雅黑" panose="020B0503020204020204" pitchFamily="34" charset="-122"/>
-                <a:sym typeface="+mn-ea"/>
-              </a:rPr>
-              <a:t>类型转换函数：</a:t>
-            </a:r>
-            <a:endParaRPr lang="zh-CN" altLang="en-US" sz="2000">
-              <a:solidFill>
-                <a:schemeClr val="tx1"/>
-              </a:solidFill>
-              <a:effectLst>
-                <a:outerShdw blurRad="38100" dist="25400" dir="5400000" algn="ctr" rotWithShape="0">
-                  <a:srgbClr val="6E747A">
-                    <a:alpha val="43000"/>
-                  </a:srgbClr>
-                </a:outerShdw>
-              </a:effectLst>
-              <a:latin typeface="微软雅黑" panose="020B0503020204020204" pitchFamily="34" charset="-122"/>
-              <a:ea typeface="微软雅黑" panose="020B0503020204020204" pitchFamily="34" charset="-122"/>
-              <a:cs typeface="微软雅黑" panose="020B0503020204020204" pitchFamily="34" charset="-122"/>
-              <a:sym typeface="+mn-ea"/>
-            </a:endParaRPr>
-          </a:p>
-          <a:p>
-            <a:pPr marL="285750" indent="-285750">
-              <a:lnSpc>
-                <a:spcPct val="150000"/>
-              </a:lnSpc>
-              <a:buFont typeface="Arial" panose="020B0604020202020204" pitchFamily="34" charset="0"/>
-              <a:buChar char="•"/>
-            </a:pPr>
-            <a:r>
-              <a:rPr lang="zh-CN" altLang="en-US" sz="2000">
-                <a:solidFill>
-                  <a:schemeClr val="tx1"/>
-                </a:solidFill>
-                <a:effectLst>
-                  <a:outerShdw blurRad="38100" dist="25400" dir="5400000" algn="ctr" rotWithShape="0">
-                    <a:srgbClr val="6E747A">
-                      <a:alpha val="43000"/>
-                    </a:srgbClr>
-                  </a:outerShdw>
-                </a:effectLst>
-                <a:latin typeface="微软雅黑" panose="020B0503020204020204" pitchFamily="34" charset="-122"/>
-                <a:ea typeface="微软雅黑" panose="020B0503020204020204" pitchFamily="34" charset="-122"/>
-                <a:cs typeface="微软雅黑" panose="020B0503020204020204" pitchFamily="34" charset="-122"/>
-                <a:sym typeface="+mn-ea"/>
-              </a:rPr>
-              <a:t>int(x)  将 x 转换为一个整数 </a:t>
-            </a:r>
-            <a:endParaRPr lang="zh-CN" altLang="en-US" sz="2000">
-              <a:solidFill>
-                <a:schemeClr val="tx1"/>
-              </a:solidFill>
-              <a:effectLst>
-                <a:outerShdw blurRad="38100" dist="25400" dir="5400000" algn="ctr" rotWithShape="0">
-                  <a:srgbClr val="6E747A">
-                    <a:alpha val="43000"/>
-                  </a:srgbClr>
-                </a:outerShdw>
-              </a:effectLst>
-              <a:latin typeface="微软雅黑" panose="020B0503020204020204" pitchFamily="34" charset="-122"/>
-              <a:ea typeface="微软雅黑" panose="020B0503020204020204" pitchFamily="34" charset="-122"/>
-              <a:cs typeface="微软雅黑" panose="020B0503020204020204" pitchFamily="34" charset="-122"/>
-              <a:sym typeface="+mn-ea"/>
-            </a:endParaRPr>
-          </a:p>
-          <a:p>
-            <a:pPr marL="285750" indent="-285750">
-              <a:lnSpc>
-                <a:spcPct val="150000"/>
-              </a:lnSpc>
-              <a:buFont typeface="Arial" panose="020B0604020202020204" pitchFamily="34" charset="0"/>
-              <a:buChar char="•"/>
-            </a:pPr>
-            <a:r>
-              <a:rPr lang="zh-CN" altLang="en-US" sz="2000">
-                <a:solidFill>
-                  <a:schemeClr val="tx1"/>
-                </a:solidFill>
-                <a:effectLst>
-                  <a:outerShdw blurRad="38100" dist="25400" dir="5400000" algn="ctr" rotWithShape="0">
-                    <a:srgbClr val="6E747A">
-                      <a:alpha val="43000"/>
-                    </a:srgbClr>
-                  </a:outerShdw>
-                </a:effectLst>
-                <a:latin typeface="微软雅黑" panose="020B0503020204020204" pitchFamily="34" charset="-122"/>
-                <a:ea typeface="微软雅黑" panose="020B0503020204020204" pitchFamily="34" charset="-122"/>
-                <a:cs typeface="微软雅黑" panose="020B0503020204020204" pitchFamily="34" charset="-122"/>
-                <a:sym typeface="+mn-ea"/>
-              </a:rPr>
-              <a:t>float(x) 将 x 转换为一个浮点数</a:t>
-            </a:r>
-            <a:r>
-              <a:rPr lang="zh-CN" altLang="en-US" sz="2000">
-                <a:solidFill>
-                  <a:srgbClr val="0070C0"/>
-                </a:solidFill>
-                <a:effectLst>
-                  <a:outerShdw blurRad="38100" dist="25400" dir="5400000" algn="ctr" rotWithShape="0">
-                    <a:srgbClr val="6E747A">
-                      <a:alpha val="43000"/>
-                    </a:srgbClr>
-                  </a:outerShdw>
-                </a:effectLst>
-                <a:latin typeface="微软雅黑" panose="020B0503020204020204" pitchFamily="34" charset="-122"/>
-                <a:ea typeface="微软雅黑" panose="020B0503020204020204" pitchFamily="34" charset="-122"/>
-                <a:cs typeface="微软雅黑" panose="020B0503020204020204" pitchFamily="34" charset="-122"/>
-                <a:sym typeface="+mn-ea"/>
-              </a:rPr>
-              <a:t> </a:t>
-            </a:r>
-            <a:endParaRPr lang="zh-CN" altLang="en-US" sz="2000">
-              <a:solidFill>
-                <a:srgbClr val="0070C0"/>
-              </a:solidFill>
-              <a:effectLst>
-                <a:outerShdw blurRad="38100" dist="25400" dir="5400000" algn="ctr" rotWithShape="0">
-                  <a:srgbClr val="6E747A">
-                    <a:alpha val="43000"/>
-                  </a:srgbClr>
-                </a:outerShdw>
-              </a:effectLst>
-              <a:latin typeface="微软雅黑" panose="020B0503020204020204" pitchFamily="34" charset="-122"/>
-              <a:ea typeface="微软雅黑" panose="020B0503020204020204" pitchFamily="34" charset="-122"/>
-              <a:cs typeface="微软雅黑" panose="020B0503020204020204" pitchFamily="34" charset="-122"/>
-              <a:sym typeface="+mn-ea"/>
-            </a:endParaRPr>
-          </a:p>
-          <a:p>
-            <a:pPr marL="285750" indent="-285750">
-              <a:lnSpc>
-                <a:spcPct val="150000"/>
-              </a:lnSpc>
-              <a:buFont typeface="Arial" panose="020B0604020202020204" pitchFamily="34" charset="0"/>
-              <a:buChar char="•"/>
-            </a:pPr>
-            <a:r>
-              <a:rPr lang="en-US" altLang="zh-CN" sz="2000">
-                <a:effectLst>
-                  <a:outerShdw blurRad="38100" dist="25400" dir="5400000" algn="ctr" rotWithShape="0">
-                    <a:srgbClr val="6E747A">
-                      <a:alpha val="43000"/>
-                    </a:srgbClr>
-                  </a:outerShdw>
-                </a:effectLst>
-                <a:latin typeface="微软雅黑" panose="020B0503020204020204" pitchFamily="34" charset="-122"/>
-                <a:ea typeface="微软雅黑" panose="020B0503020204020204" pitchFamily="34" charset="-122"/>
-                <a:cs typeface="微软雅黑" panose="020B0503020204020204" pitchFamily="34" charset="-122"/>
-                <a:sym typeface="+mn-ea"/>
-              </a:rPr>
-              <a:t>str</a:t>
-            </a:r>
-            <a:r>
-              <a:rPr lang="zh-CN" altLang="en-US" sz="2000">
-                <a:effectLst>
-                  <a:outerShdw blurRad="38100" dist="25400" dir="5400000" algn="ctr" rotWithShape="0">
-                    <a:srgbClr val="6E747A">
-                      <a:alpha val="43000"/>
-                    </a:srgbClr>
-                  </a:outerShdw>
-                </a:effectLst>
-                <a:latin typeface="微软雅黑" panose="020B0503020204020204" pitchFamily="34" charset="-122"/>
-                <a:ea typeface="微软雅黑" panose="020B0503020204020204" pitchFamily="34" charset="-122"/>
-                <a:cs typeface="微软雅黑" panose="020B0503020204020204" pitchFamily="34" charset="-122"/>
-                <a:sym typeface="+mn-ea"/>
-              </a:rPr>
-              <a:t>(x) 将 x 转换为一个字符串</a:t>
-            </a:r>
-            <a:r>
-              <a:rPr lang="zh-CN" altLang="en-US" sz="2000">
-                <a:solidFill>
-                  <a:srgbClr val="0070C0"/>
-                </a:solidFill>
-                <a:effectLst>
-                  <a:outerShdw blurRad="38100" dist="25400" dir="5400000" algn="ctr" rotWithShape="0">
-                    <a:srgbClr val="6E747A">
-                      <a:alpha val="43000"/>
-                    </a:srgbClr>
-                  </a:outerShdw>
-                </a:effectLst>
-                <a:latin typeface="微软雅黑" panose="020B0503020204020204" pitchFamily="34" charset="-122"/>
-                <a:ea typeface="微软雅黑" panose="020B0503020204020204" pitchFamily="34" charset="-122"/>
-                <a:cs typeface="微软雅黑" panose="020B0503020204020204" pitchFamily="34" charset="-122"/>
-                <a:sym typeface="+mn-ea"/>
-              </a:rPr>
-              <a:t> </a:t>
-            </a:r>
-            <a:endParaRPr lang="zh-CN" altLang="en-US">
-              <a:solidFill>
-                <a:srgbClr val="0070C0"/>
-              </a:solidFill>
-              <a:effectLst>
-                <a:outerShdw blurRad="38100" dist="25400" dir="5400000" algn="ctr" rotWithShape="0">
-                  <a:srgbClr val="6E747A">
-                    <a:alpha val="43000"/>
-                  </a:srgbClr>
-                </a:outerShdw>
-              </a:effectLst>
-              <a:latin typeface="微软雅黑" panose="020B0503020204020204" pitchFamily="34" charset="-122"/>
-              <a:ea typeface="微软雅黑" panose="020B0503020204020204" pitchFamily="34" charset="-122"/>
-              <a:cs typeface="微软雅黑" panose="020B0503020204020204" pitchFamily="34" charset="-122"/>
-              <a:sym typeface="+mn-ea"/>
-            </a:endParaRPr>
-          </a:p>
-        </p:txBody>
-      </p:sp>
-      <p:sp>
-        <p:nvSpPr>
-          <p:cNvPr id="2" name="文本框 1"/>
-          <p:cNvSpPr txBox="1"/>
-          <p:nvPr/>
-        </p:nvSpPr>
-        <p:spPr>
-          <a:xfrm>
-            <a:off x="1551305" y="3943350"/>
-            <a:ext cx="5326380" cy="1753235"/>
-          </a:xfrm>
-          <a:prstGeom prst="rect">
-            <a:avLst/>
-          </a:prstGeom>
-          <a:noFill/>
-        </p:spPr>
-        <p:txBody>
-          <a:bodyPr wrap="square" rtlCol="0" anchor="t">
-            <a:spAutoFit/>
-          </a:bodyPr>
-          <a:p>
-            <a:pPr marL="0" indent="0">
-              <a:lnSpc>
-                <a:spcPct val="150000"/>
-              </a:lnSpc>
-              <a:buFont typeface="Wingdings" panose="05000000000000000000" charset="0"/>
-              <a:buNone/>
-            </a:pPr>
-            <a:r>
-              <a:rPr lang="en-US" altLang="zh-CN">
-                <a:solidFill>
-                  <a:srgbClr val="0070C0"/>
-                </a:solidFill>
-                <a:effectLst>
-                  <a:outerShdw blurRad="38100" dist="25400" dir="5400000" algn="ctr" rotWithShape="0">
-                    <a:srgbClr val="6E747A">
-                      <a:alpha val="43000"/>
-                    </a:srgbClr>
-                  </a:outerShdw>
-                </a:effectLst>
-                <a:latin typeface="微软雅黑" panose="020B0503020204020204" pitchFamily="34" charset="-122"/>
-                <a:ea typeface="微软雅黑" panose="020B0503020204020204" pitchFamily="34" charset="-122"/>
-                <a:cs typeface="微软雅黑" panose="020B0503020204020204" pitchFamily="34" charset="-122"/>
-                <a:sym typeface="+mn-ea"/>
-              </a:rPr>
-              <a:t>   a = 1.7</a:t>
-            </a:r>
-            <a:endParaRPr lang="en-US" altLang="zh-CN">
-              <a:solidFill>
-                <a:srgbClr val="0070C0"/>
-              </a:solidFill>
-              <a:effectLst>
-                <a:outerShdw blurRad="38100" dist="25400" dir="5400000" algn="ctr" rotWithShape="0">
-                  <a:srgbClr val="6E747A">
-                    <a:alpha val="43000"/>
-                  </a:srgbClr>
-                </a:outerShdw>
-              </a:effectLst>
-              <a:latin typeface="微软雅黑" panose="020B0503020204020204" pitchFamily="34" charset="-122"/>
-              <a:ea typeface="微软雅黑" panose="020B0503020204020204" pitchFamily="34" charset="-122"/>
-              <a:cs typeface="微软雅黑" panose="020B0503020204020204" pitchFamily="34" charset="-122"/>
-              <a:sym typeface="+mn-ea"/>
-            </a:endParaRPr>
-          </a:p>
-          <a:p>
-            <a:pPr marL="0" indent="0">
-              <a:lnSpc>
-                <a:spcPct val="150000"/>
-              </a:lnSpc>
-              <a:buFont typeface="Wingdings" panose="05000000000000000000" charset="0"/>
-              <a:buNone/>
-            </a:pPr>
-            <a:r>
-              <a:rPr lang="en-US" altLang="zh-CN">
-                <a:solidFill>
-                  <a:srgbClr val="0070C0"/>
-                </a:solidFill>
-                <a:effectLst>
-                  <a:outerShdw blurRad="38100" dist="25400" dir="5400000" algn="ctr" rotWithShape="0">
-                    <a:srgbClr val="6E747A">
-                      <a:alpha val="43000"/>
-                    </a:srgbClr>
-                  </a:outerShdw>
-                </a:effectLst>
-                <a:latin typeface="微软雅黑" panose="020B0503020204020204" pitchFamily="34" charset="-122"/>
-                <a:ea typeface="微软雅黑" panose="020B0503020204020204" pitchFamily="34" charset="-122"/>
-                <a:cs typeface="微软雅黑" panose="020B0503020204020204" pitchFamily="34" charset="-122"/>
-                <a:sym typeface="+mn-ea"/>
-              </a:rPr>
-              <a:t>   b = int(a)</a:t>
-            </a:r>
-            <a:endParaRPr lang="en-US" altLang="zh-CN">
-              <a:solidFill>
-                <a:srgbClr val="0070C0"/>
-              </a:solidFill>
-              <a:effectLst>
-                <a:outerShdw blurRad="38100" dist="25400" dir="5400000" algn="ctr" rotWithShape="0">
-                  <a:srgbClr val="6E747A">
-                    <a:alpha val="43000"/>
-                  </a:srgbClr>
-                </a:outerShdw>
-              </a:effectLst>
-              <a:latin typeface="微软雅黑" panose="020B0503020204020204" pitchFamily="34" charset="-122"/>
-              <a:ea typeface="微软雅黑" panose="020B0503020204020204" pitchFamily="34" charset="-122"/>
-              <a:cs typeface="微软雅黑" panose="020B0503020204020204" pitchFamily="34" charset="-122"/>
-              <a:sym typeface="+mn-ea"/>
-            </a:endParaRPr>
-          </a:p>
-          <a:p>
-            <a:pPr marL="0" indent="0">
-              <a:lnSpc>
-                <a:spcPct val="150000"/>
-              </a:lnSpc>
-              <a:buFont typeface="Wingdings" panose="05000000000000000000" charset="0"/>
-              <a:buNone/>
-            </a:pPr>
-            <a:r>
-              <a:rPr lang="en-US" altLang="zh-CN">
-                <a:solidFill>
-                  <a:srgbClr val="0070C0"/>
-                </a:solidFill>
-                <a:effectLst>
-                  <a:outerShdw blurRad="38100" dist="25400" dir="5400000" algn="ctr" rotWithShape="0">
-                    <a:srgbClr val="6E747A">
-                      <a:alpha val="43000"/>
-                    </a:srgbClr>
-                  </a:outerShdw>
-                </a:effectLst>
-                <a:latin typeface="微软雅黑" panose="020B0503020204020204" pitchFamily="34" charset="-122"/>
-                <a:ea typeface="微软雅黑" panose="020B0503020204020204" pitchFamily="34" charset="-122"/>
-                <a:cs typeface="微软雅黑" panose="020B0503020204020204" pitchFamily="34" charset="-122"/>
-                <a:sym typeface="+mn-ea"/>
-              </a:rPr>
-              <a:t>   print(a)</a:t>
-            </a:r>
-            <a:endParaRPr lang="en-US" altLang="zh-CN">
-              <a:solidFill>
-                <a:srgbClr val="0070C0"/>
-              </a:solidFill>
-              <a:effectLst>
-                <a:outerShdw blurRad="38100" dist="25400" dir="5400000" algn="ctr" rotWithShape="0">
-                  <a:srgbClr val="6E747A">
-                    <a:alpha val="43000"/>
-                  </a:srgbClr>
-                </a:outerShdw>
-              </a:effectLst>
-              <a:latin typeface="微软雅黑" panose="020B0503020204020204" pitchFamily="34" charset="-122"/>
-              <a:ea typeface="微软雅黑" panose="020B0503020204020204" pitchFamily="34" charset="-122"/>
-              <a:cs typeface="微软雅黑" panose="020B0503020204020204" pitchFamily="34" charset="-122"/>
-              <a:sym typeface="+mn-ea"/>
-            </a:endParaRPr>
-          </a:p>
-          <a:p>
-            <a:pPr marL="0" indent="0">
-              <a:lnSpc>
-                <a:spcPct val="150000"/>
-              </a:lnSpc>
-              <a:buFont typeface="Wingdings" panose="05000000000000000000" charset="0"/>
-              <a:buNone/>
-            </a:pPr>
-            <a:r>
-              <a:rPr lang="zh-CN" altLang="en-US" b="1">
-                <a:sym typeface="+mn-ea"/>
-              </a:rPr>
-              <a:t>int ( )总是下取整</a:t>
-            </a:r>
-            <a:endParaRPr lang="en-US" altLang="zh-CN" b="1">
-              <a:solidFill>
-                <a:srgbClr val="0070C0"/>
-              </a:solidFill>
-              <a:effectLst>
-                <a:outerShdw blurRad="38100" dist="25400" dir="5400000" algn="ctr" rotWithShape="0">
-                  <a:srgbClr val="6E747A">
-                    <a:alpha val="43000"/>
-                  </a:srgbClr>
-                </a:outerShdw>
-              </a:effectLst>
-              <a:latin typeface="微软雅黑" panose="020B0503020204020204" pitchFamily="34" charset="-122"/>
-              <a:ea typeface="微软雅黑" panose="020B0503020204020204" pitchFamily="34" charset="-122"/>
-              <a:cs typeface="微软雅黑" panose="020B0503020204020204" pitchFamily="34" charset="-122"/>
-              <a:sym typeface="+mn-ea"/>
             </a:endParaRPr>
           </a:p>
         </p:txBody>
@@ -14064,16 +14187,36 @@
           </a:p>
         </p:txBody>
       </p:sp>
+      <p:graphicFrame>
+        <p:nvGraphicFramePr>
+          <p:cNvPr id="6" name="内容占位符 5"/>
+          <p:cNvGraphicFramePr>
+            <a:graphicFrameLocks noGrp="1"/>
+          </p:cNvGraphicFramePr>
+          <p:nvPr>
+            <p:ph idx="1"/>
+          </p:nvPr>
+        </p:nvGraphicFramePr>
+        <p:xfrm>
+          <a:off x="5629910" y="1392555"/>
+          <a:ext cx="5278120" cy="3367405"/>
+        </p:xfrm>
+        <a:graphic>
+          <a:graphicData uri="http://schemas.openxmlformats.org/drawingml/2006/diagram">
+            <dgm:relIds xmlns:dgm="http://schemas.openxmlformats.org/drawingml/2006/diagram" xmlns:r="http://schemas.openxmlformats.org/officeDocument/2006/relationships" r:dm="rId2" r:lo="rId3" r:qs="rId4" r:cs="rId5"/>
+          </a:graphicData>
+        </a:graphic>
+      </p:graphicFrame>
       <p:sp>
         <p:nvSpPr>
-          <p:cNvPr id="6" name="文本框 5"/>
+          <p:cNvPr id="4" name="文本框 3"/>
           <p:cNvSpPr txBox="1"/>
           <p:nvPr/>
         </p:nvSpPr>
         <p:spPr>
           <a:xfrm>
-            <a:off x="1658620" y="1710690"/>
-            <a:ext cx="8875395" cy="3046095"/>
+            <a:off x="1482090" y="2376805"/>
+            <a:ext cx="4709160" cy="1322070"/>
           </a:xfrm>
           <a:prstGeom prst="rect">
             <a:avLst/>
@@ -14085,88 +14228,85 @@
             <a:spAutoFit/>
           </a:bodyPr>
           <a:p>
-            <a:r>
-              <a:rPr lang="zh-CN" altLang="en-US" sz="2400" b="1">
+            <a:pPr marL="285750" indent="-285750">
+              <a:buFont typeface="Wingdings" panose="05000000000000000000" charset="0"/>
+              <a:buChar char="u"/>
+            </a:pPr>
+            <a:r>
+              <a:rPr lang="zh-CN" altLang="en-US" sz="2000">
+                <a:solidFill>
+                  <a:schemeClr val="tx1"/>
+                </a:solidFill>
                 <a:sym typeface="+mn-ea"/>
               </a:rPr>
-              <a:t>type</a:t>
-            </a:r>
-            <a:r>
-              <a:rPr lang="zh-CN" altLang="en-US" sz="2400" b="1">
-                <a:effectLst>
-                  <a:outerShdw blurRad="38100" dist="25400" dir="5400000" algn="ctr" rotWithShape="0">
-                    <a:srgbClr val="6E747A">
-                      <a:alpha val="43000"/>
-                    </a:srgbClr>
-                  </a:outerShdw>
-                </a:effectLst>
-                <a:latin typeface="微软雅黑" panose="020B0503020204020204" pitchFamily="34" charset="-122"/>
-                <a:ea typeface="微软雅黑" panose="020B0503020204020204" pitchFamily="34" charset="-122"/>
-                <a:cs typeface="微软雅黑" panose="020B0503020204020204" pitchFamily="34" charset="-122"/>
+              <a:t>str—— 字符串</a:t>
+            </a:r>
+            <a:endParaRPr lang="zh-CN" altLang="en-US" sz="2000">
+              <a:solidFill>
+                <a:schemeClr val="tx1"/>
+              </a:solidFill>
+            </a:endParaRPr>
+          </a:p>
+          <a:p>
+            <a:pPr marL="285750" indent="-285750">
+              <a:buFont typeface="Wingdings" panose="05000000000000000000" charset="0"/>
+              <a:buChar char="u"/>
+            </a:pPr>
+            <a:r>
+              <a:rPr lang="zh-CN" altLang="en-US" sz="2000">
+                <a:solidFill>
+                  <a:schemeClr val="tx1"/>
+                </a:solidFill>
                 <a:sym typeface="+mn-ea"/>
               </a:rPr>
-              <a:t>函数：</a:t>
-            </a:r>
-            <a:r>
-              <a:rPr lang="zh-CN" altLang="en-US" sz="2400" b="1">
+              <a:t>bool —— 布尔（真True，假False）</a:t>
+            </a:r>
+            <a:endParaRPr lang="zh-CN" altLang="en-US" sz="2000">
+              <a:solidFill>
+                <a:schemeClr val="tx1"/>
+              </a:solidFill>
+            </a:endParaRPr>
+          </a:p>
+          <a:p>
+            <a:pPr marL="285750" indent="-285750">
+              <a:buFont typeface="Wingdings" panose="05000000000000000000" charset="0"/>
+              <a:buChar char="u"/>
+            </a:pPr>
+            <a:r>
+              <a:rPr lang="zh-CN" altLang="en-US" sz="2000">
+                <a:solidFill>
+                  <a:schemeClr val="tx1"/>
+                </a:solidFill>
                 <a:sym typeface="+mn-ea"/>
               </a:rPr>
-              <a:t>变量的类型</a:t>
-            </a:r>
-            <a:endParaRPr lang="zh-CN" altLang="en-US" sz="2400"/>
-          </a:p>
-          <a:p>
-            <a:r>
-              <a:rPr lang="zh-CN" altLang="en-US" sz="2400"/>
-              <a:t>     a='44.2'</a:t>
-            </a:r>
-            <a:endParaRPr lang="zh-CN" altLang="en-US" sz="2400"/>
-          </a:p>
-          <a:p>
-            <a:r>
-              <a:rPr lang="zh-CN" altLang="en-US" sz="2400"/>
-              <a:t>     b=44.2</a:t>
-            </a:r>
-            <a:endParaRPr lang="zh-CN" altLang="en-US" sz="2400"/>
-          </a:p>
-          <a:p>
-            <a:r>
-              <a:rPr lang="zh-CN" altLang="en-US" sz="2400"/>
-              <a:t>     type(a)</a:t>
-            </a:r>
-            <a:endParaRPr lang="zh-CN" altLang="en-US" sz="2400"/>
-          </a:p>
-          <a:p>
-            <a:r>
-              <a:rPr lang="zh-CN" altLang="en-US" sz="2400"/>
-              <a:t>     type(b)</a:t>
-            </a:r>
-            <a:endParaRPr lang="zh-CN" altLang="en-US" sz="2400"/>
-          </a:p>
-          <a:p>
-            <a:endParaRPr lang="zh-CN" altLang="en-US" sz="2400"/>
-          </a:p>
-          <a:p>
-            <a:pPr marL="342900" indent="-342900">
-              <a:buFont typeface="Arial" panose="020B0604020202020204" pitchFamily="34" charset="0"/>
-              <a:buChar char="•"/>
+              <a:t>int—— 整数</a:t>
+            </a:r>
+            <a:endParaRPr lang="zh-CN" altLang="en-US" sz="2000">
+              <a:solidFill>
+                <a:schemeClr val="tx1"/>
+              </a:solidFill>
+            </a:endParaRPr>
+          </a:p>
+          <a:p>
+            <a:pPr marL="285750" indent="-285750">
+              <a:buFont typeface="Wingdings" panose="05000000000000000000" charset="0"/>
+              <a:buChar char="u"/>
             </a:pPr>
             <a:r>
-              <a:rPr lang="zh-CN" altLang="en-US" sz="2400" b="1"/>
-              <a:t>a 的类型是 'str'，这代表字符串</a:t>
-            </a:r>
-            <a:endParaRPr lang="zh-CN" altLang="en-US" sz="2400" b="1"/>
-          </a:p>
-          <a:p>
-            <a:pPr marL="342900" indent="-342900">
-              <a:buFont typeface="Arial" panose="020B0604020202020204" pitchFamily="34" charset="0"/>
-              <a:buChar char="•"/>
-            </a:pPr>
-            <a:r>
-              <a:rPr lang="zh-CN" altLang="en-US" sz="2400" b="1"/>
-              <a:t>b 的类型是 'float'，这代表浮点数</a:t>
-            </a:r>
-            <a:endParaRPr lang="zh-CN" altLang="en-US" sz="2400" b="1"/>
+              <a:rPr lang="zh-CN" altLang="en-US" sz="2000">
+                <a:solidFill>
+                  <a:schemeClr val="tx1"/>
+                </a:solidFill>
+                <a:sym typeface="+mn-ea"/>
+              </a:rPr>
+              <a:t>float—— 浮点数（小数）</a:t>
+            </a:r>
+            <a:endParaRPr lang="zh-CN" altLang="en-US" sz="2000">
+              <a:solidFill>
+                <a:schemeClr val="tx1"/>
+              </a:solidFill>
+              <a:sym typeface="+mn-ea"/>
+            </a:endParaRPr>
           </a:p>
         </p:txBody>
       </p:sp>
@@ -14429,6 +14569,1082 @@
                 <a:latin typeface="微软雅黑" panose="020B0503020204020204" pitchFamily="34" charset="-122"/>
                 <a:ea typeface="微软雅黑" panose="020B0503020204020204" pitchFamily="34" charset="-122"/>
               </a:rPr>
+              <a:t>数据类型</a:t>
+            </a:r>
+            <a:endParaRPr lang="zh-CN" altLang="en-US" sz="2400" dirty="0" smtClean="0">
+              <a:latin typeface="微软雅黑" panose="020B0503020204020204" pitchFamily="34" charset="-122"/>
+              <a:ea typeface="微软雅黑" panose="020B0503020204020204" pitchFamily="34" charset="-122"/>
+            </a:endParaRPr>
+          </a:p>
+        </p:txBody>
+      </p:sp>
+      <p:sp>
+        <p:nvSpPr>
+          <p:cNvPr id="7" name="文本框 6"/>
+          <p:cNvSpPr txBox="1"/>
+          <p:nvPr/>
+        </p:nvSpPr>
+        <p:spPr>
+          <a:xfrm>
+            <a:off x="1449705" y="1734185"/>
+            <a:ext cx="5326380" cy="1938020"/>
+          </a:xfrm>
+          <a:prstGeom prst="rect">
+            <a:avLst/>
+          </a:prstGeom>
+          <a:noFill/>
+        </p:spPr>
+        <p:txBody>
+          <a:bodyPr wrap="square" rtlCol="0" anchor="t">
+            <a:spAutoFit/>
+          </a:bodyPr>
+          <a:p>
+            <a:pPr marL="0" indent="0">
+              <a:lnSpc>
+                <a:spcPct val="150000"/>
+              </a:lnSpc>
+              <a:buFont typeface="Wingdings" panose="05000000000000000000" charset="0"/>
+              <a:buNone/>
+            </a:pPr>
+            <a:r>
+              <a:rPr lang="zh-CN" altLang="en-US" sz="2000">
+                <a:solidFill>
+                  <a:schemeClr val="tx1"/>
+                </a:solidFill>
+                <a:effectLst>
+                  <a:outerShdw blurRad="38100" dist="25400" dir="5400000" algn="ctr" rotWithShape="0">
+                    <a:srgbClr val="6E747A">
+                      <a:alpha val="43000"/>
+                    </a:srgbClr>
+                  </a:outerShdw>
+                </a:effectLst>
+                <a:latin typeface="微软雅黑" panose="020B0503020204020204" pitchFamily="34" charset="-122"/>
+                <a:ea typeface="微软雅黑" panose="020B0503020204020204" pitchFamily="34" charset="-122"/>
+                <a:cs typeface="微软雅黑" panose="020B0503020204020204" pitchFamily="34" charset="-122"/>
+                <a:sym typeface="+mn-ea"/>
+              </a:rPr>
+              <a:t>类型转换函数：</a:t>
+            </a:r>
+            <a:endParaRPr lang="zh-CN" altLang="en-US" sz="2000">
+              <a:solidFill>
+                <a:schemeClr val="tx1"/>
+              </a:solidFill>
+              <a:effectLst>
+                <a:outerShdw blurRad="38100" dist="25400" dir="5400000" algn="ctr" rotWithShape="0">
+                  <a:srgbClr val="6E747A">
+                    <a:alpha val="43000"/>
+                  </a:srgbClr>
+                </a:outerShdw>
+              </a:effectLst>
+              <a:latin typeface="微软雅黑" panose="020B0503020204020204" pitchFamily="34" charset="-122"/>
+              <a:ea typeface="微软雅黑" panose="020B0503020204020204" pitchFamily="34" charset="-122"/>
+              <a:cs typeface="微软雅黑" panose="020B0503020204020204" pitchFamily="34" charset="-122"/>
+              <a:sym typeface="+mn-ea"/>
+            </a:endParaRPr>
+          </a:p>
+          <a:p>
+            <a:pPr marL="285750" indent="-285750">
+              <a:lnSpc>
+                <a:spcPct val="150000"/>
+              </a:lnSpc>
+              <a:buFont typeface="Arial" panose="020B0604020202020204" pitchFamily="34" charset="0"/>
+              <a:buChar char="•"/>
+            </a:pPr>
+            <a:r>
+              <a:rPr lang="zh-CN" altLang="en-US" sz="2000">
+                <a:solidFill>
+                  <a:schemeClr val="tx1"/>
+                </a:solidFill>
+                <a:effectLst>
+                  <a:outerShdw blurRad="38100" dist="25400" dir="5400000" algn="ctr" rotWithShape="0">
+                    <a:srgbClr val="6E747A">
+                      <a:alpha val="43000"/>
+                    </a:srgbClr>
+                  </a:outerShdw>
+                </a:effectLst>
+                <a:latin typeface="微软雅黑" panose="020B0503020204020204" pitchFamily="34" charset="-122"/>
+                <a:ea typeface="微软雅黑" panose="020B0503020204020204" pitchFamily="34" charset="-122"/>
+                <a:cs typeface="微软雅黑" panose="020B0503020204020204" pitchFamily="34" charset="-122"/>
+                <a:sym typeface="+mn-ea"/>
+              </a:rPr>
+              <a:t>int(x)  将 x 转换为一个整数 </a:t>
+            </a:r>
+            <a:endParaRPr lang="zh-CN" altLang="en-US" sz="2000">
+              <a:solidFill>
+                <a:schemeClr val="tx1"/>
+              </a:solidFill>
+              <a:effectLst>
+                <a:outerShdw blurRad="38100" dist="25400" dir="5400000" algn="ctr" rotWithShape="0">
+                  <a:srgbClr val="6E747A">
+                    <a:alpha val="43000"/>
+                  </a:srgbClr>
+                </a:outerShdw>
+              </a:effectLst>
+              <a:latin typeface="微软雅黑" panose="020B0503020204020204" pitchFamily="34" charset="-122"/>
+              <a:ea typeface="微软雅黑" panose="020B0503020204020204" pitchFamily="34" charset="-122"/>
+              <a:cs typeface="微软雅黑" panose="020B0503020204020204" pitchFamily="34" charset="-122"/>
+              <a:sym typeface="+mn-ea"/>
+            </a:endParaRPr>
+          </a:p>
+          <a:p>
+            <a:pPr marL="285750" indent="-285750">
+              <a:lnSpc>
+                <a:spcPct val="150000"/>
+              </a:lnSpc>
+              <a:buFont typeface="Arial" panose="020B0604020202020204" pitchFamily="34" charset="0"/>
+              <a:buChar char="•"/>
+            </a:pPr>
+            <a:r>
+              <a:rPr lang="zh-CN" altLang="en-US" sz="2000">
+                <a:solidFill>
+                  <a:schemeClr val="tx1"/>
+                </a:solidFill>
+                <a:effectLst>
+                  <a:outerShdw blurRad="38100" dist="25400" dir="5400000" algn="ctr" rotWithShape="0">
+                    <a:srgbClr val="6E747A">
+                      <a:alpha val="43000"/>
+                    </a:srgbClr>
+                  </a:outerShdw>
+                </a:effectLst>
+                <a:latin typeface="微软雅黑" panose="020B0503020204020204" pitchFamily="34" charset="-122"/>
+                <a:ea typeface="微软雅黑" panose="020B0503020204020204" pitchFamily="34" charset="-122"/>
+                <a:cs typeface="微软雅黑" panose="020B0503020204020204" pitchFamily="34" charset="-122"/>
+                <a:sym typeface="+mn-ea"/>
+              </a:rPr>
+              <a:t>float(x) 将 x 转换为一个浮点数</a:t>
+            </a:r>
+            <a:r>
+              <a:rPr lang="zh-CN" altLang="en-US" sz="2000">
+                <a:solidFill>
+                  <a:srgbClr val="0070C0"/>
+                </a:solidFill>
+                <a:effectLst>
+                  <a:outerShdw blurRad="38100" dist="25400" dir="5400000" algn="ctr" rotWithShape="0">
+                    <a:srgbClr val="6E747A">
+                      <a:alpha val="43000"/>
+                    </a:srgbClr>
+                  </a:outerShdw>
+                </a:effectLst>
+                <a:latin typeface="微软雅黑" panose="020B0503020204020204" pitchFamily="34" charset="-122"/>
+                <a:ea typeface="微软雅黑" panose="020B0503020204020204" pitchFamily="34" charset="-122"/>
+                <a:cs typeface="微软雅黑" panose="020B0503020204020204" pitchFamily="34" charset="-122"/>
+                <a:sym typeface="+mn-ea"/>
+              </a:rPr>
+              <a:t> </a:t>
+            </a:r>
+            <a:endParaRPr lang="zh-CN" altLang="en-US" sz="2000">
+              <a:solidFill>
+                <a:srgbClr val="0070C0"/>
+              </a:solidFill>
+              <a:effectLst>
+                <a:outerShdw blurRad="38100" dist="25400" dir="5400000" algn="ctr" rotWithShape="0">
+                  <a:srgbClr val="6E747A">
+                    <a:alpha val="43000"/>
+                  </a:srgbClr>
+                </a:outerShdw>
+              </a:effectLst>
+              <a:latin typeface="微软雅黑" panose="020B0503020204020204" pitchFamily="34" charset="-122"/>
+              <a:ea typeface="微软雅黑" panose="020B0503020204020204" pitchFamily="34" charset="-122"/>
+              <a:cs typeface="微软雅黑" panose="020B0503020204020204" pitchFamily="34" charset="-122"/>
+              <a:sym typeface="+mn-ea"/>
+            </a:endParaRPr>
+          </a:p>
+          <a:p>
+            <a:pPr marL="285750" indent="-285750">
+              <a:lnSpc>
+                <a:spcPct val="150000"/>
+              </a:lnSpc>
+              <a:buFont typeface="Arial" panose="020B0604020202020204" pitchFamily="34" charset="0"/>
+              <a:buChar char="•"/>
+            </a:pPr>
+            <a:r>
+              <a:rPr lang="en-US" altLang="zh-CN" sz="2000">
+                <a:effectLst>
+                  <a:outerShdw blurRad="38100" dist="25400" dir="5400000" algn="ctr" rotWithShape="0">
+                    <a:srgbClr val="6E747A">
+                      <a:alpha val="43000"/>
+                    </a:srgbClr>
+                  </a:outerShdw>
+                </a:effectLst>
+                <a:latin typeface="微软雅黑" panose="020B0503020204020204" pitchFamily="34" charset="-122"/>
+                <a:ea typeface="微软雅黑" panose="020B0503020204020204" pitchFamily="34" charset="-122"/>
+                <a:cs typeface="微软雅黑" panose="020B0503020204020204" pitchFamily="34" charset="-122"/>
+                <a:sym typeface="+mn-ea"/>
+              </a:rPr>
+              <a:t>str</a:t>
+            </a:r>
+            <a:r>
+              <a:rPr lang="zh-CN" altLang="en-US" sz="2000">
+                <a:effectLst>
+                  <a:outerShdw blurRad="38100" dist="25400" dir="5400000" algn="ctr" rotWithShape="0">
+                    <a:srgbClr val="6E747A">
+                      <a:alpha val="43000"/>
+                    </a:srgbClr>
+                  </a:outerShdw>
+                </a:effectLst>
+                <a:latin typeface="微软雅黑" panose="020B0503020204020204" pitchFamily="34" charset="-122"/>
+                <a:ea typeface="微软雅黑" panose="020B0503020204020204" pitchFamily="34" charset="-122"/>
+                <a:cs typeface="微软雅黑" panose="020B0503020204020204" pitchFamily="34" charset="-122"/>
+                <a:sym typeface="+mn-ea"/>
+              </a:rPr>
+              <a:t>(x) 将 x 转换为一个字符串</a:t>
+            </a:r>
+            <a:r>
+              <a:rPr lang="zh-CN" altLang="en-US" sz="2000">
+                <a:solidFill>
+                  <a:srgbClr val="0070C0"/>
+                </a:solidFill>
+                <a:effectLst>
+                  <a:outerShdw blurRad="38100" dist="25400" dir="5400000" algn="ctr" rotWithShape="0">
+                    <a:srgbClr val="6E747A">
+                      <a:alpha val="43000"/>
+                    </a:srgbClr>
+                  </a:outerShdw>
+                </a:effectLst>
+                <a:latin typeface="微软雅黑" panose="020B0503020204020204" pitchFamily="34" charset="-122"/>
+                <a:ea typeface="微软雅黑" panose="020B0503020204020204" pitchFamily="34" charset="-122"/>
+                <a:cs typeface="微软雅黑" panose="020B0503020204020204" pitchFamily="34" charset="-122"/>
+                <a:sym typeface="+mn-ea"/>
+              </a:rPr>
+              <a:t> </a:t>
+            </a:r>
+            <a:endParaRPr lang="zh-CN" altLang="en-US">
+              <a:solidFill>
+                <a:srgbClr val="0070C0"/>
+              </a:solidFill>
+              <a:effectLst>
+                <a:outerShdw blurRad="38100" dist="25400" dir="5400000" algn="ctr" rotWithShape="0">
+                  <a:srgbClr val="6E747A">
+                    <a:alpha val="43000"/>
+                  </a:srgbClr>
+                </a:outerShdw>
+              </a:effectLst>
+              <a:latin typeface="微软雅黑" panose="020B0503020204020204" pitchFamily="34" charset="-122"/>
+              <a:ea typeface="微软雅黑" panose="020B0503020204020204" pitchFamily="34" charset="-122"/>
+              <a:cs typeface="微软雅黑" panose="020B0503020204020204" pitchFamily="34" charset="-122"/>
+              <a:sym typeface="+mn-ea"/>
+            </a:endParaRPr>
+          </a:p>
+        </p:txBody>
+      </p:sp>
+      <p:sp>
+        <p:nvSpPr>
+          <p:cNvPr id="2" name="文本框 1"/>
+          <p:cNvSpPr txBox="1"/>
+          <p:nvPr/>
+        </p:nvSpPr>
+        <p:spPr>
+          <a:xfrm>
+            <a:off x="1551305" y="3943350"/>
+            <a:ext cx="5326380" cy="1753235"/>
+          </a:xfrm>
+          <a:prstGeom prst="rect">
+            <a:avLst/>
+          </a:prstGeom>
+          <a:noFill/>
+        </p:spPr>
+        <p:txBody>
+          <a:bodyPr wrap="square" rtlCol="0" anchor="t">
+            <a:spAutoFit/>
+          </a:bodyPr>
+          <a:p>
+            <a:pPr marL="0" indent="0">
+              <a:lnSpc>
+                <a:spcPct val="150000"/>
+              </a:lnSpc>
+              <a:buFont typeface="Wingdings" panose="05000000000000000000" charset="0"/>
+              <a:buNone/>
+            </a:pPr>
+            <a:r>
+              <a:rPr lang="en-US" altLang="zh-CN">
+                <a:solidFill>
+                  <a:srgbClr val="0070C0"/>
+                </a:solidFill>
+                <a:effectLst>
+                  <a:outerShdw blurRad="38100" dist="25400" dir="5400000" algn="ctr" rotWithShape="0">
+                    <a:srgbClr val="6E747A">
+                      <a:alpha val="43000"/>
+                    </a:srgbClr>
+                  </a:outerShdw>
+                </a:effectLst>
+                <a:latin typeface="微软雅黑" panose="020B0503020204020204" pitchFamily="34" charset="-122"/>
+                <a:ea typeface="微软雅黑" panose="020B0503020204020204" pitchFamily="34" charset="-122"/>
+                <a:cs typeface="微软雅黑" panose="020B0503020204020204" pitchFamily="34" charset="-122"/>
+                <a:sym typeface="+mn-ea"/>
+              </a:rPr>
+              <a:t>   a = 1.7</a:t>
+            </a:r>
+            <a:endParaRPr lang="en-US" altLang="zh-CN">
+              <a:solidFill>
+                <a:srgbClr val="0070C0"/>
+              </a:solidFill>
+              <a:effectLst>
+                <a:outerShdw blurRad="38100" dist="25400" dir="5400000" algn="ctr" rotWithShape="0">
+                  <a:srgbClr val="6E747A">
+                    <a:alpha val="43000"/>
+                  </a:srgbClr>
+                </a:outerShdw>
+              </a:effectLst>
+              <a:latin typeface="微软雅黑" panose="020B0503020204020204" pitchFamily="34" charset="-122"/>
+              <a:ea typeface="微软雅黑" panose="020B0503020204020204" pitchFamily="34" charset="-122"/>
+              <a:cs typeface="微软雅黑" panose="020B0503020204020204" pitchFamily="34" charset="-122"/>
+              <a:sym typeface="+mn-ea"/>
+            </a:endParaRPr>
+          </a:p>
+          <a:p>
+            <a:pPr marL="0" indent="0">
+              <a:lnSpc>
+                <a:spcPct val="150000"/>
+              </a:lnSpc>
+              <a:buFont typeface="Wingdings" panose="05000000000000000000" charset="0"/>
+              <a:buNone/>
+            </a:pPr>
+            <a:r>
+              <a:rPr lang="en-US" altLang="zh-CN">
+                <a:solidFill>
+                  <a:srgbClr val="0070C0"/>
+                </a:solidFill>
+                <a:effectLst>
+                  <a:outerShdw blurRad="38100" dist="25400" dir="5400000" algn="ctr" rotWithShape="0">
+                    <a:srgbClr val="6E747A">
+                      <a:alpha val="43000"/>
+                    </a:srgbClr>
+                  </a:outerShdw>
+                </a:effectLst>
+                <a:latin typeface="微软雅黑" panose="020B0503020204020204" pitchFamily="34" charset="-122"/>
+                <a:ea typeface="微软雅黑" panose="020B0503020204020204" pitchFamily="34" charset="-122"/>
+                <a:cs typeface="微软雅黑" panose="020B0503020204020204" pitchFamily="34" charset="-122"/>
+                <a:sym typeface="+mn-ea"/>
+              </a:rPr>
+              <a:t>   b = int(a)</a:t>
+            </a:r>
+            <a:endParaRPr lang="en-US" altLang="zh-CN">
+              <a:solidFill>
+                <a:srgbClr val="0070C0"/>
+              </a:solidFill>
+              <a:effectLst>
+                <a:outerShdw blurRad="38100" dist="25400" dir="5400000" algn="ctr" rotWithShape="0">
+                  <a:srgbClr val="6E747A">
+                    <a:alpha val="43000"/>
+                  </a:srgbClr>
+                </a:outerShdw>
+              </a:effectLst>
+              <a:latin typeface="微软雅黑" panose="020B0503020204020204" pitchFamily="34" charset="-122"/>
+              <a:ea typeface="微软雅黑" panose="020B0503020204020204" pitchFamily="34" charset="-122"/>
+              <a:cs typeface="微软雅黑" panose="020B0503020204020204" pitchFamily="34" charset="-122"/>
+              <a:sym typeface="+mn-ea"/>
+            </a:endParaRPr>
+          </a:p>
+          <a:p>
+            <a:pPr marL="0" indent="0">
+              <a:lnSpc>
+                <a:spcPct val="150000"/>
+              </a:lnSpc>
+              <a:buFont typeface="Wingdings" panose="05000000000000000000" charset="0"/>
+              <a:buNone/>
+            </a:pPr>
+            <a:r>
+              <a:rPr lang="en-US" altLang="zh-CN">
+                <a:solidFill>
+                  <a:srgbClr val="0070C0"/>
+                </a:solidFill>
+                <a:effectLst>
+                  <a:outerShdw blurRad="38100" dist="25400" dir="5400000" algn="ctr" rotWithShape="0">
+                    <a:srgbClr val="6E747A">
+                      <a:alpha val="43000"/>
+                    </a:srgbClr>
+                  </a:outerShdw>
+                </a:effectLst>
+                <a:latin typeface="微软雅黑" panose="020B0503020204020204" pitchFamily="34" charset="-122"/>
+                <a:ea typeface="微软雅黑" panose="020B0503020204020204" pitchFamily="34" charset="-122"/>
+                <a:cs typeface="微软雅黑" panose="020B0503020204020204" pitchFamily="34" charset="-122"/>
+                <a:sym typeface="+mn-ea"/>
+              </a:rPr>
+              <a:t>   print(a)</a:t>
+            </a:r>
+            <a:endParaRPr lang="en-US" altLang="zh-CN">
+              <a:solidFill>
+                <a:srgbClr val="0070C0"/>
+              </a:solidFill>
+              <a:effectLst>
+                <a:outerShdw blurRad="38100" dist="25400" dir="5400000" algn="ctr" rotWithShape="0">
+                  <a:srgbClr val="6E747A">
+                    <a:alpha val="43000"/>
+                  </a:srgbClr>
+                </a:outerShdw>
+              </a:effectLst>
+              <a:latin typeface="微软雅黑" panose="020B0503020204020204" pitchFamily="34" charset="-122"/>
+              <a:ea typeface="微软雅黑" panose="020B0503020204020204" pitchFamily="34" charset="-122"/>
+              <a:cs typeface="微软雅黑" panose="020B0503020204020204" pitchFamily="34" charset="-122"/>
+              <a:sym typeface="+mn-ea"/>
+            </a:endParaRPr>
+          </a:p>
+          <a:p>
+            <a:pPr marL="0" indent="0">
+              <a:lnSpc>
+                <a:spcPct val="150000"/>
+              </a:lnSpc>
+              <a:buFont typeface="Wingdings" panose="05000000000000000000" charset="0"/>
+              <a:buNone/>
+            </a:pPr>
+            <a:r>
+              <a:rPr lang="zh-CN" altLang="en-US" b="1">
+                <a:sym typeface="+mn-ea"/>
+              </a:rPr>
+              <a:t>int ( )总是下取整</a:t>
+            </a:r>
+            <a:endParaRPr lang="en-US" altLang="zh-CN" b="1">
+              <a:solidFill>
+                <a:srgbClr val="0070C0"/>
+              </a:solidFill>
+              <a:effectLst>
+                <a:outerShdw blurRad="38100" dist="25400" dir="5400000" algn="ctr" rotWithShape="0">
+                  <a:srgbClr val="6E747A">
+                    <a:alpha val="43000"/>
+                  </a:srgbClr>
+                </a:outerShdw>
+              </a:effectLst>
+              <a:latin typeface="微软雅黑" panose="020B0503020204020204" pitchFamily="34" charset="-122"/>
+              <a:ea typeface="微软雅黑" panose="020B0503020204020204" pitchFamily="34" charset="-122"/>
+              <a:cs typeface="微软雅黑" panose="020B0503020204020204" pitchFamily="34" charset="-122"/>
+              <a:sym typeface="+mn-ea"/>
+            </a:endParaRPr>
+          </a:p>
+        </p:txBody>
+      </p:sp>
+    </p:spTree>
+  </p:cSld>
+  <p:clrMapOvr>
+    <a:masterClrMapping/>
+  </p:clrMapOvr>
+  <p:timing>
+    <p:tnLst>
+      <p:par>
+        <p:cTn id="1" dur="indefinite" restart="never" nodeType="tmRoot"/>
+      </p:par>
+    </p:tnLst>
+  </p:timing>
+</p:sld>
+</file>
+
+<file path=ppt/slides/slide13.xml><?xml version="1.0" encoding="utf-8"?>
+<p:sld xmlns:a="http://schemas.openxmlformats.org/drawingml/2006/main" xmlns:r="http://schemas.openxmlformats.org/officeDocument/2006/relationships" xmlns:p="http://schemas.openxmlformats.org/presentationml/2006/main">
+  <p:cSld>
+    <p:bg>
+      <p:bgPr>
+        <a:blipFill dpi="0" rotWithShape="0">
+          <a:blip r:embed="rId1"/>
+          <a:srcRect/>
+          <a:stretch>
+            <a:fillRect/>
+          </a:stretch>
+        </a:blipFill>
+        <a:effectLst/>
+      </p:bgPr>
+    </p:bg>
+    <p:spTree>
+      <p:nvGrpSpPr>
+        <p:cNvPr id="1" name=""/>
+        <p:cNvGrpSpPr/>
+        <p:nvPr/>
+      </p:nvGrpSpPr>
+      <p:grpSpPr>
+        <a:xfrm>
+          <a:off x="0" y="0"/>
+          <a:ext cx="0" cy="0"/>
+          <a:chOff x="0" y="0"/>
+          <a:chExt cx="0" cy="0"/>
+        </a:xfrm>
+      </p:grpSpPr>
+      <p:sp>
+        <p:nvSpPr>
+          <p:cNvPr id="16386" name="文本框 3"/>
+          <p:cNvSpPr txBox="1">
+            <a:spLocks noChangeArrowheads="1"/>
+          </p:cNvSpPr>
+          <p:nvPr/>
+        </p:nvSpPr>
+        <p:spPr bwMode="auto">
+          <a:xfrm>
+            <a:off x="887413" y="419100"/>
+            <a:ext cx="3729037" cy="368300"/>
+          </a:xfrm>
+          <a:prstGeom prst="rect">
+            <a:avLst/>
+          </a:prstGeom>
+          <a:noFill/>
+          <a:ln>
+            <a:noFill/>
+          </a:ln>
+          <a:extLst>
+            <a:ext uri="{909E8E84-426E-40DD-AFC4-6F175D3DCCD1}">
+              <a14:hiddenFill xmlns:a14="http://schemas.microsoft.com/office/drawing/2010/main">
+                <a:solidFill>
+                  <a:srgbClr val="FFFFFF"/>
+                </a:solidFill>
+              </a14:hiddenFill>
+            </a:ext>
+            <a:ext uri="{91240B29-F687-4F45-9708-019B960494DF}">
+              <a14:hiddenLine xmlns:a14="http://schemas.microsoft.com/office/drawing/2010/main" w="9525">
+                <a:solidFill>
+                  <a:srgbClr val="000000"/>
+                </a:solidFill>
+                <a:miter lim="800000"/>
+                <a:headEnd/>
+                <a:tailEnd/>
+              </a14:hiddenLine>
+            </a:ext>
+          </a:extLst>
+        </p:spPr>
+        <p:txBody>
+          <a:bodyPr>
+            <a:spAutoFit/>
+          </a:bodyPr>
+          <a:lstStyle>
+            <a:lvl1pPr eaLnBrk="0" hangingPunct="0">
+              <a:defRPr>
+                <a:solidFill>
+                  <a:schemeClr val="tx1"/>
+                </a:solidFill>
+                <a:latin typeface="等线" panose="02010600030101010101" charset="-122"/>
+                <a:ea typeface="等线" panose="02010600030101010101" charset="-122"/>
+                <a:cs typeface="等线" panose="02010600030101010101" charset="-122"/>
+              </a:defRPr>
+            </a:lvl1pPr>
+            <a:lvl2pPr marL="742950" indent="-285750" eaLnBrk="0" hangingPunct="0">
+              <a:defRPr>
+                <a:solidFill>
+                  <a:schemeClr val="tx1"/>
+                </a:solidFill>
+                <a:latin typeface="等线" panose="02010600030101010101" charset="-122"/>
+                <a:ea typeface="等线" panose="02010600030101010101" charset="-122"/>
+                <a:cs typeface="等线" panose="02010600030101010101" charset="-122"/>
+              </a:defRPr>
+            </a:lvl2pPr>
+            <a:lvl3pPr marL="1143000" indent="-228600" eaLnBrk="0" hangingPunct="0">
+              <a:defRPr>
+                <a:solidFill>
+                  <a:schemeClr val="tx1"/>
+                </a:solidFill>
+                <a:latin typeface="等线" panose="02010600030101010101" charset="-122"/>
+                <a:ea typeface="等线" panose="02010600030101010101" charset="-122"/>
+                <a:cs typeface="等线" panose="02010600030101010101" charset="-122"/>
+              </a:defRPr>
+            </a:lvl3pPr>
+            <a:lvl4pPr marL="1600200" indent="-228600" eaLnBrk="0" hangingPunct="0">
+              <a:defRPr>
+                <a:solidFill>
+                  <a:schemeClr val="tx1"/>
+                </a:solidFill>
+                <a:latin typeface="等线" panose="02010600030101010101" charset="-122"/>
+                <a:ea typeface="等线" panose="02010600030101010101" charset="-122"/>
+                <a:cs typeface="等线" panose="02010600030101010101" charset="-122"/>
+              </a:defRPr>
+            </a:lvl4pPr>
+            <a:lvl5pPr marL="2057400" indent="-228600" eaLnBrk="0" hangingPunct="0">
+              <a:defRPr>
+                <a:solidFill>
+                  <a:schemeClr val="tx1"/>
+                </a:solidFill>
+                <a:latin typeface="等线" panose="02010600030101010101" charset="-122"/>
+                <a:ea typeface="等线" panose="02010600030101010101" charset="-122"/>
+                <a:cs typeface="等线" panose="02010600030101010101" charset="-122"/>
+              </a:defRPr>
+            </a:lvl5pPr>
+            <a:lvl6pPr marL="2514600" indent="-228600" eaLnBrk="0" fontAlgn="base" hangingPunct="0">
+              <a:spcBef>
+                <a:spcPct val="0"/>
+              </a:spcBef>
+              <a:spcAft>
+                <a:spcPct val="0"/>
+              </a:spcAft>
+              <a:defRPr>
+                <a:solidFill>
+                  <a:schemeClr val="tx1"/>
+                </a:solidFill>
+                <a:latin typeface="等线" panose="02010600030101010101" charset="-122"/>
+                <a:ea typeface="等线" panose="02010600030101010101" charset="-122"/>
+                <a:cs typeface="等线" panose="02010600030101010101" charset="-122"/>
+              </a:defRPr>
+            </a:lvl6pPr>
+            <a:lvl7pPr marL="2971800" indent="-228600" eaLnBrk="0" fontAlgn="base" hangingPunct="0">
+              <a:spcBef>
+                <a:spcPct val="0"/>
+              </a:spcBef>
+              <a:spcAft>
+                <a:spcPct val="0"/>
+              </a:spcAft>
+              <a:defRPr>
+                <a:solidFill>
+                  <a:schemeClr val="tx1"/>
+                </a:solidFill>
+                <a:latin typeface="等线" panose="02010600030101010101" charset="-122"/>
+                <a:ea typeface="等线" panose="02010600030101010101" charset="-122"/>
+                <a:cs typeface="等线" panose="02010600030101010101" charset="-122"/>
+              </a:defRPr>
+            </a:lvl7pPr>
+            <a:lvl8pPr marL="3429000" indent="-228600" eaLnBrk="0" fontAlgn="base" hangingPunct="0">
+              <a:spcBef>
+                <a:spcPct val="0"/>
+              </a:spcBef>
+              <a:spcAft>
+                <a:spcPct val="0"/>
+              </a:spcAft>
+              <a:defRPr>
+                <a:solidFill>
+                  <a:schemeClr val="tx1"/>
+                </a:solidFill>
+                <a:latin typeface="等线" panose="02010600030101010101" charset="-122"/>
+                <a:ea typeface="等线" panose="02010600030101010101" charset="-122"/>
+                <a:cs typeface="等线" panose="02010600030101010101" charset="-122"/>
+              </a:defRPr>
+            </a:lvl8pPr>
+            <a:lvl9pPr marL="3886200" indent="-228600" eaLnBrk="0" fontAlgn="base" hangingPunct="0">
+              <a:spcBef>
+                <a:spcPct val="0"/>
+              </a:spcBef>
+              <a:spcAft>
+                <a:spcPct val="0"/>
+              </a:spcAft>
+              <a:defRPr>
+                <a:solidFill>
+                  <a:schemeClr val="tx1"/>
+                </a:solidFill>
+                <a:latin typeface="等线" panose="02010600030101010101" charset="-122"/>
+                <a:ea typeface="等线" panose="02010600030101010101" charset="-122"/>
+                <a:cs typeface="等线" panose="02010600030101010101" charset="-122"/>
+              </a:defRPr>
+            </a:lvl9pPr>
+          </a:lstStyle>
+          <a:p>
+            <a:pPr eaLnBrk="1" hangingPunct="1"/>
+            <a:r>
+              <a:rPr lang="zh-CN" altLang="en-US" dirty="0" smtClean="0">
+                <a:solidFill>
+                  <a:schemeClr val="tx1"/>
+                </a:solidFill>
+                <a:latin typeface="微软雅黑" panose="020B0503020204020204" pitchFamily="34" charset="-122"/>
+                <a:ea typeface="微软雅黑" panose="020B0503020204020204" pitchFamily="34" charset="-122"/>
+                <a:sym typeface="+mn-ea"/>
+              </a:rPr>
+              <a:t>了解人机对话</a:t>
+            </a:r>
+            <a:endParaRPr lang="zh-CN" altLang="en-US" dirty="0" smtClean="0">
+              <a:solidFill>
+                <a:schemeClr val="tx1"/>
+              </a:solidFill>
+              <a:latin typeface="微软雅黑" panose="020B0503020204020204" pitchFamily="34" charset="-122"/>
+              <a:ea typeface="微软雅黑" panose="020B0503020204020204" pitchFamily="34" charset="-122"/>
+              <a:sym typeface="+mn-ea"/>
+            </a:endParaRPr>
+          </a:p>
+        </p:txBody>
+      </p:sp>
+      <p:sp>
+        <p:nvSpPr>
+          <p:cNvPr id="3" name="TextBox 2"/>
+          <p:cNvSpPr txBox="1"/>
+          <p:nvPr/>
+        </p:nvSpPr>
+        <p:spPr>
+          <a:xfrm>
+            <a:off x="1015009" y="932322"/>
+            <a:ext cx="1744980" cy="460375"/>
+          </a:xfrm>
+          <a:prstGeom prst="rect">
+            <a:avLst/>
+          </a:prstGeom>
+          <a:noFill/>
+        </p:spPr>
+        <p:txBody>
+          <a:bodyPr wrap="none" rtlCol="0">
+            <a:spAutoFit/>
+          </a:bodyPr>
+          <a:lstStyle/>
+          <a:p>
+            <a:pPr marL="342900" indent="-342900" algn="l">
+              <a:buFont typeface="Wingdings" panose="05000000000000000000" charset="0"/>
+              <a:buChar char="Ø"/>
+            </a:pPr>
+            <a:r>
+              <a:rPr lang="zh-CN" altLang="en-US" sz="2400" dirty="0" smtClean="0">
+                <a:latin typeface="微软雅黑" panose="020B0503020204020204" pitchFamily="34" charset="-122"/>
+                <a:ea typeface="微软雅黑" panose="020B0503020204020204" pitchFamily="34" charset="-122"/>
+              </a:rPr>
+              <a:t>数据类型</a:t>
+            </a:r>
+            <a:endParaRPr lang="zh-CN" altLang="en-US" sz="2400" dirty="0" smtClean="0">
+              <a:latin typeface="微软雅黑" panose="020B0503020204020204" pitchFamily="34" charset="-122"/>
+              <a:ea typeface="微软雅黑" panose="020B0503020204020204" pitchFamily="34" charset="-122"/>
+            </a:endParaRPr>
+          </a:p>
+        </p:txBody>
+      </p:sp>
+      <p:sp>
+        <p:nvSpPr>
+          <p:cNvPr id="6" name="文本框 5"/>
+          <p:cNvSpPr txBox="1"/>
+          <p:nvPr/>
+        </p:nvSpPr>
+        <p:spPr>
+          <a:xfrm>
+            <a:off x="1658620" y="1710690"/>
+            <a:ext cx="8875395" cy="3046095"/>
+          </a:xfrm>
+          <a:prstGeom prst="rect">
+            <a:avLst/>
+          </a:prstGeom>
+          <a:noFill/>
+        </p:spPr>
+        <p:txBody>
+          <a:bodyPr wrap="square" rtlCol="0" anchor="t">
+            <a:spAutoFit/>
+          </a:bodyPr>
+          <a:p>
+            <a:r>
+              <a:rPr lang="zh-CN" altLang="en-US" sz="2400" b="1">
+                <a:sym typeface="+mn-ea"/>
+              </a:rPr>
+              <a:t>type</a:t>
+            </a:r>
+            <a:r>
+              <a:rPr lang="zh-CN" altLang="en-US" sz="2400" b="1">
+                <a:effectLst>
+                  <a:outerShdw blurRad="38100" dist="25400" dir="5400000" algn="ctr" rotWithShape="0">
+                    <a:srgbClr val="6E747A">
+                      <a:alpha val="43000"/>
+                    </a:srgbClr>
+                  </a:outerShdw>
+                </a:effectLst>
+                <a:latin typeface="微软雅黑" panose="020B0503020204020204" pitchFamily="34" charset="-122"/>
+                <a:ea typeface="微软雅黑" panose="020B0503020204020204" pitchFamily="34" charset="-122"/>
+                <a:cs typeface="微软雅黑" panose="020B0503020204020204" pitchFamily="34" charset="-122"/>
+                <a:sym typeface="+mn-ea"/>
+              </a:rPr>
+              <a:t>函数：</a:t>
+            </a:r>
+            <a:r>
+              <a:rPr lang="zh-CN" altLang="en-US" sz="2400" b="1">
+                <a:sym typeface="+mn-ea"/>
+              </a:rPr>
+              <a:t>变量的类型</a:t>
+            </a:r>
+            <a:endParaRPr lang="zh-CN" altLang="en-US" sz="2400"/>
+          </a:p>
+          <a:p>
+            <a:r>
+              <a:rPr lang="zh-CN" altLang="en-US" sz="2400"/>
+              <a:t>     a='44.2'</a:t>
+            </a:r>
+            <a:endParaRPr lang="zh-CN" altLang="en-US" sz="2400"/>
+          </a:p>
+          <a:p>
+            <a:r>
+              <a:rPr lang="zh-CN" altLang="en-US" sz="2400"/>
+              <a:t>     b=44.2</a:t>
+            </a:r>
+            <a:endParaRPr lang="zh-CN" altLang="en-US" sz="2400"/>
+          </a:p>
+          <a:p>
+            <a:r>
+              <a:rPr lang="zh-CN" altLang="en-US" sz="2400"/>
+              <a:t>     type(a)</a:t>
+            </a:r>
+            <a:endParaRPr lang="zh-CN" altLang="en-US" sz="2400"/>
+          </a:p>
+          <a:p>
+            <a:r>
+              <a:rPr lang="zh-CN" altLang="en-US" sz="2400"/>
+              <a:t>     type(b)</a:t>
+            </a:r>
+            <a:endParaRPr lang="zh-CN" altLang="en-US" sz="2400"/>
+          </a:p>
+          <a:p>
+            <a:endParaRPr lang="zh-CN" altLang="en-US" sz="2400"/>
+          </a:p>
+          <a:p>
+            <a:pPr marL="342900" indent="-342900">
+              <a:buFont typeface="Arial" panose="020B0604020202020204" pitchFamily="34" charset="0"/>
+              <a:buChar char="•"/>
+            </a:pPr>
+            <a:r>
+              <a:rPr lang="zh-CN" altLang="en-US" sz="2400" b="1"/>
+              <a:t>a 的类型是 'str'，这代表字符串</a:t>
+            </a:r>
+            <a:endParaRPr lang="zh-CN" altLang="en-US" sz="2400" b="1"/>
+          </a:p>
+          <a:p>
+            <a:pPr marL="342900" indent="-342900">
+              <a:buFont typeface="Arial" panose="020B0604020202020204" pitchFamily="34" charset="0"/>
+              <a:buChar char="•"/>
+            </a:pPr>
+            <a:r>
+              <a:rPr lang="zh-CN" altLang="en-US" sz="2400" b="1"/>
+              <a:t>b 的类型是 'float'，这代表浮点数</a:t>
+            </a:r>
+            <a:endParaRPr lang="zh-CN" altLang="en-US" sz="2400" b="1"/>
+          </a:p>
+        </p:txBody>
+      </p:sp>
+    </p:spTree>
+  </p:cSld>
+  <p:clrMapOvr>
+    <a:masterClrMapping/>
+  </p:clrMapOvr>
+  <p:timing>
+    <p:tnLst>
+      <p:par>
+        <p:cTn id="1" dur="indefinite" restart="never" nodeType="tmRoot"/>
+      </p:par>
+    </p:tnLst>
+  </p:timing>
+</p:sld>
+</file>
+
+<file path=ppt/slides/slide14.xml><?xml version="1.0" encoding="utf-8"?>
+<p:sld xmlns:a="http://schemas.openxmlformats.org/drawingml/2006/main" xmlns:r="http://schemas.openxmlformats.org/officeDocument/2006/relationships" xmlns:p="http://schemas.openxmlformats.org/presentationml/2006/main">
+  <p:cSld>
+    <p:bg>
+      <p:bgPr>
+        <a:blipFill dpi="0" rotWithShape="0">
+          <a:blip r:embed="rId1"/>
+          <a:srcRect/>
+          <a:stretch>
+            <a:fillRect/>
+          </a:stretch>
+        </a:blipFill>
+        <a:effectLst/>
+      </p:bgPr>
+    </p:bg>
+    <p:spTree>
+      <p:nvGrpSpPr>
+        <p:cNvPr id="1" name=""/>
+        <p:cNvGrpSpPr/>
+        <p:nvPr/>
+      </p:nvGrpSpPr>
+      <p:grpSpPr>
+        <a:xfrm>
+          <a:off x="0" y="0"/>
+          <a:ext cx="0" cy="0"/>
+          <a:chOff x="0" y="0"/>
+          <a:chExt cx="0" cy="0"/>
+        </a:xfrm>
+      </p:grpSpPr>
+      <p:sp>
+        <p:nvSpPr>
+          <p:cNvPr id="16386" name="文本框 3"/>
+          <p:cNvSpPr txBox="1">
+            <a:spLocks noChangeArrowheads="1"/>
+          </p:cNvSpPr>
+          <p:nvPr/>
+        </p:nvSpPr>
+        <p:spPr bwMode="auto">
+          <a:xfrm>
+            <a:off x="887413" y="419100"/>
+            <a:ext cx="3729037" cy="368300"/>
+          </a:xfrm>
+          <a:prstGeom prst="rect">
+            <a:avLst/>
+          </a:prstGeom>
+          <a:noFill/>
+          <a:ln>
+            <a:noFill/>
+          </a:ln>
+          <a:extLst>
+            <a:ext uri="{909E8E84-426E-40DD-AFC4-6F175D3DCCD1}">
+              <a14:hiddenFill xmlns:a14="http://schemas.microsoft.com/office/drawing/2010/main">
+                <a:solidFill>
+                  <a:srgbClr val="FFFFFF"/>
+                </a:solidFill>
+              </a14:hiddenFill>
+            </a:ext>
+            <a:ext uri="{91240B29-F687-4F45-9708-019B960494DF}">
+              <a14:hiddenLine xmlns:a14="http://schemas.microsoft.com/office/drawing/2010/main" w="9525">
+                <a:solidFill>
+                  <a:srgbClr val="000000"/>
+                </a:solidFill>
+                <a:miter lim="800000"/>
+                <a:headEnd/>
+                <a:tailEnd/>
+              </a14:hiddenLine>
+            </a:ext>
+          </a:extLst>
+        </p:spPr>
+        <p:txBody>
+          <a:bodyPr>
+            <a:spAutoFit/>
+          </a:bodyPr>
+          <a:lstStyle>
+            <a:lvl1pPr eaLnBrk="0" hangingPunct="0">
+              <a:defRPr>
+                <a:solidFill>
+                  <a:schemeClr val="tx1"/>
+                </a:solidFill>
+                <a:latin typeface="等线" panose="02010600030101010101" charset="-122"/>
+                <a:ea typeface="等线" panose="02010600030101010101" charset="-122"/>
+                <a:cs typeface="等线" panose="02010600030101010101" charset="-122"/>
+              </a:defRPr>
+            </a:lvl1pPr>
+            <a:lvl2pPr marL="742950" indent="-285750" eaLnBrk="0" hangingPunct="0">
+              <a:defRPr>
+                <a:solidFill>
+                  <a:schemeClr val="tx1"/>
+                </a:solidFill>
+                <a:latin typeface="等线" panose="02010600030101010101" charset="-122"/>
+                <a:ea typeface="等线" panose="02010600030101010101" charset="-122"/>
+                <a:cs typeface="等线" panose="02010600030101010101" charset="-122"/>
+              </a:defRPr>
+            </a:lvl2pPr>
+            <a:lvl3pPr marL="1143000" indent="-228600" eaLnBrk="0" hangingPunct="0">
+              <a:defRPr>
+                <a:solidFill>
+                  <a:schemeClr val="tx1"/>
+                </a:solidFill>
+                <a:latin typeface="等线" panose="02010600030101010101" charset="-122"/>
+                <a:ea typeface="等线" panose="02010600030101010101" charset="-122"/>
+                <a:cs typeface="等线" panose="02010600030101010101" charset="-122"/>
+              </a:defRPr>
+            </a:lvl3pPr>
+            <a:lvl4pPr marL="1600200" indent="-228600" eaLnBrk="0" hangingPunct="0">
+              <a:defRPr>
+                <a:solidFill>
+                  <a:schemeClr val="tx1"/>
+                </a:solidFill>
+                <a:latin typeface="等线" panose="02010600030101010101" charset="-122"/>
+                <a:ea typeface="等线" panose="02010600030101010101" charset="-122"/>
+                <a:cs typeface="等线" panose="02010600030101010101" charset="-122"/>
+              </a:defRPr>
+            </a:lvl4pPr>
+            <a:lvl5pPr marL="2057400" indent="-228600" eaLnBrk="0" hangingPunct="0">
+              <a:defRPr>
+                <a:solidFill>
+                  <a:schemeClr val="tx1"/>
+                </a:solidFill>
+                <a:latin typeface="等线" panose="02010600030101010101" charset="-122"/>
+                <a:ea typeface="等线" panose="02010600030101010101" charset="-122"/>
+                <a:cs typeface="等线" panose="02010600030101010101" charset="-122"/>
+              </a:defRPr>
+            </a:lvl5pPr>
+            <a:lvl6pPr marL="2514600" indent="-228600" eaLnBrk="0" fontAlgn="base" hangingPunct="0">
+              <a:spcBef>
+                <a:spcPct val="0"/>
+              </a:spcBef>
+              <a:spcAft>
+                <a:spcPct val="0"/>
+              </a:spcAft>
+              <a:defRPr>
+                <a:solidFill>
+                  <a:schemeClr val="tx1"/>
+                </a:solidFill>
+                <a:latin typeface="等线" panose="02010600030101010101" charset="-122"/>
+                <a:ea typeface="等线" panose="02010600030101010101" charset="-122"/>
+                <a:cs typeface="等线" panose="02010600030101010101" charset="-122"/>
+              </a:defRPr>
+            </a:lvl6pPr>
+            <a:lvl7pPr marL="2971800" indent="-228600" eaLnBrk="0" fontAlgn="base" hangingPunct="0">
+              <a:spcBef>
+                <a:spcPct val="0"/>
+              </a:spcBef>
+              <a:spcAft>
+                <a:spcPct val="0"/>
+              </a:spcAft>
+              <a:defRPr>
+                <a:solidFill>
+                  <a:schemeClr val="tx1"/>
+                </a:solidFill>
+                <a:latin typeface="等线" panose="02010600030101010101" charset="-122"/>
+                <a:ea typeface="等线" panose="02010600030101010101" charset="-122"/>
+                <a:cs typeface="等线" panose="02010600030101010101" charset="-122"/>
+              </a:defRPr>
+            </a:lvl7pPr>
+            <a:lvl8pPr marL="3429000" indent="-228600" eaLnBrk="0" fontAlgn="base" hangingPunct="0">
+              <a:spcBef>
+                <a:spcPct val="0"/>
+              </a:spcBef>
+              <a:spcAft>
+                <a:spcPct val="0"/>
+              </a:spcAft>
+              <a:defRPr>
+                <a:solidFill>
+                  <a:schemeClr val="tx1"/>
+                </a:solidFill>
+                <a:latin typeface="等线" panose="02010600030101010101" charset="-122"/>
+                <a:ea typeface="等线" panose="02010600030101010101" charset="-122"/>
+                <a:cs typeface="等线" panose="02010600030101010101" charset="-122"/>
+              </a:defRPr>
+            </a:lvl8pPr>
+            <a:lvl9pPr marL="3886200" indent="-228600" eaLnBrk="0" fontAlgn="base" hangingPunct="0">
+              <a:spcBef>
+                <a:spcPct val="0"/>
+              </a:spcBef>
+              <a:spcAft>
+                <a:spcPct val="0"/>
+              </a:spcAft>
+              <a:defRPr>
+                <a:solidFill>
+                  <a:schemeClr val="tx1"/>
+                </a:solidFill>
+                <a:latin typeface="等线" panose="02010600030101010101" charset="-122"/>
+                <a:ea typeface="等线" panose="02010600030101010101" charset="-122"/>
+                <a:cs typeface="等线" panose="02010600030101010101" charset="-122"/>
+              </a:defRPr>
+            </a:lvl9pPr>
+          </a:lstStyle>
+          <a:p>
+            <a:pPr eaLnBrk="1" hangingPunct="1"/>
+            <a:r>
+              <a:rPr lang="zh-CN" altLang="en-US" dirty="0" smtClean="0">
+                <a:solidFill>
+                  <a:schemeClr val="tx1"/>
+                </a:solidFill>
+                <a:latin typeface="微软雅黑" panose="020B0503020204020204" pitchFamily="34" charset="-122"/>
+                <a:ea typeface="微软雅黑" panose="020B0503020204020204" pitchFamily="34" charset="-122"/>
+                <a:sym typeface="+mn-ea"/>
+              </a:rPr>
+              <a:t>了解人机对话</a:t>
+            </a:r>
+            <a:endParaRPr lang="zh-CN" altLang="en-US" dirty="0" smtClean="0">
+              <a:solidFill>
+                <a:schemeClr val="tx1"/>
+              </a:solidFill>
+              <a:latin typeface="微软雅黑" panose="020B0503020204020204" pitchFamily="34" charset="-122"/>
+              <a:ea typeface="微软雅黑" panose="020B0503020204020204" pitchFamily="34" charset="-122"/>
+              <a:sym typeface="+mn-ea"/>
+            </a:endParaRPr>
+          </a:p>
+        </p:txBody>
+      </p:sp>
+      <p:sp>
+        <p:nvSpPr>
+          <p:cNvPr id="3" name="TextBox 2"/>
+          <p:cNvSpPr txBox="1"/>
+          <p:nvPr/>
+        </p:nvSpPr>
+        <p:spPr>
+          <a:xfrm>
+            <a:off x="1015009" y="932322"/>
+            <a:ext cx="1744980" cy="460375"/>
+          </a:xfrm>
+          <a:prstGeom prst="rect">
+            <a:avLst/>
+          </a:prstGeom>
+          <a:noFill/>
+        </p:spPr>
+        <p:txBody>
+          <a:bodyPr wrap="none" rtlCol="0">
+            <a:spAutoFit/>
+          </a:bodyPr>
+          <a:lstStyle/>
+          <a:p>
+            <a:pPr marL="342900" indent="-342900" algn="l">
+              <a:buFont typeface="Wingdings" panose="05000000000000000000" charset="0"/>
+              <a:buChar char="Ø"/>
+            </a:pPr>
+            <a:r>
+              <a:rPr lang="zh-CN" altLang="en-US" sz="2400" dirty="0" smtClean="0">
+                <a:latin typeface="微软雅黑" panose="020B0503020204020204" pitchFamily="34" charset="-122"/>
+                <a:ea typeface="微软雅黑" panose="020B0503020204020204" pitchFamily="34" charset="-122"/>
+              </a:rPr>
               <a:t>数据输入</a:t>
             </a:r>
             <a:endParaRPr lang="zh-CN" altLang="en-US" sz="2400" dirty="0" smtClean="0">
@@ -14615,7 +15831,7 @@
 </p:sld>
 </file>
 
-<file path=ppt/slides/slide13.xml><?xml version="1.0" encoding="utf-8"?>
+<file path=ppt/slides/slide15.xml><?xml version="1.0" encoding="utf-8"?>
 <p:sld xmlns:a="http://schemas.openxmlformats.org/drawingml/2006/main" xmlns:r="http://schemas.openxmlformats.org/officeDocument/2006/relationships" xmlns:p="http://schemas.openxmlformats.org/presentationml/2006/main">
   <p:cSld>
     <p:spTree>
@@ -15033,7 +16249,7 @@
 </p:sld>
 </file>
 
-<file path=ppt/slides/slide14.xml><?xml version="1.0" encoding="utf-8"?>
+<file path=ppt/slides/slide16.xml><?xml version="1.0" encoding="utf-8"?>
 <p:sld xmlns:a="http://schemas.openxmlformats.org/drawingml/2006/main" xmlns:r="http://schemas.openxmlformats.org/officeDocument/2006/relationships" xmlns:p="http://schemas.openxmlformats.org/presentationml/2006/main">
   <p:cSld>
     <p:bg>
@@ -15842,1377 +17058,6 @@
               <a:ea typeface="微软雅黑" panose="020B0503020204020204" pitchFamily="34" charset="-122"/>
               <a:sym typeface="+mn-ea"/>
             </a:endParaRPr>
-          </a:p>
-        </p:txBody>
-      </p:sp>
-    </p:spTree>
-  </p:cSld>
-  <p:clrMapOvr>
-    <a:masterClrMapping/>
-  </p:clrMapOvr>
-  <p:timing>
-    <p:tnLst>
-      <p:par>
-        <p:cTn id="1" dur="indefinite" restart="never" nodeType="tmRoot"/>
-      </p:par>
-    </p:tnLst>
-  </p:timing>
-</p:sld>
-</file>
-
-<file path=ppt/slides/slide15.xml><?xml version="1.0" encoding="utf-8"?>
-<p:sld xmlns:a="http://schemas.openxmlformats.org/drawingml/2006/main" xmlns:r="http://schemas.openxmlformats.org/officeDocument/2006/relationships" xmlns:p="http://schemas.openxmlformats.org/presentationml/2006/main">
-  <p:cSld>
-    <p:bg>
-      <p:bgPr>
-        <a:blipFill dpi="0" rotWithShape="0">
-          <a:blip r:embed="rId1"/>
-          <a:srcRect/>
-          <a:stretch>
-            <a:fillRect/>
-          </a:stretch>
-        </a:blipFill>
-        <a:effectLst/>
-      </p:bgPr>
-    </p:bg>
-    <p:spTree>
-      <p:nvGrpSpPr>
-        <p:cNvPr id="1" name=""/>
-        <p:cNvGrpSpPr/>
-        <p:nvPr/>
-      </p:nvGrpSpPr>
-      <p:grpSpPr>
-        <a:xfrm>
-          <a:off x="0" y="0"/>
-          <a:ext cx="0" cy="0"/>
-          <a:chOff x="0" y="0"/>
-          <a:chExt cx="0" cy="0"/>
-        </a:xfrm>
-      </p:grpSpPr>
-      <p:sp>
-        <p:nvSpPr>
-          <p:cNvPr id="16386" name="文本框 3"/>
-          <p:cNvSpPr txBox="1">
-            <a:spLocks noChangeArrowheads="1"/>
-          </p:cNvSpPr>
-          <p:nvPr/>
-        </p:nvSpPr>
-        <p:spPr bwMode="auto">
-          <a:xfrm>
-            <a:off x="887413" y="419100"/>
-            <a:ext cx="3729037" cy="368300"/>
-          </a:xfrm>
-          <a:prstGeom prst="rect">
-            <a:avLst/>
-          </a:prstGeom>
-          <a:noFill/>
-          <a:ln>
-            <a:noFill/>
-          </a:ln>
-          <a:extLst>
-            <a:ext uri="{909E8E84-426E-40DD-AFC4-6F175D3DCCD1}">
-              <a14:hiddenFill xmlns:a14="http://schemas.microsoft.com/office/drawing/2010/main">
-                <a:solidFill>
-                  <a:srgbClr val="FFFFFF"/>
-                </a:solidFill>
-              </a14:hiddenFill>
-            </a:ext>
-            <a:ext uri="{91240B29-F687-4F45-9708-019B960494DF}">
-              <a14:hiddenLine xmlns:a14="http://schemas.microsoft.com/office/drawing/2010/main" w="9525">
-                <a:solidFill>
-                  <a:srgbClr val="000000"/>
-                </a:solidFill>
-                <a:miter lim="800000"/>
-                <a:headEnd/>
-                <a:tailEnd/>
-              </a14:hiddenLine>
-            </a:ext>
-          </a:extLst>
-        </p:spPr>
-        <p:txBody>
-          <a:bodyPr>
-            <a:spAutoFit/>
-          </a:bodyPr>
-          <a:lstStyle>
-            <a:lvl1pPr eaLnBrk="0" hangingPunct="0">
-              <a:defRPr>
-                <a:solidFill>
-                  <a:schemeClr val="tx1"/>
-                </a:solidFill>
-                <a:latin typeface="等线" panose="02010600030101010101" charset="-122"/>
-                <a:ea typeface="等线" panose="02010600030101010101" charset="-122"/>
-                <a:cs typeface="等线" panose="02010600030101010101" charset="-122"/>
-              </a:defRPr>
-            </a:lvl1pPr>
-            <a:lvl2pPr marL="742950" indent="-285750" eaLnBrk="0" hangingPunct="0">
-              <a:defRPr>
-                <a:solidFill>
-                  <a:schemeClr val="tx1"/>
-                </a:solidFill>
-                <a:latin typeface="等线" panose="02010600030101010101" charset="-122"/>
-                <a:ea typeface="等线" panose="02010600030101010101" charset="-122"/>
-                <a:cs typeface="等线" panose="02010600030101010101" charset="-122"/>
-              </a:defRPr>
-            </a:lvl2pPr>
-            <a:lvl3pPr marL="1143000" indent="-228600" eaLnBrk="0" hangingPunct="0">
-              <a:defRPr>
-                <a:solidFill>
-                  <a:schemeClr val="tx1"/>
-                </a:solidFill>
-                <a:latin typeface="等线" panose="02010600030101010101" charset="-122"/>
-                <a:ea typeface="等线" panose="02010600030101010101" charset="-122"/>
-                <a:cs typeface="等线" panose="02010600030101010101" charset="-122"/>
-              </a:defRPr>
-            </a:lvl3pPr>
-            <a:lvl4pPr marL="1600200" indent="-228600" eaLnBrk="0" hangingPunct="0">
-              <a:defRPr>
-                <a:solidFill>
-                  <a:schemeClr val="tx1"/>
-                </a:solidFill>
-                <a:latin typeface="等线" panose="02010600030101010101" charset="-122"/>
-                <a:ea typeface="等线" panose="02010600030101010101" charset="-122"/>
-                <a:cs typeface="等线" panose="02010600030101010101" charset="-122"/>
-              </a:defRPr>
-            </a:lvl4pPr>
-            <a:lvl5pPr marL="2057400" indent="-228600" eaLnBrk="0" hangingPunct="0">
-              <a:defRPr>
-                <a:solidFill>
-                  <a:schemeClr val="tx1"/>
-                </a:solidFill>
-                <a:latin typeface="等线" panose="02010600030101010101" charset="-122"/>
-                <a:ea typeface="等线" panose="02010600030101010101" charset="-122"/>
-                <a:cs typeface="等线" panose="02010600030101010101" charset="-122"/>
-              </a:defRPr>
-            </a:lvl5pPr>
-            <a:lvl6pPr marL="2514600" indent="-228600" eaLnBrk="0" fontAlgn="base" hangingPunct="0">
-              <a:spcBef>
-                <a:spcPct val="0"/>
-              </a:spcBef>
-              <a:spcAft>
-                <a:spcPct val="0"/>
-              </a:spcAft>
-              <a:defRPr>
-                <a:solidFill>
-                  <a:schemeClr val="tx1"/>
-                </a:solidFill>
-                <a:latin typeface="等线" panose="02010600030101010101" charset="-122"/>
-                <a:ea typeface="等线" panose="02010600030101010101" charset="-122"/>
-                <a:cs typeface="等线" panose="02010600030101010101" charset="-122"/>
-              </a:defRPr>
-            </a:lvl6pPr>
-            <a:lvl7pPr marL="2971800" indent="-228600" eaLnBrk="0" fontAlgn="base" hangingPunct="0">
-              <a:spcBef>
-                <a:spcPct val="0"/>
-              </a:spcBef>
-              <a:spcAft>
-                <a:spcPct val="0"/>
-              </a:spcAft>
-              <a:defRPr>
-                <a:solidFill>
-                  <a:schemeClr val="tx1"/>
-                </a:solidFill>
-                <a:latin typeface="等线" panose="02010600030101010101" charset="-122"/>
-                <a:ea typeface="等线" panose="02010600030101010101" charset="-122"/>
-                <a:cs typeface="等线" panose="02010600030101010101" charset="-122"/>
-              </a:defRPr>
-            </a:lvl7pPr>
-            <a:lvl8pPr marL="3429000" indent="-228600" eaLnBrk="0" fontAlgn="base" hangingPunct="0">
-              <a:spcBef>
-                <a:spcPct val="0"/>
-              </a:spcBef>
-              <a:spcAft>
-                <a:spcPct val="0"/>
-              </a:spcAft>
-              <a:defRPr>
-                <a:solidFill>
-                  <a:schemeClr val="tx1"/>
-                </a:solidFill>
-                <a:latin typeface="等线" panose="02010600030101010101" charset="-122"/>
-                <a:ea typeface="等线" panose="02010600030101010101" charset="-122"/>
-                <a:cs typeface="等线" panose="02010600030101010101" charset="-122"/>
-              </a:defRPr>
-            </a:lvl8pPr>
-            <a:lvl9pPr marL="3886200" indent="-228600" eaLnBrk="0" fontAlgn="base" hangingPunct="0">
-              <a:spcBef>
-                <a:spcPct val="0"/>
-              </a:spcBef>
-              <a:spcAft>
-                <a:spcPct val="0"/>
-              </a:spcAft>
-              <a:defRPr>
-                <a:solidFill>
-                  <a:schemeClr val="tx1"/>
-                </a:solidFill>
-                <a:latin typeface="等线" panose="02010600030101010101" charset="-122"/>
-                <a:ea typeface="等线" panose="02010600030101010101" charset="-122"/>
-                <a:cs typeface="等线" panose="02010600030101010101" charset="-122"/>
-              </a:defRPr>
-            </a:lvl9pPr>
-          </a:lstStyle>
-          <a:p>
-            <a:pPr eaLnBrk="1" hangingPunct="1"/>
-            <a:r>
-              <a:rPr lang="zh-CN" altLang="en-US" dirty="0" smtClean="0">
-                <a:solidFill>
-                  <a:schemeClr val="tx1"/>
-                </a:solidFill>
-                <a:latin typeface="微软雅黑" panose="020B0503020204020204" pitchFamily="34" charset="-122"/>
-                <a:ea typeface="微软雅黑" panose="020B0503020204020204" pitchFamily="34" charset="-122"/>
-                <a:sym typeface="+mn-ea"/>
-              </a:rPr>
-              <a:t>条件语句</a:t>
-            </a:r>
-            <a:endParaRPr lang="zh-CN" altLang="en-US" dirty="0" smtClean="0">
-              <a:solidFill>
-                <a:schemeClr val="tx1"/>
-              </a:solidFill>
-              <a:latin typeface="微软雅黑" panose="020B0503020204020204" pitchFamily="34" charset="-122"/>
-              <a:ea typeface="微软雅黑" panose="020B0503020204020204" pitchFamily="34" charset="-122"/>
-              <a:sym typeface="+mn-ea"/>
-            </a:endParaRPr>
-          </a:p>
-        </p:txBody>
-      </p:sp>
-      <p:sp>
-        <p:nvSpPr>
-          <p:cNvPr id="5123" name="内容占位符 2"/>
-          <p:cNvSpPr>
-            <a:spLocks noGrp="1"/>
-          </p:cNvSpPr>
-          <p:nvPr>
-            <p:ph idx="1"/>
-          </p:nvPr>
-        </p:nvSpPr>
-        <p:spPr>
-          <a:xfrm>
-            <a:off x="1715453" y="1050290"/>
-            <a:ext cx="8229600" cy="4527550"/>
-          </a:xfrm>
-        </p:spPr>
-        <p:txBody>
-          <a:bodyPr vert="horz" wrap="square" lIns="91440" tIns="45720" rIns="91440" bIns="45720" anchor="t"/>
-          <a:p>
-            <a:r>
-              <a:rPr lang="zh-CN" altLang="en-US" dirty="0"/>
-              <a:t>条件语句：</a:t>
-            </a:r>
-            <a:r>
-              <a:rPr lang="zh-CN" altLang="en-US" b="1" dirty="0">
-                <a:solidFill>
-                  <a:srgbClr val="FF0000"/>
-                </a:solidFill>
-              </a:rPr>
-              <a:t>if</a:t>
-            </a:r>
-            <a:r>
-              <a:rPr lang="zh-CN" altLang="en-US" dirty="0"/>
-              <a:t> 和</a:t>
-            </a:r>
-            <a:r>
-              <a:rPr lang="zh-CN" altLang="en-US" b="1" dirty="0">
-                <a:solidFill>
-                  <a:srgbClr val="FF0000"/>
-                </a:solidFill>
-              </a:rPr>
-              <a:t> else</a:t>
-            </a:r>
-            <a:r>
-              <a:rPr lang="zh-CN" altLang="en-US" dirty="0"/>
-              <a:t> 语句以及各自的缩进部分共同是一个</a:t>
-            </a:r>
-            <a:r>
-              <a:rPr lang="zh-CN" altLang="en-US" dirty="0">
-                <a:solidFill>
-                  <a:srgbClr val="FF0000"/>
-                </a:solidFill>
-              </a:rPr>
-              <a:t>完整的代码块</a:t>
-            </a:r>
-            <a:r>
-              <a:rPr lang="zh-CN" altLang="en-US" dirty="0"/>
-              <a:t>。</a:t>
-            </a:r>
-            <a:endParaRPr lang="zh-CN" altLang="en-US" dirty="0"/>
-          </a:p>
-        </p:txBody>
-      </p:sp>
-      <p:sp>
-        <p:nvSpPr>
-          <p:cNvPr id="9" name="矩形 8"/>
-          <p:cNvSpPr/>
-          <p:nvPr/>
-        </p:nvSpPr>
-        <p:spPr>
-          <a:xfrm>
-            <a:off x="3143250" y="2276475"/>
-            <a:ext cx="1584325" cy="504825"/>
-          </a:xfrm>
-          <a:prstGeom prst="rect">
-            <a:avLst/>
-          </a:prstGeom>
-        </p:spPr>
-        <p:style>
-          <a:lnRef idx="1">
-            <a:schemeClr val="accent6"/>
-          </a:lnRef>
-          <a:fillRef idx="2">
-            <a:schemeClr val="accent6"/>
-          </a:fillRef>
-          <a:effectRef idx="1">
-            <a:schemeClr val="accent6"/>
-          </a:effectRef>
-          <a:fontRef idx="minor">
-            <a:schemeClr val="dk1"/>
-          </a:fontRef>
-        </p:style>
-        <p:txBody>
-          <a:bodyPr rot="0" spcFirstLastPara="0" vertOverflow="overflow" horzOverflow="overflow" vert="horz" wrap="square" lIns="91440" tIns="45720" rIns="91440" bIns="45720" numCol="1" spcCol="0" rtlCol="0" fromWordArt="0" anchor="ctr" anchorCtr="0" forceAA="0" compatLnSpc="1">
-            <a:noAutofit/>
-          </a:bodyPr>
-          <a:p>
-            <a:pPr marL="0" marR="0" lvl="0" indent="0" algn="ctr" defTabSz="914400" rtl="0" eaLnBrk="1" fontAlgn="base" latinLnBrk="0" hangingPunct="1">
-              <a:lnSpc>
-                <a:spcPct val="100000"/>
-              </a:lnSpc>
-              <a:spcBef>
-                <a:spcPct val="0"/>
-              </a:spcBef>
-              <a:spcAft>
-                <a:spcPct val="0"/>
-              </a:spcAft>
-              <a:buClrTx/>
-              <a:buSzTx/>
-              <a:buFontTx/>
-              <a:buNone/>
-              <a:defRPr/>
-            </a:pPr>
-            <a:r>
-              <a:rPr kumimoji="0" lang="en-US" altLang="zh-CN" sz="2400" b="0" i="0" u="none" strike="noStrike" kern="1200" cap="none" spc="0" normalizeH="0" baseline="0" noProof="0" dirty="0" smtClean="0">
-                <a:ln>
-                  <a:noFill/>
-                </a:ln>
-                <a:solidFill>
-                  <a:schemeClr val="dk1"/>
-                </a:solidFill>
-                <a:effectLst/>
-                <a:uLnTx/>
-                <a:uFillTx/>
-                <a:latin typeface="+mn-lt"/>
-                <a:ea typeface="+mn-ea"/>
-                <a:cs typeface="+mn-cs"/>
-              </a:rPr>
-              <a:t>if</a:t>
-            </a:r>
-            <a:r>
-              <a:rPr kumimoji="0" lang="en-US" altLang="zh-CN" sz="2400" b="0" i="0" u="none" strike="noStrike" kern="1200" cap="none" spc="0" normalizeH="0" baseline="0" noProof="0" dirty="0" smtClean="0">
-                <a:ln>
-                  <a:noFill/>
-                </a:ln>
-                <a:solidFill>
-                  <a:schemeClr val="tx1"/>
-                </a:solidFill>
-                <a:effectLst/>
-                <a:uLnTx/>
-                <a:uFillTx/>
-                <a:latin typeface="+mn-lt"/>
-                <a:ea typeface="+mn-ea"/>
-                <a:cs typeface="+mn-cs"/>
-              </a:rPr>
-              <a:t> </a:t>
-            </a:r>
-            <a:r>
-              <a:rPr kumimoji="0" lang="zh-CN" altLang="zh-CN" sz="2400" b="0" i="0" u="none" strike="noStrike" kern="1200" cap="none" spc="0" normalizeH="0" baseline="0" noProof="0" dirty="0" smtClean="0">
-                <a:ln>
-                  <a:noFill/>
-                </a:ln>
-                <a:solidFill>
-                  <a:schemeClr val="tx1"/>
-                </a:solidFill>
-                <a:effectLst/>
-                <a:uLnTx/>
-                <a:uFillTx/>
-                <a:latin typeface="+mn-lt"/>
-                <a:ea typeface="+mn-ea"/>
-                <a:cs typeface="+mn-cs"/>
-              </a:rPr>
-              <a:t>条件</a:t>
-            </a:r>
-            <a:r>
-              <a:rPr kumimoji="0" lang="en-US" altLang="zh-CN" sz="2400" b="0" i="0" u="none" strike="noStrike" kern="1200" cap="none" spc="0" normalizeH="0" baseline="0" noProof="0" dirty="0" smtClean="0">
-                <a:ln>
-                  <a:noFill/>
-                </a:ln>
-                <a:solidFill>
-                  <a:schemeClr val="tx1"/>
-                </a:solidFill>
-                <a:effectLst/>
-                <a:uLnTx/>
-                <a:uFillTx/>
-                <a:latin typeface="+mn-lt"/>
-                <a:ea typeface="+mn-ea"/>
-                <a:cs typeface="+mn-cs"/>
-              </a:rPr>
-              <a:t> </a:t>
-            </a:r>
-            <a:r>
-              <a:rPr kumimoji="0" lang="en-US" altLang="zh-CN" sz="2400" b="0" i="0" u="none" strike="noStrike" kern="1200" cap="none" spc="0" normalizeH="0" baseline="0" noProof="0" dirty="0" smtClean="0">
-                <a:ln>
-                  <a:noFill/>
-                </a:ln>
-                <a:solidFill>
-                  <a:schemeClr val="dk1"/>
-                </a:solidFill>
-                <a:effectLst/>
-                <a:uLnTx/>
-                <a:uFillTx/>
-                <a:latin typeface="+mn-lt"/>
-                <a:ea typeface="+mn-ea"/>
-                <a:cs typeface="+mn-cs"/>
-              </a:rPr>
-              <a:t>:</a:t>
-            </a:r>
-            <a:endParaRPr kumimoji="0" lang="zh-CN" altLang="zh-CN" sz="2400" b="0" i="0" u="none" strike="noStrike" kern="1200" cap="none" spc="0" normalizeH="0" baseline="0" noProof="0" dirty="0" smtClean="0">
-              <a:ln>
-                <a:noFill/>
-              </a:ln>
-              <a:solidFill>
-                <a:schemeClr val="dk1"/>
-              </a:solidFill>
-              <a:effectLst/>
-              <a:uLnTx/>
-              <a:uFillTx/>
-              <a:latin typeface="+mn-lt"/>
-              <a:ea typeface="+mn-ea"/>
-              <a:cs typeface="+mn-cs"/>
-            </a:endParaRPr>
-          </a:p>
-        </p:txBody>
-      </p:sp>
-      <p:sp>
-        <p:nvSpPr>
-          <p:cNvPr id="10" name="矩形 9"/>
-          <p:cNvSpPr/>
-          <p:nvPr/>
-        </p:nvSpPr>
-        <p:spPr>
-          <a:xfrm>
-            <a:off x="3143250" y="4365625"/>
-            <a:ext cx="1081088" cy="503238"/>
-          </a:xfrm>
-          <a:prstGeom prst="rect">
-            <a:avLst/>
-          </a:prstGeom>
-        </p:spPr>
-        <p:style>
-          <a:lnRef idx="1">
-            <a:schemeClr val="accent6"/>
-          </a:lnRef>
-          <a:fillRef idx="2">
-            <a:schemeClr val="accent6"/>
-          </a:fillRef>
-          <a:effectRef idx="1">
-            <a:schemeClr val="accent6"/>
-          </a:effectRef>
-          <a:fontRef idx="minor">
-            <a:schemeClr val="dk1"/>
-          </a:fontRef>
-        </p:style>
-        <p:txBody>
-          <a:bodyPr rot="0" spcFirstLastPara="0" vertOverflow="overflow" horzOverflow="overflow" vert="horz" wrap="square" lIns="91440" tIns="45720" rIns="91440" bIns="45720" numCol="1" spcCol="0" rtlCol="0" fromWordArt="0" anchor="ctr" anchorCtr="0" forceAA="0" compatLnSpc="1">
-            <a:noAutofit/>
-          </a:bodyPr>
-          <a:p>
-            <a:pPr marL="0" marR="0" lvl="0" indent="0" algn="ctr" defTabSz="914400" rtl="0" eaLnBrk="1" fontAlgn="base" latinLnBrk="0" hangingPunct="1">
-              <a:lnSpc>
-                <a:spcPct val="100000"/>
-              </a:lnSpc>
-              <a:spcBef>
-                <a:spcPct val="0"/>
-              </a:spcBef>
-              <a:spcAft>
-                <a:spcPct val="0"/>
-              </a:spcAft>
-              <a:buClrTx/>
-              <a:buSzTx/>
-              <a:buFontTx/>
-              <a:buNone/>
-              <a:defRPr/>
-            </a:pPr>
-            <a:r>
-              <a:rPr kumimoji="0" lang="en-US" altLang="zh-CN" sz="2400" b="0" i="0" u="none" strike="noStrike" kern="1200" cap="none" spc="0" normalizeH="0" baseline="0" noProof="0" dirty="0" smtClean="0">
-                <a:ln>
-                  <a:noFill/>
-                </a:ln>
-                <a:solidFill>
-                  <a:schemeClr val="dk1"/>
-                </a:solidFill>
-                <a:effectLst/>
-                <a:uLnTx/>
-                <a:uFillTx/>
-                <a:latin typeface="+mn-lt"/>
-                <a:ea typeface="+mn-ea"/>
-                <a:cs typeface="+mn-cs"/>
-              </a:rPr>
-              <a:t>else:</a:t>
-            </a:r>
-            <a:endParaRPr kumimoji="0" lang="zh-CN" altLang="en-US" sz="2400" b="0" i="0" u="none" strike="noStrike" kern="1200" cap="none" spc="0" normalizeH="0" baseline="0" noProof="0" dirty="0" smtClean="0">
-              <a:ln>
-                <a:noFill/>
-              </a:ln>
-              <a:solidFill>
-                <a:schemeClr val="dk1"/>
-              </a:solidFill>
-              <a:effectLst/>
-              <a:uLnTx/>
-              <a:uFillTx/>
-              <a:latin typeface="+mn-lt"/>
-              <a:ea typeface="+mn-ea"/>
-              <a:cs typeface="+mn-cs"/>
-            </a:endParaRPr>
-          </a:p>
-        </p:txBody>
-      </p:sp>
-      <p:sp>
-        <p:nvSpPr>
-          <p:cNvPr id="11" name="矩形 10"/>
-          <p:cNvSpPr/>
-          <p:nvPr/>
-        </p:nvSpPr>
-        <p:spPr>
-          <a:xfrm>
-            <a:off x="3795713" y="2924175"/>
-            <a:ext cx="4532313" cy="1296988"/>
-          </a:xfrm>
-          <a:prstGeom prst="rect">
-            <a:avLst/>
-          </a:prstGeom>
-        </p:spPr>
-        <p:style>
-          <a:lnRef idx="1">
-            <a:schemeClr val="accent5"/>
-          </a:lnRef>
-          <a:fillRef idx="2">
-            <a:schemeClr val="accent5"/>
-          </a:fillRef>
-          <a:effectRef idx="1">
-            <a:schemeClr val="accent5"/>
-          </a:effectRef>
-          <a:fontRef idx="minor">
-            <a:schemeClr val="dk1"/>
-          </a:fontRef>
-        </p:style>
-        <p:txBody>
-          <a:bodyPr rot="0" spcFirstLastPara="0" vertOverflow="overflow" horzOverflow="overflow" vert="horz" wrap="square" lIns="91440" tIns="45720" rIns="91440" bIns="45720" numCol="1" spcCol="0" rtlCol="0" fromWordArt="0" anchor="ctr" anchorCtr="0" forceAA="0" compatLnSpc="1">
-            <a:noAutofit/>
-          </a:bodyPr>
-          <a:p>
-            <a:pPr marL="0" marR="0" lvl="0" indent="0" algn="ctr" defTabSz="914400" rtl="0" eaLnBrk="1" fontAlgn="base" latinLnBrk="0" hangingPunct="1">
-              <a:lnSpc>
-                <a:spcPct val="100000"/>
-              </a:lnSpc>
-              <a:spcBef>
-                <a:spcPct val="0"/>
-              </a:spcBef>
-              <a:spcAft>
-                <a:spcPct val="0"/>
-              </a:spcAft>
-              <a:buClrTx/>
-              <a:buSzTx/>
-              <a:buFontTx/>
-              <a:buNone/>
-              <a:defRPr/>
-            </a:pPr>
-            <a:r>
-              <a:rPr kumimoji="0" lang="zh-CN" altLang="zh-CN" sz="2400" b="0" i="0" u="none" strike="noStrike" kern="1200" cap="none" spc="0" normalizeH="0" baseline="0" noProof="0" dirty="0" smtClean="0">
-                <a:ln>
-                  <a:noFill/>
-                </a:ln>
-                <a:solidFill>
-                  <a:schemeClr val="dk1"/>
-                </a:solidFill>
-                <a:effectLst/>
-                <a:uLnTx/>
-                <a:uFillTx/>
-                <a:latin typeface="+mn-lt"/>
-                <a:ea typeface="+mn-ea"/>
-                <a:cs typeface="+mn-cs"/>
-              </a:rPr>
-              <a:t>条件为真（</a:t>
-            </a:r>
-            <a:r>
-              <a:rPr kumimoji="0" lang="en-US" altLang="zh-CN" sz="2400" b="0" i="0" u="none" strike="noStrike" kern="1200" cap="none" spc="0" normalizeH="0" baseline="0" noProof="0" dirty="0" smtClean="0">
-                <a:ln>
-                  <a:noFill/>
-                </a:ln>
-                <a:solidFill>
-                  <a:schemeClr val="dk1"/>
-                </a:solidFill>
-                <a:effectLst/>
-                <a:uLnTx/>
-                <a:uFillTx/>
-                <a:latin typeface="+mn-lt"/>
-                <a:ea typeface="+mn-ea"/>
-                <a:cs typeface="+mn-cs"/>
-              </a:rPr>
-              <a:t>True</a:t>
-            </a:r>
-            <a:r>
-              <a:rPr kumimoji="0" lang="zh-CN" altLang="zh-CN" sz="2400" b="0" i="0" u="none" strike="noStrike" kern="1200" cap="none" spc="0" normalizeH="0" baseline="0" noProof="0" dirty="0" smtClean="0">
-                <a:ln>
-                  <a:noFill/>
-                </a:ln>
-                <a:solidFill>
-                  <a:schemeClr val="dk1"/>
-                </a:solidFill>
-                <a:effectLst/>
-                <a:uLnTx/>
-                <a:uFillTx/>
-                <a:latin typeface="+mn-lt"/>
-                <a:ea typeface="+mn-ea"/>
-                <a:cs typeface="+mn-cs"/>
-              </a:rPr>
-              <a:t>）执行的操作</a:t>
-            </a:r>
-            <a:endParaRPr kumimoji="0" lang="zh-CN" altLang="zh-CN" sz="2400" b="0" i="0" u="none" strike="noStrike" kern="1200" cap="none" spc="0" normalizeH="0" baseline="0" noProof="0" dirty="0" smtClean="0">
-              <a:ln>
-                <a:noFill/>
-              </a:ln>
-              <a:solidFill>
-                <a:schemeClr val="dk1"/>
-              </a:solidFill>
-              <a:effectLst/>
-              <a:uLnTx/>
-              <a:uFillTx/>
-              <a:latin typeface="+mn-lt"/>
-              <a:ea typeface="+mn-ea"/>
-              <a:cs typeface="+mn-cs"/>
-            </a:endParaRPr>
-          </a:p>
-        </p:txBody>
-      </p:sp>
-      <p:sp>
-        <p:nvSpPr>
-          <p:cNvPr id="12" name="矩形 11"/>
-          <p:cNvSpPr/>
-          <p:nvPr/>
-        </p:nvSpPr>
-        <p:spPr>
-          <a:xfrm>
-            <a:off x="3795713" y="5013325"/>
-            <a:ext cx="4532313" cy="936625"/>
-          </a:xfrm>
-          <a:prstGeom prst="rect">
-            <a:avLst/>
-          </a:prstGeom>
-        </p:spPr>
-        <p:style>
-          <a:lnRef idx="1">
-            <a:schemeClr val="accent5"/>
-          </a:lnRef>
-          <a:fillRef idx="2">
-            <a:schemeClr val="accent5"/>
-          </a:fillRef>
-          <a:effectRef idx="1">
-            <a:schemeClr val="accent5"/>
-          </a:effectRef>
-          <a:fontRef idx="minor">
-            <a:schemeClr val="dk1"/>
-          </a:fontRef>
-        </p:style>
-        <p:txBody>
-          <a:bodyPr rot="0" spcFirstLastPara="0" vertOverflow="overflow" horzOverflow="overflow" vert="horz" wrap="square" lIns="91440" tIns="45720" rIns="91440" bIns="45720" numCol="1" spcCol="0" rtlCol="0" fromWordArt="0" anchor="ctr" anchorCtr="0" forceAA="0" compatLnSpc="1">
-            <a:noAutofit/>
-          </a:bodyPr>
-          <a:p>
-            <a:pPr marL="0" marR="0" lvl="0" indent="0" algn="ctr" defTabSz="914400" rtl="0" eaLnBrk="1" fontAlgn="base" latinLnBrk="0" hangingPunct="1">
-              <a:lnSpc>
-                <a:spcPct val="100000"/>
-              </a:lnSpc>
-              <a:spcBef>
-                <a:spcPct val="0"/>
-              </a:spcBef>
-              <a:spcAft>
-                <a:spcPct val="0"/>
-              </a:spcAft>
-              <a:buClrTx/>
-              <a:buSzTx/>
-              <a:buFontTx/>
-              <a:buNone/>
-              <a:defRPr/>
-            </a:pPr>
-            <a:r>
-              <a:rPr kumimoji="0" lang="zh-CN" altLang="zh-CN" sz="2400" b="0" i="0" u="none" strike="noStrike" kern="1200" cap="none" spc="0" normalizeH="0" baseline="0" noProof="0" dirty="0" smtClean="0">
-                <a:ln>
-                  <a:noFill/>
-                </a:ln>
-                <a:solidFill>
-                  <a:schemeClr val="dk1"/>
-                </a:solidFill>
-                <a:effectLst/>
-                <a:uLnTx/>
-                <a:uFillTx/>
-                <a:latin typeface="+mn-lt"/>
-                <a:ea typeface="+mn-ea"/>
-                <a:cs typeface="+mn-cs"/>
-              </a:rPr>
-              <a:t>条件为假（</a:t>
-            </a:r>
-            <a:r>
-              <a:rPr kumimoji="0" lang="en-US" altLang="zh-CN" sz="2400" b="0" i="0" u="none" strike="noStrike" kern="1200" cap="none" spc="0" normalizeH="0" baseline="0" noProof="0" dirty="0" smtClean="0">
-                <a:ln>
-                  <a:noFill/>
-                </a:ln>
-                <a:solidFill>
-                  <a:schemeClr val="dk1"/>
-                </a:solidFill>
-                <a:effectLst/>
-                <a:uLnTx/>
-                <a:uFillTx/>
-                <a:latin typeface="+mn-lt"/>
-                <a:ea typeface="+mn-ea"/>
-                <a:cs typeface="+mn-cs"/>
-              </a:rPr>
-              <a:t>False</a:t>
-            </a:r>
-            <a:r>
-              <a:rPr kumimoji="0" lang="zh-CN" altLang="zh-CN" sz="2400" b="0" i="0" u="none" strike="noStrike" kern="1200" cap="none" spc="0" normalizeH="0" baseline="0" noProof="0" dirty="0" smtClean="0">
-                <a:ln>
-                  <a:noFill/>
-                </a:ln>
-                <a:solidFill>
-                  <a:schemeClr val="dk1"/>
-                </a:solidFill>
-                <a:effectLst/>
-                <a:uLnTx/>
-                <a:uFillTx/>
-                <a:latin typeface="+mn-lt"/>
-                <a:ea typeface="+mn-ea"/>
-                <a:cs typeface="+mn-cs"/>
-              </a:rPr>
-              <a:t>）执行的操作</a:t>
-            </a:r>
-            <a:endParaRPr kumimoji="0" lang="zh-CN" altLang="zh-CN" sz="2400" b="0" i="0" u="none" strike="noStrike" kern="1200" cap="none" spc="0" normalizeH="0" baseline="0" noProof="0" dirty="0" smtClean="0">
-              <a:ln>
-                <a:noFill/>
-              </a:ln>
-              <a:solidFill>
-                <a:schemeClr val="dk1"/>
-              </a:solidFill>
-              <a:effectLst/>
-              <a:uLnTx/>
-              <a:uFillTx/>
-              <a:latin typeface="+mn-lt"/>
-              <a:ea typeface="+mn-ea"/>
-              <a:cs typeface="+mn-cs"/>
-            </a:endParaRPr>
-          </a:p>
-        </p:txBody>
-      </p:sp>
-    </p:spTree>
-  </p:cSld>
-  <p:clrMapOvr>
-    <a:masterClrMapping/>
-  </p:clrMapOvr>
-  <p:timing>
-    <p:tnLst>
-      <p:par>
-        <p:cTn id="1" dur="indefinite" restart="never" nodeType="tmRoot"/>
-      </p:par>
-    </p:tnLst>
-  </p:timing>
-</p:sld>
-</file>
-
-<file path=ppt/slides/slide16.xml><?xml version="1.0" encoding="utf-8"?>
-<p:sld xmlns:a="http://schemas.openxmlformats.org/drawingml/2006/main" xmlns:r="http://schemas.openxmlformats.org/officeDocument/2006/relationships" xmlns:p="http://schemas.openxmlformats.org/presentationml/2006/main">
-  <p:cSld>
-    <p:bg>
-      <p:bgPr>
-        <a:blipFill dpi="0" rotWithShape="0">
-          <a:blip r:embed="rId1"/>
-          <a:srcRect/>
-          <a:stretch>
-            <a:fillRect/>
-          </a:stretch>
-        </a:blipFill>
-        <a:effectLst/>
-      </p:bgPr>
-    </p:bg>
-    <p:spTree>
-      <p:nvGrpSpPr>
-        <p:cNvPr id="1" name=""/>
-        <p:cNvGrpSpPr/>
-        <p:nvPr/>
-      </p:nvGrpSpPr>
-      <p:grpSpPr>
-        <a:xfrm>
-          <a:off x="0" y="0"/>
-          <a:ext cx="0" cy="0"/>
-          <a:chOff x="0" y="0"/>
-          <a:chExt cx="0" cy="0"/>
-        </a:xfrm>
-      </p:grpSpPr>
-      <p:sp>
-        <p:nvSpPr>
-          <p:cNvPr id="16386" name="文本框 3"/>
-          <p:cNvSpPr txBox="1">
-            <a:spLocks noChangeArrowheads="1"/>
-          </p:cNvSpPr>
-          <p:nvPr/>
-        </p:nvSpPr>
-        <p:spPr bwMode="auto">
-          <a:xfrm>
-            <a:off x="887413" y="419100"/>
-            <a:ext cx="3729037" cy="368300"/>
-          </a:xfrm>
-          <a:prstGeom prst="rect">
-            <a:avLst/>
-          </a:prstGeom>
-          <a:noFill/>
-          <a:ln>
-            <a:noFill/>
-          </a:ln>
-          <a:extLst>
-            <a:ext uri="{909E8E84-426E-40DD-AFC4-6F175D3DCCD1}">
-              <a14:hiddenFill xmlns:a14="http://schemas.microsoft.com/office/drawing/2010/main">
-                <a:solidFill>
-                  <a:srgbClr val="FFFFFF"/>
-                </a:solidFill>
-              </a14:hiddenFill>
-            </a:ext>
-            <a:ext uri="{91240B29-F687-4F45-9708-019B960494DF}">
-              <a14:hiddenLine xmlns:a14="http://schemas.microsoft.com/office/drawing/2010/main" w="9525">
-                <a:solidFill>
-                  <a:srgbClr val="000000"/>
-                </a:solidFill>
-                <a:miter lim="800000"/>
-                <a:headEnd/>
-                <a:tailEnd/>
-              </a14:hiddenLine>
-            </a:ext>
-          </a:extLst>
-        </p:spPr>
-        <p:txBody>
-          <a:bodyPr>
-            <a:spAutoFit/>
-          </a:bodyPr>
-          <a:lstStyle>
-            <a:lvl1pPr eaLnBrk="0" hangingPunct="0">
-              <a:defRPr>
-                <a:solidFill>
-                  <a:schemeClr val="tx1"/>
-                </a:solidFill>
-                <a:latin typeface="等线" panose="02010600030101010101" charset="-122"/>
-                <a:ea typeface="等线" panose="02010600030101010101" charset="-122"/>
-                <a:cs typeface="等线" panose="02010600030101010101" charset="-122"/>
-              </a:defRPr>
-            </a:lvl1pPr>
-            <a:lvl2pPr marL="742950" indent="-285750" eaLnBrk="0" hangingPunct="0">
-              <a:defRPr>
-                <a:solidFill>
-                  <a:schemeClr val="tx1"/>
-                </a:solidFill>
-                <a:latin typeface="等线" panose="02010600030101010101" charset="-122"/>
-                <a:ea typeface="等线" panose="02010600030101010101" charset="-122"/>
-                <a:cs typeface="等线" panose="02010600030101010101" charset="-122"/>
-              </a:defRPr>
-            </a:lvl2pPr>
-            <a:lvl3pPr marL="1143000" indent="-228600" eaLnBrk="0" hangingPunct="0">
-              <a:defRPr>
-                <a:solidFill>
-                  <a:schemeClr val="tx1"/>
-                </a:solidFill>
-                <a:latin typeface="等线" panose="02010600030101010101" charset="-122"/>
-                <a:ea typeface="等线" panose="02010600030101010101" charset="-122"/>
-                <a:cs typeface="等线" panose="02010600030101010101" charset="-122"/>
-              </a:defRPr>
-            </a:lvl3pPr>
-            <a:lvl4pPr marL="1600200" indent="-228600" eaLnBrk="0" hangingPunct="0">
-              <a:defRPr>
-                <a:solidFill>
-                  <a:schemeClr val="tx1"/>
-                </a:solidFill>
-                <a:latin typeface="等线" panose="02010600030101010101" charset="-122"/>
-                <a:ea typeface="等线" panose="02010600030101010101" charset="-122"/>
-                <a:cs typeface="等线" panose="02010600030101010101" charset="-122"/>
-              </a:defRPr>
-            </a:lvl4pPr>
-            <a:lvl5pPr marL="2057400" indent="-228600" eaLnBrk="0" hangingPunct="0">
-              <a:defRPr>
-                <a:solidFill>
-                  <a:schemeClr val="tx1"/>
-                </a:solidFill>
-                <a:latin typeface="等线" panose="02010600030101010101" charset="-122"/>
-                <a:ea typeface="等线" panose="02010600030101010101" charset="-122"/>
-                <a:cs typeface="等线" panose="02010600030101010101" charset="-122"/>
-              </a:defRPr>
-            </a:lvl5pPr>
-            <a:lvl6pPr marL="2514600" indent="-228600" eaLnBrk="0" fontAlgn="base" hangingPunct="0">
-              <a:spcBef>
-                <a:spcPct val="0"/>
-              </a:spcBef>
-              <a:spcAft>
-                <a:spcPct val="0"/>
-              </a:spcAft>
-              <a:defRPr>
-                <a:solidFill>
-                  <a:schemeClr val="tx1"/>
-                </a:solidFill>
-                <a:latin typeface="等线" panose="02010600030101010101" charset="-122"/>
-                <a:ea typeface="等线" panose="02010600030101010101" charset="-122"/>
-                <a:cs typeface="等线" panose="02010600030101010101" charset="-122"/>
-              </a:defRPr>
-            </a:lvl6pPr>
-            <a:lvl7pPr marL="2971800" indent="-228600" eaLnBrk="0" fontAlgn="base" hangingPunct="0">
-              <a:spcBef>
-                <a:spcPct val="0"/>
-              </a:spcBef>
-              <a:spcAft>
-                <a:spcPct val="0"/>
-              </a:spcAft>
-              <a:defRPr>
-                <a:solidFill>
-                  <a:schemeClr val="tx1"/>
-                </a:solidFill>
-                <a:latin typeface="等线" panose="02010600030101010101" charset="-122"/>
-                <a:ea typeface="等线" panose="02010600030101010101" charset="-122"/>
-                <a:cs typeface="等线" panose="02010600030101010101" charset="-122"/>
-              </a:defRPr>
-            </a:lvl7pPr>
-            <a:lvl8pPr marL="3429000" indent="-228600" eaLnBrk="0" fontAlgn="base" hangingPunct="0">
-              <a:spcBef>
-                <a:spcPct val="0"/>
-              </a:spcBef>
-              <a:spcAft>
-                <a:spcPct val="0"/>
-              </a:spcAft>
-              <a:defRPr>
-                <a:solidFill>
-                  <a:schemeClr val="tx1"/>
-                </a:solidFill>
-                <a:latin typeface="等线" panose="02010600030101010101" charset="-122"/>
-                <a:ea typeface="等线" panose="02010600030101010101" charset="-122"/>
-                <a:cs typeface="等线" panose="02010600030101010101" charset="-122"/>
-              </a:defRPr>
-            </a:lvl8pPr>
-            <a:lvl9pPr marL="3886200" indent="-228600" eaLnBrk="0" fontAlgn="base" hangingPunct="0">
-              <a:spcBef>
-                <a:spcPct val="0"/>
-              </a:spcBef>
-              <a:spcAft>
-                <a:spcPct val="0"/>
-              </a:spcAft>
-              <a:defRPr>
-                <a:solidFill>
-                  <a:schemeClr val="tx1"/>
-                </a:solidFill>
-                <a:latin typeface="等线" panose="02010600030101010101" charset="-122"/>
-                <a:ea typeface="等线" panose="02010600030101010101" charset="-122"/>
-                <a:cs typeface="等线" panose="02010600030101010101" charset="-122"/>
-              </a:defRPr>
-            </a:lvl9pPr>
-          </a:lstStyle>
-          <a:p>
-            <a:pPr eaLnBrk="1" hangingPunct="1"/>
-            <a:r>
-              <a:rPr lang="zh-CN" altLang="en-US" dirty="0" smtClean="0">
-                <a:solidFill>
-                  <a:schemeClr val="tx1"/>
-                </a:solidFill>
-                <a:latin typeface="微软雅黑" panose="020B0503020204020204" pitchFamily="34" charset="-122"/>
-                <a:ea typeface="微软雅黑" panose="020B0503020204020204" pitchFamily="34" charset="-122"/>
-                <a:sym typeface="+mn-ea"/>
-              </a:rPr>
-              <a:t>条件语句</a:t>
-            </a:r>
-            <a:endParaRPr lang="zh-CN" altLang="en-US" dirty="0" smtClean="0">
-              <a:solidFill>
-                <a:schemeClr val="tx1"/>
-              </a:solidFill>
-              <a:latin typeface="微软雅黑" panose="020B0503020204020204" pitchFamily="34" charset="-122"/>
-              <a:ea typeface="微软雅黑" panose="020B0503020204020204" pitchFamily="34" charset="-122"/>
-              <a:sym typeface="+mn-ea"/>
-            </a:endParaRPr>
-          </a:p>
-        </p:txBody>
-      </p:sp>
-      <p:sp>
-        <p:nvSpPr>
-          <p:cNvPr id="3" name="文本框 2"/>
-          <p:cNvSpPr txBox="1"/>
-          <p:nvPr/>
-        </p:nvSpPr>
-        <p:spPr>
-          <a:xfrm>
-            <a:off x="3752850" y="2446020"/>
-            <a:ext cx="5385435" cy="2168525"/>
-          </a:xfrm>
-          <a:prstGeom prst="rect">
-            <a:avLst/>
-          </a:prstGeom>
-          <a:noFill/>
-        </p:spPr>
-        <p:txBody>
-          <a:bodyPr wrap="square" rtlCol="0" anchor="t">
-            <a:spAutoFit/>
-          </a:bodyPr>
-          <a:p>
-            <a:pPr>
-              <a:lnSpc>
-                <a:spcPct val="150000"/>
-              </a:lnSpc>
-            </a:pPr>
-            <a:r>
-              <a:rPr lang="zh-CN" altLang="en-US">
-                <a:solidFill>
-                  <a:schemeClr val="tx1"/>
-                </a:solidFill>
-                <a:latin typeface="微软雅黑" panose="020B0503020204020204" pitchFamily="34" charset="-122"/>
-                <a:ea typeface="微软雅黑" panose="020B0503020204020204" pitchFamily="34" charset="-122"/>
-                <a:cs typeface="微软雅黑" panose="020B0503020204020204" pitchFamily="34" charset="-122"/>
-                <a:sym typeface="+mn-ea"/>
-              </a:rPr>
-              <a:t>score = int(input('请输入一个分数：'))</a:t>
-            </a:r>
-            <a:endParaRPr lang="zh-CN" altLang="en-US">
-              <a:solidFill>
-                <a:schemeClr val="tx1"/>
-              </a:solidFill>
-              <a:latin typeface="微软雅黑" panose="020B0503020204020204" pitchFamily="34" charset="-122"/>
-              <a:ea typeface="微软雅黑" panose="020B0503020204020204" pitchFamily="34" charset="-122"/>
-              <a:cs typeface="微软雅黑" panose="020B0503020204020204" pitchFamily="34" charset="-122"/>
-              <a:sym typeface="+mn-ea"/>
-            </a:endParaRPr>
-          </a:p>
-          <a:p>
-            <a:pPr>
-              <a:lnSpc>
-                <a:spcPct val="150000"/>
-              </a:lnSpc>
-            </a:pPr>
-            <a:r>
-              <a:rPr lang="zh-CN" altLang="en-US">
-                <a:solidFill>
-                  <a:schemeClr val="tx1"/>
-                </a:solidFill>
-                <a:latin typeface="微软雅黑" panose="020B0503020204020204" pitchFamily="34" charset="-122"/>
-                <a:ea typeface="微软雅黑" panose="020B0503020204020204" pitchFamily="34" charset="-122"/>
-                <a:cs typeface="微软雅黑" panose="020B0503020204020204" pitchFamily="34" charset="-122"/>
-                <a:sym typeface="+mn-ea"/>
-              </a:rPr>
-              <a:t>if  score &gt;= 90:</a:t>
-            </a:r>
-            <a:endParaRPr lang="zh-CN" altLang="en-US">
-              <a:solidFill>
-                <a:schemeClr val="tx1"/>
-              </a:solidFill>
-              <a:latin typeface="微软雅黑" panose="020B0503020204020204" pitchFamily="34" charset="-122"/>
-              <a:ea typeface="微软雅黑" panose="020B0503020204020204" pitchFamily="34" charset="-122"/>
-              <a:cs typeface="微软雅黑" panose="020B0503020204020204" pitchFamily="34" charset="-122"/>
-              <a:sym typeface="+mn-ea"/>
-            </a:endParaRPr>
-          </a:p>
-          <a:p>
-            <a:pPr>
-              <a:lnSpc>
-                <a:spcPct val="150000"/>
-              </a:lnSpc>
-            </a:pPr>
-            <a:r>
-              <a:rPr lang="zh-CN" altLang="en-US">
-                <a:solidFill>
-                  <a:schemeClr val="tx1"/>
-                </a:solidFill>
-                <a:latin typeface="微软雅黑" panose="020B0503020204020204" pitchFamily="34" charset="-122"/>
-                <a:ea typeface="微软雅黑" panose="020B0503020204020204" pitchFamily="34" charset="-122"/>
-                <a:cs typeface="微软雅黑" panose="020B0503020204020204" pitchFamily="34" charset="-122"/>
-                <a:sym typeface="+mn-ea"/>
-              </a:rPr>
-              <a:t>    print('A')</a:t>
-            </a:r>
-            <a:endParaRPr lang="zh-CN" altLang="en-US">
-              <a:solidFill>
-                <a:schemeClr val="tx1"/>
-              </a:solidFill>
-              <a:latin typeface="微软雅黑" panose="020B0503020204020204" pitchFamily="34" charset="-122"/>
-              <a:ea typeface="微软雅黑" panose="020B0503020204020204" pitchFamily="34" charset="-122"/>
-              <a:cs typeface="微软雅黑" panose="020B0503020204020204" pitchFamily="34" charset="-122"/>
-              <a:sym typeface="+mn-ea"/>
-            </a:endParaRPr>
-          </a:p>
-          <a:p>
-            <a:pPr>
-              <a:lnSpc>
-                <a:spcPct val="150000"/>
-              </a:lnSpc>
-            </a:pPr>
-            <a:r>
-              <a:rPr lang="zh-CN" altLang="en-US">
-                <a:solidFill>
-                  <a:schemeClr val="tx1"/>
-                </a:solidFill>
-                <a:latin typeface="微软雅黑" panose="020B0503020204020204" pitchFamily="34" charset="-122"/>
-                <a:ea typeface="微软雅黑" panose="020B0503020204020204" pitchFamily="34" charset="-122"/>
-                <a:cs typeface="微软雅黑" panose="020B0503020204020204" pitchFamily="34" charset="-122"/>
-                <a:sym typeface="+mn-ea"/>
-              </a:rPr>
-              <a:t>else:</a:t>
-            </a:r>
-            <a:endParaRPr lang="zh-CN" altLang="en-US">
-              <a:solidFill>
-                <a:schemeClr val="tx1"/>
-              </a:solidFill>
-              <a:latin typeface="微软雅黑" panose="020B0503020204020204" pitchFamily="34" charset="-122"/>
-              <a:ea typeface="微软雅黑" panose="020B0503020204020204" pitchFamily="34" charset="-122"/>
-              <a:cs typeface="微软雅黑" panose="020B0503020204020204" pitchFamily="34" charset="-122"/>
-              <a:sym typeface="+mn-ea"/>
-            </a:endParaRPr>
-          </a:p>
-          <a:p>
-            <a:pPr>
-              <a:lnSpc>
-                <a:spcPct val="150000"/>
-              </a:lnSpc>
-            </a:pPr>
-            <a:r>
-              <a:rPr lang="zh-CN" altLang="en-US">
-                <a:solidFill>
-                  <a:schemeClr val="tx1"/>
-                </a:solidFill>
-                <a:latin typeface="微软雅黑" panose="020B0503020204020204" pitchFamily="34" charset="-122"/>
-                <a:ea typeface="微软雅黑" panose="020B0503020204020204" pitchFamily="34" charset="-122"/>
-                <a:cs typeface="微软雅黑" panose="020B0503020204020204" pitchFamily="34" charset="-122"/>
-                <a:sym typeface="+mn-ea"/>
-              </a:rPr>
-              <a:t>    print(</a:t>
-            </a:r>
-            <a:r>
-              <a:rPr lang="en-US" altLang="zh-CN">
-                <a:solidFill>
-                  <a:schemeClr val="tx1"/>
-                </a:solidFill>
-                <a:latin typeface="微软雅黑" panose="020B0503020204020204" pitchFamily="34" charset="-122"/>
-                <a:ea typeface="微软雅黑" panose="020B0503020204020204" pitchFamily="34" charset="-122"/>
-                <a:cs typeface="微软雅黑" panose="020B0503020204020204" pitchFamily="34" charset="-122"/>
-                <a:sym typeface="+mn-ea"/>
-              </a:rPr>
-              <a:t>'</a:t>
-            </a:r>
-            <a:r>
-              <a:rPr lang="en-US" altLang="zh-CN">
-                <a:solidFill>
-                  <a:schemeClr val="tx1"/>
-                </a:solidFill>
-                <a:latin typeface="微软雅黑" panose="020B0503020204020204" pitchFamily="34" charset="-122"/>
-                <a:ea typeface="微软雅黑" panose="020B0503020204020204" pitchFamily="34" charset="-122"/>
-                <a:cs typeface="微软雅黑" panose="020B0503020204020204" pitchFamily="34" charset="-122"/>
-                <a:sym typeface="+mn-ea"/>
-              </a:rPr>
-              <a:t>B</a:t>
-            </a:r>
-            <a:r>
-              <a:rPr lang="zh-CN" altLang="en-US">
-                <a:solidFill>
-                  <a:schemeClr val="tx1"/>
-                </a:solidFill>
-                <a:latin typeface="微软雅黑" panose="020B0503020204020204" pitchFamily="34" charset="-122"/>
-                <a:ea typeface="微软雅黑" panose="020B0503020204020204" pitchFamily="34" charset="-122"/>
-                <a:cs typeface="微软雅黑" panose="020B0503020204020204" pitchFamily="34" charset="-122"/>
-                <a:sym typeface="+mn-ea"/>
-              </a:rPr>
-              <a:t>')</a:t>
-            </a:r>
-            <a:endParaRPr lang="zh-CN" altLang="en-US">
-              <a:solidFill>
-                <a:schemeClr val="tx1"/>
-              </a:solidFill>
-              <a:latin typeface="微软雅黑" panose="020B0503020204020204" pitchFamily="34" charset="-122"/>
-              <a:ea typeface="微软雅黑" panose="020B0503020204020204" pitchFamily="34" charset="-122"/>
-              <a:cs typeface="微软雅黑" panose="020B0503020204020204" pitchFamily="34" charset="-122"/>
-              <a:sym typeface="+mn-ea"/>
-            </a:endParaRPr>
-          </a:p>
-        </p:txBody>
-      </p:sp>
-      <p:pic>
-        <p:nvPicPr>
-          <p:cNvPr id="17411" name="Picture 3" descr="C:\Users\Bob\Desktop\图片素材\8258a2e7ef69f732cb3090123406204.png"/>
-          <p:cNvPicPr>
-            <a:picLocks noChangeAspect="1" noChangeArrowheads="1"/>
-          </p:cNvPicPr>
-          <p:nvPr/>
-        </p:nvPicPr>
-        <p:blipFill>
-          <a:blip r:embed="rId2">
-            <a:extLst>
-              <a:ext uri="{28A0092B-C50C-407E-A947-70E740481C1C}">
-                <a14:useLocalDpi xmlns:a14="http://schemas.microsoft.com/office/drawing/2010/main" val="0"/>
-              </a:ext>
-            </a:extLst>
-          </a:blip>
-          <a:srcRect/>
-          <a:stretch>
-            <a:fillRect/>
-          </a:stretch>
-        </p:blipFill>
-        <p:spPr bwMode="auto">
-          <a:xfrm>
-            <a:off x="800418" y="1660525"/>
-            <a:ext cx="2039937" cy="2916238"/>
-          </a:xfrm>
-          <a:prstGeom prst="rect">
-            <a:avLst/>
-          </a:prstGeom>
-          <a:noFill/>
-          <a:ln>
-            <a:noFill/>
-          </a:ln>
-          <a:extLst>
-            <a:ext uri="{909E8E84-426E-40DD-AFC4-6F175D3DCCD1}">
-              <a14:hiddenFill xmlns:a14="http://schemas.microsoft.com/office/drawing/2010/main">
-                <a:solidFill>
-                  <a:srgbClr val="FFFFFF"/>
-                </a:solidFill>
-              </a14:hiddenFill>
-            </a:ext>
-            <a:ext uri="{91240B29-F687-4F45-9708-019B960494DF}">
-              <a14:hiddenLine xmlns:a14="http://schemas.microsoft.com/office/drawing/2010/main" w="9525">
-                <a:solidFill>
-                  <a:srgbClr val="000000"/>
-                </a:solidFill>
-                <a:miter lim="800000"/>
-                <a:headEnd/>
-                <a:tailEnd/>
-              </a14:hiddenLine>
-            </a:ext>
-          </a:extLst>
-        </p:spPr>
-      </p:pic>
-      <p:sp>
-        <p:nvSpPr>
-          <p:cNvPr id="4" name="文本框 3"/>
-          <p:cNvSpPr txBox="1"/>
-          <p:nvPr/>
-        </p:nvSpPr>
-        <p:spPr>
-          <a:xfrm>
-            <a:off x="3752850" y="1660525"/>
-            <a:ext cx="5139690" cy="645160"/>
-          </a:xfrm>
-          <a:prstGeom prst="rect">
-            <a:avLst/>
-          </a:prstGeom>
-          <a:noFill/>
-        </p:spPr>
-        <p:txBody>
-          <a:bodyPr wrap="none" rtlCol="0" anchor="t">
-            <a:spAutoFit/>
-          </a:bodyPr>
-          <a:p>
-            <a:pPr marL="285750" indent="-285750">
-              <a:buFont typeface="Wingdings" panose="05000000000000000000" charset="0"/>
-              <a:buChar char="Ø"/>
-            </a:pPr>
-            <a:r>
-              <a:rPr>
-                <a:effectLst>
-                  <a:outerShdw blurRad="38100" dist="25400" dir="5400000" algn="ctr" rotWithShape="0">
-                    <a:srgbClr val="6E747A">
-                      <a:alpha val="43000"/>
-                    </a:srgbClr>
-                  </a:outerShdw>
-                </a:effectLst>
-                <a:latin typeface="微软雅黑" panose="020B0503020204020204" pitchFamily="34" charset="-122"/>
-                <a:ea typeface="微软雅黑" panose="020B0503020204020204" pitchFamily="34" charset="-122"/>
-                <a:cs typeface="微软雅黑" panose="020B0503020204020204" pitchFamily="34" charset="-122"/>
-                <a:sym typeface="+mn-ea"/>
-              </a:rPr>
-              <a:t>按照100分制，90分以上成绩为A，</a:t>
-            </a:r>
-            <a:r>
-              <a:rPr lang="en-US">
-                <a:effectLst>
-                  <a:outerShdw blurRad="38100" dist="25400" dir="5400000" algn="ctr" rotWithShape="0">
-                    <a:srgbClr val="6E747A">
-                      <a:alpha val="43000"/>
-                    </a:srgbClr>
-                  </a:outerShdw>
-                </a:effectLst>
-                <a:latin typeface="微软雅黑" panose="020B0503020204020204" pitchFamily="34" charset="-122"/>
-                <a:ea typeface="微软雅黑" panose="020B0503020204020204" pitchFamily="34" charset="-122"/>
-                <a:cs typeface="微软雅黑" panose="020B0503020204020204" pitchFamily="34" charset="-122"/>
-                <a:sym typeface="+mn-ea"/>
-              </a:rPr>
-              <a:t>90</a:t>
-            </a:r>
-            <a:r>
-              <a:rPr>
-                <a:effectLst>
-                  <a:outerShdw blurRad="38100" dist="25400" dir="5400000" algn="ctr" rotWithShape="0">
-                    <a:srgbClr val="6E747A">
-                      <a:alpha val="43000"/>
-                    </a:srgbClr>
-                  </a:outerShdw>
-                </a:effectLst>
-                <a:latin typeface="微软雅黑" panose="020B0503020204020204" pitchFamily="34" charset="-122"/>
-                <a:ea typeface="微软雅黑" panose="020B0503020204020204" pitchFamily="34" charset="-122"/>
-                <a:cs typeface="微软雅黑" panose="020B0503020204020204" pitchFamily="34" charset="-122"/>
-                <a:sym typeface="+mn-ea"/>
-              </a:rPr>
-              <a:t>以下为</a:t>
-            </a:r>
-            <a:r>
-              <a:rPr lang="en-US">
-                <a:effectLst>
-                  <a:outerShdw blurRad="38100" dist="25400" dir="5400000" algn="ctr" rotWithShape="0">
-                    <a:srgbClr val="6E747A">
-                      <a:alpha val="43000"/>
-                    </a:srgbClr>
-                  </a:outerShdw>
-                </a:effectLst>
-                <a:latin typeface="微软雅黑" panose="020B0503020204020204" pitchFamily="34" charset="-122"/>
-                <a:ea typeface="微软雅黑" panose="020B0503020204020204" pitchFamily="34" charset="-122"/>
-                <a:cs typeface="微软雅黑" panose="020B0503020204020204" pitchFamily="34" charset="-122"/>
-                <a:sym typeface="+mn-ea"/>
-              </a:rPr>
-              <a:t>B</a:t>
-            </a:r>
-            <a:endParaRPr lang="en-US">
-              <a:effectLst>
-                <a:outerShdw blurRad="38100" dist="25400" dir="5400000" algn="ctr" rotWithShape="0">
-                  <a:srgbClr val="6E747A">
-                    <a:alpha val="43000"/>
-                  </a:srgbClr>
-                </a:outerShdw>
-              </a:effectLst>
-              <a:latin typeface="微软雅黑" panose="020B0503020204020204" pitchFamily="34" charset="-122"/>
-              <a:ea typeface="微软雅黑" panose="020B0503020204020204" pitchFamily="34" charset="-122"/>
-              <a:cs typeface="微软雅黑" panose="020B0503020204020204" pitchFamily="34" charset="-122"/>
-              <a:sym typeface="+mn-ea"/>
-            </a:endParaRPr>
-          </a:p>
-          <a:p>
-            <a:pPr marL="0" indent="0">
-              <a:buFont typeface="Wingdings" panose="05000000000000000000" charset="0"/>
-              <a:buNone/>
-            </a:pPr>
-            <a:r>
-              <a:rPr>
-                <a:effectLst>
-                  <a:outerShdw blurRad="38100" dist="25400" dir="5400000" algn="ctr" rotWithShape="0">
-                    <a:srgbClr val="6E747A">
-                      <a:alpha val="43000"/>
-                    </a:srgbClr>
-                  </a:outerShdw>
-                </a:effectLst>
-                <a:latin typeface="微软雅黑" panose="020B0503020204020204" pitchFamily="34" charset="-122"/>
-                <a:ea typeface="微软雅黑" panose="020B0503020204020204" pitchFamily="34" charset="-122"/>
-                <a:cs typeface="微软雅黑" panose="020B0503020204020204" pitchFamily="34" charset="-122"/>
-                <a:sym typeface="+mn-ea"/>
-              </a:rPr>
-              <a:t>     写一个程序，当用户输入分数</a:t>
-            </a:r>
-            <a:endParaRPr lang="zh-CN" altLang="en-US"/>
           </a:p>
         </p:txBody>
       </p:sp>
@@ -17444,84 +17289,541 @@
           </a:p>
         </p:txBody>
       </p:sp>
-      <p:pic>
-        <p:nvPicPr>
-          <p:cNvPr id="17411" name="Picture 3" descr="C:\Users\Bob\Desktop\图片素材\8258a2e7ef69f732cb3090123406204.png"/>
-          <p:cNvPicPr>
-            <a:picLocks noChangeAspect="1" noChangeArrowheads="1"/>
-          </p:cNvPicPr>
-          <p:nvPr/>
-        </p:nvPicPr>
-        <p:blipFill>
-          <a:blip r:embed="rId2">
-            <a:extLst>
-              <a:ext uri="{28A0092B-C50C-407E-A947-70E740481C1C}">
-                <a14:useLocalDpi xmlns:a14="http://schemas.microsoft.com/office/drawing/2010/main" val="0"/>
-              </a:ext>
-            </a:extLst>
-          </a:blip>
-          <a:srcRect/>
-          <a:stretch>
-            <a:fillRect/>
-          </a:stretch>
-        </p:blipFill>
-        <p:spPr bwMode="auto">
-          <a:xfrm>
-            <a:off x="800418" y="1660525"/>
-            <a:ext cx="2039937" cy="2916238"/>
-          </a:xfrm>
-          <a:prstGeom prst="rect">
-            <a:avLst/>
-          </a:prstGeom>
-          <a:noFill/>
-          <a:ln>
-            <a:noFill/>
-          </a:ln>
-          <a:extLst>
-            <a:ext uri="{909E8E84-426E-40DD-AFC4-6F175D3DCCD1}">
-              <a14:hiddenFill xmlns:a14="http://schemas.microsoft.com/office/drawing/2010/main">
-                <a:solidFill>
-                  <a:srgbClr val="FFFFFF"/>
-                </a:solidFill>
-              </a14:hiddenFill>
-            </a:ext>
-            <a:ext uri="{91240B29-F687-4F45-9708-019B960494DF}">
-              <a14:hiddenLine xmlns:a14="http://schemas.microsoft.com/office/drawing/2010/main" w="9525">
-                <a:solidFill>
-                  <a:srgbClr val="000000"/>
-                </a:solidFill>
-                <a:miter lim="800000"/>
-                <a:headEnd/>
-                <a:tailEnd/>
-              </a14:hiddenLine>
-            </a:ext>
-          </a:extLst>
-        </p:spPr>
-      </p:pic>
-      <p:pic>
-        <p:nvPicPr>
-          <p:cNvPr id="6" name="图片 5"/>
-          <p:cNvPicPr>
-            <a:picLocks noChangeAspect="1"/>
-          </p:cNvPicPr>
-          <p:nvPr/>
-        </p:nvPicPr>
-        <p:blipFill>
-          <a:blip r:embed="rId3"/>
-          <a:stretch>
-            <a:fillRect/>
-          </a:stretch>
-        </p:blipFill>
+      <p:sp>
+        <p:nvSpPr>
+          <p:cNvPr id="5123" name="内容占位符 2"/>
+          <p:cNvSpPr>
+            <a:spLocks noGrp="1"/>
+          </p:cNvSpPr>
+          <p:nvPr>
+            <p:ph idx="1"/>
+          </p:nvPr>
+        </p:nvSpPr>
         <p:spPr>
           <a:xfrm>
-            <a:off x="3588385" y="1462405"/>
-            <a:ext cx="7523480" cy="3662045"/>
+            <a:off x="1715453" y="1050290"/>
+            <a:ext cx="8229600" cy="4527550"/>
+          </a:xfrm>
+        </p:spPr>
+        <p:txBody>
+          <a:bodyPr vert="horz" wrap="square" lIns="91440" tIns="45720" rIns="91440" bIns="45720" anchor="t"/>
+          <a:p>
+            <a:r>
+              <a:rPr lang="zh-CN" altLang="en-US" dirty="0"/>
+              <a:t>条件语句：</a:t>
+            </a:r>
+            <a:r>
+              <a:rPr lang="zh-CN" altLang="en-US" b="1" dirty="0">
+                <a:solidFill>
+                  <a:srgbClr val="FF0000"/>
+                </a:solidFill>
+              </a:rPr>
+              <a:t>if</a:t>
+            </a:r>
+            <a:r>
+              <a:rPr lang="zh-CN" altLang="en-US" dirty="0"/>
+              <a:t> 和</a:t>
+            </a:r>
+            <a:r>
+              <a:rPr lang="zh-CN" altLang="en-US" b="1" dirty="0">
+                <a:solidFill>
+                  <a:srgbClr val="FF0000"/>
+                </a:solidFill>
+              </a:rPr>
+              <a:t> else</a:t>
+            </a:r>
+            <a:r>
+              <a:rPr lang="zh-CN" altLang="en-US" dirty="0"/>
+              <a:t> 语句以及各自的缩进部分共同是一个</a:t>
+            </a:r>
+            <a:r>
+              <a:rPr lang="zh-CN" altLang="en-US" dirty="0">
+                <a:solidFill>
+                  <a:srgbClr val="FF0000"/>
+                </a:solidFill>
+              </a:rPr>
+              <a:t>完整的代码块</a:t>
+            </a:r>
+            <a:r>
+              <a:rPr lang="zh-CN" altLang="en-US" dirty="0"/>
+              <a:t>。</a:t>
+            </a:r>
+            <a:endParaRPr lang="zh-CN" altLang="en-US" dirty="0"/>
+          </a:p>
+        </p:txBody>
+      </p:sp>
+      <p:sp>
+        <p:nvSpPr>
+          <p:cNvPr id="9" name="矩形 8"/>
+          <p:cNvSpPr/>
+          <p:nvPr/>
+        </p:nvSpPr>
+        <p:spPr>
+          <a:xfrm>
+            <a:off x="3143250" y="2276475"/>
+            <a:ext cx="1584325" cy="504825"/>
           </a:xfrm>
           <a:prstGeom prst="rect">
             <a:avLst/>
           </a:prstGeom>
         </p:spPr>
-      </p:pic>
+        <p:style>
+          <a:lnRef idx="1">
+            <a:schemeClr val="accent6"/>
+          </a:lnRef>
+          <a:fillRef idx="2">
+            <a:schemeClr val="accent6"/>
+          </a:fillRef>
+          <a:effectRef idx="1">
+            <a:schemeClr val="accent6"/>
+          </a:effectRef>
+          <a:fontRef idx="minor">
+            <a:schemeClr val="dk1"/>
+          </a:fontRef>
+        </p:style>
+        <p:txBody>
+          <a:bodyPr rot="0" spcFirstLastPara="0" vertOverflow="overflow" horzOverflow="overflow" vert="horz" wrap="square" lIns="91440" tIns="45720" rIns="91440" bIns="45720" numCol="1" spcCol="0" rtlCol="0" fromWordArt="0" anchor="ctr" anchorCtr="0" forceAA="0" compatLnSpc="1">
+            <a:noAutofit/>
+          </a:bodyPr>
+          <a:p>
+            <a:pPr marL="0" marR="0" lvl="0" indent="0" algn="ctr" defTabSz="914400" rtl="0" eaLnBrk="1" fontAlgn="base" latinLnBrk="0" hangingPunct="1">
+              <a:lnSpc>
+                <a:spcPct val="100000"/>
+              </a:lnSpc>
+              <a:spcBef>
+                <a:spcPct val="0"/>
+              </a:spcBef>
+              <a:spcAft>
+                <a:spcPct val="0"/>
+              </a:spcAft>
+              <a:buClrTx/>
+              <a:buSzTx/>
+              <a:buFontTx/>
+              <a:buNone/>
+              <a:defRPr/>
+            </a:pPr>
+            <a:r>
+              <a:rPr kumimoji="0" lang="en-US" altLang="zh-CN" sz="2400" b="0" i="0" u="none" strike="noStrike" kern="1200" cap="none" spc="0" normalizeH="0" baseline="0" noProof="0" dirty="0" smtClean="0">
+                <a:ln>
+                  <a:noFill/>
+                </a:ln>
+                <a:solidFill>
+                  <a:schemeClr val="dk1"/>
+                </a:solidFill>
+                <a:effectLst/>
+                <a:uLnTx/>
+                <a:uFillTx/>
+                <a:latin typeface="+mn-lt"/>
+                <a:ea typeface="+mn-ea"/>
+                <a:cs typeface="+mn-cs"/>
+              </a:rPr>
+              <a:t>if</a:t>
+            </a:r>
+            <a:r>
+              <a:rPr kumimoji="0" lang="en-US" altLang="zh-CN" sz="2400" b="0" i="0" u="none" strike="noStrike" kern="1200" cap="none" spc="0" normalizeH="0" baseline="0" noProof="0" dirty="0" smtClean="0">
+                <a:ln>
+                  <a:noFill/>
+                </a:ln>
+                <a:solidFill>
+                  <a:schemeClr val="tx1"/>
+                </a:solidFill>
+                <a:effectLst/>
+                <a:uLnTx/>
+                <a:uFillTx/>
+                <a:latin typeface="+mn-lt"/>
+                <a:ea typeface="+mn-ea"/>
+                <a:cs typeface="+mn-cs"/>
+              </a:rPr>
+              <a:t> </a:t>
+            </a:r>
+            <a:r>
+              <a:rPr kumimoji="0" lang="zh-CN" altLang="zh-CN" sz="2400" b="0" i="0" u="none" strike="noStrike" kern="1200" cap="none" spc="0" normalizeH="0" baseline="0" noProof="0" dirty="0" smtClean="0">
+                <a:ln>
+                  <a:noFill/>
+                </a:ln>
+                <a:solidFill>
+                  <a:schemeClr val="tx1"/>
+                </a:solidFill>
+                <a:effectLst/>
+                <a:uLnTx/>
+                <a:uFillTx/>
+                <a:latin typeface="+mn-lt"/>
+                <a:ea typeface="+mn-ea"/>
+                <a:cs typeface="+mn-cs"/>
+              </a:rPr>
+              <a:t>条件</a:t>
+            </a:r>
+            <a:r>
+              <a:rPr kumimoji="0" lang="en-US" altLang="zh-CN" sz="2400" b="0" i="0" u="none" strike="noStrike" kern="1200" cap="none" spc="0" normalizeH="0" baseline="0" noProof="0" dirty="0" smtClean="0">
+                <a:ln>
+                  <a:noFill/>
+                </a:ln>
+                <a:solidFill>
+                  <a:schemeClr val="tx1"/>
+                </a:solidFill>
+                <a:effectLst/>
+                <a:uLnTx/>
+                <a:uFillTx/>
+                <a:latin typeface="+mn-lt"/>
+                <a:ea typeface="+mn-ea"/>
+                <a:cs typeface="+mn-cs"/>
+              </a:rPr>
+              <a:t> </a:t>
+            </a:r>
+            <a:r>
+              <a:rPr kumimoji="0" lang="en-US" altLang="zh-CN" sz="2400" b="0" i="0" u="none" strike="noStrike" kern="1200" cap="none" spc="0" normalizeH="0" baseline="0" noProof="0" dirty="0" smtClean="0">
+                <a:ln>
+                  <a:noFill/>
+                </a:ln>
+                <a:solidFill>
+                  <a:schemeClr val="dk1"/>
+                </a:solidFill>
+                <a:effectLst/>
+                <a:uLnTx/>
+                <a:uFillTx/>
+                <a:latin typeface="+mn-lt"/>
+                <a:ea typeface="+mn-ea"/>
+                <a:cs typeface="+mn-cs"/>
+              </a:rPr>
+              <a:t>:</a:t>
+            </a:r>
+            <a:endParaRPr kumimoji="0" lang="zh-CN" altLang="zh-CN" sz="2400" b="0" i="0" u="none" strike="noStrike" kern="1200" cap="none" spc="0" normalizeH="0" baseline="0" noProof="0" dirty="0" smtClean="0">
+              <a:ln>
+                <a:noFill/>
+              </a:ln>
+              <a:solidFill>
+                <a:schemeClr val="dk1"/>
+              </a:solidFill>
+              <a:effectLst/>
+              <a:uLnTx/>
+              <a:uFillTx/>
+              <a:latin typeface="+mn-lt"/>
+              <a:ea typeface="+mn-ea"/>
+              <a:cs typeface="+mn-cs"/>
+            </a:endParaRPr>
+          </a:p>
+        </p:txBody>
+      </p:sp>
+      <p:sp>
+        <p:nvSpPr>
+          <p:cNvPr id="10" name="矩形 9"/>
+          <p:cNvSpPr/>
+          <p:nvPr/>
+        </p:nvSpPr>
+        <p:spPr>
+          <a:xfrm>
+            <a:off x="3143250" y="4365625"/>
+            <a:ext cx="1081088" cy="503238"/>
+          </a:xfrm>
+          <a:prstGeom prst="rect">
+            <a:avLst/>
+          </a:prstGeom>
+        </p:spPr>
+        <p:style>
+          <a:lnRef idx="1">
+            <a:schemeClr val="accent6"/>
+          </a:lnRef>
+          <a:fillRef idx="2">
+            <a:schemeClr val="accent6"/>
+          </a:fillRef>
+          <a:effectRef idx="1">
+            <a:schemeClr val="accent6"/>
+          </a:effectRef>
+          <a:fontRef idx="minor">
+            <a:schemeClr val="dk1"/>
+          </a:fontRef>
+        </p:style>
+        <p:txBody>
+          <a:bodyPr rot="0" spcFirstLastPara="0" vertOverflow="overflow" horzOverflow="overflow" vert="horz" wrap="square" lIns="91440" tIns="45720" rIns="91440" bIns="45720" numCol="1" spcCol="0" rtlCol="0" fromWordArt="0" anchor="ctr" anchorCtr="0" forceAA="0" compatLnSpc="1">
+            <a:noAutofit/>
+          </a:bodyPr>
+          <a:p>
+            <a:pPr marL="0" marR="0" lvl="0" indent="0" algn="ctr" defTabSz="914400" rtl="0" eaLnBrk="1" fontAlgn="base" latinLnBrk="0" hangingPunct="1">
+              <a:lnSpc>
+                <a:spcPct val="100000"/>
+              </a:lnSpc>
+              <a:spcBef>
+                <a:spcPct val="0"/>
+              </a:spcBef>
+              <a:spcAft>
+                <a:spcPct val="0"/>
+              </a:spcAft>
+              <a:buClrTx/>
+              <a:buSzTx/>
+              <a:buFontTx/>
+              <a:buNone/>
+              <a:defRPr/>
+            </a:pPr>
+            <a:r>
+              <a:rPr kumimoji="0" lang="en-US" altLang="zh-CN" sz="2400" b="0" i="0" u="none" strike="noStrike" kern="1200" cap="none" spc="0" normalizeH="0" baseline="0" noProof="0" dirty="0" smtClean="0">
+                <a:ln>
+                  <a:noFill/>
+                </a:ln>
+                <a:solidFill>
+                  <a:schemeClr val="dk1"/>
+                </a:solidFill>
+                <a:effectLst/>
+                <a:uLnTx/>
+                <a:uFillTx/>
+                <a:latin typeface="+mn-lt"/>
+                <a:ea typeface="+mn-ea"/>
+                <a:cs typeface="+mn-cs"/>
+              </a:rPr>
+              <a:t>else:</a:t>
+            </a:r>
+            <a:endParaRPr kumimoji="0" lang="zh-CN" altLang="en-US" sz="2400" b="0" i="0" u="none" strike="noStrike" kern="1200" cap="none" spc="0" normalizeH="0" baseline="0" noProof="0" dirty="0" smtClean="0">
+              <a:ln>
+                <a:noFill/>
+              </a:ln>
+              <a:solidFill>
+                <a:schemeClr val="dk1"/>
+              </a:solidFill>
+              <a:effectLst/>
+              <a:uLnTx/>
+              <a:uFillTx/>
+              <a:latin typeface="+mn-lt"/>
+              <a:ea typeface="+mn-ea"/>
+              <a:cs typeface="+mn-cs"/>
+            </a:endParaRPr>
+          </a:p>
+        </p:txBody>
+      </p:sp>
+      <p:sp>
+        <p:nvSpPr>
+          <p:cNvPr id="11" name="矩形 10"/>
+          <p:cNvSpPr/>
+          <p:nvPr/>
+        </p:nvSpPr>
+        <p:spPr>
+          <a:xfrm>
+            <a:off x="3795713" y="2924175"/>
+            <a:ext cx="4532313" cy="1296988"/>
+          </a:xfrm>
+          <a:prstGeom prst="rect">
+            <a:avLst/>
+          </a:prstGeom>
+        </p:spPr>
+        <p:style>
+          <a:lnRef idx="1">
+            <a:schemeClr val="accent5"/>
+          </a:lnRef>
+          <a:fillRef idx="2">
+            <a:schemeClr val="accent5"/>
+          </a:fillRef>
+          <a:effectRef idx="1">
+            <a:schemeClr val="accent5"/>
+          </a:effectRef>
+          <a:fontRef idx="minor">
+            <a:schemeClr val="dk1"/>
+          </a:fontRef>
+        </p:style>
+        <p:txBody>
+          <a:bodyPr rot="0" spcFirstLastPara="0" vertOverflow="overflow" horzOverflow="overflow" vert="horz" wrap="square" lIns="91440" tIns="45720" rIns="91440" bIns="45720" numCol="1" spcCol="0" rtlCol="0" fromWordArt="0" anchor="ctr" anchorCtr="0" forceAA="0" compatLnSpc="1">
+            <a:noAutofit/>
+          </a:bodyPr>
+          <a:p>
+            <a:pPr marL="0" marR="0" lvl="0" indent="0" algn="ctr" defTabSz="914400" rtl="0" eaLnBrk="1" fontAlgn="base" latinLnBrk="0" hangingPunct="1">
+              <a:lnSpc>
+                <a:spcPct val="100000"/>
+              </a:lnSpc>
+              <a:spcBef>
+                <a:spcPct val="0"/>
+              </a:spcBef>
+              <a:spcAft>
+                <a:spcPct val="0"/>
+              </a:spcAft>
+              <a:buClrTx/>
+              <a:buSzTx/>
+              <a:buFontTx/>
+              <a:buNone/>
+              <a:defRPr/>
+            </a:pPr>
+            <a:r>
+              <a:rPr kumimoji="0" lang="zh-CN" altLang="zh-CN" sz="2400" b="0" i="0" u="none" strike="noStrike" kern="1200" cap="none" spc="0" normalizeH="0" baseline="0" noProof="0" dirty="0" smtClean="0">
+                <a:ln>
+                  <a:noFill/>
+                </a:ln>
+                <a:solidFill>
+                  <a:schemeClr val="dk1"/>
+                </a:solidFill>
+                <a:effectLst/>
+                <a:uLnTx/>
+                <a:uFillTx/>
+                <a:latin typeface="+mn-lt"/>
+                <a:ea typeface="+mn-ea"/>
+                <a:cs typeface="+mn-cs"/>
+              </a:rPr>
+              <a:t>条件为真（</a:t>
+            </a:r>
+            <a:r>
+              <a:rPr kumimoji="0" lang="en-US" altLang="zh-CN" sz="2400" b="0" i="0" u="none" strike="noStrike" kern="1200" cap="none" spc="0" normalizeH="0" baseline="0" noProof="0" dirty="0" smtClean="0">
+                <a:ln>
+                  <a:noFill/>
+                </a:ln>
+                <a:solidFill>
+                  <a:schemeClr val="dk1"/>
+                </a:solidFill>
+                <a:effectLst/>
+                <a:uLnTx/>
+                <a:uFillTx/>
+                <a:latin typeface="+mn-lt"/>
+                <a:ea typeface="+mn-ea"/>
+                <a:cs typeface="+mn-cs"/>
+              </a:rPr>
+              <a:t>True</a:t>
+            </a:r>
+            <a:r>
+              <a:rPr kumimoji="0" lang="zh-CN" altLang="zh-CN" sz="2400" b="0" i="0" u="none" strike="noStrike" kern="1200" cap="none" spc="0" normalizeH="0" baseline="0" noProof="0" dirty="0" smtClean="0">
+                <a:ln>
+                  <a:noFill/>
+                </a:ln>
+                <a:solidFill>
+                  <a:schemeClr val="dk1"/>
+                </a:solidFill>
+                <a:effectLst/>
+                <a:uLnTx/>
+                <a:uFillTx/>
+                <a:latin typeface="+mn-lt"/>
+                <a:ea typeface="+mn-ea"/>
+                <a:cs typeface="+mn-cs"/>
+              </a:rPr>
+              <a:t>）执行的操作</a:t>
+            </a:r>
+            <a:endParaRPr kumimoji="0" lang="zh-CN" altLang="zh-CN" sz="2400" b="0" i="0" u="none" strike="noStrike" kern="1200" cap="none" spc="0" normalizeH="0" baseline="0" noProof="0" dirty="0" smtClean="0">
+              <a:ln>
+                <a:noFill/>
+              </a:ln>
+              <a:solidFill>
+                <a:schemeClr val="dk1"/>
+              </a:solidFill>
+              <a:effectLst/>
+              <a:uLnTx/>
+              <a:uFillTx/>
+              <a:latin typeface="+mn-lt"/>
+              <a:ea typeface="+mn-ea"/>
+              <a:cs typeface="+mn-cs"/>
+            </a:endParaRPr>
+          </a:p>
+        </p:txBody>
+      </p:sp>
+      <p:sp>
+        <p:nvSpPr>
+          <p:cNvPr id="12" name="矩形 11"/>
+          <p:cNvSpPr/>
+          <p:nvPr/>
+        </p:nvSpPr>
+        <p:spPr>
+          <a:xfrm>
+            <a:off x="3795713" y="5013325"/>
+            <a:ext cx="4532313" cy="936625"/>
+          </a:xfrm>
+          <a:prstGeom prst="rect">
+            <a:avLst/>
+          </a:prstGeom>
+        </p:spPr>
+        <p:style>
+          <a:lnRef idx="1">
+            <a:schemeClr val="accent5"/>
+          </a:lnRef>
+          <a:fillRef idx="2">
+            <a:schemeClr val="accent5"/>
+          </a:fillRef>
+          <a:effectRef idx="1">
+            <a:schemeClr val="accent5"/>
+          </a:effectRef>
+          <a:fontRef idx="minor">
+            <a:schemeClr val="dk1"/>
+          </a:fontRef>
+        </p:style>
+        <p:txBody>
+          <a:bodyPr rot="0" spcFirstLastPara="0" vertOverflow="overflow" horzOverflow="overflow" vert="horz" wrap="square" lIns="91440" tIns="45720" rIns="91440" bIns="45720" numCol="1" spcCol="0" rtlCol="0" fromWordArt="0" anchor="ctr" anchorCtr="0" forceAA="0" compatLnSpc="1">
+            <a:noAutofit/>
+          </a:bodyPr>
+          <a:p>
+            <a:pPr marL="0" marR="0" lvl="0" indent="0" algn="ctr" defTabSz="914400" rtl="0" eaLnBrk="1" fontAlgn="base" latinLnBrk="0" hangingPunct="1">
+              <a:lnSpc>
+                <a:spcPct val="100000"/>
+              </a:lnSpc>
+              <a:spcBef>
+                <a:spcPct val="0"/>
+              </a:spcBef>
+              <a:spcAft>
+                <a:spcPct val="0"/>
+              </a:spcAft>
+              <a:buClrTx/>
+              <a:buSzTx/>
+              <a:buFontTx/>
+              <a:buNone/>
+              <a:defRPr/>
+            </a:pPr>
+            <a:r>
+              <a:rPr kumimoji="0" lang="zh-CN" altLang="zh-CN" sz="2400" b="0" i="0" u="none" strike="noStrike" kern="1200" cap="none" spc="0" normalizeH="0" baseline="0" noProof="0" dirty="0" smtClean="0">
+                <a:ln>
+                  <a:noFill/>
+                </a:ln>
+                <a:solidFill>
+                  <a:schemeClr val="dk1"/>
+                </a:solidFill>
+                <a:effectLst/>
+                <a:uLnTx/>
+                <a:uFillTx/>
+                <a:latin typeface="+mn-lt"/>
+                <a:ea typeface="+mn-ea"/>
+                <a:cs typeface="+mn-cs"/>
+              </a:rPr>
+              <a:t>条件为假（</a:t>
+            </a:r>
+            <a:r>
+              <a:rPr kumimoji="0" lang="en-US" altLang="zh-CN" sz="2400" b="0" i="0" u="none" strike="noStrike" kern="1200" cap="none" spc="0" normalizeH="0" baseline="0" noProof="0" dirty="0" smtClean="0">
+                <a:ln>
+                  <a:noFill/>
+                </a:ln>
+                <a:solidFill>
+                  <a:schemeClr val="dk1"/>
+                </a:solidFill>
+                <a:effectLst/>
+                <a:uLnTx/>
+                <a:uFillTx/>
+                <a:latin typeface="+mn-lt"/>
+                <a:ea typeface="+mn-ea"/>
+                <a:cs typeface="+mn-cs"/>
+              </a:rPr>
+              <a:t>False</a:t>
+            </a:r>
+            <a:r>
+              <a:rPr kumimoji="0" lang="zh-CN" altLang="zh-CN" sz="2400" b="0" i="0" u="none" strike="noStrike" kern="1200" cap="none" spc="0" normalizeH="0" baseline="0" noProof="0" dirty="0" smtClean="0">
+                <a:ln>
+                  <a:noFill/>
+                </a:ln>
+                <a:solidFill>
+                  <a:schemeClr val="dk1"/>
+                </a:solidFill>
+                <a:effectLst/>
+                <a:uLnTx/>
+                <a:uFillTx/>
+                <a:latin typeface="+mn-lt"/>
+                <a:ea typeface="+mn-ea"/>
+                <a:cs typeface="+mn-cs"/>
+              </a:rPr>
+              <a:t>）执行的操作</a:t>
+            </a:r>
+            <a:endParaRPr kumimoji="0" lang="zh-CN" altLang="zh-CN" sz="2400" b="0" i="0" u="none" strike="noStrike" kern="1200" cap="none" spc="0" normalizeH="0" baseline="0" noProof="0" dirty="0" smtClean="0">
+              <a:ln>
+                <a:noFill/>
+              </a:ln>
+              <a:solidFill>
+                <a:schemeClr val="dk1"/>
+              </a:solidFill>
+              <a:effectLst/>
+              <a:uLnTx/>
+              <a:uFillTx/>
+              <a:latin typeface="+mn-lt"/>
+              <a:ea typeface="+mn-ea"/>
+              <a:cs typeface="+mn-cs"/>
+            </a:endParaRPr>
+          </a:p>
+        </p:txBody>
+      </p:sp>
     </p:spTree>
   </p:cSld>
   <p:clrMapOvr>
@@ -17759,7 +18061,7 @@
         <p:spPr>
           <a:xfrm>
             <a:off x="3752850" y="2446020"/>
-            <a:ext cx="5385435" cy="2999740"/>
+            <a:ext cx="5385435" cy="2168525"/>
           </a:xfrm>
           <a:prstGeom prst="rect">
             <a:avLst/>
@@ -17806,12 +18108,15 @@
             </a:pPr>
             <a:r>
               <a:rPr lang="zh-CN" altLang="en-US">
+                <a:solidFill>
+                  <a:schemeClr val="tx1"/>
+                </a:solidFill>
                 <a:latin typeface="微软雅黑" panose="020B0503020204020204" pitchFamily="34" charset="-122"/>
                 <a:ea typeface="微软雅黑" panose="020B0503020204020204" pitchFamily="34" charset="-122"/>
                 <a:cs typeface="微软雅黑" panose="020B0503020204020204" pitchFamily="34" charset="-122"/>
                 <a:sym typeface="+mn-ea"/>
               </a:rPr>
-              <a:t>if 100 &gt;= score &gt;= 90:</a:t>
+              <a:t>if  score &gt;= 90:</a:t>
             </a:r>
             <a:endParaRPr lang="zh-CN" altLang="en-US">
               <a:solidFill>
@@ -17831,6 +18136,9 @@
             </a:pPr>
             <a:r>
               <a:rPr lang="zh-CN" altLang="en-US">
+                <a:solidFill>
+                  <a:schemeClr val="tx1"/>
+                </a:solidFill>
                 <a:latin typeface="微软雅黑" panose="020B0503020204020204" pitchFamily="34" charset="-122"/>
                 <a:ea typeface="微软雅黑" panose="020B0503020204020204" pitchFamily="34" charset="-122"/>
                 <a:cs typeface="微软雅黑" panose="020B0503020204020204" pitchFamily="34" charset="-122"/>
@@ -17856,12 +18164,15 @@
             </a:pPr>
             <a:r>
               <a:rPr lang="zh-CN" altLang="en-US">
+                <a:solidFill>
+                  <a:schemeClr val="tx1"/>
+                </a:solidFill>
                 <a:latin typeface="微软雅黑" panose="020B0503020204020204" pitchFamily="34" charset="-122"/>
                 <a:ea typeface="微软雅黑" panose="020B0503020204020204" pitchFamily="34" charset="-122"/>
                 <a:cs typeface="微软雅黑" panose="020B0503020204020204" pitchFamily="34" charset="-122"/>
                 <a:sym typeface="+mn-ea"/>
               </a:rPr>
-              <a:t>elif 90 &gt; score &gt;= 80:</a:t>
+              <a:t>else:</a:t>
             </a:r>
             <a:endParaRPr lang="zh-CN" altLang="en-US">
               <a:solidFill>
@@ -17881,74 +18192,45 @@
             </a:pPr>
             <a:r>
               <a:rPr lang="zh-CN" altLang="en-US">
+                <a:solidFill>
+                  <a:schemeClr val="tx1"/>
+                </a:solidFill>
                 <a:latin typeface="微软雅黑" panose="020B0503020204020204" pitchFamily="34" charset="-122"/>
                 <a:ea typeface="微软雅黑" panose="020B0503020204020204" pitchFamily="34" charset="-122"/>
                 <a:cs typeface="微软雅黑" panose="020B0503020204020204" pitchFamily="34" charset="-122"/>
                 <a:sym typeface="+mn-ea"/>
               </a:rPr>
-              <a:t>    print('B')</a:t>
-            </a:r>
-            <a:endParaRPr lang="zh-CN" altLang="en-US">
-              <a:solidFill>
-                <a:schemeClr val="tx1"/>
-              </a:solidFill>
-              <a:latin typeface="微软雅黑" panose="020B0503020204020204" pitchFamily="34" charset="-122"/>
-              <a:ea typeface="微软雅黑" panose="020B0503020204020204" pitchFamily="34" charset="-122"/>
-              <a:cs typeface="微软雅黑" panose="020B0503020204020204" pitchFamily="34" charset="-122"/>
-              <a:sym typeface="+mn-ea"/>
-            </a:endParaRPr>
-          </a:p>
-          <a:p>
-            <a:pPr>
-              <a:lnSpc>
-                <a:spcPct val="150000"/>
-              </a:lnSpc>
-            </a:pPr>
-            <a:r>
-              <a:rPr lang="zh-CN" altLang="en-US">
+              <a:t>    print(</a:t>
+            </a:r>
+            <a:r>
+              <a:rPr lang="en-US" altLang="zh-CN">
+                <a:solidFill>
+                  <a:schemeClr val="tx1"/>
+                </a:solidFill>
                 <a:latin typeface="微软雅黑" panose="020B0503020204020204" pitchFamily="34" charset="-122"/>
                 <a:ea typeface="微软雅黑" panose="020B0503020204020204" pitchFamily="34" charset="-122"/>
                 <a:cs typeface="微软雅黑" panose="020B0503020204020204" pitchFamily="34" charset="-122"/>
                 <a:sym typeface="+mn-ea"/>
               </a:rPr>
-              <a:t>else:</a:t>
-            </a:r>
-            <a:endParaRPr lang="zh-CN" altLang="en-US">
-              <a:solidFill>
-                <a:schemeClr val="tx1"/>
-              </a:solidFill>
-              <a:latin typeface="微软雅黑" panose="020B0503020204020204" pitchFamily="34" charset="-122"/>
-              <a:ea typeface="微软雅黑" panose="020B0503020204020204" pitchFamily="34" charset="-122"/>
-              <a:cs typeface="微软雅黑" panose="020B0503020204020204" pitchFamily="34" charset="-122"/>
-              <a:sym typeface="+mn-ea"/>
-            </a:endParaRPr>
-          </a:p>
-          <a:p>
-            <a:pPr>
-              <a:lnSpc>
-                <a:spcPct val="150000"/>
-              </a:lnSpc>
-            </a:pPr>
-            <a:r>
-              <a:rPr lang="zh-CN" altLang="en-US">
+              <a:t>'</a:t>
+            </a:r>
+            <a:r>
+              <a:rPr lang="en-US" altLang="zh-CN">
+                <a:solidFill>
+                  <a:schemeClr val="tx1"/>
+                </a:solidFill>
                 <a:latin typeface="微软雅黑" panose="020B0503020204020204" pitchFamily="34" charset="-122"/>
                 <a:ea typeface="微软雅黑" panose="020B0503020204020204" pitchFamily="34" charset="-122"/>
                 <a:cs typeface="微软雅黑" panose="020B0503020204020204" pitchFamily="34" charset="-122"/>
                 <a:sym typeface="+mn-ea"/>
               </a:rPr>
-              <a:t>    print('</a:t>
-            </a:r>
-            <a:r>
-              <a:rPr lang="en-US" altLang="zh-CN">
-                <a:latin typeface="微软雅黑" panose="020B0503020204020204" pitchFamily="34" charset="-122"/>
-                <a:ea typeface="微软雅黑" panose="020B0503020204020204" pitchFamily="34" charset="-122"/>
-                <a:cs typeface="微软雅黑" panose="020B0503020204020204" pitchFamily="34" charset="-122"/>
-                <a:sym typeface="+mn-ea"/>
-              </a:rPr>
-              <a:t>C</a:t>
+              <a:t>B</a:t>
             </a:r>
             <a:r>
               <a:rPr lang="zh-CN" altLang="en-US">
+                <a:solidFill>
+                  <a:schemeClr val="tx1"/>
+                </a:solidFill>
                 <a:latin typeface="微软雅黑" panose="020B0503020204020204" pitchFamily="34" charset="-122"/>
                 <a:ea typeface="微软雅黑" panose="020B0503020204020204" pitchFamily="34" charset="-122"/>
                 <a:cs typeface="微软雅黑" panose="020B0503020204020204" pitchFamily="34" charset="-122"/>
@@ -18031,7 +18313,7 @@
         <p:spPr>
           <a:xfrm>
             <a:off x="3752850" y="1660525"/>
-            <a:ext cx="5179060" cy="645160"/>
+            <a:ext cx="5139690" cy="645160"/>
           </a:xfrm>
           <a:prstGeom prst="rect">
             <a:avLst/>
@@ -18043,7 +18325,7 @@
             <a:spAutoFit/>
           </a:bodyPr>
           <a:p>
-            <a:pPr marL="285750" indent="-285750" algn="l">
+            <a:pPr marL="285750" indent="-285750">
               <a:buFont typeface="Wingdings" panose="05000000000000000000" charset="0"/>
               <a:buChar char="Ø"/>
             </a:pPr>
@@ -18061,27 +18343,8 @@
                 <a:cs typeface="微软雅黑" panose="020B0503020204020204" pitchFamily="34" charset="-122"/>
                 <a:sym typeface="+mn-ea"/>
               </a:rPr>
-              <a:t>按照100分制，90分以上成绩为A，80到90为B</a:t>
-            </a:r>
-            <a:endParaRPr>
-              <a:effectLst>
-                <a:outerShdw blurRad="38100" dist="25400" dir="5400000" algn="ctr" rotWithShape="0">
-                  <a:srgbClr val="6E747A">
-                    <a:alpha val="43000"/>
-                  </a:srgbClr>
-                </a:outerShdw>
-              </a:effectLst>
-              <a:latin typeface="微软雅黑" panose="020B0503020204020204" pitchFamily="34" charset="-122"/>
-              <a:ea typeface="微软雅黑" panose="020B0503020204020204" pitchFamily="34" charset="-122"/>
-              <a:cs typeface="微软雅黑" panose="020B0503020204020204" pitchFamily="34" charset="-122"/>
-              <a:sym typeface="+mn-ea"/>
-            </a:endParaRPr>
-          </a:p>
-          <a:p>
-            <a:pPr marL="0" indent="0" algn="l">
-              <a:buFont typeface="Wingdings" panose="05000000000000000000" charset="0"/>
-              <a:buNone/>
-            </a:pPr>
+              <a:t>按照100分制，90分以上成绩为A，</a:t>
+            </a:r>
             <a:r>
               <a:rPr lang="en-US">
                 <a:effectLst>
@@ -18096,7 +18359,7 @@
                 <a:cs typeface="微软雅黑" panose="020B0503020204020204" pitchFamily="34" charset="-122"/>
                 <a:sym typeface="+mn-ea"/>
               </a:rPr>
-              <a:t>    8</a:t>
+              <a:t>90</a:t>
             </a:r>
             <a:r>
               <a:rPr>
@@ -18112,7 +18375,7 @@
                 <a:cs typeface="微软雅黑" panose="020B0503020204020204" pitchFamily="34" charset="-122"/>
                 <a:sym typeface="+mn-ea"/>
               </a:rPr>
-              <a:t>0以下为</a:t>
+              <a:t>以下为</a:t>
             </a:r>
             <a:r>
               <a:rPr lang="en-US">
@@ -18128,8 +18391,27 @@
                 <a:cs typeface="微软雅黑" panose="020B0503020204020204" pitchFamily="34" charset="-122"/>
                 <a:sym typeface="+mn-ea"/>
               </a:rPr>
-              <a:t>C</a:t>
-            </a:r>
+              <a:t>B</a:t>
+            </a:r>
+            <a:endParaRPr lang="en-US">
+              <a:effectLst>
+                <a:outerShdw blurRad="38100" dist="25400" dir="5400000" algn="ctr" rotWithShape="0">
+                  <a:srgbClr val="6E747A">
+                    <a:alpha val="43000"/>
+                  </a:srgbClr>
+                </a:outerShdw>
+              </a:effectLst>
+              <a:latin typeface="微软雅黑" panose="020B0503020204020204" pitchFamily="34" charset="-122"/>
+              <a:ea typeface="微软雅黑" panose="020B0503020204020204" pitchFamily="34" charset="-122"/>
+              <a:cs typeface="微软雅黑" panose="020B0503020204020204" pitchFamily="34" charset="-122"/>
+              <a:sym typeface="+mn-ea"/>
+            </a:endParaRPr>
+          </a:p>
+          <a:p>
+            <a:pPr marL="0" indent="0">
+              <a:buFont typeface="Wingdings" panose="05000000000000000000" charset="0"/>
+              <a:buNone/>
+            </a:pPr>
             <a:r>
               <a:rPr>
                 <a:effectLst>
@@ -18144,7 +18426,7 @@
                 <a:cs typeface="微软雅黑" panose="020B0503020204020204" pitchFamily="34" charset="-122"/>
                 <a:sym typeface="+mn-ea"/>
               </a:rPr>
-              <a:t>，写一个程序</a:t>
+              <a:t>     写一个程序，当用户输入分数</a:t>
             </a:r>
             <a:endParaRPr lang="zh-CN" altLang="en-US"/>
           </a:p>
@@ -18432,172 +18714,30 @@
           </a:extLst>
         </p:spPr>
       </p:pic>
-      <p:sp>
-        <p:nvSpPr>
-          <p:cNvPr id="2" name="文本框 1"/>
-          <p:cNvSpPr txBox="1"/>
+      <p:pic>
+        <p:nvPicPr>
+          <p:cNvPr id="6" name="图片 5"/>
+          <p:cNvPicPr>
+            <a:picLocks noChangeAspect="1"/>
+          </p:cNvPicPr>
           <p:nvPr/>
-        </p:nvSpPr>
+        </p:nvPicPr>
+        <p:blipFill>
+          <a:blip r:embed="rId3"/>
+          <a:stretch>
+            <a:fillRect/>
+          </a:stretch>
+        </p:blipFill>
         <p:spPr>
           <a:xfrm>
-            <a:off x="3676015" y="1715770"/>
-            <a:ext cx="5650230" cy="2861310"/>
+            <a:off x="3588385" y="1462405"/>
+            <a:ext cx="7523480" cy="3662045"/>
           </a:xfrm>
           <a:prstGeom prst="rect">
             <a:avLst/>
           </a:prstGeom>
-          <a:noFill/>
         </p:spPr>
-        <p:txBody>
-          <a:bodyPr wrap="square" rtlCol="0" anchor="t">
-            <a:spAutoFit/>
-          </a:bodyPr>
-          <a:p>
-            <a:pPr>
-              <a:lnSpc>
-                <a:spcPct val="150000"/>
-              </a:lnSpc>
-            </a:pPr>
-            <a:r>
-              <a:rPr lang="zh-CN" altLang="en-US" sz="2000">
-                <a:solidFill>
-                  <a:schemeClr val="tx1"/>
-                </a:solidFill>
-              </a:rPr>
-              <a:t>**需求**</a:t>
-            </a:r>
-            <a:endParaRPr lang="zh-CN" altLang="en-US" sz="2000">
-              <a:solidFill>
-                <a:schemeClr val="tx1"/>
-              </a:solidFill>
-            </a:endParaRPr>
-          </a:p>
-          <a:p>
-            <a:pPr>
-              <a:lnSpc>
-                <a:spcPct val="150000"/>
-              </a:lnSpc>
-            </a:pPr>
-            <a:endParaRPr lang="zh-CN" altLang="en-US" sz="2000">
-              <a:solidFill>
-                <a:schemeClr val="tx1"/>
-              </a:solidFill>
-            </a:endParaRPr>
-          </a:p>
-          <a:p>
-            <a:pPr>
-              <a:lnSpc>
-                <a:spcPct val="150000"/>
-              </a:lnSpc>
-            </a:pPr>
-            <a:r>
-              <a:rPr lang="zh-CN" altLang="en-US" sz="2000">
-                <a:solidFill>
-                  <a:schemeClr val="tx1"/>
-                </a:solidFill>
-              </a:rPr>
-              <a:t>1. 输入用户年龄</a:t>
-            </a:r>
-            <a:endParaRPr lang="zh-CN" altLang="en-US" sz="2000">
-              <a:solidFill>
-                <a:schemeClr val="tx1"/>
-              </a:solidFill>
-            </a:endParaRPr>
-          </a:p>
-          <a:p>
-            <a:pPr>
-              <a:lnSpc>
-                <a:spcPct val="150000"/>
-              </a:lnSpc>
-            </a:pPr>
-            <a:r>
-              <a:rPr lang="zh-CN" altLang="en-US" sz="2000">
-                <a:solidFill>
-                  <a:schemeClr val="tx1"/>
-                </a:solidFill>
-              </a:rPr>
-              <a:t>2. 判断是否满 18 岁 （如：</a:t>
-            </a:r>
-            <a:r>
-              <a:rPr lang="en-US" altLang="zh-CN" sz="2000">
-                <a:solidFill>
-                  <a:schemeClr val="tx1"/>
-                </a:solidFill>
-              </a:rPr>
-              <a:t>age</a:t>
-            </a:r>
-            <a:r>
-              <a:rPr lang="zh-CN" altLang="en-US" sz="2000">
-                <a:solidFill>
-                  <a:schemeClr val="tx1"/>
-                </a:solidFill>
-              </a:rPr>
-              <a:t>&gt;=</a:t>
-            </a:r>
-            <a:r>
-              <a:rPr lang="en-US" altLang="zh-CN" sz="2000">
-                <a:solidFill>
-                  <a:schemeClr val="tx1"/>
-                </a:solidFill>
-              </a:rPr>
-              <a:t>18</a:t>
-            </a:r>
-            <a:r>
-              <a:rPr lang="zh-CN" altLang="en-US" sz="2000">
-                <a:solidFill>
-                  <a:schemeClr val="tx1"/>
-                </a:solidFill>
-              </a:rPr>
-              <a:t>）</a:t>
-            </a:r>
-            <a:endParaRPr lang="zh-CN" altLang="en-US" sz="2000">
-              <a:solidFill>
-                <a:schemeClr val="tx1"/>
-              </a:solidFill>
-            </a:endParaRPr>
-          </a:p>
-          <a:p>
-            <a:pPr>
-              <a:lnSpc>
-                <a:spcPct val="150000"/>
-              </a:lnSpc>
-            </a:pPr>
-            <a:r>
-              <a:rPr lang="zh-CN" altLang="en-US" sz="2000">
-                <a:solidFill>
-                  <a:schemeClr val="tx1"/>
-                </a:solidFill>
-              </a:rPr>
-              <a:t>3. 如果满 18 岁，允许玩这个游戏</a:t>
-            </a:r>
-            <a:endParaRPr lang="zh-CN" altLang="en-US" sz="2000">
-              <a:solidFill>
-                <a:schemeClr val="tx1"/>
-              </a:solidFill>
-            </a:endParaRPr>
-          </a:p>
-          <a:p>
-            <a:pPr>
-              <a:lnSpc>
-                <a:spcPct val="150000"/>
-              </a:lnSpc>
-            </a:pPr>
-            <a:r>
-              <a:rPr lang="zh-CN" altLang="en-US" sz="2000">
-                <a:solidFill>
-                  <a:schemeClr val="tx1"/>
-                </a:solidFill>
-              </a:rPr>
-              <a:t>4. 如果未满 18 岁，提示回家写作业</a:t>
-            </a:r>
-            <a:endParaRPr lang="zh-CN" altLang="en-US" sz="2000">
-              <a:solidFill>
-                <a:schemeClr val="tx1"/>
-              </a:solidFill>
-            </a:endParaRPr>
-          </a:p>
-        </p:txBody>
-      </p:sp>
+      </p:pic>
     </p:spTree>
   </p:cSld>
   <p:clrMapOvr>
@@ -19607,7 +19747,7 @@
                 <a:ea typeface="微软雅黑" panose="020B0503020204020204" pitchFamily="34" charset="-122"/>
                 <a:sym typeface="+mn-ea"/>
               </a:rPr>
-              <a:t>总结</a:t>
+              <a:t>条件语句</a:t>
             </a:r>
             <a:endParaRPr lang="zh-CN" altLang="en-US" dirty="0" smtClean="0">
               <a:solidFill>
@@ -19615,6 +19755,224 @@
               </a:solidFill>
               <a:latin typeface="微软雅黑" panose="020B0503020204020204" pitchFamily="34" charset="-122"/>
               <a:ea typeface="微软雅黑" panose="020B0503020204020204" pitchFamily="34" charset="-122"/>
+              <a:sym typeface="+mn-ea"/>
+            </a:endParaRPr>
+          </a:p>
+        </p:txBody>
+      </p:sp>
+      <p:sp>
+        <p:nvSpPr>
+          <p:cNvPr id="3" name="文本框 2"/>
+          <p:cNvSpPr txBox="1"/>
+          <p:nvPr/>
+        </p:nvSpPr>
+        <p:spPr>
+          <a:xfrm>
+            <a:off x="3752850" y="2446020"/>
+            <a:ext cx="5385435" cy="2999740"/>
+          </a:xfrm>
+          <a:prstGeom prst="rect">
+            <a:avLst/>
+          </a:prstGeom>
+          <a:noFill/>
+        </p:spPr>
+        <p:txBody>
+          <a:bodyPr wrap="square" rtlCol="0" anchor="t">
+            <a:spAutoFit/>
+          </a:bodyPr>
+          <a:p>
+            <a:pPr>
+              <a:lnSpc>
+                <a:spcPct val="150000"/>
+              </a:lnSpc>
+            </a:pPr>
+            <a:r>
+              <a:rPr lang="zh-CN" altLang="en-US">
+                <a:solidFill>
+                  <a:schemeClr val="tx1"/>
+                </a:solidFill>
+                <a:latin typeface="微软雅黑" panose="020B0503020204020204" pitchFamily="34" charset="-122"/>
+                <a:ea typeface="微软雅黑" panose="020B0503020204020204" pitchFamily="34" charset="-122"/>
+                <a:cs typeface="微软雅黑" panose="020B0503020204020204" pitchFamily="34" charset="-122"/>
+                <a:sym typeface="+mn-ea"/>
+              </a:rPr>
+              <a:t>score = int(input('请输入一个分数：'))</a:t>
+            </a:r>
+            <a:endParaRPr lang="zh-CN" altLang="en-US">
+              <a:solidFill>
+                <a:schemeClr val="tx1"/>
+              </a:solidFill>
+              <a:latin typeface="微软雅黑" panose="020B0503020204020204" pitchFamily="34" charset="-122"/>
+              <a:ea typeface="微软雅黑" panose="020B0503020204020204" pitchFamily="34" charset="-122"/>
+              <a:cs typeface="微软雅黑" panose="020B0503020204020204" pitchFamily="34" charset="-122"/>
+              <a:sym typeface="+mn-ea"/>
+            </a:endParaRPr>
+          </a:p>
+          <a:p>
+            <a:pPr>
+              <a:lnSpc>
+                <a:spcPct val="150000"/>
+              </a:lnSpc>
+            </a:pPr>
+            <a:r>
+              <a:rPr lang="zh-CN" altLang="en-US">
+                <a:latin typeface="微软雅黑" panose="020B0503020204020204" pitchFamily="34" charset="-122"/>
+                <a:ea typeface="微软雅黑" panose="020B0503020204020204" pitchFamily="34" charset="-122"/>
+                <a:cs typeface="微软雅黑" panose="020B0503020204020204" pitchFamily="34" charset="-122"/>
+                <a:sym typeface="+mn-ea"/>
+              </a:rPr>
+              <a:t>if 100 &gt;= score &gt;= 90:</a:t>
+            </a:r>
+            <a:endParaRPr lang="zh-CN" altLang="en-US">
+              <a:solidFill>
+                <a:schemeClr val="tx1"/>
+              </a:solidFill>
+              <a:latin typeface="微软雅黑" panose="020B0503020204020204" pitchFamily="34" charset="-122"/>
+              <a:ea typeface="微软雅黑" panose="020B0503020204020204" pitchFamily="34" charset="-122"/>
+              <a:cs typeface="微软雅黑" panose="020B0503020204020204" pitchFamily="34" charset="-122"/>
+              <a:sym typeface="+mn-ea"/>
+            </a:endParaRPr>
+          </a:p>
+          <a:p>
+            <a:pPr>
+              <a:lnSpc>
+                <a:spcPct val="150000"/>
+              </a:lnSpc>
+            </a:pPr>
+            <a:r>
+              <a:rPr lang="zh-CN" altLang="en-US">
+                <a:latin typeface="微软雅黑" panose="020B0503020204020204" pitchFamily="34" charset="-122"/>
+                <a:ea typeface="微软雅黑" panose="020B0503020204020204" pitchFamily="34" charset="-122"/>
+                <a:cs typeface="微软雅黑" panose="020B0503020204020204" pitchFamily="34" charset="-122"/>
+                <a:sym typeface="+mn-ea"/>
+              </a:rPr>
+              <a:t>    print('A')</a:t>
+            </a:r>
+            <a:endParaRPr lang="zh-CN" altLang="en-US">
+              <a:solidFill>
+                <a:schemeClr val="tx1"/>
+              </a:solidFill>
+              <a:latin typeface="微软雅黑" panose="020B0503020204020204" pitchFamily="34" charset="-122"/>
+              <a:ea typeface="微软雅黑" panose="020B0503020204020204" pitchFamily="34" charset="-122"/>
+              <a:cs typeface="微软雅黑" panose="020B0503020204020204" pitchFamily="34" charset="-122"/>
+              <a:sym typeface="+mn-ea"/>
+            </a:endParaRPr>
+          </a:p>
+          <a:p>
+            <a:pPr>
+              <a:lnSpc>
+                <a:spcPct val="150000"/>
+              </a:lnSpc>
+            </a:pPr>
+            <a:r>
+              <a:rPr lang="zh-CN" altLang="en-US">
+                <a:latin typeface="微软雅黑" panose="020B0503020204020204" pitchFamily="34" charset="-122"/>
+                <a:ea typeface="微软雅黑" panose="020B0503020204020204" pitchFamily="34" charset="-122"/>
+                <a:cs typeface="微软雅黑" panose="020B0503020204020204" pitchFamily="34" charset="-122"/>
+                <a:sym typeface="+mn-ea"/>
+              </a:rPr>
+              <a:t>elif 90 &gt; score &gt;= 80:</a:t>
+            </a:r>
+            <a:endParaRPr lang="zh-CN" altLang="en-US">
+              <a:solidFill>
+                <a:schemeClr val="tx1"/>
+              </a:solidFill>
+              <a:latin typeface="微软雅黑" panose="020B0503020204020204" pitchFamily="34" charset="-122"/>
+              <a:ea typeface="微软雅黑" panose="020B0503020204020204" pitchFamily="34" charset="-122"/>
+              <a:cs typeface="微软雅黑" panose="020B0503020204020204" pitchFamily="34" charset="-122"/>
+              <a:sym typeface="+mn-ea"/>
+            </a:endParaRPr>
+          </a:p>
+          <a:p>
+            <a:pPr>
+              <a:lnSpc>
+                <a:spcPct val="150000"/>
+              </a:lnSpc>
+            </a:pPr>
+            <a:r>
+              <a:rPr lang="zh-CN" altLang="en-US">
+                <a:latin typeface="微软雅黑" panose="020B0503020204020204" pitchFamily="34" charset="-122"/>
+                <a:ea typeface="微软雅黑" panose="020B0503020204020204" pitchFamily="34" charset="-122"/>
+                <a:cs typeface="微软雅黑" panose="020B0503020204020204" pitchFamily="34" charset="-122"/>
+                <a:sym typeface="+mn-ea"/>
+              </a:rPr>
+              <a:t>    print('B')</a:t>
+            </a:r>
+            <a:endParaRPr lang="zh-CN" altLang="en-US">
+              <a:solidFill>
+                <a:schemeClr val="tx1"/>
+              </a:solidFill>
+              <a:latin typeface="微软雅黑" panose="020B0503020204020204" pitchFamily="34" charset="-122"/>
+              <a:ea typeface="微软雅黑" panose="020B0503020204020204" pitchFamily="34" charset="-122"/>
+              <a:cs typeface="微软雅黑" panose="020B0503020204020204" pitchFamily="34" charset="-122"/>
+              <a:sym typeface="+mn-ea"/>
+            </a:endParaRPr>
+          </a:p>
+          <a:p>
+            <a:pPr>
+              <a:lnSpc>
+                <a:spcPct val="150000"/>
+              </a:lnSpc>
+            </a:pPr>
+            <a:r>
+              <a:rPr lang="zh-CN" altLang="en-US">
+                <a:latin typeface="微软雅黑" panose="020B0503020204020204" pitchFamily="34" charset="-122"/>
+                <a:ea typeface="微软雅黑" panose="020B0503020204020204" pitchFamily="34" charset="-122"/>
+                <a:cs typeface="微软雅黑" panose="020B0503020204020204" pitchFamily="34" charset="-122"/>
+                <a:sym typeface="+mn-ea"/>
+              </a:rPr>
+              <a:t>else:</a:t>
+            </a:r>
+            <a:endParaRPr lang="zh-CN" altLang="en-US">
+              <a:solidFill>
+                <a:schemeClr val="tx1"/>
+              </a:solidFill>
+              <a:latin typeface="微软雅黑" panose="020B0503020204020204" pitchFamily="34" charset="-122"/>
+              <a:ea typeface="微软雅黑" panose="020B0503020204020204" pitchFamily="34" charset="-122"/>
+              <a:cs typeface="微软雅黑" panose="020B0503020204020204" pitchFamily="34" charset="-122"/>
+              <a:sym typeface="+mn-ea"/>
+            </a:endParaRPr>
+          </a:p>
+          <a:p>
+            <a:pPr>
+              <a:lnSpc>
+                <a:spcPct val="150000"/>
+              </a:lnSpc>
+            </a:pPr>
+            <a:r>
+              <a:rPr lang="zh-CN" altLang="en-US">
+                <a:latin typeface="微软雅黑" panose="020B0503020204020204" pitchFamily="34" charset="-122"/>
+                <a:ea typeface="微软雅黑" panose="020B0503020204020204" pitchFamily="34" charset="-122"/>
+                <a:cs typeface="微软雅黑" panose="020B0503020204020204" pitchFamily="34" charset="-122"/>
+                <a:sym typeface="+mn-ea"/>
+              </a:rPr>
+              <a:t>    print('</a:t>
+            </a:r>
+            <a:r>
+              <a:rPr lang="en-US" altLang="zh-CN">
+                <a:latin typeface="微软雅黑" panose="020B0503020204020204" pitchFamily="34" charset="-122"/>
+                <a:ea typeface="微软雅黑" panose="020B0503020204020204" pitchFamily="34" charset="-122"/>
+                <a:cs typeface="微软雅黑" panose="020B0503020204020204" pitchFamily="34" charset="-122"/>
+                <a:sym typeface="+mn-ea"/>
+              </a:rPr>
+              <a:t>C</a:t>
+            </a:r>
+            <a:r>
+              <a:rPr lang="zh-CN" altLang="en-US">
+                <a:latin typeface="微软雅黑" panose="020B0503020204020204" pitchFamily="34" charset="-122"/>
+                <a:ea typeface="微软雅黑" panose="020B0503020204020204" pitchFamily="34" charset="-122"/>
+                <a:cs typeface="微软雅黑" panose="020B0503020204020204" pitchFamily="34" charset="-122"/>
+                <a:sym typeface="+mn-ea"/>
+              </a:rPr>
+              <a:t>')</a:t>
+            </a:r>
+            <a:endParaRPr lang="zh-CN" altLang="en-US">
+              <a:solidFill>
+                <a:schemeClr val="tx1"/>
+              </a:solidFill>
+              <a:latin typeface="微软雅黑" panose="020B0503020204020204" pitchFamily="34" charset="-122"/>
+              <a:ea typeface="微软雅黑" panose="020B0503020204020204" pitchFamily="34" charset="-122"/>
+              <a:cs typeface="微软雅黑" panose="020B0503020204020204" pitchFamily="34" charset="-122"/>
               <a:sym typeface="+mn-ea"/>
             </a:endParaRPr>
           </a:p>
@@ -19676,6 +20034,864 @@
       </p:pic>
       <p:sp>
         <p:nvSpPr>
+          <p:cNvPr id="4" name="文本框 3"/>
+          <p:cNvSpPr txBox="1"/>
+          <p:nvPr/>
+        </p:nvSpPr>
+        <p:spPr>
+          <a:xfrm>
+            <a:off x="3752850" y="1660525"/>
+            <a:ext cx="5179060" cy="645160"/>
+          </a:xfrm>
+          <a:prstGeom prst="rect">
+            <a:avLst/>
+          </a:prstGeom>
+          <a:noFill/>
+        </p:spPr>
+        <p:txBody>
+          <a:bodyPr wrap="none" rtlCol="0" anchor="t">
+            <a:spAutoFit/>
+          </a:bodyPr>
+          <a:p>
+            <a:pPr marL="285750" indent="-285750" algn="l">
+              <a:buFont typeface="Wingdings" panose="05000000000000000000" charset="0"/>
+              <a:buChar char="Ø"/>
+            </a:pPr>
+            <a:r>
+              <a:rPr>
+                <a:effectLst>
+                  <a:outerShdw blurRad="38100" dist="25400" dir="5400000" algn="ctr" rotWithShape="0">
+                    <a:srgbClr val="6E747A">
+                      <a:alpha val="43000"/>
+                    </a:srgbClr>
+                  </a:outerShdw>
+                </a:effectLst>
+                <a:latin typeface="微软雅黑" panose="020B0503020204020204" pitchFamily="34" charset="-122"/>
+                <a:ea typeface="微软雅黑" panose="020B0503020204020204" pitchFamily="34" charset="-122"/>
+                <a:cs typeface="微软雅黑" panose="020B0503020204020204" pitchFamily="34" charset="-122"/>
+                <a:sym typeface="+mn-ea"/>
+              </a:rPr>
+              <a:t>按照100分制，90分以上成绩为A，80到90为B</a:t>
+            </a:r>
+            <a:endParaRPr>
+              <a:effectLst>
+                <a:outerShdw blurRad="38100" dist="25400" dir="5400000" algn="ctr" rotWithShape="0">
+                  <a:srgbClr val="6E747A">
+                    <a:alpha val="43000"/>
+                  </a:srgbClr>
+                </a:outerShdw>
+              </a:effectLst>
+              <a:latin typeface="微软雅黑" panose="020B0503020204020204" pitchFamily="34" charset="-122"/>
+              <a:ea typeface="微软雅黑" panose="020B0503020204020204" pitchFamily="34" charset="-122"/>
+              <a:cs typeface="微软雅黑" panose="020B0503020204020204" pitchFamily="34" charset="-122"/>
+              <a:sym typeface="+mn-ea"/>
+            </a:endParaRPr>
+          </a:p>
+          <a:p>
+            <a:pPr marL="0" indent="0" algn="l">
+              <a:buFont typeface="Wingdings" panose="05000000000000000000" charset="0"/>
+              <a:buNone/>
+            </a:pPr>
+            <a:r>
+              <a:rPr lang="en-US">
+                <a:effectLst>
+                  <a:outerShdw blurRad="38100" dist="25400" dir="5400000" algn="ctr" rotWithShape="0">
+                    <a:srgbClr val="6E747A">
+                      <a:alpha val="43000"/>
+                    </a:srgbClr>
+                  </a:outerShdw>
+                </a:effectLst>
+                <a:latin typeface="微软雅黑" panose="020B0503020204020204" pitchFamily="34" charset="-122"/>
+                <a:ea typeface="微软雅黑" panose="020B0503020204020204" pitchFamily="34" charset="-122"/>
+                <a:cs typeface="微软雅黑" panose="020B0503020204020204" pitchFamily="34" charset="-122"/>
+                <a:sym typeface="+mn-ea"/>
+              </a:rPr>
+              <a:t>    8</a:t>
+            </a:r>
+            <a:r>
+              <a:rPr>
+                <a:effectLst>
+                  <a:outerShdw blurRad="38100" dist="25400" dir="5400000" algn="ctr" rotWithShape="0">
+                    <a:srgbClr val="6E747A">
+                      <a:alpha val="43000"/>
+                    </a:srgbClr>
+                  </a:outerShdw>
+                </a:effectLst>
+                <a:latin typeface="微软雅黑" panose="020B0503020204020204" pitchFamily="34" charset="-122"/>
+                <a:ea typeface="微软雅黑" panose="020B0503020204020204" pitchFamily="34" charset="-122"/>
+                <a:cs typeface="微软雅黑" panose="020B0503020204020204" pitchFamily="34" charset="-122"/>
+                <a:sym typeface="+mn-ea"/>
+              </a:rPr>
+              <a:t>0以下为</a:t>
+            </a:r>
+            <a:r>
+              <a:rPr lang="en-US">
+                <a:effectLst>
+                  <a:outerShdw blurRad="38100" dist="25400" dir="5400000" algn="ctr" rotWithShape="0">
+                    <a:srgbClr val="6E747A">
+                      <a:alpha val="43000"/>
+                    </a:srgbClr>
+                  </a:outerShdw>
+                </a:effectLst>
+                <a:latin typeface="微软雅黑" panose="020B0503020204020204" pitchFamily="34" charset="-122"/>
+                <a:ea typeface="微软雅黑" panose="020B0503020204020204" pitchFamily="34" charset="-122"/>
+                <a:cs typeface="微软雅黑" panose="020B0503020204020204" pitchFamily="34" charset="-122"/>
+                <a:sym typeface="+mn-ea"/>
+              </a:rPr>
+              <a:t>C</a:t>
+            </a:r>
+            <a:r>
+              <a:rPr>
+                <a:effectLst>
+                  <a:outerShdw blurRad="38100" dist="25400" dir="5400000" algn="ctr" rotWithShape="0">
+                    <a:srgbClr val="6E747A">
+                      <a:alpha val="43000"/>
+                    </a:srgbClr>
+                  </a:outerShdw>
+                </a:effectLst>
+                <a:latin typeface="微软雅黑" panose="020B0503020204020204" pitchFamily="34" charset="-122"/>
+                <a:ea typeface="微软雅黑" panose="020B0503020204020204" pitchFamily="34" charset="-122"/>
+                <a:cs typeface="微软雅黑" panose="020B0503020204020204" pitchFamily="34" charset="-122"/>
+                <a:sym typeface="+mn-ea"/>
+              </a:rPr>
+              <a:t>，写一个程序</a:t>
+            </a:r>
+            <a:endParaRPr lang="zh-CN" altLang="en-US"/>
+          </a:p>
+        </p:txBody>
+      </p:sp>
+    </p:spTree>
+  </p:cSld>
+  <p:clrMapOvr>
+    <a:masterClrMapping/>
+  </p:clrMapOvr>
+  <p:timing>
+    <p:tnLst>
+      <p:par>
+        <p:cTn id="1" dur="indefinite" restart="never" nodeType="tmRoot"/>
+      </p:par>
+    </p:tnLst>
+  </p:timing>
+</p:sld>
+</file>
+
+<file path=ppt/slides/slide21.xml><?xml version="1.0" encoding="utf-8"?>
+<p:sld xmlns:a="http://schemas.openxmlformats.org/drawingml/2006/main" xmlns:r="http://schemas.openxmlformats.org/officeDocument/2006/relationships" xmlns:p="http://schemas.openxmlformats.org/presentationml/2006/main">
+  <p:cSld>
+    <p:bg>
+      <p:bgPr>
+        <a:blipFill dpi="0" rotWithShape="0">
+          <a:blip r:embed="rId1"/>
+          <a:srcRect/>
+          <a:stretch>
+            <a:fillRect/>
+          </a:stretch>
+        </a:blipFill>
+        <a:effectLst/>
+      </p:bgPr>
+    </p:bg>
+    <p:spTree>
+      <p:nvGrpSpPr>
+        <p:cNvPr id="1" name=""/>
+        <p:cNvGrpSpPr/>
+        <p:nvPr/>
+      </p:nvGrpSpPr>
+      <p:grpSpPr>
+        <a:xfrm>
+          <a:off x="0" y="0"/>
+          <a:ext cx="0" cy="0"/>
+          <a:chOff x="0" y="0"/>
+          <a:chExt cx="0" cy="0"/>
+        </a:xfrm>
+      </p:grpSpPr>
+      <p:sp>
+        <p:nvSpPr>
+          <p:cNvPr id="16386" name="文本框 3"/>
+          <p:cNvSpPr txBox="1">
+            <a:spLocks noChangeArrowheads="1"/>
+          </p:cNvSpPr>
+          <p:nvPr/>
+        </p:nvSpPr>
+        <p:spPr bwMode="auto">
+          <a:xfrm>
+            <a:off x="887413" y="419100"/>
+            <a:ext cx="3729037" cy="368300"/>
+          </a:xfrm>
+          <a:prstGeom prst="rect">
+            <a:avLst/>
+          </a:prstGeom>
+          <a:noFill/>
+          <a:ln>
+            <a:noFill/>
+          </a:ln>
+          <a:extLst>
+            <a:ext uri="{909E8E84-426E-40DD-AFC4-6F175D3DCCD1}">
+              <a14:hiddenFill xmlns:a14="http://schemas.microsoft.com/office/drawing/2010/main">
+                <a:solidFill>
+                  <a:srgbClr val="FFFFFF"/>
+                </a:solidFill>
+              </a14:hiddenFill>
+            </a:ext>
+            <a:ext uri="{91240B29-F687-4F45-9708-019B960494DF}">
+              <a14:hiddenLine xmlns:a14="http://schemas.microsoft.com/office/drawing/2010/main" w="9525">
+                <a:solidFill>
+                  <a:srgbClr val="000000"/>
+                </a:solidFill>
+                <a:miter lim="800000"/>
+                <a:headEnd/>
+                <a:tailEnd/>
+              </a14:hiddenLine>
+            </a:ext>
+          </a:extLst>
+        </p:spPr>
+        <p:txBody>
+          <a:bodyPr>
+            <a:spAutoFit/>
+          </a:bodyPr>
+          <a:lstStyle>
+            <a:lvl1pPr eaLnBrk="0" hangingPunct="0">
+              <a:defRPr>
+                <a:solidFill>
+                  <a:schemeClr val="tx1"/>
+                </a:solidFill>
+                <a:latin typeface="等线" panose="02010600030101010101" charset="-122"/>
+                <a:ea typeface="等线" panose="02010600030101010101" charset="-122"/>
+                <a:cs typeface="等线" panose="02010600030101010101" charset="-122"/>
+              </a:defRPr>
+            </a:lvl1pPr>
+            <a:lvl2pPr marL="742950" indent="-285750" eaLnBrk="0" hangingPunct="0">
+              <a:defRPr>
+                <a:solidFill>
+                  <a:schemeClr val="tx1"/>
+                </a:solidFill>
+                <a:latin typeface="等线" panose="02010600030101010101" charset="-122"/>
+                <a:ea typeface="等线" panose="02010600030101010101" charset="-122"/>
+                <a:cs typeface="等线" panose="02010600030101010101" charset="-122"/>
+              </a:defRPr>
+            </a:lvl2pPr>
+            <a:lvl3pPr marL="1143000" indent="-228600" eaLnBrk="0" hangingPunct="0">
+              <a:defRPr>
+                <a:solidFill>
+                  <a:schemeClr val="tx1"/>
+                </a:solidFill>
+                <a:latin typeface="等线" panose="02010600030101010101" charset="-122"/>
+                <a:ea typeface="等线" panose="02010600030101010101" charset="-122"/>
+                <a:cs typeface="等线" panose="02010600030101010101" charset="-122"/>
+              </a:defRPr>
+            </a:lvl3pPr>
+            <a:lvl4pPr marL="1600200" indent="-228600" eaLnBrk="0" hangingPunct="0">
+              <a:defRPr>
+                <a:solidFill>
+                  <a:schemeClr val="tx1"/>
+                </a:solidFill>
+                <a:latin typeface="等线" panose="02010600030101010101" charset="-122"/>
+                <a:ea typeface="等线" panose="02010600030101010101" charset="-122"/>
+                <a:cs typeface="等线" panose="02010600030101010101" charset="-122"/>
+              </a:defRPr>
+            </a:lvl4pPr>
+            <a:lvl5pPr marL="2057400" indent="-228600" eaLnBrk="0" hangingPunct="0">
+              <a:defRPr>
+                <a:solidFill>
+                  <a:schemeClr val="tx1"/>
+                </a:solidFill>
+                <a:latin typeface="等线" panose="02010600030101010101" charset="-122"/>
+                <a:ea typeface="等线" panose="02010600030101010101" charset="-122"/>
+                <a:cs typeface="等线" panose="02010600030101010101" charset="-122"/>
+              </a:defRPr>
+            </a:lvl5pPr>
+            <a:lvl6pPr marL="2514600" indent="-228600" eaLnBrk="0" fontAlgn="base" hangingPunct="0">
+              <a:spcBef>
+                <a:spcPct val="0"/>
+              </a:spcBef>
+              <a:spcAft>
+                <a:spcPct val="0"/>
+              </a:spcAft>
+              <a:defRPr>
+                <a:solidFill>
+                  <a:schemeClr val="tx1"/>
+                </a:solidFill>
+                <a:latin typeface="等线" panose="02010600030101010101" charset="-122"/>
+                <a:ea typeface="等线" panose="02010600030101010101" charset="-122"/>
+                <a:cs typeface="等线" panose="02010600030101010101" charset="-122"/>
+              </a:defRPr>
+            </a:lvl6pPr>
+            <a:lvl7pPr marL="2971800" indent="-228600" eaLnBrk="0" fontAlgn="base" hangingPunct="0">
+              <a:spcBef>
+                <a:spcPct val="0"/>
+              </a:spcBef>
+              <a:spcAft>
+                <a:spcPct val="0"/>
+              </a:spcAft>
+              <a:defRPr>
+                <a:solidFill>
+                  <a:schemeClr val="tx1"/>
+                </a:solidFill>
+                <a:latin typeface="等线" panose="02010600030101010101" charset="-122"/>
+                <a:ea typeface="等线" panose="02010600030101010101" charset="-122"/>
+                <a:cs typeface="等线" panose="02010600030101010101" charset="-122"/>
+              </a:defRPr>
+            </a:lvl7pPr>
+            <a:lvl8pPr marL="3429000" indent="-228600" eaLnBrk="0" fontAlgn="base" hangingPunct="0">
+              <a:spcBef>
+                <a:spcPct val="0"/>
+              </a:spcBef>
+              <a:spcAft>
+                <a:spcPct val="0"/>
+              </a:spcAft>
+              <a:defRPr>
+                <a:solidFill>
+                  <a:schemeClr val="tx1"/>
+                </a:solidFill>
+                <a:latin typeface="等线" panose="02010600030101010101" charset="-122"/>
+                <a:ea typeface="等线" panose="02010600030101010101" charset="-122"/>
+                <a:cs typeface="等线" panose="02010600030101010101" charset="-122"/>
+              </a:defRPr>
+            </a:lvl8pPr>
+            <a:lvl9pPr marL="3886200" indent="-228600" eaLnBrk="0" fontAlgn="base" hangingPunct="0">
+              <a:spcBef>
+                <a:spcPct val="0"/>
+              </a:spcBef>
+              <a:spcAft>
+                <a:spcPct val="0"/>
+              </a:spcAft>
+              <a:defRPr>
+                <a:solidFill>
+                  <a:schemeClr val="tx1"/>
+                </a:solidFill>
+                <a:latin typeface="等线" panose="02010600030101010101" charset="-122"/>
+                <a:ea typeface="等线" panose="02010600030101010101" charset="-122"/>
+                <a:cs typeface="等线" panose="02010600030101010101" charset="-122"/>
+              </a:defRPr>
+            </a:lvl9pPr>
+          </a:lstStyle>
+          <a:p>
+            <a:pPr eaLnBrk="1" hangingPunct="1"/>
+            <a:r>
+              <a:rPr lang="zh-CN" altLang="en-US" dirty="0" smtClean="0">
+                <a:solidFill>
+                  <a:schemeClr val="tx1"/>
+                </a:solidFill>
+                <a:latin typeface="微软雅黑" panose="020B0503020204020204" pitchFamily="34" charset="-122"/>
+                <a:ea typeface="微软雅黑" panose="020B0503020204020204" pitchFamily="34" charset="-122"/>
+                <a:sym typeface="+mn-ea"/>
+              </a:rPr>
+              <a:t>条件语句</a:t>
+            </a:r>
+            <a:endParaRPr lang="zh-CN" altLang="en-US" dirty="0" smtClean="0">
+              <a:solidFill>
+                <a:schemeClr val="tx1"/>
+              </a:solidFill>
+              <a:latin typeface="微软雅黑" panose="020B0503020204020204" pitchFamily="34" charset="-122"/>
+              <a:ea typeface="微软雅黑" panose="020B0503020204020204" pitchFamily="34" charset="-122"/>
+              <a:sym typeface="+mn-ea"/>
+            </a:endParaRPr>
+          </a:p>
+        </p:txBody>
+      </p:sp>
+      <p:pic>
+        <p:nvPicPr>
+          <p:cNvPr id="17411" name="Picture 3" descr="C:\Users\Bob\Desktop\图片素材\8258a2e7ef69f732cb3090123406204.png"/>
+          <p:cNvPicPr>
+            <a:picLocks noChangeAspect="1" noChangeArrowheads="1"/>
+          </p:cNvPicPr>
+          <p:nvPr/>
+        </p:nvPicPr>
+        <p:blipFill>
+          <a:blip r:embed="rId2">
+            <a:extLst>
+              <a:ext uri="{28A0092B-C50C-407E-A947-70E740481C1C}">
+                <a14:useLocalDpi xmlns:a14="http://schemas.microsoft.com/office/drawing/2010/main" val="0"/>
+              </a:ext>
+            </a:extLst>
+          </a:blip>
+          <a:srcRect/>
+          <a:stretch>
+            <a:fillRect/>
+          </a:stretch>
+        </p:blipFill>
+        <p:spPr bwMode="auto">
+          <a:xfrm>
+            <a:off x="800418" y="1660525"/>
+            <a:ext cx="2039937" cy="2916238"/>
+          </a:xfrm>
+          <a:prstGeom prst="rect">
+            <a:avLst/>
+          </a:prstGeom>
+          <a:noFill/>
+          <a:ln>
+            <a:noFill/>
+          </a:ln>
+          <a:extLst>
+            <a:ext uri="{909E8E84-426E-40DD-AFC4-6F175D3DCCD1}">
+              <a14:hiddenFill xmlns:a14="http://schemas.microsoft.com/office/drawing/2010/main">
+                <a:solidFill>
+                  <a:srgbClr val="FFFFFF"/>
+                </a:solidFill>
+              </a14:hiddenFill>
+            </a:ext>
+            <a:ext uri="{91240B29-F687-4F45-9708-019B960494DF}">
+              <a14:hiddenLine xmlns:a14="http://schemas.microsoft.com/office/drawing/2010/main" w="9525">
+                <a:solidFill>
+                  <a:srgbClr val="000000"/>
+                </a:solidFill>
+                <a:miter lim="800000"/>
+                <a:headEnd/>
+                <a:tailEnd/>
+              </a14:hiddenLine>
+            </a:ext>
+          </a:extLst>
+        </p:spPr>
+      </p:pic>
+      <p:sp>
+        <p:nvSpPr>
+          <p:cNvPr id="2" name="文本框 1"/>
+          <p:cNvSpPr txBox="1"/>
+          <p:nvPr/>
+        </p:nvSpPr>
+        <p:spPr>
+          <a:xfrm>
+            <a:off x="3676015" y="1715770"/>
+            <a:ext cx="5650230" cy="2861310"/>
+          </a:xfrm>
+          <a:prstGeom prst="rect">
+            <a:avLst/>
+          </a:prstGeom>
+          <a:noFill/>
+        </p:spPr>
+        <p:txBody>
+          <a:bodyPr wrap="square" rtlCol="0" anchor="t">
+            <a:spAutoFit/>
+          </a:bodyPr>
+          <a:p>
+            <a:pPr>
+              <a:lnSpc>
+                <a:spcPct val="150000"/>
+              </a:lnSpc>
+            </a:pPr>
+            <a:r>
+              <a:rPr lang="zh-CN" altLang="en-US" sz="2000">
+                <a:solidFill>
+                  <a:schemeClr val="tx1"/>
+                </a:solidFill>
+              </a:rPr>
+              <a:t>**需求**</a:t>
+            </a:r>
+            <a:endParaRPr lang="zh-CN" altLang="en-US" sz="2000">
+              <a:solidFill>
+                <a:schemeClr val="tx1"/>
+              </a:solidFill>
+            </a:endParaRPr>
+          </a:p>
+          <a:p>
+            <a:pPr>
+              <a:lnSpc>
+                <a:spcPct val="150000"/>
+              </a:lnSpc>
+            </a:pPr>
+            <a:endParaRPr lang="zh-CN" altLang="en-US" sz="2000">
+              <a:solidFill>
+                <a:schemeClr val="tx1"/>
+              </a:solidFill>
+            </a:endParaRPr>
+          </a:p>
+          <a:p>
+            <a:pPr>
+              <a:lnSpc>
+                <a:spcPct val="150000"/>
+              </a:lnSpc>
+            </a:pPr>
+            <a:r>
+              <a:rPr lang="zh-CN" altLang="en-US" sz="2000">
+                <a:solidFill>
+                  <a:schemeClr val="tx1"/>
+                </a:solidFill>
+              </a:rPr>
+              <a:t>1. 输入用户年龄</a:t>
+            </a:r>
+            <a:endParaRPr lang="zh-CN" altLang="en-US" sz="2000">
+              <a:solidFill>
+                <a:schemeClr val="tx1"/>
+              </a:solidFill>
+            </a:endParaRPr>
+          </a:p>
+          <a:p>
+            <a:pPr>
+              <a:lnSpc>
+                <a:spcPct val="150000"/>
+              </a:lnSpc>
+            </a:pPr>
+            <a:r>
+              <a:rPr lang="zh-CN" altLang="en-US" sz="2000">
+                <a:solidFill>
+                  <a:schemeClr val="tx1"/>
+                </a:solidFill>
+              </a:rPr>
+              <a:t>2. 判断是否满 18 岁 （如：</a:t>
+            </a:r>
+            <a:r>
+              <a:rPr lang="en-US" altLang="zh-CN" sz="2000">
+                <a:solidFill>
+                  <a:schemeClr val="tx1"/>
+                </a:solidFill>
+              </a:rPr>
+              <a:t>age</a:t>
+            </a:r>
+            <a:r>
+              <a:rPr lang="zh-CN" altLang="en-US" sz="2000">
+                <a:solidFill>
+                  <a:schemeClr val="tx1"/>
+                </a:solidFill>
+              </a:rPr>
+              <a:t>&gt;=</a:t>
+            </a:r>
+            <a:r>
+              <a:rPr lang="en-US" altLang="zh-CN" sz="2000">
+                <a:solidFill>
+                  <a:schemeClr val="tx1"/>
+                </a:solidFill>
+              </a:rPr>
+              <a:t>18</a:t>
+            </a:r>
+            <a:r>
+              <a:rPr lang="zh-CN" altLang="en-US" sz="2000">
+                <a:solidFill>
+                  <a:schemeClr val="tx1"/>
+                </a:solidFill>
+              </a:rPr>
+              <a:t>）</a:t>
+            </a:r>
+            <a:endParaRPr lang="zh-CN" altLang="en-US" sz="2000">
+              <a:solidFill>
+                <a:schemeClr val="tx1"/>
+              </a:solidFill>
+            </a:endParaRPr>
+          </a:p>
+          <a:p>
+            <a:pPr>
+              <a:lnSpc>
+                <a:spcPct val="150000"/>
+              </a:lnSpc>
+            </a:pPr>
+            <a:r>
+              <a:rPr lang="zh-CN" altLang="en-US" sz="2000">
+                <a:solidFill>
+                  <a:schemeClr val="tx1"/>
+                </a:solidFill>
+              </a:rPr>
+              <a:t>3. 如果满 18 岁，允许玩这个游戏</a:t>
+            </a:r>
+            <a:endParaRPr lang="zh-CN" altLang="en-US" sz="2000">
+              <a:solidFill>
+                <a:schemeClr val="tx1"/>
+              </a:solidFill>
+            </a:endParaRPr>
+          </a:p>
+          <a:p>
+            <a:pPr>
+              <a:lnSpc>
+                <a:spcPct val="150000"/>
+              </a:lnSpc>
+            </a:pPr>
+            <a:r>
+              <a:rPr lang="zh-CN" altLang="en-US" sz="2000">
+                <a:solidFill>
+                  <a:schemeClr val="tx1"/>
+                </a:solidFill>
+              </a:rPr>
+              <a:t>4. 如果未满 18 岁，提示回家写作业</a:t>
+            </a:r>
+            <a:endParaRPr lang="zh-CN" altLang="en-US" sz="2000">
+              <a:solidFill>
+                <a:schemeClr val="tx1"/>
+              </a:solidFill>
+            </a:endParaRPr>
+          </a:p>
+        </p:txBody>
+      </p:sp>
+    </p:spTree>
+  </p:cSld>
+  <p:clrMapOvr>
+    <a:masterClrMapping/>
+  </p:clrMapOvr>
+  <p:timing>
+    <p:tnLst>
+      <p:par>
+        <p:cTn id="1" dur="indefinite" restart="never" nodeType="tmRoot"/>
+      </p:par>
+    </p:tnLst>
+  </p:timing>
+</p:sld>
+</file>
+
+<file path=ppt/slides/slide22.xml><?xml version="1.0" encoding="utf-8"?>
+<p:sld xmlns:a="http://schemas.openxmlformats.org/drawingml/2006/main" xmlns:r="http://schemas.openxmlformats.org/officeDocument/2006/relationships" xmlns:p="http://schemas.openxmlformats.org/presentationml/2006/main">
+  <p:cSld>
+    <p:bg>
+      <p:bgPr>
+        <a:blipFill dpi="0" rotWithShape="0">
+          <a:blip r:embed="rId1"/>
+          <a:srcRect/>
+          <a:stretch>
+            <a:fillRect/>
+          </a:stretch>
+        </a:blipFill>
+        <a:effectLst/>
+      </p:bgPr>
+    </p:bg>
+    <p:spTree>
+      <p:nvGrpSpPr>
+        <p:cNvPr id="1" name=""/>
+        <p:cNvGrpSpPr/>
+        <p:nvPr/>
+      </p:nvGrpSpPr>
+      <p:grpSpPr>
+        <a:xfrm>
+          <a:off x="0" y="0"/>
+          <a:ext cx="0" cy="0"/>
+          <a:chOff x="0" y="0"/>
+          <a:chExt cx="0" cy="0"/>
+        </a:xfrm>
+      </p:grpSpPr>
+      <p:sp>
+        <p:nvSpPr>
+          <p:cNvPr id="16386" name="文本框 3"/>
+          <p:cNvSpPr txBox="1">
+            <a:spLocks noChangeArrowheads="1"/>
+          </p:cNvSpPr>
+          <p:nvPr/>
+        </p:nvSpPr>
+        <p:spPr bwMode="auto">
+          <a:xfrm>
+            <a:off x="887413" y="419100"/>
+            <a:ext cx="3729037" cy="368300"/>
+          </a:xfrm>
+          <a:prstGeom prst="rect">
+            <a:avLst/>
+          </a:prstGeom>
+          <a:noFill/>
+          <a:ln>
+            <a:noFill/>
+          </a:ln>
+          <a:extLst>
+            <a:ext uri="{909E8E84-426E-40DD-AFC4-6F175D3DCCD1}">
+              <a14:hiddenFill xmlns:a14="http://schemas.microsoft.com/office/drawing/2010/main">
+                <a:solidFill>
+                  <a:srgbClr val="FFFFFF"/>
+                </a:solidFill>
+              </a14:hiddenFill>
+            </a:ext>
+            <a:ext uri="{91240B29-F687-4F45-9708-019B960494DF}">
+              <a14:hiddenLine xmlns:a14="http://schemas.microsoft.com/office/drawing/2010/main" w="9525">
+                <a:solidFill>
+                  <a:srgbClr val="000000"/>
+                </a:solidFill>
+                <a:miter lim="800000"/>
+                <a:headEnd/>
+                <a:tailEnd/>
+              </a14:hiddenLine>
+            </a:ext>
+          </a:extLst>
+        </p:spPr>
+        <p:txBody>
+          <a:bodyPr>
+            <a:spAutoFit/>
+          </a:bodyPr>
+          <a:lstStyle>
+            <a:lvl1pPr eaLnBrk="0" hangingPunct="0">
+              <a:defRPr>
+                <a:solidFill>
+                  <a:schemeClr val="tx1"/>
+                </a:solidFill>
+                <a:latin typeface="等线" panose="02010600030101010101" charset="-122"/>
+                <a:ea typeface="等线" panose="02010600030101010101" charset="-122"/>
+                <a:cs typeface="等线" panose="02010600030101010101" charset="-122"/>
+              </a:defRPr>
+            </a:lvl1pPr>
+            <a:lvl2pPr marL="742950" indent="-285750" eaLnBrk="0" hangingPunct="0">
+              <a:defRPr>
+                <a:solidFill>
+                  <a:schemeClr val="tx1"/>
+                </a:solidFill>
+                <a:latin typeface="等线" panose="02010600030101010101" charset="-122"/>
+                <a:ea typeface="等线" panose="02010600030101010101" charset="-122"/>
+                <a:cs typeface="等线" panose="02010600030101010101" charset="-122"/>
+              </a:defRPr>
+            </a:lvl2pPr>
+            <a:lvl3pPr marL="1143000" indent="-228600" eaLnBrk="0" hangingPunct="0">
+              <a:defRPr>
+                <a:solidFill>
+                  <a:schemeClr val="tx1"/>
+                </a:solidFill>
+                <a:latin typeface="等线" panose="02010600030101010101" charset="-122"/>
+                <a:ea typeface="等线" panose="02010600030101010101" charset="-122"/>
+                <a:cs typeface="等线" panose="02010600030101010101" charset="-122"/>
+              </a:defRPr>
+            </a:lvl3pPr>
+            <a:lvl4pPr marL="1600200" indent="-228600" eaLnBrk="0" hangingPunct="0">
+              <a:defRPr>
+                <a:solidFill>
+                  <a:schemeClr val="tx1"/>
+                </a:solidFill>
+                <a:latin typeface="等线" panose="02010600030101010101" charset="-122"/>
+                <a:ea typeface="等线" panose="02010600030101010101" charset="-122"/>
+                <a:cs typeface="等线" panose="02010600030101010101" charset="-122"/>
+              </a:defRPr>
+            </a:lvl4pPr>
+            <a:lvl5pPr marL="2057400" indent="-228600" eaLnBrk="0" hangingPunct="0">
+              <a:defRPr>
+                <a:solidFill>
+                  <a:schemeClr val="tx1"/>
+                </a:solidFill>
+                <a:latin typeface="等线" panose="02010600030101010101" charset="-122"/>
+                <a:ea typeface="等线" panose="02010600030101010101" charset="-122"/>
+                <a:cs typeface="等线" panose="02010600030101010101" charset="-122"/>
+              </a:defRPr>
+            </a:lvl5pPr>
+            <a:lvl6pPr marL="2514600" indent="-228600" eaLnBrk="0" fontAlgn="base" hangingPunct="0">
+              <a:spcBef>
+                <a:spcPct val="0"/>
+              </a:spcBef>
+              <a:spcAft>
+                <a:spcPct val="0"/>
+              </a:spcAft>
+              <a:defRPr>
+                <a:solidFill>
+                  <a:schemeClr val="tx1"/>
+                </a:solidFill>
+                <a:latin typeface="等线" panose="02010600030101010101" charset="-122"/>
+                <a:ea typeface="等线" panose="02010600030101010101" charset="-122"/>
+                <a:cs typeface="等线" panose="02010600030101010101" charset="-122"/>
+              </a:defRPr>
+            </a:lvl6pPr>
+            <a:lvl7pPr marL="2971800" indent="-228600" eaLnBrk="0" fontAlgn="base" hangingPunct="0">
+              <a:spcBef>
+                <a:spcPct val="0"/>
+              </a:spcBef>
+              <a:spcAft>
+                <a:spcPct val="0"/>
+              </a:spcAft>
+              <a:defRPr>
+                <a:solidFill>
+                  <a:schemeClr val="tx1"/>
+                </a:solidFill>
+                <a:latin typeface="等线" panose="02010600030101010101" charset="-122"/>
+                <a:ea typeface="等线" panose="02010600030101010101" charset="-122"/>
+                <a:cs typeface="等线" panose="02010600030101010101" charset="-122"/>
+              </a:defRPr>
+            </a:lvl7pPr>
+            <a:lvl8pPr marL="3429000" indent="-228600" eaLnBrk="0" fontAlgn="base" hangingPunct="0">
+              <a:spcBef>
+                <a:spcPct val="0"/>
+              </a:spcBef>
+              <a:spcAft>
+                <a:spcPct val="0"/>
+              </a:spcAft>
+              <a:defRPr>
+                <a:solidFill>
+                  <a:schemeClr val="tx1"/>
+                </a:solidFill>
+                <a:latin typeface="等线" panose="02010600030101010101" charset="-122"/>
+                <a:ea typeface="等线" panose="02010600030101010101" charset="-122"/>
+                <a:cs typeface="等线" panose="02010600030101010101" charset="-122"/>
+              </a:defRPr>
+            </a:lvl8pPr>
+            <a:lvl9pPr marL="3886200" indent="-228600" eaLnBrk="0" fontAlgn="base" hangingPunct="0">
+              <a:spcBef>
+                <a:spcPct val="0"/>
+              </a:spcBef>
+              <a:spcAft>
+                <a:spcPct val="0"/>
+              </a:spcAft>
+              <a:defRPr>
+                <a:solidFill>
+                  <a:schemeClr val="tx1"/>
+                </a:solidFill>
+                <a:latin typeface="等线" panose="02010600030101010101" charset="-122"/>
+                <a:ea typeface="等线" panose="02010600030101010101" charset="-122"/>
+                <a:cs typeface="等线" panose="02010600030101010101" charset="-122"/>
+              </a:defRPr>
+            </a:lvl9pPr>
+          </a:lstStyle>
+          <a:p>
+            <a:pPr eaLnBrk="1" hangingPunct="1"/>
+            <a:r>
+              <a:rPr lang="zh-CN" altLang="en-US" dirty="0" smtClean="0">
+                <a:solidFill>
+                  <a:schemeClr val="tx1"/>
+                </a:solidFill>
+                <a:latin typeface="微软雅黑" panose="020B0503020204020204" pitchFamily="34" charset="-122"/>
+                <a:ea typeface="微软雅黑" panose="020B0503020204020204" pitchFamily="34" charset="-122"/>
+                <a:sym typeface="+mn-ea"/>
+              </a:rPr>
+              <a:t>总结</a:t>
+            </a:r>
+            <a:endParaRPr lang="zh-CN" altLang="en-US" dirty="0" smtClean="0">
+              <a:solidFill>
+                <a:schemeClr val="tx1"/>
+              </a:solidFill>
+              <a:latin typeface="微软雅黑" panose="020B0503020204020204" pitchFamily="34" charset="-122"/>
+              <a:ea typeface="微软雅黑" panose="020B0503020204020204" pitchFamily="34" charset="-122"/>
+              <a:sym typeface="+mn-ea"/>
+            </a:endParaRPr>
+          </a:p>
+        </p:txBody>
+      </p:sp>
+      <p:pic>
+        <p:nvPicPr>
+          <p:cNvPr id="17411" name="Picture 3" descr="C:\Users\Bob\Desktop\图片素材\8258a2e7ef69f732cb3090123406204.png"/>
+          <p:cNvPicPr>
+            <a:picLocks noChangeAspect="1" noChangeArrowheads="1"/>
+          </p:cNvPicPr>
+          <p:nvPr/>
+        </p:nvPicPr>
+        <p:blipFill>
+          <a:blip r:embed="rId2">
+            <a:extLst>
+              <a:ext uri="{28A0092B-C50C-407E-A947-70E740481C1C}">
+                <a14:useLocalDpi xmlns:a14="http://schemas.microsoft.com/office/drawing/2010/main" val="0"/>
+              </a:ext>
+            </a:extLst>
+          </a:blip>
+          <a:srcRect/>
+          <a:stretch>
+            <a:fillRect/>
+          </a:stretch>
+        </p:blipFill>
+        <p:spPr bwMode="auto">
+          <a:xfrm>
+            <a:off x="800418" y="1660525"/>
+            <a:ext cx="2039937" cy="2916238"/>
+          </a:xfrm>
+          <a:prstGeom prst="rect">
+            <a:avLst/>
+          </a:prstGeom>
+          <a:noFill/>
+          <a:ln>
+            <a:noFill/>
+          </a:ln>
+          <a:extLst>
+            <a:ext uri="{909E8E84-426E-40DD-AFC4-6F175D3DCCD1}">
+              <a14:hiddenFill xmlns:a14="http://schemas.microsoft.com/office/drawing/2010/main">
+                <a:solidFill>
+                  <a:srgbClr val="FFFFFF"/>
+                </a:solidFill>
+              </a14:hiddenFill>
+            </a:ext>
+            <a:ext uri="{91240B29-F687-4F45-9708-019B960494DF}">
+              <a14:hiddenLine xmlns:a14="http://schemas.microsoft.com/office/drawing/2010/main" w="9525">
+                <a:solidFill>
+                  <a:srgbClr val="000000"/>
+                </a:solidFill>
+                <a:miter lim="800000"/>
+                <a:headEnd/>
+                <a:tailEnd/>
+              </a14:hiddenLine>
+            </a:ext>
+          </a:extLst>
+        </p:spPr>
+      </p:pic>
+      <p:sp>
+        <p:nvSpPr>
           <p:cNvPr id="10" name="矩形 9"/>
           <p:cNvSpPr/>
           <p:nvPr/>
@@ -19810,7 +21026,7 @@
 </p:sld>
 </file>
 
-<file path=ppt/slides/slide21.xml><?xml version="1.0" encoding="utf-8"?>
+<file path=ppt/slides/slide23.xml><?xml version="1.0" encoding="utf-8"?>
 <p:sld xmlns:a="http://schemas.openxmlformats.org/drawingml/2006/main" xmlns:r="http://schemas.openxmlformats.org/officeDocument/2006/relationships" xmlns:p="http://schemas.openxmlformats.org/presentationml/2006/main">
   <p:cSld>
     <p:bg>
@@ -20124,8 +21340,8 @@
         </p:nvSpPr>
         <p:spPr>
           <a:xfrm>
-            <a:off x="4316730" y="1965008"/>
-            <a:ext cx="4014788" cy="2306955"/>
+            <a:off x="4316730" y="1411288"/>
+            <a:ext cx="4513580" cy="3415030"/>
           </a:xfrm>
           <a:prstGeom prst="rect">
             <a:avLst/>
@@ -20133,7 +21349,7 @@
           <a:noFill/>
         </p:spPr>
         <p:txBody>
-          <a:bodyPr anchor="ctr">
+          <a:bodyPr wrap="square" anchor="ctr">
             <a:spAutoFit/>
           </a:bodyPr>
           <a:lstStyle/>
@@ -20153,7 +21369,7 @@
               <a:defRPr/>
             </a:pPr>
             <a:r>
-              <a:rPr lang="zh-CN" altLang="en-US" sz="2400" kern="0" dirty="0">
+              <a:rPr lang="zh-CN" sz="2400" kern="0" dirty="0">
                 <a:solidFill>
                   <a:srgbClr val="000000"/>
                 </a:solidFill>
@@ -20162,19 +21378,7 @@
                 <a:cs typeface="+mn-cs"/>
                 <a:sym typeface="微软雅黑" panose="020B0503020204020204" pitchFamily="34" charset="-122"/>
               </a:rPr>
-              <a:t>什么是</a:t>
-            </a:r>
-            <a:r>
-              <a:rPr lang="en-US" altLang="zh-CN" sz="2400" kern="0" dirty="0">
-                <a:solidFill>
-                  <a:srgbClr val="000000"/>
-                </a:solidFill>
-                <a:latin typeface="微软雅黑" panose="020B0503020204020204" pitchFamily="34" charset="-122"/>
-                <a:ea typeface="微软雅黑" panose="020B0503020204020204" pitchFamily="34" charset="-122"/>
-                <a:cs typeface="+mn-cs"/>
-                <a:sym typeface="微软雅黑" panose="020B0503020204020204" pitchFamily="34" charset="-122"/>
-              </a:rPr>
-              <a:t>python</a:t>
+              <a:t>怎么理解编程？</a:t>
             </a:r>
             <a:endParaRPr lang="en-US" altLang="zh-CN" sz="2400" kern="0" dirty="0">
               <a:solidFill>
@@ -20225,6 +21429,18 @@
               </a:rPr>
               <a:t>python</a:t>
             </a:r>
+            <a:r>
+              <a:rPr lang="zh-CN" altLang="en-US" sz="2400" kern="0" dirty="0">
+                <a:solidFill>
+                  <a:srgbClr val="000000"/>
+                </a:solidFill>
+                <a:latin typeface="微软雅黑" panose="020B0503020204020204" pitchFamily="34" charset="-122"/>
+                <a:ea typeface="微软雅黑" panose="020B0503020204020204" pitchFamily="34" charset="-122"/>
+                <a:cs typeface="+mn-cs"/>
+                <a:sym typeface="微软雅黑" panose="020B0503020204020204" pitchFamily="34" charset="-122"/>
+              </a:rPr>
+              <a:t>？</a:t>
+            </a:r>
             <a:endParaRPr lang="en-US" altLang="zh-CN" sz="2400" kern="0" dirty="0">
               <a:solidFill>
                 <a:srgbClr val="000000"/>
@@ -20251,7 +21467,7 @@
               <a:defRPr/>
             </a:pPr>
             <a:r>
-              <a:rPr lang="zh-CN" altLang="en-US" sz="2400" kern="0" dirty="0">
+              <a:rPr lang="en-US" altLang="zh-CN" sz="2400" kern="0" dirty="0">
                 <a:solidFill>
                   <a:srgbClr val="000000"/>
                 </a:solidFill>
@@ -20260,9 +21476,21 @@
                 <a:cs typeface="+mn-cs"/>
                 <a:sym typeface="微软雅黑" panose="020B0503020204020204" pitchFamily="34" charset="-122"/>
               </a:rPr>
-              <a:t>怎么写一个程序并且运行</a:t>
-            </a:r>
-            <a:endParaRPr lang="zh-CN" altLang="en-US" sz="2400" kern="0" dirty="0">
+              <a:t>python</a:t>
+            </a:r>
+            <a:r>
+              <a:rPr lang="zh-CN" altLang="en-US" sz="2400" kern="0" dirty="0">
+                <a:solidFill>
+                  <a:srgbClr val="000000"/>
+                </a:solidFill>
+                <a:latin typeface="微软雅黑" panose="020B0503020204020204" pitchFamily="34" charset="-122"/>
+                <a:ea typeface="微软雅黑" panose="020B0503020204020204" pitchFamily="34" charset="-122"/>
+                <a:cs typeface="+mn-cs"/>
+                <a:sym typeface="微软雅黑" panose="020B0503020204020204" pitchFamily="34" charset="-122"/>
+              </a:rPr>
+              <a:t>可以做什么？</a:t>
+            </a:r>
+            <a:endParaRPr lang="en-US" altLang="zh-CN" sz="2400" kern="0" dirty="0">
               <a:solidFill>
                 <a:srgbClr val="000000"/>
               </a:solidFill>
@@ -20297,7 +21525,81 @@
                 <a:cs typeface="+mn-cs"/>
                 <a:sym typeface="微软雅黑" panose="020B0503020204020204" pitchFamily="34" charset="-122"/>
               </a:rPr>
-              <a:t>什么是变量</a:t>
+              <a:t>怎么写一个程序并且运行？</a:t>
+            </a:r>
+            <a:endParaRPr lang="zh-CN" altLang="en-US" sz="2400" kern="0" dirty="0">
+              <a:solidFill>
+                <a:srgbClr val="000000"/>
+              </a:solidFill>
+              <a:latin typeface="微软雅黑" panose="020B0503020204020204" pitchFamily="34" charset="-122"/>
+              <a:ea typeface="微软雅黑" panose="020B0503020204020204" pitchFamily="34" charset="-122"/>
+              <a:cs typeface="+mn-cs"/>
+              <a:sym typeface="微软雅黑" panose="020B0503020204020204" pitchFamily="34" charset="-122"/>
+            </a:endParaRPr>
+          </a:p>
+          <a:p>
+            <a:pPr marL="342900" indent="-342900" fontAlgn="auto" hangingPunct="0">
+              <a:lnSpc>
+                <a:spcPct val="150000"/>
+              </a:lnSpc>
+              <a:spcBef>
+                <a:spcPts val="0"/>
+              </a:spcBef>
+              <a:spcAft>
+                <a:spcPts val="0"/>
+              </a:spcAft>
+              <a:buFont typeface="Wingdings" panose="05000000000000000000" charset="0"/>
+              <a:buChar char="Ø"/>
+              <a:defRPr/>
+            </a:pPr>
+            <a:r>
+              <a:rPr lang="zh-CN" altLang="en-US" sz="2400" kern="0" dirty="0">
+                <a:solidFill>
+                  <a:srgbClr val="000000"/>
+                </a:solidFill>
+                <a:latin typeface="微软雅黑" panose="020B0503020204020204" pitchFamily="34" charset="-122"/>
+                <a:ea typeface="微软雅黑" panose="020B0503020204020204" pitchFamily="34" charset="-122"/>
+                <a:cs typeface="+mn-cs"/>
+                <a:sym typeface="微软雅黑" panose="020B0503020204020204" pitchFamily="34" charset="-122"/>
+              </a:rPr>
+              <a:t>什么是变量？</a:t>
+            </a:r>
+            <a:endParaRPr lang="zh-CN" altLang="en-US" sz="2400" kern="0" dirty="0">
+              <a:solidFill>
+                <a:srgbClr val="000000"/>
+              </a:solidFill>
+              <a:latin typeface="微软雅黑" panose="020B0503020204020204" pitchFamily="34" charset="-122"/>
+              <a:ea typeface="微软雅黑" panose="020B0503020204020204" pitchFamily="34" charset="-122"/>
+              <a:cs typeface="+mn-cs"/>
+              <a:sym typeface="微软雅黑" panose="020B0503020204020204" pitchFamily="34" charset="-122"/>
+            </a:endParaRPr>
+          </a:p>
+          <a:p>
+            <a:pPr marL="342900" indent="-342900" fontAlgn="auto" hangingPunct="0">
+              <a:lnSpc>
+                <a:spcPct val="150000"/>
+              </a:lnSpc>
+              <a:spcBef>
+                <a:spcPts val="0"/>
+              </a:spcBef>
+              <a:spcAft>
+                <a:spcPts val="0"/>
+              </a:spcAft>
+              <a:buFont typeface="Wingdings" panose="05000000000000000000" charset="0"/>
+              <a:buChar char="Ø"/>
+              <a:defRPr/>
+            </a:pPr>
+            <a:r>
+              <a:rPr lang="zh-CN" altLang="en-US" sz="2400" kern="0" dirty="0">
+                <a:solidFill>
+                  <a:srgbClr val="000000"/>
+                </a:solidFill>
+                <a:latin typeface="微软雅黑" panose="020B0503020204020204" pitchFamily="34" charset="-122"/>
+                <a:ea typeface="微软雅黑" panose="020B0503020204020204" pitchFamily="34" charset="-122"/>
+                <a:cs typeface="+mn-cs"/>
+                <a:sym typeface="微软雅黑" panose="020B0503020204020204" pitchFamily="34" charset="-122"/>
+              </a:rPr>
+              <a:t>什么是注释？</a:t>
             </a:r>
             <a:endParaRPr lang="zh-CN" altLang="en-US" sz="2400" kern="0" dirty="0">
               <a:solidFill>
@@ -21428,8 +22730,8 @@
         </p:nvSpPr>
         <p:spPr>
           <a:xfrm>
-            <a:off x="1853565" y="2446655"/>
-            <a:ext cx="2540000" cy="1198880"/>
+            <a:off x="1853565" y="2355215"/>
+            <a:ext cx="2540000" cy="2861310"/>
           </a:xfrm>
           <a:prstGeom prst="rect">
             <a:avLst/>
@@ -21442,142 +22744,85 @@
           </a:bodyPr>
           <a:p>
             <a:r>
-              <a:rPr lang="en-US" altLang="zh-CN"/>
-              <a:t>a = 20</a:t>
-            </a:r>
-            <a:endParaRPr lang="en-US" altLang="zh-CN"/>
-          </a:p>
-          <a:p>
-            <a:r>
-              <a:rPr lang="en-US" altLang="zh-CN"/>
-              <a:t>b=11</a:t>
-            </a:r>
-            <a:endParaRPr lang="zh-CN" altLang="en-US"/>
-          </a:p>
-          <a:p>
-            <a:r>
-              <a:rPr lang="en-US" altLang="zh-CN"/>
-              <a:t>c=</a:t>
-            </a:r>
-            <a:r>
-              <a:rPr lang="zh-CN" altLang="en-US"/>
-              <a:t>a + b</a:t>
-            </a:r>
-            <a:endParaRPr lang="zh-CN" altLang="en-US"/>
-          </a:p>
-          <a:p>
-            <a:r>
-              <a:rPr lang="en-US" altLang="zh-CN"/>
-              <a:t>print(c)</a:t>
-            </a:r>
-            <a:r>
-              <a:rPr lang="zh-CN" altLang="en-US"/>
-              <a:t> </a:t>
-            </a:r>
-            <a:endParaRPr lang="zh-CN" altLang="en-US"/>
-          </a:p>
-        </p:txBody>
-      </p:sp>
-      <p:sp>
-        <p:nvSpPr>
-          <p:cNvPr id="8" name="文本框 7"/>
-          <p:cNvSpPr txBox="1"/>
-          <p:nvPr/>
-        </p:nvSpPr>
-        <p:spPr>
-          <a:xfrm>
-            <a:off x="1732915" y="3863975"/>
-            <a:ext cx="7821295" cy="460375"/>
-          </a:xfrm>
-          <a:prstGeom prst="rect">
-            <a:avLst/>
-          </a:prstGeom>
-          <a:noFill/>
-        </p:spPr>
-        <p:txBody>
-          <a:bodyPr wrap="square" rtlCol="0" anchor="t">
-            <a:spAutoFit/>
-          </a:bodyPr>
-          <a:p>
-            <a:r>
-              <a:rPr lang="zh-CN" altLang="en-US" sz="2400"/>
-              <a:t>减法运算：将运算符左边的操作数减去右边的操作数。</a:t>
-            </a:r>
-            <a:endParaRPr lang="zh-CN" altLang="en-US" sz="2400"/>
-          </a:p>
-        </p:txBody>
-      </p:sp>
-      <p:sp>
-        <p:nvSpPr>
-          <p:cNvPr id="13" name="文本框 12"/>
-          <p:cNvSpPr txBox="1"/>
-          <p:nvPr/>
-        </p:nvSpPr>
-        <p:spPr>
-          <a:xfrm>
-            <a:off x="1847850" y="4504055"/>
-            <a:ext cx="2540000" cy="1198880"/>
-          </a:xfrm>
-          <a:prstGeom prst="rect">
-            <a:avLst/>
-          </a:prstGeom>
-          <a:noFill/>
-        </p:spPr>
-        <p:txBody>
-          <a:bodyPr wrap="square" rtlCol="0" anchor="t">
-            <a:spAutoFit/>
-          </a:bodyPr>
-          <a:p>
-            <a:r>
-              <a:rPr lang="en-US" altLang="zh-CN"/>
-              <a:t>a = 20</a:t>
-            </a:r>
-            <a:endParaRPr lang="en-US" altLang="zh-CN"/>
-          </a:p>
-          <a:p>
-            <a:r>
-              <a:rPr lang="en-US" altLang="zh-CN"/>
-              <a:t>b=11</a:t>
-            </a:r>
-            <a:endParaRPr lang="zh-CN" altLang="en-US"/>
-          </a:p>
-          <a:p>
-            <a:r>
-              <a:rPr lang="en-US" altLang="zh-CN"/>
-              <a:t>c=</a:t>
-            </a:r>
-            <a:r>
-              <a:rPr lang="zh-CN" altLang="en-US"/>
-              <a:t>a </a:t>
-            </a:r>
-            <a:r>
-              <a:rPr lang="en-US" altLang="zh-CN"/>
-              <a:t>-</a:t>
-            </a:r>
-            <a:r>
-              <a:rPr lang="zh-CN" altLang="en-US"/>
-              <a:t> b</a:t>
-            </a:r>
-            <a:endParaRPr lang="zh-CN" altLang="en-US"/>
-          </a:p>
-          <a:p>
+              <a:rPr lang="zh-CN" altLang="en-US">
+                <a:sym typeface="+mn-ea"/>
+              </a:rPr>
+              <a:t>例</a:t>
+            </a:r>
             <a:r>
               <a:rPr lang="en-US" altLang="zh-CN">
                 <a:sym typeface="+mn-ea"/>
               </a:rPr>
-              <a:t>print(c)</a:t>
+              <a:t>1</a:t>
             </a:r>
             <a:r>
               <a:rPr lang="zh-CN" altLang="en-US">
                 <a:sym typeface="+mn-ea"/>
               </a:rPr>
-              <a:t> </a:t>
-            </a:r>
-            <a:r>
-              <a:rPr lang="zh-CN" altLang="en-US"/>
-              <a:t> </a:t>
-            </a:r>
-            <a:endParaRPr lang="zh-CN" altLang="en-US"/>
+              <a:t>：</a:t>
+            </a:r>
+            <a:endParaRPr lang="zh-CN" altLang="en-US">
+              <a:sym typeface="+mn-ea"/>
+            </a:endParaRPr>
+          </a:p>
+          <a:p>
+            <a:endParaRPr lang="en-US" altLang="zh-CN"/>
+          </a:p>
+          <a:p>
+            <a:r>
+              <a:rPr lang="en-US" altLang="zh-CN"/>
+              <a:t>#设置变量a的值是20</a:t>
+            </a:r>
+            <a:endParaRPr lang="en-US" altLang="zh-CN"/>
+          </a:p>
+          <a:p>
+            <a:r>
+              <a:rPr lang="en-US" altLang="zh-CN"/>
+              <a:t>a = 20</a:t>
+            </a:r>
+            <a:endParaRPr lang="en-US" altLang="zh-CN"/>
+          </a:p>
+          <a:p>
+            <a:r>
+              <a:rPr lang="en-US" altLang="zh-CN"/>
+              <a:t>#设置变量b的值是11</a:t>
+            </a:r>
+            <a:endParaRPr lang="en-US" altLang="zh-CN"/>
+          </a:p>
+          <a:p>
+            <a:r>
+              <a:rPr lang="en-US" altLang="zh-CN"/>
+              <a:t>b=11</a:t>
+            </a:r>
+            <a:endParaRPr lang="en-US" altLang="zh-CN"/>
+          </a:p>
+          <a:p>
+            <a:r>
+              <a:rPr lang="en-US" altLang="zh-CN"/>
+              <a:t>#把a加上b的值赋给c</a:t>
+            </a:r>
+            <a:endParaRPr lang="en-US" altLang="zh-CN"/>
+          </a:p>
+          <a:p>
+            <a:r>
+              <a:rPr lang="en-US" altLang="zh-CN"/>
+              <a:t>c=a + b</a:t>
+            </a:r>
+            <a:endParaRPr lang="en-US" altLang="zh-CN"/>
+          </a:p>
+          <a:p>
+            <a:r>
+              <a:rPr lang="en-US" altLang="zh-CN"/>
+              <a:t>#打印变量c</a:t>
+            </a:r>
+            <a:endParaRPr lang="en-US" altLang="zh-CN"/>
+          </a:p>
+          <a:p>
+            <a:r>
+              <a:rPr lang="en-US" altLang="zh-CN"/>
+              <a:t>print(c) </a:t>
+            </a:r>
+            <a:endParaRPr lang="en-US" altLang="zh-CN"/>
           </a:p>
         </p:txBody>
       </p:sp>
@@ -21844,14 +23089,14 @@
       </p:sp>
       <p:sp>
         <p:nvSpPr>
-          <p:cNvPr id="2" name="文本框 1"/>
+          <p:cNvPr id="4" name="文本框 3"/>
           <p:cNvSpPr txBox="1"/>
           <p:nvPr/>
         </p:nvSpPr>
         <p:spPr>
           <a:xfrm>
             <a:off x="1727835" y="1740535"/>
-            <a:ext cx="5964555" cy="460375"/>
+            <a:ext cx="7785100" cy="460375"/>
           </a:xfrm>
           <a:prstGeom prst="rect">
             <a:avLst/>
@@ -21864,8 +23109,10 @@
           </a:bodyPr>
           <a:p>
             <a:r>
-              <a:rPr lang="zh-CN" altLang="en-US" sz="2400"/>
-              <a:t>乘法运算：将运算符两边的操作数相乘。</a:t>
+              <a:rPr lang="zh-CN" altLang="en-US" sz="2400">
+                <a:sym typeface="+mn-ea"/>
+              </a:rPr>
+              <a:t>减法运算：将运算符左边的操作数减去右边的操作数。</a:t>
             </a:r>
             <a:endParaRPr lang="zh-CN" altLang="en-US" sz="2400"/>
           </a:p>
@@ -21873,14 +23120,14 @@
       </p:sp>
       <p:sp>
         <p:nvSpPr>
-          <p:cNvPr id="5" name="文本框 4"/>
+          <p:cNvPr id="6" name="文本框 5"/>
           <p:cNvSpPr txBox="1"/>
           <p:nvPr/>
         </p:nvSpPr>
         <p:spPr>
           <a:xfrm>
-            <a:off x="1853565" y="2446655"/>
-            <a:ext cx="2540000" cy="1198880"/>
+            <a:off x="1853565" y="2355215"/>
+            <a:ext cx="2540000" cy="2861310"/>
           </a:xfrm>
           <a:prstGeom prst="rect">
             <a:avLst/>
@@ -21893,150 +23140,85 @@
           </a:bodyPr>
           <a:p>
             <a:r>
-              <a:rPr lang="en-US" altLang="zh-CN"/>
-              <a:t>a = 4</a:t>
-            </a:r>
-            <a:endParaRPr lang="en-US" altLang="zh-CN"/>
-          </a:p>
-          <a:p>
-            <a:r>
-              <a:rPr lang="en-US" altLang="zh-CN"/>
-              <a:t>b=5</a:t>
-            </a:r>
-            <a:endParaRPr lang="zh-CN" altLang="en-US"/>
-          </a:p>
-          <a:p>
-            <a:r>
-              <a:rPr lang="en-US" altLang="zh-CN"/>
-              <a:t>c=</a:t>
-            </a:r>
-            <a:r>
-              <a:rPr lang="zh-CN" altLang="en-US"/>
-              <a:t>a </a:t>
-            </a:r>
-            <a:r>
-              <a:rPr lang="en-US" altLang="zh-CN"/>
-              <a:t>*</a:t>
-            </a:r>
-            <a:r>
-              <a:rPr lang="zh-CN" altLang="en-US"/>
-              <a:t> b</a:t>
-            </a:r>
-            <a:endParaRPr lang="zh-CN" altLang="en-US"/>
-          </a:p>
-          <a:p>
-            <a:r>
-              <a:rPr lang="en-US" altLang="zh-CN"/>
-              <a:t>print(c)</a:t>
-            </a:r>
-            <a:r>
-              <a:rPr lang="zh-CN" altLang="en-US"/>
-              <a:t> </a:t>
-            </a:r>
-            <a:endParaRPr lang="zh-CN" altLang="en-US"/>
-          </a:p>
-        </p:txBody>
-      </p:sp>
-      <p:sp>
-        <p:nvSpPr>
-          <p:cNvPr id="8" name="文本框 7"/>
-          <p:cNvSpPr txBox="1"/>
-          <p:nvPr/>
-        </p:nvSpPr>
-        <p:spPr>
-          <a:xfrm>
-            <a:off x="1732915" y="3863975"/>
-            <a:ext cx="7821295" cy="460375"/>
-          </a:xfrm>
-          <a:prstGeom prst="rect">
-            <a:avLst/>
-          </a:prstGeom>
-          <a:noFill/>
-        </p:spPr>
-        <p:txBody>
-          <a:bodyPr wrap="square" rtlCol="0" anchor="t">
-            <a:spAutoFit/>
-          </a:bodyPr>
-          <a:p>
-            <a:r>
-              <a:rPr lang="zh-CN" altLang="en-US" sz="2400"/>
-              <a:t>除法运算：用右操作数除左操作数。</a:t>
-            </a:r>
-            <a:endParaRPr lang="zh-CN" altLang="en-US" sz="2400"/>
-          </a:p>
-        </p:txBody>
-      </p:sp>
-      <p:sp>
-        <p:nvSpPr>
-          <p:cNvPr id="13" name="文本框 12"/>
-          <p:cNvSpPr txBox="1"/>
-          <p:nvPr/>
-        </p:nvSpPr>
-        <p:spPr>
-          <a:xfrm>
-            <a:off x="1847850" y="4504055"/>
-            <a:ext cx="2540000" cy="1198880"/>
-          </a:xfrm>
-          <a:prstGeom prst="rect">
-            <a:avLst/>
-          </a:prstGeom>
-          <a:noFill/>
-        </p:spPr>
-        <p:txBody>
-          <a:bodyPr wrap="square" rtlCol="0" anchor="t">
-            <a:spAutoFit/>
-          </a:bodyPr>
-          <a:p>
-            <a:r>
-              <a:rPr lang="en-US" altLang="zh-CN"/>
-              <a:t>a = 20</a:t>
-            </a:r>
-            <a:endParaRPr lang="en-US" altLang="zh-CN"/>
-          </a:p>
-          <a:p>
-            <a:r>
-              <a:rPr lang="en-US" altLang="zh-CN"/>
-              <a:t>b =4</a:t>
-            </a:r>
-            <a:endParaRPr lang="zh-CN" altLang="en-US"/>
-          </a:p>
-          <a:p>
-            <a:r>
-              <a:rPr lang="en-US" altLang="zh-CN"/>
-              <a:t>c=</a:t>
-            </a:r>
-            <a:r>
-              <a:rPr lang="zh-CN" altLang="en-US"/>
-              <a:t>a </a:t>
-            </a:r>
-            <a:r>
-              <a:rPr lang="en-US" altLang="zh-CN"/>
-              <a:t>/</a:t>
-            </a:r>
-            <a:r>
-              <a:rPr lang="zh-CN" altLang="en-US"/>
-              <a:t> b</a:t>
-            </a:r>
-            <a:endParaRPr lang="zh-CN" altLang="en-US"/>
-          </a:p>
-          <a:p>
+              <a:rPr lang="zh-CN" altLang="en-US">
+                <a:sym typeface="+mn-ea"/>
+              </a:rPr>
+              <a:t>例</a:t>
+            </a:r>
             <a:r>
               <a:rPr lang="en-US" altLang="zh-CN">
                 <a:sym typeface="+mn-ea"/>
               </a:rPr>
-              <a:t>print(c)</a:t>
+              <a:t>2</a:t>
             </a:r>
             <a:r>
               <a:rPr lang="zh-CN" altLang="en-US">
                 <a:sym typeface="+mn-ea"/>
               </a:rPr>
-              <a:t> </a:t>
-            </a:r>
-            <a:r>
-              <a:rPr lang="zh-CN" altLang="en-US"/>
-              <a:t> </a:t>
-            </a:r>
-            <a:endParaRPr lang="zh-CN" altLang="en-US"/>
+              <a:t>：</a:t>
+            </a:r>
+            <a:endParaRPr lang="zh-CN" altLang="en-US">
+              <a:sym typeface="+mn-ea"/>
+            </a:endParaRPr>
+          </a:p>
+          <a:p>
+            <a:endParaRPr lang="en-US" altLang="zh-CN"/>
+          </a:p>
+          <a:p>
+            <a:r>
+              <a:rPr lang="en-US" altLang="zh-CN"/>
+              <a:t>#设置变量a的值是20</a:t>
+            </a:r>
+            <a:endParaRPr lang="en-US" altLang="zh-CN"/>
+          </a:p>
+          <a:p>
+            <a:r>
+              <a:rPr lang="en-US" altLang="zh-CN"/>
+              <a:t>a = 20</a:t>
+            </a:r>
+            <a:endParaRPr lang="en-US" altLang="zh-CN"/>
+          </a:p>
+          <a:p>
+            <a:r>
+              <a:rPr lang="en-US" altLang="zh-CN"/>
+              <a:t>#设置变量b的值是11</a:t>
+            </a:r>
+            <a:endParaRPr lang="en-US" altLang="zh-CN"/>
+          </a:p>
+          <a:p>
+            <a:r>
+              <a:rPr lang="en-US" altLang="zh-CN"/>
+              <a:t>b=11</a:t>
+            </a:r>
+            <a:endParaRPr lang="en-US" altLang="zh-CN"/>
+          </a:p>
+          <a:p>
+            <a:r>
+              <a:rPr lang="en-US" altLang="zh-CN"/>
+              <a:t>#把a加上b的值赋给c</a:t>
+            </a:r>
+            <a:endParaRPr lang="en-US" altLang="zh-CN"/>
+          </a:p>
+          <a:p>
+            <a:r>
+              <a:rPr lang="en-US" altLang="zh-CN"/>
+              <a:t>c=a + b</a:t>
+            </a:r>
+            <a:endParaRPr lang="en-US" altLang="zh-CN"/>
+          </a:p>
+          <a:p>
+            <a:r>
+              <a:rPr lang="en-US" altLang="zh-CN"/>
+              <a:t>#打印变量c</a:t>
+            </a:r>
+            <a:endParaRPr lang="en-US" altLang="zh-CN"/>
+          </a:p>
+          <a:p>
+            <a:r>
+              <a:rPr lang="en-US" altLang="zh-CN"/>
+              <a:t>print(c) </a:t>
+            </a:r>
+            <a:endParaRPr lang="en-US" altLang="zh-CN"/>
           </a:p>
         </p:txBody>
       </p:sp>
@@ -22056,1311 +23238,6 @@
 </file>
 
 <file path=ppt/slides/slide7.xml><?xml version="1.0" encoding="utf-8"?>
-<p:sld xmlns:a="http://schemas.openxmlformats.org/drawingml/2006/main" xmlns:r="http://schemas.openxmlformats.org/officeDocument/2006/relationships" xmlns:p="http://schemas.openxmlformats.org/presentationml/2006/main">
-  <p:cSld>
-    <p:spTree>
-      <p:nvGrpSpPr>
-        <p:cNvPr id="1" name=""/>
-        <p:cNvGrpSpPr/>
-        <p:nvPr/>
-      </p:nvGrpSpPr>
-      <p:grpSpPr>
-        <a:xfrm>
-          <a:off x="0" y="0"/>
-          <a:ext cx="0" cy="0"/>
-          <a:chOff x="0" y="0"/>
-          <a:chExt cx="0" cy="0"/>
-        </a:xfrm>
-      </p:grpSpPr>
-      <p:sp>
-        <p:nvSpPr>
-          <p:cNvPr id="4" name="文本框 3"/>
-          <p:cNvSpPr txBox="1">
-            <a:spLocks noChangeArrowheads="1"/>
-          </p:cNvSpPr>
-          <p:nvPr/>
-        </p:nvSpPr>
-        <p:spPr bwMode="auto">
-          <a:xfrm>
-            <a:off x="887413" y="419100"/>
-            <a:ext cx="3729037" cy="1198880"/>
-          </a:xfrm>
-          <a:prstGeom prst="rect">
-            <a:avLst/>
-          </a:prstGeom>
-          <a:noFill/>
-          <a:ln>
-            <a:noFill/>
-          </a:ln>
-          <a:extLst>
-            <a:ext uri="{909E8E84-426E-40DD-AFC4-6F175D3DCCD1}">
-              <a14:hiddenFill xmlns:a14="http://schemas.microsoft.com/office/drawing/2010/main">
-                <a:solidFill>
-                  <a:srgbClr val="FFFFFF"/>
-                </a:solidFill>
-              </a14:hiddenFill>
-            </a:ext>
-            <a:ext uri="{91240B29-F687-4F45-9708-019B960494DF}">
-              <a14:hiddenLine xmlns:a14="http://schemas.microsoft.com/office/drawing/2010/main" w="9525">
-                <a:solidFill>
-                  <a:srgbClr val="000000"/>
-                </a:solidFill>
-                <a:miter lim="800000"/>
-                <a:headEnd/>
-                <a:tailEnd/>
-              </a14:hiddenLine>
-            </a:ext>
-          </a:extLst>
-        </p:spPr>
-        <p:txBody>
-          <a:bodyPr>
-            <a:spAutoFit/>
-          </a:bodyPr>
-          <a:lstStyle>
-            <a:lvl1pPr eaLnBrk="0" hangingPunct="0">
-              <a:defRPr>
-                <a:solidFill>
-                  <a:schemeClr val="tx1"/>
-                </a:solidFill>
-                <a:latin typeface="等线" panose="02010600030101010101" charset="-122"/>
-                <a:ea typeface="等线" panose="02010600030101010101" charset="-122"/>
-                <a:cs typeface="等线" panose="02010600030101010101" charset="-122"/>
-              </a:defRPr>
-            </a:lvl1pPr>
-            <a:lvl2pPr marL="742950" indent="-285750" eaLnBrk="0" hangingPunct="0">
-              <a:defRPr>
-                <a:solidFill>
-                  <a:schemeClr val="tx1"/>
-                </a:solidFill>
-                <a:latin typeface="等线" panose="02010600030101010101" charset="-122"/>
-                <a:ea typeface="等线" panose="02010600030101010101" charset="-122"/>
-                <a:cs typeface="等线" panose="02010600030101010101" charset="-122"/>
-              </a:defRPr>
-            </a:lvl2pPr>
-            <a:lvl3pPr marL="1143000" indent="-228600" eaLnBrk="0" hangingPunct="0">
-              <a:defRPr>
-                <a:solidFill>
-                  <a:schemeClr val="tx1"/>
-                </a:solidFill>
-                <a:latin typeface="等线" panose="02010600030101010101" charset="-122"/>
-                <a:ea typeface="等线" panose="02010600030101010101" charset="-122"/>
-                <a:cs typeface="等线" panose="02010600030101010101" charset="-122"/>
-              </a:defRPr>
-            </a:lvl3pPr>
-            <a:lvl4pPr marL="1600200" indent="-228600" eaLnBrk="0" hangingPunct="0">
-              <a:defRPr>
-                <a:solidFill>
-                  <a:schemeClr val="tx1"/>
-                </a:solidFill>
-                <a:latin typeface="等线" panose="02010600030101010101" charset="-122"/>
-                <a:ea typeface="等线" panose="02010600030101010101" charset="-122"/>
-                <a:cs typeface="等线" panose="02010600030101010101" charset="-122"/>
-              </a:defRPr>
-            </a:lvl4pPr>
-            <a:lvl5pPr marL="2057400" indent="-228600" eaLnBrk="0" hangingPunct="0">
-              <a:defRPr>
-                <a:solidFill>
-                  <a:schemeClr val="tx1"/>
-                </a:solidFill>
-                <a:latin typeface="等线" panose="02010600030101010101" charset="-122"/>
-                <a:ea typeface="等线" panose="02010600030101010101" charset="-122"/>
-                <a:cs typeface="等线" panose="02010600030101010101" charset="-122"/>
-              </a:defRPr>
-            </a:lvl5pPr>
-            <a:lvl6pPr marL="2514600" indent="-228600" eaLnBrk="0" fontAlgn="base" hangingPunct="0">
-              <a:spcBef>
-                <a:spcPct val="0"/>
-              </a:spcBef>
-              <a:spcAft>
-                <a:spcPct val="0"/>
-              </a:spcAft>
-              <a:defRPr>
-                <a:solidFill>
-                  <a:schemeClr val="tx1"/>
-                </a:solidFill>
-                <a:latin typeface="等线" panose="02010600030101010101" charset="-122"/>
-                <a:ea typeface="等线" panose="02010600030101010101" charset="-122"/>
-                <a:cs typeface="等线" panose="02010600030101010101" charset="-122"/>
-              </a:defRPr>
-            </a:lvl6pPr>
-            <a:lvl7pPr marL="2971800" indent="-228600" eaLnBrk="0" fontAlgn="base" hangingPunct="0">
-              <a:spcBef>
-                <a:spcPct val="0"/>
-              </a:spcBef>
-              <a:spcAft>
-                <a:spcPct val="0"/>
-              </a:spcAft>
-              <a:defRPr>
-                <a:solidFill>
-                  <a:schemeClr val="tx1"/>
-                </a:solidFill>
-                <a:latin typeface="等线" panose="02010600030101010101" charset="-122"/>
-                <a:ea typeface="等线" panose="02010600030101010101" charset="-122"/>
-                <a:cs typeface="等线" panose="02010600030101010101" charset="-122"/>
-              </a:defRPr>
-            </a:lvl7pPr>
-            <a:lvl8pPr marL="3429000" indent="-228600" eaLnBrk="0" fontAlgn="base" hangingPunct="0">
-              <a:spcBef>
-                <a:spcPct val="0"/>
-              </a:spcBef>
-              <a:spcAft>
-                <a:spcPct val="0"/>
-              </a:spcAft>
-              <a:defRPr>
-                <a:solidFill>
-                  <a:schemeClr val="tx1"/>
-                </a:solidFill>
-                <a:latin typeface="等线" panose="02010600030101010101" charset="-122"/>
-                <a:ea typeface="等线" panose="02010600030101010101" charset="-122"/>
-                <a:cs typeface="等线" panose="02010600030101010101" charset="-122"/>
-              </a:defRPr>
-            </a:lvl8pPr>
-            <a:lvl9pPr marL="3886200" indent="-228600" eaLnBrk="0" fontAlgn="base" hangingPunct="0">
-              <a:spcBef>
-                <a:spcPct val="0"/>
-              </a:spcBef>
-              <a:spcAft>
-                <a:spcPct val="0"/>
-              </a:spcAft>
-              <a:defRPr>
-                <a:solidFill>
-                  <a:schemeClr val="tx1"/>
-                </a:solidFill>
-                <a:latin typeface="等线" panose="02010600030101010101" charset="-122"/>
-                <a:ea typeface="等线" panose="02010600030101010101" charset="-122"/>
-                <a:cs typeface="等线" panose="02010600030101010101" charset="-122"/>
-              </a:defRPr>
-            </a:lvl9pPr>
-          </a:lstStyle>
-          <a:p>
-            <a:pPr eaLnBrk="1" hangingPunct="1"/>
-            <a:r>
-              <a:rPr lang="zh-CN" altLang="en-US" dirty="0" smtClean="0">
-                <a:latin typeface="微软雅黑" panose="020B0503020204020204" pitchFamily="34" charset="-122"/>
-                <a:ea typeface="微软雅黑" panose="020B0503020204020204" pitchFamily="34" charset="-122"/>
-                <a:sym typeface="+mn-ea"/>
-              </a:rPr>
-              <a:t>理解简单数学运算</a:t>
-            </a:r>
-            <a:endParaRPr lang="zh-CN" altLang="en-US" dirty="0">
-              <a:latin typeface="微软雅黑" panose="020B0503020204020204" pitchFamily="34" charset="-122"/>
-              <a:ea typeface="微软雅黑" panose="020B0503020204020204" pitchFamily="34" charset="-122"/>
-            </a:endParaRPr>
-          </a:p>
-          <a:p>
-            <a:pPr eaLnBrk="1" hangingPunct="1"/>
-            <a:endParaRPr lang="zh-CN" altLang="en-US" dirty="0" smtClean="0">
-              <a:solidFill>
-                <a:schemeClr val="tx1"/>
-              </a:solidFill>
-              <a:latin typeface="微软雅黑" panose="020B0503020204020204" pitchFamily="34" charset="-122"/>
-              <a:ea typeface="微软雅黑" panose="020B0503020204020204" pitchFamily="34" charset="-122"/>
-            </a:endParaRPr>
-          </a:p>
-          <a:p>
-            <a:pPr eaLnBrk="1" hangingPunct="1"/>
-            <a:endParaRPr lang="zh-CN" altLang="en-US">
-              <a:latin typeface="微软雅黑" panose="020B0503020204020204" pitchFamily="34" charset="-122"/>
-              <a:ea typeface="微软雅黑" panose="020B0503020204020204" pitchFamily="34" charset="-122"/>
-            </a:endParaRPr>
-          </a:p>
-          <a:p>
-            <a:pPr eaLnBrk="1" hangingPunct="1"/>
-            <a:endParaRPr lang="zh-CN" altLang="en-US">
-              <a:latin typeface="微软雅黑" panose="020B0503020204020204" pitchFamily="34" charset="-122"/>
-              <a:ea typeface="微软雅黑" panose="020B0503020204020204" pitchFamily="34" charset="-122"/>
-            </a:endParaRPr>
-          </a:p>
-        </p:txBody>
-      </p:sp>
-      <p:pic>
-        <p:nvPicPr>
-          <p:cNvPr id="17411" name="Picture 3" descr="C:\Users\Bob\Desktop\图片素材\8258a2e7ef69f732cb3090123406204.png"/>
-          <p:cNvPicPr>
-            <a:picLocks noChangeAspect="1" noChangeArrowheads="1"/>
-          </p:cNvPicPr>
-          <p:nvPr/>
-        </p:nvPicPr>
-        <p:blipFill>
-          <a:blip r:embed="rId1">
-            <a:extLst>
-              <a:ext uri="{28A0092B-C50C-407E-A947-70E740481C1C}">
-                <a14:useLocalDpi xmlns:a14="http://schemas.microsoft.com/office/drawing/2010/main" val="0"/>
-              </a:ext>
-            </a:extLst>
-          </a:blip>
-          <a:srcRect/>
-          <a:stretch>
-            <a:fillRect/>
-          </a:stretch>
-        </p:blipFill>
-        <p:spPr bwMode="auto">
-          <a:xfrm>
-            <a:off x="800418" y="1660525"/>
-            <a:ext cx="2039937" cy="2916238"/>
-          </a:xfrm>
-          <a:prstGeom prst="rect">
-            <a:avLst/>
-          </a:prstGeom>
-          <a:noFill/>
-          <a:ln>
-            <a:noFill/>
-          </a:ln>
-          <a:extLst>
-            <a:ext uri="{909E8E84-426E-40DD-AFC4-6F175D3DCCD1}">
-              <a14:hiddenFill xmlns:a14="http://schemas.microsoft.com/office/drawing/2010/main">
-                <a:solidFill>
-                  <a:srgbClr val="FFFFFF"/>
-                </a:solidFill>
-              </a14:hiddenFill>
-            </a:ext>
-            <a:ext uri="{91240B29-F687-4F45-9708-019B960494DF}">
-              <a14:hiddenLine xmlns:a14="http://schemas.microsoft.com/office/drawing/2010/main" w="9525">
-                <a:solidFill>
-                  <a:srgbClr val="000000"/>
-                </a:solidFill>
-                <a:miter lim="800000"/>
-                <a:headEnd/>
-                <a:tailEnd/>
-              </a14:hiddenLine>
-            </a:ext>
-          </a:extLst>
-        </p:spPr>
-      </p:pic>
-      <p:sp>
-        <p:nvSpPr>
-          <p:cNvPr id="3" name="文本框 2"/>
-          <p:cNvSpPr txBox="1"/>
-          <p:nvPr/>
-        </p:nvSpPr>
-        <p:spPr>
-          <a:xfrm>
-            <a:off x="4006215" y="1403350"/>
-            <a:ext cx="6824980" cy="1938020"/>
-          </a:xfrm>
-          <a:prstGeom prst="rect">
-            <a:avLst/>
-          </a:prstGeom>
-          <a:noFill/>
-        </p:spPr>
-        <p:txBody>
-          <a:bodyPr wrap="square" rtlCol="0" anchor="t">
-            <a:spAutoFit/>
-          </a:bodyPr>
-          <a:p>
-            <a:pPr>
-              <a:lnSpc>
-                <a:spcPct val="150000"/>
-              </a:lnSpc>
-            </a:pPr>
-            <a:r>
-              <a:rPr lang="zh-CN" altLang="en-US" sz="2000">
-                <a:solidFill>
-                  <a:schemeClr val="tx1"/>
-                </a:solidFill>
-              </a:rPr>
-              <a:t>**需求**</a:t>
-            </a:r>
-            <a:endParaRPr lang="zh-CN" altLang="en-US" sz="2000">
-              <a:solidFill>
-                <a:schemeClr val="tx1"/>
-              </a:solidFill>
-            </a:endParaRPr>
-          </a:p>
-          <a:p>
-            <a:pPr marL="342900" indent="-342900">
-              <a:lnSpc>
-                <a:spcPct val="150000"/>
-              </a:lnSpc>
-              <a:buFont typeface="Arial" panose="020B0604020202020204" pitchFamily="34" charset="0"/>
-              <a:buChar char="•"/>
-            </a:pPr>
-            <a:r>
-              <a:rPr lang="zh-CN" altLang="en-US" sz="2000">
-                <a:solidFill>
-                  <a:schemeClr val="tx1"/>
-                </a:solidFill>
-              </a:rPr>
-              <a:t> 苹果的价格是 8 元/斤</a:t>
-            </a:r>
-            <a:endParaRPr lang="zh-CN" altLang="en-US" sz="2000">
-              <a:solidFill>
-                <a:schemeClr val="tx1"/>
-              </a:solidFill>
-            </a:endParaRPr>
-          </a:p>
-          <a:p>
-            <a:pPr marL="342900" indent="-342900">
-              <a:lnSpc>
-                <a:spcPct val="150000"/>
-              </a:lnSpc>
-              <a:buFont typeface="Arial" panose="020B0604020202020204" pitchFamily="34" charset="0"/>
-              <a:buChar char="•"/>
-            </a:pPr>
-            <a:r>
-              <a:rPr lang="zh-CN" altLang="en-US" sz="2000">
-                <a:solidFill>
-                  <a:schemeClr val="tx1"/>
-                </a:solidFill>
-              </a:rPr>
-              <a:t> 买了 7斤苹果</a:t>
-            </a:r>
-            <a:endParaRPr lang="zh-CN" altLang="en-US" sz="2000">
-              <a:solidFill>
-                <a:schemeClr val="tx1"/>
-              </a:solidFill>
-            </a:endParaRPr>
-          </a:p>
-          <a:p>
-            <a:pPr marL="342900" indent="-342900">
-              <a:lnSpc>
-                <a:spcPct val="150000"/>
-              </a:lnSpc>
-              <a:buFont typeface="Arial" panose="020B0604020202020204" pitchFamily="34" charset="0"/>
-              <a:buChar char="•"/>
-            </a:pPr>
-            <a:r>
-              <a:rPr lang="zh-CN" altLang="en-US" sz="2000">
-                <a:solidFill>
-                  <a:schemeClr val="tx1"/>
-                </a:solidFill>
-              </a:rPr>
-              <a:t> 计算付款金额</a:t>
-            </a:r>
-            <a:endParaRPr lang="zh-CN" altLang="en-US" sz="2000">
-              <a:solidFill>
-                <a:schemeClr val="tx1"/>
-              </a:solidFill>
-            </a:endParaRPr>
-          </a:p>
-        </p:txBody>
-      </p:sp>
-      <p:sp>
-        <p:nvSpPr>
-          <p:cNvPr id="6" name="文本框 5"/>
-          <p:cNvSpPr txBox="1"/>
-          <p:nvPr/>
-        </p:nvSpPr>
-        <p:spPr>
-          <a:xfrm>
-            <a:off x="4439285" y="3637280"/>
-            <a:ext cx="4133215" cy="2030095"/>
-          </a:xfrm>
-          <a:prstGeom prst="rect">
-            <a:avLst/>
-          </a:prstGeom>
-          <a:noFill/>
-        </p:spPr>
-        <p:txBody>
-          <a:bodyPr wrap="square" rtlCol="0" anchor="t">
-            <a:spAutoFit/>
-          </a:bodyPr>
-          <a:p>
-            <a:pPr marL="0" indent="0">
-              <a:buFont typeface="Wingdings" panose="05000000000000000000" charset="0"/>
-              <a:buNone/>
-            </a:pPr>
-            <a:r>
-              <a:rPr lang="zh-CN" altLang="en-US">
-                <a:solidFill>
-                  <a:srgbClr val="FF0000"/>
-                </a:solidFill>
-              </a:rPr>
-              <a:t># 定义苹果价格变量</a:t>
-            </a:r>
-            <a:endParaRPr lang="zh-CN" altLang="en-US"/>
-          </a:p>
-          <a:p>
-            <a:r>
-              <a:rPr lang="zh-CN" altLang="en-US"/>
-              <a:t>price = 8</a:t>
-            </a:r>
-            <a:endParaRPr lang="zh-CN" altLang="en-US"/>
-          </a:p>
-          <a:p>
-            <a:r>
-              <a:rPr lang="zh-CN" altLang="en-US">
-                <a:solidFill>
-                  <a:srgbClr val="FF0000"/>
-                </a:solidFill>
-              </a:rPr>
-              <a:t># 定义购买重量</a:t>
-            </a:r>
-            <a:endParaRPr lang="zh-CN" altLang="en-US"/>
-          </a:p>
-          <a:p>
-            <a:r>
-              <a:rPr lang="zh-CN" altLang="en-US"/>
-              <a:t>weight = 7</a:t>
-            </a:r>
-            <a:endParaRPr lang="zh-CN" altLang="en-US"/>
-          </a:p>
-          <a:p>
-            <a:r>
-              <a:rPr lang="zh-CN" altLang="en-US">
-                <a:solidFill>
-                  <a:srgbClr val="FF0000"/>
-                </a:solidFill>
-              </a:rPr>
-              <a:t># 计算金额</a:t>
-            </a:r>
-            <a:endParaRPr lang="zh-CN" altLang="en-US"/>
-          </a:p>
-          <a:p>
-            <a:r>
-              <a:rPr lang="zh-CN" altLang="en-US"/>
-              <a:t>money = price * weight</a:t>
-            </a:r>
-            <a:endParaRPr lang="zh-CN" altLang="en-US"/>
-          </a:p>
-          <a:p>
-            <a:r>
-              <a:rPr lang="zh-CN" altLang="en-US"/>
-              <a:t>print(money)</a:t>
-            </a:r>
-            <a:endParaRPr lang="zh-CN" altLang="en-US"/>
-          </a:p>
-        </p:txBody>
-      </p:sp>
-    </p:spTree>
-  </p:cSld>
-  <p:clrMapOvr>
-    <a:masterClrMapping/>
-  </p:clrMapOvr>
-  <p:timing>
-    <p:tnLst>
-      <p:par>
-        <p:cTn id="1" dur="indefinite" restart="never" nodeType="tmRoot"/>
-      </p:par>
-    </p:tnLst>
-  </p:timing>
-</p:sld>
-</file>
-
-<file path=ppt/slides/slide8.xml><?xml version="1.0" encoding="utf-8"?>
-<p:sld xmlns:a="http://schemas.openxmlformats.org/drawingml/2006/main" xmlns:r="http://schemas.openxmlformats.org/officeDocument/2006/relationships" xmlns:p="http://schemas.openxmlformats.org/presentationml/2006/main">
-  <p:cSld>
-    <p:bg>
-      <p:bgPr>
-        <a:blipFill dpi="0" rotWithShape="0">
-          <a:blip r:embed="rId1"/>
-          <a:srcRect/>
-          <a:stretch>
-            <a:fillRect/>
-          </a:stretch>
-        </a:blipFill>
-        <a:effectLst/>
-      </p:bgPr>
-    </p:bg>
-    <p:spTree>
-      <p:nvGrpSpPr>
-        <p:cNvPr id="1" name=""/>
-        <p:cNvGrpSpPr/>
-        <p:nvPr/>
-      </p:nvGrpSpPr>
-      <p:grpSpPr>
-        <a:xfrm>
-          <a:off x="0" y="0"/>
-          <a:ext cx="0" cy="0"/>
-          <a:chOff x="0" y="0"/>
-          <a:chExt cx="0" cy="0"/>
-        </a:xfrm>
-      </p:grpSpPr>
-      <p:sp>
-        <p:nvSpPr>
-          <p:cNvPr id="13314" name="文本框 5"/>
-          <p:cNvSpPr txBox="1">
-            <a:spLocks noChangeArrowheads="1"/>
-          </p:cNvSpPr>
-          <p:nvPr/>
-        </p:nvSpPr>
-        <p:spPr bwMode="auto">
-          <a:xfrm>
-            <a:off x="4596957" y="1862493"/>
-            <a:ext cx="5416550" cy="461963"/>
-          </a:xfrm>
-          <a:prstGeom prst="rect">
-            <a:avLst/>
-          </a:prstGeom>
-          <a:noFill/>
-          <a:ln>
-            <a:noFill/>
-          </a:ln>
-          <a:extLst>
-            <a:ext uri="{909E8E84-426E-40DD-AFC4-6F175D3DCCD1}">
-              <a14:hiddenFill xmlns:a14="http://schemas.microsoft.com/office/drawing/2010/main">
-                <a:solidFill>
-                  <a:srgbClr val="FFFFFF"/>
-                </a:solidFill>
-              </a14:hiddenFill>
-            </a:ext>
-            <a:ext uri="{91240B29-F687-4F45-9708-019B960494DF}">
-              <a14:hiddenLine xmlns:a14="http://schemas.microsoft.com/office/drawing/2010/main" w="9525">
-                <a:solidFill>
-                  <a:srgbClr val="000000"/>
-                </a:solidFill>
-                <a:miter lim="800000"/>
-                <a:headEnd/>
-                <a:tailEnd/>
-              </a14:hiddenLine>
-            </a:ext>
-          </a:extLst>
-        </p:spPr>
-        <p:txBody>
-          <a:bodyPr>
-            <a:spAutoFit/>
-          </a:bodyPr>
-          <a:lstStyle>
-            <a:lvl1pPr eaLnBrk="0" hangingPunct="0">
-              <a:defRPr>
-                <a:solidFill>
-                  <a:schemeClr val="tx1"/>
-                </a:solidFill>
-                <a:latin typeface="等线" panose="02010600030101010101" charset="-122"/>
-                <a:ea typeface="等线" panose="02010600030101010101" charset="-122"/>
-                <a:cs typeface="等线" panose="02010600030101010101" charset="-122"/>
-              </a:defRPr>
-            </a:lvl1pPr>
-            <a:lvl2pPr marL="742950" indent="-285750" eaLnBrk="0" hangingPunct="0">
-              <a:defRPr>
-                <a:solidFill>
-                  <a:schemeClr val="tx1"/>
-                </a:solidFill>
-                <a:latin typeface="等线" panose="02010600030101010101" charset="-122"/>
-                <a:ea typeface="等线" panose="02010600030101010101" charset="-122"/>
-                <a:cs typeface="等线" panose="02010600030101010101" charset="-122"/>
-              </a:defRPr>
-            </a:lvl2pPr>
-            <a:lvl3pPr marL="1143000" indent="-228600" eaLnBrk="0" hangingPunct="0">
-              <a:defRPr>
-                <a:solidFill>
-                  <a:schemeClr val="tx1"/>
-                </a:solidFill>
-                <a:latin typeface="等线" panose="02010600030101010101" charset="-122"/>
-                <a:ea typeface="等线" panose="02010600030101010101" charset="-122"/>
-                <a:cs typeface="等线" panose="02010600030101010101" charset="-122"/>
-              </a:defRPr>
-            </a:lvl3pPr>
-            <a:lvl4pPr marL="1600200" indent="-228600" eaLnBrk="0" hangingPunct="0">
-              <a:defRPr>
-                <a:solidFill>
-                  <a:schemeClr val="tx1"/>
-                </a:solidFill>
-                <a:latin typeface="等线" panose="02010600030101010101" charset="-122"/>
-                <a:ea typeface="等线" panose="02010600030101010101" charset="-122"/>
-                <a:cs typeface="等线" panose="02010600030101010101" charset="-122"/>
-              </a:defRPr>
-            </a:lvl4pPr>
-            <a:lvl5pPr marL="2057400" indent="-228600" eaLnBrk="0" hangingPunct="0">
-              <a:defRPr>
-                <a:solidFill>
-                  <a:schemeClr val="tx1"/>
-                </a:solidFill>
-                <a:latin typeface="等线" panose="02010600030101010101" charset="-122"/>
-                <a:ea typeface="等线" panose="02010600030101010101" charset="-122"/>
-                <a:cs typeface="等线" panose="02010600030101010101" charset="-122"/>
-              </a:defRPr>
-            </a:lvl5pPr>
-            <a:lvl6pPr marL="2514600" indent="-228600" eaLnBrk="0" fontAlgn="base" hangingPunct="0">
-              <a:spcBef>
-                <a:spcPct val="0"/>
-              </a:spcBef>
-              <a:spcAft>
-                <a:spcPct val="0"/>
-              </a:spcAft>
-              <a:defRPr>
-                <a:solidFill>
-                  <a:schemeClr val="tx1"/>
-                </a:solidFill>
-                <a:latin typeface="等线" panose="02010600030101010101" charset="-122"/>
-                <a:ea typeface="等线" panose="02010600030101010101" charset="-122"/>
-                <a:cs typeface="等线" panose="02010600030101010101" charset="-122"/>
-              </a:defRPr>
-            </a:lvl6pPr>
-            <a:lvl7pPr marL="2971800" indent="-228600" eaLnBrk="0" fontAlgn="base" hangingPunct="0">
-              <a:spcBef>
-                <a:spcPct val="0"/>
-              </a:spcBef>
-              <a:spcAft>
-                <a:spcPct val="0"/>
-              </a:spcAft>
-              <a:defRPr>
-                <a:solidFill>
-                  <a:schemeClr val="tx1"/>
-                </a:solidFill>
-                <a:latin typeface="等线" panose="02010600030101010101" charset="-122"/>
-                <a:ea typeface="等线" panose="02010600030101010101" charset="-122"/>
-                <a:cs typeface="等线" panose="02010600030101010101" charset="-122"/>
-              </a:defRPr>
-            </a:lvl7pPr>
-            <a:lvl8pPr marL="3429000" indent="-228600" eaLnBrk="0" fontAlgn="base" hangingPunct="0">
-              <a:spcBef>
-                <a:spcPct val="0"/>
-              </a:spcBef>
-              <a:spcAft>
-                <a:spcPct val="0"/>
-              </a:spcAft>
-              <a:defRPr>
-                <a:solidFill>
-                  <a:schemeClr val="tx1"/>
-                </a:solidFill>
-                <a:latin typeface="等线" panose="02010600030101010101" charset="-122"/>
-                <a:ea typeface="等线" panose="02010600030101010101" charset="-122"/>
-                <a:cs typeface="等线" panose="02010600030101010101" charset="-122"/>
-              </a:defRPr>
-            </a:lvl8pPr>
-            <a:lvl9pPr marL="3886200" indent="-228600" eaLnBrk="0" fontAlgn="base" hangingPunct="0">
-              <a:spcBef>
-                <a:spcPct val="0"/>
-              </a:spcBef>
-              <a:spcAft>
-                <a:spcPct val="0"/>
-              </a:spcAft>
-              <a:defRPr>
-                <a:solidFill>
-                  <a:schemeClr val="tx1"/>
-                </a:solidFill>
-                <a:latin typeface="等线" panose="02010600030101010101" charset="-122"/>
-                <a:ea typeface="等线" panose="02010600030101010101" charset="-122"/>
-                <a:cs typeface="等线" panose="02010600030101010101" charset="-122"/>
-              </a:defRPr>
-            </a:lvl9pPr>
-          </a:lstStyle>
-          <a:p>
-            <a:pPr eaLnBrk="1" hangingPunct="1"/>
-            <a:r>
-              <a:rPr lang="en-US" altLang="zh-CN" sz="2400" dirty="0">
-                <a:latin typeface="微软雅黑" panose="020B0503020204020204" pitchFamily="34" charset="-122"/>
-                <a:ea typeface="微软雅黑" panose="020B0503020204020204" pitchFamily="34" charset="-122"/>
-              </a:rPr>
-              <a:t>1</a:t>
-            </a:r>
-            <a:r>
-              <a:rPr lang="zh-CN" altLang="en-US" sz="2400" dirty="0" smtClean="0">
-                <a:latin typeface="微软雅黑" panose="020B0503020204020204" pitchFamily="34" charset="-122"/>
-                <a:ea typeface="微软雅黑" panose="020B0503020204020204" pitchFamily="34" charset="-122"/>
-              </a:rPr>
-              <a:t>、课前回顾</a:t>
-            </a:r>
-            <a:endParaRPr lang="zh-CN" altLang="en-US" sz="2400" dirty="0">
-              <a:latin typeface="微软雅黑" panose="020B0503020204020204" pitchFamily="34" charset="-122"/>
-              <a:ea typeface="微软雅黑" panose="020B0503020204020204" pitchFamily="34" charset="-122"/>
-            </a:endParaRPr>
-          </a:p>
-        </p:txBody>
-      </p:sp>
-      <p:sp>
-        <p:nvSpPr>
-          <p:cNvPr id="13315" name="文本框 5"/>
-          <p:cNvSpPr txBox="1">
-            <a:spLocks noChangeArrowheads="1"/>
-          </p:cNvSpPr>
-          <p:nvPr/>
-        </p:nvSpPr>
-        <p:spPr bwMode="auto">
-          <a:xfrm>
-            <a:off x="4596957" y="2754668"/>
-            <a:ext cx="5416550" cy="460375"/>
-          </a:xfrm>
-          <a:prstGeom prst="rect">
-            <a:avLst/>
-          </a:prstGeom>
-          <a:noFill/>
-          <a:ln>
-            <a:noFill/>
-          </a:ln>
-          <a:extLst>
-            <a:ext uri="{909E8E84-426E-40DD-AFC4-6F175D3DCCD1}">
-              <a14:hiddenFill xmlns:a14="http://schemas.microsoft.com/office/drawing/2010/main">
-                <a:solidFill>
-                  <a:srgbClr val="FFFFFF"/>
-                </a:solidFill>
-              </a14:hiddenFill>
-            </a:ext>
-            <a:ext uri="{91240B29-F687-4F45-9708-019B960494DF}">
-              <a14:hiddenLine xmlns:a14="http://schemas.microsoft.com/office/drawing/2010/main" w="9525">
-                <a:solidFill>
-                  <a:srgbClr val="000000"/>
-                </a:solidFill>
-                <a:miter lim="800000"/>
-                <a:headEnd/>
-                <a:tailEnd/>
-              </a14:hiddenLine>
-            </a:ext>
-          </a:extLst>
-        </p:spPr>
-        <p:txBody>
-          <a:bodyPr>
-            <a:spAutoFit/>
-          </a:bodyPr>
-          <a:lstStyle>
-            <a:lvl1pPr eaLnBrk="0" hangingPunct="0">
-              <a:defRPr>
-                <a:solidFill>
-                  <a:schemeClr val="tx1"/>
-                </a:solidFill>
-                <a:latin typeface="等线" panose="02010600030101010101" charset="-122"/>
-                <a:ea typeface="等线" panose="02010600030101010101" charset="-122"/>
-                <a:cs typeface="等线" panose="02010600030101010101" charset="-122"/>
-              </a:defRPr>
-            </a:lvl1pPr>
-            <a:lvl2pPr marL="742950" indent="-285750" eaLnBrk="0" hangingPunct="0">
-              <a:defRPr>
-                <a:solidFill>
-                  <a:schemeClr val="tx1"/>
-                </a:solidFill>
-                <a:latin typeface="等线" panose="02010600030101010101" charset="-122"/>
-                <a:ea typeface="等线" panose="02010600030101010101" charset="-122"/>
-                <a:cs typeface="等线" panose="02010600030101010101" charset="-122"/>
-              </a:defRPr>
-            </a:lvl2pPr>
-            <a:lvl3pPr marL="1143000" indent="-228600" eaLnBrk="0" hangingPunct="0">
-              <a:defRPr>
-                <a:solidFill>
-                  <a:schemeClr val="tx1"/>
-                </a:solidFill>
-                <a:latin typeface="等线" panose="02010600030101010101" charset="-122"/>
-                <a:ea typeface="等线" panose="02010600030101010101" charset="-122"/>
-                <a:cs typeface="等线" panose="02010600030101010101" charset="-122"/>
-              </a:defRPr>
-            </a:lvl3pPr>
-            <a:lvl4pPr marL="1600200" indent="-228600" eaLnBrk="0" hangingPunct="0">
-              <a:defRPr>
-                <a:solidFill>
-                  <a:schemeClr val="tx1"/>
-                </a:solidFill>
-                <a:latin typeface="等线" panose="02010600030101010101" charset="-122"/>
-                <a:ea typeface="等线" panose="02010600030101010101" charset="-122"/>
-                <a:cs typeface="等线" panose="02010600030101010101" charset="-122"/>
-              </a:defRPr>
-            </a:lvl4pPr>
-            <a:lvl5pPr marL="2057400" indent="-228600" eaLnBrk="0" hangingPunct="0">
-              <a:defRPr>
-                <a:solidFill>
-                  <a:schemeClr val="tx1"/>
-                </a:solidFill>
-                <a:latin typeface="等线" panose="02010600030101010101" charset="-122"/>
-                <a:ea typeface="等线" panose="02010600030101010101" charset="-122"/>
-                <a:cs typeface="等线" panose="02010600030101010101" charset="-122"/>
-              </a:defRPr>
-            </a:lvl5pPr>
-            <a:lvl6pPr marL="2514600" indent="-228600" eaLnBrk="0" fontAlgn="base" hangingPunct="0">
-              <a:spcBef>
-                <a:spcPct val="0"/>
-              </a:spcBef>
-              <a:spcAft>
-                <a:spcPct val="0"/>
-              </a:spcAft>
-              <a:defRPr>
-                <a:solidFill>
-                  <a:schemeClr val="tx1"/>
-                </a:solidFill>
-                <a:latin typeface="等线" panose="02010600030101010101" charset="-122"/>
-                <a:ea typeface="等线" panose="02010600030101010101" charset="-122"/>
-                <a:cs typeface="等线" panose="02010600030101010101" charset="-122"/>
-              </a:defRPr>
-            </a:lvl6pPr>
-            <a:lvl7pPr marL="2971800" indent="-228600" eaLnBrk="0" fontAlgn="base" hangingPunct="0">
-              <a:spcBef>
-                <a:spcPct val="0"/>
-              </a:spcBef>
-              <a:spcAft>
-                <a:spcPct val="0"/>
-              </a:spcAft>
-              <a:defRPr>
-                <a:solidFill>
-                  <a:schemeClr val="tx1"/>
-                </a:solidFill>
-                <a:latin typeface="等线" panose="02010600030101010101" charset="-122"/>
-                <a:ea typeface="等线" panose="02010600030101010101" charset="-122"/>
-                <a:cs typeface="等线" panose="02010600030101010101" charset="-122"/>
-              </a:defRPr>
-            </a:lvl7pPr>
-            <a:lvl8pPr marL="3429000" indent="-228600" eaLnBrk="0" fontAlgn="base" hangingPunct="0">
-              <a:spcBef>
-                <a:spcPct val="0"/>
-              </a:spcBef>
-              <a:spcAft>
-                <a:spcPct val="0"/>
-              </a:spcAft>
-              <a:defRPr>
-                <a:solidFill>
-                  <a:schemeClr val="tx1"/>
-                </a:solidFill>
-                <a:latin typeface="等线" panose="02010600030101010101" charset="-122"/>
-                <a:ea typeface="等线" panose="02010600030101010101" charset="-122"/>
-                <a:cs typeface="等线" panose="02010600030101010101" charset="-122"/>
-              </a:defRPr>
-            </a:lvl8pPr>
-            <a:lvl9pPr marL="3886200" indent="-228600" eaLnBrk="0" fontAlgn="base" hangingPunct="0">
-              <a:spcBef>
-                <a:spcPct val="0"/>
-              </a:spcBef>
-              <a:spcAft>
-                <a:spcPct val="0"/>
-              </a:spcAft>
-              <a:defRPr>
-                <a:solidFill>
-                  <a:schemeClr val="tx1"/>
-                </a:solidFill>
-                <a:latin typeface="等线" panose="02010600030101010101" charset="-122"/>
-                <a:ea typeface="等线" panose="02010600030101010101" charset="-122"/>
-                <a:cs typeface="等线" panose="02010600030101010101" charset="-122"/>
-              </a:defRPr>
-            </a:lvl9pPr>
-          </a:lstStyle>
-          <a:p>
-            <a:pPr eaLnBrk="1" hangingPunct="1"/>
-            <a:r>
-              <a:rPr lang="en-US" altLang="zh-CN" sz="2400" dirty="0">
-                <a:solidFill>
-                  <a:schemeClr val="tx1"/>
-                </a:solidFill>
-                <a:latin typeface="微软雅黑" panose="020B0503020204020204" pitchFamily="34" charset="-122"/>
-                <a:ea typeface="微软雅黑" panose="020B0503020204020204" pitchFamily="34" charset="-122"/>
-              </a:rPr>
-              <a:t>2</a:t>
-            </a:r>
-            <a:r>
-              <a:rPr lang="zh-CN" altLang="en-US" sz="2400" dirty="0" smtClean="0">
-                <a:solidFill>
-                  <a:schemeClr val="tx1"/>
-                </a:solidFill>
-                <a:latin typeface="微软雅黑" panose="020B0503020204020204" pitchFamily="34" charset="-122"/>
-                <a:ea typeface="微软雅黑" panose="020B0503020204020204" pitchFamily="34" charset="-122"/>
-              </a:rPr>
-              <a:t>、理解简单数学运算</a:t>
-            </a:r>
-            <a:endParaRPr lang="zh-CN" altLang="en-US" sz="2400" dirty="0" smtClean="0">
-              <a:solidFill>
-                <a:schemeClr val="tx1"/>
-              </a:solidFill>
-              <a:latin typeface="微软雅黑" panose="020B0503020204020204" pitchFamily="34" charset="-122"/>
-              <a:ea typeface="微软雅黑" panose="020B0503020204020204" pitchFamily="34" charset="-122"/>
-            </a:endParaRPr>
-          </a:p>
-        </p:txBody>
-      </p:sp>
-      <p:sp>
-        <p:nvSpPr>
-          <p:cNvPr id="13316" name="文本框 5"/>
-          <p:cNvSpPr txBox="1">
-            <a:spLocks noChangeArrowheads="1"/>
-          </p:cNvSpPr>
-          <p:nvPr/>
-        </p:nvSpPr>
-        <p:spPr bwMode="auto">
-          <a:xfrm>
-            <a:off x="4596957" y="3610299"/>
-            <a:ext cx="5416550" cy="460375"/>
-          </a:xfrm>
-          <a:prstGeom prst="rect">
-            <a:avLst/>
-          </a:prstGeom>
-          <a:noFill/>
-          <a:ln>
-            <a:noFill/>
-          </a:ln>
-          <a:extLst>
-            <a:ext uri="{909E8E84-426E-40DD-AFC4-6F175D3DCCD1}">
-              <a14:hiddenFill xmlns:a14="http://schemas.microsoft.com/office/drawing/2010/main">
-                <a:solidFill>
-                  <a:srgbClr val="FFFFFF"/>
-                </a:solidFill>
-              </a14:hiddenFill>
-            </a:ext>
-            <a:ext uri="{91240B29-F687-4F45-9708-019B960494DF}">
-              <a14:hiddenLine xmlns:a14="http://schemas.microsoft.com/office/drawing/2010/main" w="9525">
-                <a:solidFill>
-                  <a:srgbClr val="000000"/>
-                </a:solidFill>
-                <a:miter lim="800000"/>
-                <a:headEnd/>
-                <a:tailEnd/>
-              </a14:hiddenLine>
-            </a:ext>
-          </a:extLst>
-        </p:spPr>
-        <p:txBody>
-          <a:bodyPr>
-            <a:spAutoFit/>
-          </a:bodyPr>
-          <a:lstStyle>
-            <a:lvl1pPr eaLnBrk="0" hangingPunct="0">
-              <a:defRPr>
-                <a:solidFill>
-                  <a:schemeClr val="tx1"/>
-                </a:solidFill>
-                <a:latin typeface="等线" panose="02010600030101010101" charset="-122"/>
-                <a:ea typeface="等线" panose="02010600030101010101" charset="-122"/>
-                <a:cs typeface="等线" panose="02010600030101010101" charset="-122"/>
-              </a:defRPr>
-            </a:lvl1pPr>
-            <a:lvl2pPr marL="742950" indent="-285750" eaLnBrk="0" hangingPunct="0">
-              <a:defRPr>
-                <a:solidFill>
-                  <a:schemeClr val="tx1"/>
-                </a:solidFill>
-                <a:latin typeface="等线" panose="02010600030101010101" charset="-122"/>
-                <a:ea typeface="等线" panose="02010600030101010101" charset="-122"/>
-                <a:cs typeface="等线" panose="02010600030101010101" charset="-122"/>
-              </a:defRPr>
-            </a:lvl2pPr>
-            <a:lvl3pPr marL="1143000" indent="-228600" eaLnBrk="0" hangingPunct="0">
-              <a:defRPr>
-                <a:solidFill>
-                  <a:schemeClr val="tx1"/>
-                </a:solidFill>
-                <a:latin typeface="等线" panose="02010600030101010101" charset="-122"/>
-                <a:ea typeface="等线" panose="02010600030101010101" charset="-122"/>
-                <a:cs typeface="等线" panose="02010600030101010101" charset="-122"/>
-              </a:defRPr>
-            </a:lvl3pPr>
-            <a:lvl4pPr marL="1600200" indent="-228600" eaLnBrk="0" hangingPunct="0">
-              <a:defRPr>
-                <a:solidFill>
-                  <a:schemeClr val="tx1"/>
-                </a:solidFill>
-                <a:latin typeface="等线" panose="02010600030101010101" charset="-122"/>
-                <a:ea typeface="等线" panose="02010600030101010101" charset="-122"/>
-                <a:cs typeface="等线" panose="02010600030101010101" charset="-122"/>
-              </a:defRPr>
-            </a:lvl4pPr>
-            <a:lvl5pPr marL="2057400" indent="-228600" eaLnBrk="0" hangingPunct="0">
-              <a:defRPr>
-                <a:solidFill>
-                  <a:schemeClr val="tx1"/>
-                </a:solidFill>
-                <a:latin typeface="等线" panose="02010600030101010101" charset="-122"/>
-                <a:ea typeface="等线" panose="02010600030101010101" charset="-122"/>
-                <a:cs typeface="等线" panose="02010600030101010101" charset="-122"/>
-              </a:defRPr>
-            </a:lvl5pPr>
-            <a:lvl6pPr marL="2514600" indent="-228600" eaLnBrk="0" fontAlgn="base" hangingPunct="0">
-              <a:spcBef>
-                <a:spcPct val="0"/>
-              </a:spcBef>
-              <a:spcAft>
-                <a:spcPct val="0"/>
-              </a:spcAft>
-              <a:defRPr>
-                <a:solidFill>
-                  <a:schemeClr val="tx1"/>
-                </a:solidFill>
-                <a:latin typeface="等线" panose="02010600030101010101" charset="-122"/>
-                <a:ea typeface="等线" panose="02010600030101010101" charset="-122"/>
-                <a:cs typeface="等线" panose="02010600030101010101" charset="-122"/>
-              </a:defRPr>
-            </a:lvl6pPr>
-            <a:lvl7pPr marL="2971800" indent="-228600" eaLnBrk="0" fontAlgn="base" hangingPunct="0">
-              <a:spcBef>
-                <a:spcPct val="0"/>
-              </a:spcBef>
-              <a:spcAft>
-                <a:spcPct val="0"/>
-              </a:spcAft>
-              <a:defRPr>
-                <a:solidFill>
-                  <a:schemeClr val="tx1"/>
-                </a:solidFill>
-                <a:latin typeface="等线" panose="02010600030101010101" charset="-122"/>
-                <a:ea typeface="等线" panose="02010600030101010101" charset="-122"/>
-                <a:cs typeface="等线" panose="02010600030101010101" charset="-122"/>
-              </a:defRPr>
-            </a:lvl7pPr>
-            <a:lvl8pPr marL="3429000" indent="-228600" eaLnBrk="0" fontAlgn="base" hangingPunct="0">
-              <a:spcBef>
-                <a:spcPct val="0"/>
-              </a:spcBef>
-              <a:spcAft>
-                <a:spcPct val="0"/>
-              </a:spcAft>
-              <a:defRPr>
-                <a:solidFill>
-                  <a:schemeClr val="tx1"/>
-                </a:solidFill>
-                <a:latin typeface="等线" panose="02010600030101010101" charset="-122"/>
-                <a:ea typeface="等线" panose="02010600030101010101" charset="-122"/>
-                <a:cs typeface="等线" panose="02010600030101010101" charset="-122"/>
-              </a:defRPr>
-            </a:lvl8pPr>
-            <a:lvl9pPr marL="3886200" indent="-228600" eaLnBrk="0" fontAlgn="base" hangingPunct="0">
-              <a:spcBef>
-                <a:spcPct val="0"/>
-              </a:spcBef>
-              <a:spcAft>
-                <a:spcPct val="0"/>
-              </a:spcAft>
-              <a:defRPr>
-                <a:solidFill>
-                  <a:schemeClr val="tx1"/>
-                </a:solidFill>
-                <a:latin typeface="等线" panose="02010600030101010101" charset="-122"/>
-                <a:ea typeface="等线" panose="02010600030101010101" charset="-122"/>
-                <a:cs typeface="等线" panose="02010600030101010101" charset="-122"/>
-              </a:defRPr>
-            </a:lvl9pPr>
-          </a:lstStyle>
-          <a:p>
-            <a:pPr eaLnBrk="1" hangingPunct="1"/>
-            <a:r>
-              <a:rPr lang="en-US" altLang="zh-CN" sz="2400" dirty="0">
-                <a:solidFill>
-                  <a:schemeClr val="accent4"/>
-                </a:solidFill>
-                <a:latin typeface="微软雅黑" panose="020B0503020204020204" pitchFamily="34" charset="-122"/>
-                <a:ea typeface="微软雅黑" panose="020B0503020204020204" pitchFamily="34" charset="-122"/>
-              </a:rPr>
-              <a:t>3</a:t>
-            </a:r>
-            <a:r>
-              <a:rPr lang="zh-CN" altLang="en-US" sz="2400" dirty="0" smtClean="0">
-                <a:solidFill>
-                  <a:schemeClr val="accent4"/>
-                </a:solidFill>
-                <a:latin typeface="微软雅黑" panose="020B0503020204020204" pitchFamily="34" charset="-122"/>
-                <a:ea typeface="微软雅黑" panose="020B0503020204020204" pitchFamily="34" charset="-122"/>
-              </a:rPr>
-              <a:t>、</a:t>
-            </a:r>
-            <a:r>
-              <a:rPr lang="zh-CN" altLang="en-US" sz="2400" dirty="0" smtClean="0">
-                <a:solidFill>
-                  <a:schemeClr val="accent4"/>
-                </a:solidFill>
-                <a:latin typeface="微软雅黑" panose="020B0503020204020204" pitchFamily="34" charset="-122"/>
-                <a:ea typeface="微软雅黑" panose="020B0503020204020204" pitchFamily="34" charset="-122"/>
-                <a:sym typeface="+mn-ea"/>
-              </a:rPr>
-              <a:t>了解人机对话</a:t>
-            </a:r>
-            <a:endParaRPr lang="zh-CN" altLang="en-US" sz="2400" dirty="0" smtClean="0">
-              <a:solidFill>
-                <a:schemeClr val="accent4"/>
-              </a:solidFill>
-              <a:latin typeface="微软雅黑" panose="020B0503020204020204" pitchFamily="34" charset="-122"/>
-              <a:ea typeface="微软雅黑" panose="020B0503020204020204" pitchFamily="34" charset="-122"/>
-              <a:sym typeface="+mn-ea"/>
-            </a:endParaRPr>
-          </a:p>
-        </p:txBody>
-      </p:sp>
-      <p:sp>
-        <p:nvSpPr>
-          <p:cNvPr id="5" name="文本框 5"/>
-          <p:cNvSpPr txBox="1">
-            <a:spLocks noChangeArrowheads="1"/>
-          </p:cNvSpPr>
-          <p:nvPr/>
-        </p:nvSpPr>
-        <p:spPr bwMode="auto">
-          <a:xfrm>
-            <a:off x="4596957" y="4458459"/>
-            <a:ext cx="5416550" cy="460375"/>
-          </a:xfrm>
-          <a:prstGeom prst="rect">
-            <a:avLst/>
-          </a:prstGeom>
-          <a:noFill/>
-          <a:ln>
-            <a:noFill/>
-          </a:ln>
-          <a:extLst>
-            <a:ext uri="{909E8E84-426E-40DD-AFC4-6F175D3DCCD1}">
-              <a14:hiddenFill xmlns:a14="http://schemas.microsoft.com/office/drawing/2010/main">
-                <a:solidFill>
-                  <a:srgbClr val="FFFFFF"/>
-                </a:solidFill>
-              </a14:hiddenFill>
-            </a:ext>
-            <a:ext uri="{91240B29-F687-4F45-9708-019B960494DF}">
-              <a14:hiddenLine xmlns:a14="http://schemas.microsoft.com/office/drawing/2010/main" w="9525">
-                <a:solidFill>
-                  <a:srgbClr val="000000"/>
-                </a:solidFill>
-                <a:miter lim="800000"/>
-                <a:headEnd/>
-                <a:tailEnd/>
-              </a14:hiddenLine>
-            </a:ext>
-          </a:extLst>
-        </p:spPr>
-        <p:txBody>
-          <a:bodyPr>
-            <a:spAutoFit/>
-          </a:bodyPr>
-          <a:lstStyle>
-            <a:lvl1pPr eaLnBrk="0" hangingPunct="0">
-              <a:defRPr>
-                <a:solidFill>
-                  <a:schemeClr val="tx1"/>
-                </a:solidFill>
-                <a:latin typeface="等线" panose="02010600030101010101" charset="-122"/>
-                <a:ea typeface="等线" panose="02010600030101010101" charset="-122"/>
-                <a:cs typeface="等线" panose="02010600030101010101" charset="-122"/>
-              </a:defRPr>
-            </a:lvl1pPr>
-            <a:lvl2pPr marL="742950" indent="-285750" eaLnBrk="0" hangingPunct="0">
-              <a:defRPr>
-                <a:solidFill>
-                  <a:schemeClr val="tx1"/>
-                </a:solidFill>
-                <a:latin typeface="等线" panose="02010600030101010101" charset="-122"/>
-                <a:ea typeface="等线" panose="02010600030101010101" charset="-122"/>
-                <a:cs typeface="等线" panose="02010600030101010101" charset="-122"/>
-              </a:defRPr>
-            </a:lvl2pPr>
-            <a:lvl3pPr marL="1143000" indent="-228600" eaLnBrk="0" hangingPunct="0">
-              <a:defRPr>
-                <a:solidFill>
-                  <a:schemeClr val="tx1"/>
-                </a:solidFill>
-                <a:latin typeface="等线" panose="02010600030101010101" charset="-122"/>
-                <a:ea typeface="等线" panose="02010600030101010101" charset="-122"/>
-                <a:cs typeface="等线" panose="02010600030101010101" charset="-122"/>
-              </a:defRPr>
-            </a:lvl3pPr>
-            <a:lvl4pPr marL="1600200" indent="-228600" eaLnBrk="0" hangingPunct="0">
-              <a:defRPr>
-                <a:solidFill>
-                  <a:schemeClr val="tx1"/>
-                </a:solidFill>
-                <a:latin typeface="等线" panose="02010600030101010101" charset="-122"/>
-                <a:ea typeface="等线" panose="02010600030101010101" charset="-122"/>
-                <a:cs typeface="等线" panose="02010600030101010101" charset="-122"/>
-              </a:defRPr>
-            </a:lvl4pPr>
-            <a:lvl5pPr marL="2057400" indent="-228600" eaLnBrk="0" hangingPunct="0">
-              <a:defRPr>
-                <a:solidFill>
-                  <a:schemeClr val="tx1"/>
-                </a:solidFill>
-                <a:latin typeface="等线" panose="02010600030101010101" charset="-122"/>
-                <a:ea typeface="等线" panose="02010600030101010101" charset="-122"/>
-                <a:cs typeface="等线" panose="02010600030101010101" charset="-122"/>
-              </a:defRPr>
-            </a:lvl5pPr>
-            <a:lvl6pPr marL="2514600" indent="-228600" eaLnBrk="0" fontAlgn="base" hangingPunct="0">
-              <a:spcBef>
-                <a:spcPct val="0"/>
-              </a:spcBef>
-              <a:spcAft>
-                <a:spcPct val="0"/>
-              </a:spcAft>
-              <a:defRPr>
-                <a:solidFill>
-                  <a:schemeClr val="tx1"/>
-                </a:solidFill>
-                <a:latin typeface="等线" panose="02010600030101010101" charset="-122"/>
-                <a:ea typeface="等线" panose="02010600030101010101" charset="-122"/>
-                <a:cs typeface="等线" panose="02010600030101010101" charset="-122"/>
-              </a:defRPr>
-            </a:lvl6pPr>
-            <a:lvl7pPr marL="2971800" indent="-228600" eaLnBrk="0" fontAlgn="base" hangingPunct="0">
-              <a:spcBef>
-                <a:spcPct val="0"/>
-              </a:spcBef>
-              <a:spcAft>
-                <a:spcPct val="0"/>
-              </a:spcAft>
-              <a:defRPr>
-                <a:solidFill>
-                  <a:schemeClr val="tx1"/>
-                </a:solidFill>
-                <a:latin typeface="等线" panose="02010600030101010101" charset="-122"/>
-                <a:ea typeface="等线" panose="02010600030101010101" charset="-122"/>
-                <a:cs typeface="等线" panose="02010600030101010101" charset="-122"/>
-              </a:defRPr>
-            </a:lvl7pPr>
-            <a:lvl8pPr marL="3429000" indent="-228600" eaLnBrk="0" fontAlgn="base" hangingPunct="0">
-              <a:spcBef>
-                <a:spcPct val="0"/>
-              </a:spcBef>
-              <a:spcAft>
-                <a:spcPct val="0"/>
-              </a:spcAft>
-              <a:defRPr>
-                <a:solidFill>
-                  <a:schemeClr val="tx1"/>
-                </a:solidFill>
-                <a:latin typeface="等线" panose="02010600030101010101" charset="-122"/>
-                <a:ea typeface="等线" panose="02010600030101010101" charset="-122"/>
-                <a:cs typeface="等线" panose="02010600030101010101" charset="-122"/>
-              </a:defRPr>
-            </a:lvl8pPr>
-            <a:lvl9pPr marL="3886200" indent="-228600" eaLnBrk="0" fontAlgn="base" hangingPunct="0">
-              <a:spcBef>
-                <a:spcPct val="0"/>
-              </a:spcBef>
-              <a:spcAft>
-                <a:spcPct val="0"/>
-              </a:spcAft>
-              <a:defRPr>
-                <a:solidFill>
-                  <a:schemeClr val="tx1"/>
-                </a:solidFill>
-                <a:latin typeface="等线" panose="02010600030101010101" charset="-122"/>
-                <a:ea typeface="等线" panose="02010600030101010101" charset="-122"/>
-                <a:cs typeface="等线" panose="02010600030101010101" charset="-122"/>
-              </a:defRPr>
-            </a:lvl9pPr>
-          </a:lstStyle>
-          <a:p>
-            <a:pPr eaLnBrk="1" hangingPunct="1"/>
-            <a:r>
-              <a:rPr lang="en-US" altLang="zh-CN" sz="2400" dirty="0" smtClean="0">
-                <a:solidFill>
-                  <a:prstClr val="black"/>
-                </a:solidFill>
-                <a:latin typeface="微软雅黑" panose="020B0503020204020204" pitchFamily="34" charset="-122"/>
-                <a:ea typeface="微软雅黑" panose="020B0503020204020204" pitchFamily="34" charset="-122"/>
-              </a:rPr>
-              <a:t>4</a:t>
-            </a:r>
-            <a:r>
-              <a:rPr lang="zh-CN" altLang="en-US" sz="2400" dirty="0" smtClean="0">
-                <a:solidFill>
-                  <a:prstClr val="black"/>
-                </a:solidFill>
-                <a:latin typeface="微软雅黑" panose="020B0503020204020204" pitchFamily="34" charset="-122"/>
-                <a:ea typeface="微软雅黑" panose="020B0503020204020204" pitchFamily="34" charset="-122"/>
-              </a:rPr>
-              <a:t>、</a:t>
-            </a:r>
-            <a:r>
-              <a:rPr lang="zh-CN" altLang="en-US" sz="2400" dirty="0" smtClean="0">
-                <a:latin typeface="微软雅黑" panose="020B0503020204020204" pitchFamily="34" charset="-122"/>
-                <a:ea typeface="微软雅黑" panose="020B0503020204020204" pitchFamily="34" charset="-122"/>
-                <a:sym typeface="+mn-ea"/>
-              </a:rPr>
-              <a:t>条件语句</a:t>
-            </a:r>
-            <a:endParaRPr lang="zh-CN" altLang="en-US" sz="2400" dirty="0">
-              <a:solidFill>
-                <a:prstClr val="black"/>
-              </a:solidFill>
-              <a:latin typeface="微软雅黑" panose="020B0503020204020204" pitchFamily="34" charset="-122"/>
-              <a:ea typeface="微软雅黑" panose="020B0503020204020204" pitchFamily="34" charset="-122"/>
-            </a:endParaRPr>
-          </a:p>
-        </p:txBody>
-      </p:sp>
-    </p:spTree>
-  </p:cSld>
-  <p:clrMapOvr>
-    <a:masterClrMapping/>
-  </p:clrMapOvr>
-  <p:timing>
-    <p:tnLst>
-      <p:par>
-        <p:cTn id="1" dur="indefinite" restart="never" nodeType="tmRoot"/>
-      </p:par>
-    </p:tnLst>
-  </p:timing>
-</p:sld>
-</file>
-
-<file path=ppt/slides/slide9.xml><?xml version="1.0" encoding="utf-8"?>
 <p:sld xmlns:a="http://schemas.openxmlformats.org/drawingml/2006/main" xmlns:r="http://schemas.openxmlformats.org/officeDocument/2006/relationships" xmlns:p="http://schemas.openxmlformats.org/presentationml/2006/main">
   <p:cSld>
     <p:bg>
@@ -23553,22 +23430,15 @@
             <a:pPr eaLnBrk="1" hangingPunct="1"/>
             <a:r>
               <a:rPr lang="zh-CN" altLang="en-US" dirty="0" smtClean="0">
-                <a:solidFill>
-                  <a:schemeClr val="tx1"/>
-                </a:solidFill>
                 <a:latin typeface="微软雅黑" panose="020B0503020204020204" pitchFamily="34" charset="-122"/>
                 <a:ea typeface="微软雅黑" panose="020B0503020204020204" pitchFamily="34" charset="-122"/>
                 <a:sym typeface="+mn-ea"/>
               </a:rPr>
-              <a:t>了解人机对话</a:t>
-            </a:r>
-            <a:endParaRPr lang="zh-CN" altLang="en-US" dirty="0" smtClean="0">
-              <a:solidFill>
-                <a:schemeClr val="tx1"/>
-              </a:solidFill>
+              <a:t>理解简单数学运算</a:t>
+            </a:r>
+            <a:endParaRPr lang="zh-CN" altLang="en-US" dirty="0">
               <a:latin typeface="微软雅黑" panose="020B0503020204020204" pitchFamily="34" charset="-122"/>
               <a:ea typeface="微软雅黑" panose="020B0503020204020204" pitchFamily="34" charset="-122"/>
-              <a:sym typeface="+mn-ea"/>
             </a:endParaRPr>
           </a:p>
         </p:txBody>
@@ -23582,7 +23452,7 @@
         <p:spPr>
           <a:xfrm>
             <a:off x="1015009" y="932322"/>
-            <a:ext cx="1744980" cy="460375"/>
+            <a:ext cx="2049780" cy="460375"/>
           </a:xfrm>
           <a:prstGeom prst="rect">
             <a:avLst/>
@@ -23604,7 +23474,7 @@
                 <a:latin typeface="微软雅黑" panose="020B0503020204020204" pitchFamily="34" charset="-122"/>
                 <a:ea typeface="微软雅黑" panose="020B0503020204020204" pitchFamily="34" charset="-122"/>
               </a:rPr>
-              <a:t>数据类型</a:t>
+              <a:t>算术运算符</a:t>
             </a:r>
             <a:endParaRPr lang="zh-CN" altLang="en-US" sz="2400" dirty="0" smtClean="0">
               <a:latin typeface="微软雅黑" panose="020B0503020204020204" pitchFamily="34" charset="-122"/>
@@ -23613,36 +23483,16 @@
           </a:p>
         </p:txBody>
       </p:sp>
-      <p:graphicFrame>
-        <p:nvGraphicFramePr>
-          <p:cNvPr id="6" name="内容占位符 5"/>
-          <p:cNvGraphicFramePr>
-            <a:graphicFrameLocks noGrp="1"/>
-          </p:cNvGraphicFramePr>
-          <p:nvPr>
-            <p:ph idx="1"/>
-          </p:nvPr>
-        </p:nvGraphicFramePr>
-        <p:xfrm>
-          <a:off x="5629910" y="1392555"/>
-          <a:ext cx="5278120" cy="3367405"/>
-        </p:xfrm>
-        <a:graphic>
-          <a:graphicData uri="http://schemas.openxmlformats.org/drawingml/2006/diagram">
-            <dgm:relIds xmlns:dgm="http://schemas.openxmlformats.org/drawingml/2006/diagram" xmlns:r="http://schemas.openxmlformats.org/officeDocument/2006/relationships" r:dm="rId2" r:lo="rId3" r:qs="rId4" r:cs="rId5"/>
-          </a:graphicData>
-        </a:graphic>
-      </p:graphicFrame>
       <p:sp>
         <p:nvSpPr>
-          <p:cNvPr id="4" name="文本框 3"/>
+          <p:cNvPr id="2" name="文本框 1"/>
           <p:cNvSpPr txBox="1"/>
           <p:nvPr/>
         </p:nvSpPr>
         <p:spPr>
           <a:xfrm>
-            <a:off x="1482090" y="2376805"/>
-            <a:ext cx="4709160" cy="1322070"/>
+            <a:off x="1727835" y="1740535"/>
+            <a:ext cx="5964555" cy="460375"/>
           </a:xfrm>
           <a:prstGeom prst="rect">
             <a:avLst/>
@@ -23654,18 +23504,1022 @@
             <a:spAutoFit/>
           </a:bodyPr>
           <a:p>
-            <a:pPr marL="285750" indent="-285750">
-              <a:buFont typeface="Wingdings" panose="05000000000000000000" charset="0"/>
-              <a:buChar char="u"/>
-            </a:pPr>
-            <a:r>
-              <a:rPr lang="zh-CN" altLang="en-US" sz="2000">
-                <a:solidFill>
-                  <a:schemeClr val="tx1"/>
-                </a:solidFill>
+            <a:r>
+              <a:rPr lang="zh-CN" altLang="en-US" sz="2400"/>
+              <a:t>乘法运算：将运算符两边的操作数相乘。</a:t>
+            </a:r>
+            <a:endParaRPr lang="zh-CN" altLang="en-US" sz="2400"/>
+          </a:p>
+        </p:txBody>
+      </p:sp>
+      <p:sp>
+        <p:nvSpPr>
+          <p:cNvPr id="5" name="文本框 4"/>
+          <p:cNvSpPr txBox="1"/>
+          <p:nvPr/>
+        </p:nvSpPr>
+        <p:spPr>
+          <a:xfrm>
+            <a:off x="1853565" y="2338705"/>
+            <a:ext cx="2540000" cy="1476375"/>
+          </a:xfrm>
+          <a:prstGeom prst="rect">
+            <a:avLst/>
+          </a:prstGeom>
+          <a:noFill/>
+        </p:spPr>
+        <p:txBody>
+          <a:bodyPr wrap="square" rtlCol="0" anchor="t">
+            <a:spAutoFit/>
+          </a:bodyPr>
+          <a:p>
+            <a:r>
+              <a:rPr lang="zh-CN" altLang="en-US"/>
+              <a:t>例</a:t>
+            </a:r>
+            <a:r>
+              <a:rPr lang="en-US" altLang="zh-CN"/>
+              <a:t>1</a:t>
+            </a:r>
+            <a:r>
+              <a:rPr lang="zh-CN" altLang="en-US"/>
+              <a:t>：</a:t>
+            </a:r>
+            <a:endParaRPr lang="en-US" altLang="zh-CN"/>
+          </a:p>
+          <a:p>
+            <a:r>
+              <a:rPr lang="en-US" altLang="zh-CN"/>
+              <a:t>a = 4</a:t>
+            </a:r>
+            <a:endParaRPr lang="en-US" altLang="zh-CN"/>
+          </a:p>
+          <a:p>
+            <a:r>
+              <a:rPr lang="en-US" altLang="zh-CN"/>
+              <a:t>b=5</a:t>
+            </a:r>
+            <a:endParaRPr lang="zh-CN" altLang="en-US"/>
+          </a:p>
+          <a:p>
+            <a:r>
+              <a:rPr lang="en-US" altLang="zh-CN"/>
+              <a:t>c=</a:t>
+            </a:r>
+            <a:r>
+              <a:rPr lang="zh-CN" altLang="en-US"/>
+              <a:t>a </a:t>
+            </a:r>
+            <a:r>
+              <a:rPr lang="en-US" altLang="zh-CN"/>
+              <a:t>*</a:t>
+            </a:r>
+            <a:r>
+              <a:rPr lang="zh-CN" altLang="en-US"/>
+              <a:t> b</a:t>
+            </a:r>
+            <a:endParaRPr lang="zh-CN" altLang="en-US"/>
+          </a:p>
+          <a:p>
+            <a:r>
+              <a:rPr lang="en-US" altLang="zh-CN"/>
+              <a:t>print(c)</a:t>
+            </a:r>
+            <a:r>
+              <a:rPr lang="zh-CN" altLang="en-US"/>
+              <a:t> </a:t>
+            </a:r>
+            <a:endParaRPr lang="zh-CN" altLang="en-US"/>
+          </a:p>
+        </p:txBody>
+      </p:sp>
+      <p:sp>
+        <p:nvSpPr>
+          <p:cNvPr id="8" name="文本框 7"/>
+          <p:cNvSpPr txBox="1"/>
+          <p:nvPr/>
+        </p:nvSpPr>
+        <p:spPr>
+          <a:xfrm>
+            <a:off x="1732915" y="3863975"/>
+            <a:ext cx="7821295" cy="460375"/>
+          </a:xfrm>
+          <a:prstGeom prst="rect">
+            <a:avLst/>
+          </a:prstGeom>
+          <a:noFill/>
+        </p:spPr>
+        <p:txBody>
+          <a:bodyPr wrap="square" rtlCol="0" anchor="t">
+            <a:spAutoFit/>
+          </a:bodyPr>
+          <a:p>
+            <a:r>
+              <a:rPr lang="zh-CN" altLang="en-US" sz="2400"/>
+              <a:t>除法运算：用右操作数除左操作数。</a:t>
+            </a:r>
+            <a:endParaRPr lang="zh-CN" altLang="en-US" sz="2400"/>
+          </a:p>
+        </p:txBody>
+      </p:sp>
+      <p:sp>
+        <p:nvSpPr>
+          <p:cNvPr id="13" name="文本框 12"/>
+          <p:cNvSpPr txBox="1"/>
+          <p:nvPr/>
+        </p:nvSpPr>
+        <p:spPr>
+          <a:xfrm>
+            <a:off x="1847850" y="4504055"/>
+            <a:ext cx="2540000" cy="1476375"/>
+          </a:xfrm>
+          <a:prstGeom prst="rect">
+            <a:avLst/>
+          </a:prstGeom>
+          <a:noFill/>
+        </p:spPr>
+        <p:txBody>
+          <a:bodyPr wrap="square" rtlCol="0" anchor="t">
+            <a:spAutoFit/>
+          </a:bodyPr>
+          <a:p>
+            <a:r>
+              <a:rPr lang="zh-CN" altLang="en-US"/>
+              <a:t>例</a:t>
+            </a:r>
+            <a:r>
+              <a:rPr lang="en-US" altLang="zh-CN"/>
+              <a:t>2</a:t>
+            </a:r>
+            <a:r>
+              <a:rPr lang="zh-CN" altLang="en-US"/>
+              <a:t>：</a:t>
+            </a:r>
+            <a:endParaRPr lang="en-US" altLang="zh-CN"/>
+          </a:p>
+          <a:p>
+            <a:r>
+              <a:rPr lang="en-US" altLang="zh-CN"/>
+              <a:t>a = 20</a:t>
+            </a:r>
+            <a:endParaRPr lang="en-US" altLang="zh-CN"/>
+          </a:p>
+          <a:p>
+            <a:r>
+              <a:rPr lang="en-US" altLang="zh-CN"/>
+              <a:t>b =4</a:t>
+            </a:r>
+            <a:endParaRPr lang="zh-CN" altLang="en-US"/>
+          </a:p>
+          <a:p>
+            <a:r>
+              <a:rPr lang="en-US" altLang="zh-CN"/>
+              <a:t>c=</a:t>
+            </a:r>
+            <a:r>
+              <a:rPr lang="zh-CN" altLang="en-US"/>
+              <a:t>a </a:t>
+            </a:r>
+            <a:r>
+              <a:rPr lang="en-US" altLang="zh-CN"/>
+              <a:t>/</a:t>
+            </a:r>
+            <a:r>
+              <a:rPr lang="zh-CN" altLang="en-US"/>
+              <a:t> b</a:t>
+            </a:r>
+            <a:endParaRPr lang="zh-CN" altLang="en-US"/>
+          </a:p>
+          <a:p>
+            <a:r>
+              <a:rPr lang="en-US" altLang="zh-CN">
                 <a:sym typeface="+mn-ea"/>
               </a:rPr>
-              <a:t>str—— 字符串</a:t>
+              <a:t>print(c)</a:t>
+            </a:r>
+            <a:r>
+              <a:rPr lang="zh-CN" altLang="en-US">
+                <a:sym typeface="+mn-ea"/>
+              </a:rPr>
+              <a:t> </a:t>
+            </a:r>
+            <a:r>
+              <a:rPr lang="zh-CN" altLang="en-US"/>
+              <a:t> </a:t>
+            </a:r>
+            <a:endParaRPr lang="zh-CN" altLang="en-US"/>
+          </a:p>
+        </p:txBody>
+      </p:sp>
+    </p:spTree>
+  </p:cSld>
+  <p:clrMapOvr>
+    <a:masterClrMapping/>
+  </p:clrMapOvr>
+  <p:timing>
+    <p:tnLst>
+      <p:par>
+        <p:cTn id="1" dur="indefinite" restart="never" nodeType="tmRoot"/>
+      </p:par>
+    </p:tnLst>
+  </p:timing>
+</p:sld>
+</file>
+
+<file path=ppt/slides/slide8.xml><?xml version="1.0" encoding="utf-8"?>
+<p:sld xmlns:a="http://schemas.openxmlformats.org/drawingml/2006/main" xmlns:r="http://schemas.openxmlformats.org/officeDocument/2006/relationships" xmlns:p="http://schemas.openxmlformats.org/presentationml/2006/main">
+  <p:cSld>
+    <p:bg>
+      <p:bgPr>
+        <a:blipFill dpi="0" rotWithShape="0">
+          <a:blip r:embed="rId1"/>
+          <a:srcRect/>
+          <a:stretch>
+            <a:fillRect/>
+          </a:stretch>
+        </a:blipFill>
+        <a:effectLst/>
+      </p:bgPr>
+    </p:bg>
+    <p:spTree>
+      <p:nvGrpSpPr>
+        <p:cNvPr id="1" name=""/>
+        <p:cNvGrpSpPr/>
+        <p:nvPr/>
+      </p:nvGrpSpPr>
+      <p:grpSpPr>
+        <a:xfrm>
+          <a:off x="0" y="0"/>
+          <a:ext cx="0" cy="0"/>
+          <a:chOff x="0" y="0"/>
+          <a:chExt cx="0" cy="0"/>
+        </a:xfrm>
+      </p:grpSpPr>
+      <p:sp>
+        <p:nvSpPr>
+          <p:cNvPr id="16386" name="文本框 3"/>
+          <p:cNvSpPr txBox="1">
+            <a:spLocks noChangeArrowheads="1"/>
+          </p:cNvSpPr>
+          <p:nvPr/>
+        </p:nvSpPr>
+        <p:spPr bwMode="auto">
+          <a:xfrm>
+            <a:off x="887413" y="419100"/>
+            <a:ext cx="3729037" cy="368300"/>
+          </a:xfrm>
+          <a:prstGeom prst="rect">
+            <a:avLst/>
+          </a:prstGeom>
+          <a:noFill/>
+          <a:ln>
+            <a:noFill/>
+          </a:ln>
+          <a:extLst>
+            <a:ext uri="{909E8E84-426E-40DD-AFC4-6F175D3DCCD1}">
+              <a14:hiddenFill xmlns:a14="http://schemas.microsoft.com/office/drawing/2010/main">
+                <a:solidFill>
+                  <a:srgbClr val="FFFFFF"/>
+                </a:solidFill>
+              </a14:hiddenFill>
+            </a:ext>
+            <a:ext uri="{91240B29-F687-4F45-9708-019B960494DF}">
+              <a14:hiddenLine xmlns:a14="http://schemas.microsoft.com/office/drawing/2010/main" w="9525">
+                <a:solidFill>
+                  <a:srgbClr val="000000"/>
+                </a:solidFill>
+                <a:miter lim="800000"/>
+                <a:headEnd/>
+                <a:tailEnd/>
+              </a14:hiddenLine>
+            </a:ext>
+          </a:extLst>
+        </p:spPr>
+        <p:txBody>
+          <a:bodyPr>
+            <a:spAutoFit/>
+          </a:bodyPr>
+          <a:lstStyle>
+            <a:lvl1pPr eaLnBrk="0" hangingPunct="0">
+              <a:defRPr>
+                <a:solidFill>
+                  <a:schemeClr val="tx1"/>
+                </a:solidFill>
+                <a:latin typeface="等线" panose="02010600030101010101" charset="-122"/>
+                <a:ea typeface="等线" panose="02010600030101010101" charset="-122"/>
+                <a:cs typeface="等线" panose="02010600030101010101" charset="-122"/>
+              </a:defRPr>
+            </a:lvl1pPr>
+            <a:lvl2pPr marL="742950" indent="-285750" eaLnBrk="0" hangingPunct="0">
+              <a:defRPr>
+                <a:solidFill>
+                  <a:schemeClr val="tx1"/>
+                </a:solidFill>
+                <a:latin typeface="等线" panose="02010600030101010101" charset="-122"/>
+                <a:ea typeface="等线" panose="02010600030101010101" charset="-122"/>
+                <a:cs typeface="等线" panose="02010600030101010101" charset="-122"/>
+              </a:defRPr>
+            </a:lvl2pPr>
+            <a:lvl3pPr marL="1143000" indent="-228600" eaLnBrk="0" hangingPunct="0">
+              <a:defRPr>
+                <a:solidFill>
+                  <a:schemeClr val="tx1"/>
+                </a:solidFill>
+                <a:latin typeface="等线" panose="02010600030101010101" charset="-122"/>
+                <a:ea typeface="等线" panose="02010600030101010101" charset="-122"/>
+                <a:cs typeface="等线" panose="02010600030101010101" charset="-122"/>
+              </a:defRPr>
+            </a:lvl3pPr>
+            <a:lvl4pPr marL="1600200" indent="-228600" eaLnBrk="0" hangingPunct="0">
+              <a:defRPr>
+                <a:solidFill>
+                  <a:schemeClr val="tx1"/>
+                </a:solidFill>
+                <a:latin typeface="等线" panose="02010600030101010101" charset="-122"/>
+                <a:ea typeface="等线" panose="02010600030101010101" charset="-122"/>
+                <a:cs typeface="等线" panose="02010600030101010101" charset="-122"/>
+              </a:defRPr>
+            </a:lvl4pPr>
+            <a:lvl5pPr marL="2057400" indent="-228600" eaLnBrk="0" hangingPunct="0">
+              <a:defRPr>
+                <a:solidFill>
+                  <a:schemeClr val="tx1"/>
+                </a:solidFill>
+                <a:latin typeface="等线" panose="02010600030101010101" charset="-122"/>
+                <a:ea typeface="等线" panose="02010600030101010101" charset="-122"/>
+                <a:cs typeface="等线" panose="02010600030101010101" charset="-122"/>
+              </a:defRPr>
+            </a:lvl5pPr>
+            <a:lvl6pPr marL="2514600" indent="-228600" eaLnBrk="0" fontAlgn="base" hangingPunct="0">
+              <a:spcBef>
+                <a:spcPct val="0"/>
+              </a:spcBef>
+              <a:spcAft>
+                <a:spcPct val="0"/>
+              </a:spcAft>
+              <a:defRPr>
+                <a:solidFill>
+                  <a:schemeClr val="tx1"/>
+                </a:solidFill>
+                <a:latin typeface="等线" panose="02010600030101010101" charset="-122"/>
+                <a:ea typeface="等线" panose="02010600030101010101" charset="-122"/>
+                <a:cs typeface="等线" panose="02010600030101010101" charset="-122"/>
+              </a:defRPr>
+            </a:lvl6pPr>
+            <a:lvl7pPr marL="2971800" indent="-228600" eaLnBrk="0" fontAlgn="base" hangingPunct="0">
+              <a:spcBef>
+                <a:spcPct val="0"/>
+              </a:spcBef>
+              <a:spcAft>
+                <a:spcPct val="0"/>
+              </a:spcAft>
+              <a:defRPr>
+                <a:solidFill>
+                  <a:schemeClr val="tx1"/>
+                </a:solidFill>
+                <a:latin typeface="等线" panose="02010600030101010101" charset="-122"/>
+                <a:ea typeface="等线" panose="02010600030101010101" charset="-122"/>
+                <a:cs typeface="等线" panose="02010600030101010101" charset="-122"/>
+              </a:defRPr>
+            </a:lvl7pPr>
+            <a:lvl8pPr marL="3429000" indent="-228600" eaLnBrk="0" fontAlgn="base" hangingPunct="0">
+              <a:spcBef>
+                <a:spcPct val="0"/>
+              </a:spcBef>
+              <a:spcAft>
+                <a:spcPct val="0"/>
+              </a:spcAft>
+              <a:defRPr>
+                <a:solidFill>
+                  <a:schemeClr val="tx1"/>
+                </a:solidFill>
+                <a:latin typeface="等线" panose="02010600030101010101" charset="-122"/>
+                <a:ea typeface="等线" panose="02010600030101010101" charset="-122"/>
+                <a:cs typeface="等线" panose="02010600030101010101" charset="-122"/>
+              </a:defRPr>
+            </a:lvl8pPr>
+            <a:lvl9pPr marL="3886200" indent="-228600" eaLnBrk="0" fontAlgn="base" hangingPunct="0">
+              <a:spcBef>
+                <a:spcPct val="0"/>
+              </a:spcBef>
+              <a:spcAft>
+                <a:spcPct val="0"/>
+              </a:spcAft>
+              <a:defRPr>
+                <a:solidFill>
+                  <a:schemeClr val="tx1"/>
+                </a:solidFill>
+                <a:latin typeface="等线" panose="02010600030101010101" charset="-122"/>
+                <a:ea typeface="等线" panose="02010600030101010101" charset="-122"/>
+                <a:cs typeface="等线" panose="02010600030101010101" charset="-122"/>
+              </a:defRPr>
+            </a:lvl9pPr>
+          </a:lstStyle>
+          <a:p>
+            <a:pPr eaLnBrk="1" hangingPunct="1"/>
+            <a:r>
+              <a:rPr lang="zh-CN" altLang="en-US" dirty="0" smtClean="0">
+                <a:latin typeface="微软雅黑" panose="020B0503020204020204" pitchFamily="34" charset="-122"/>
+                <a:ea typeface="微软雅黑" panose="020B0503020204020204" pitchFamily="34" charset="-122"/>
+                <a:sym typeface="+mn-ea"/>
+              </a:rPr>
+              <a:t>理解简单数学运算</a:t>
+            </a:r>
+            <a:endParaRPr lang="zh-CN" altLang="en-US" dirty="0">
+              <a:latin typeface="微软雅黑" panose="020B0503020204020204" pitchFamily="34" charset="-122"/>
+              <a:ea typeface="微软雅黑" panose="020B0503020204020204" pitchFamily="34" charset="-122"/>
+            </a:endParaRPr>
+          </a:p>
+        </p:txBody>
+      </p:sp>
+      <p:sp>
+        <p:nvSpPr>
+          <p:cNvPr id="3" name="TextBox 2"/>
+          <p:cNvSpPr txBox="1"/>
+          <p:nvPr/>
+        </p:nvSpPr>
+        <p:spPr>
+          <a:xfrm>
+            <a:off x="1015009" y="932322"/>
+            <a:ext cx="2049780" cy="460375"/>
+          </a:xfrm>
+          <a:prstGeom prst="rect">
+            <a:avLst/>
+          </a:prstGeom>
+          <a:noFill/>
+        </p:spPr>
+        <p:txBody>
+          <a:bodyPr wrap="none" rtlCol="0">
+            <a:spAutoFit/>
+          </a:bodyPr>
+          <a:lstStyle/>
+          <a:p>
+            <a:pPr marL="342900" indent="-342900" algn="l">
+              <a:buFont typeface="Wingdings" panose="05000000000000000000" charset="0"/>
+              <a:buChar char="Ø"/>
+            </a:pPr>
+            <a:r>
+              <a:rPr lang="zh-CN" altLang="en-US" sz="2400" dirty="0" smtClean="0">
+                <a:latin typeface="微软雅黑" panose="020B0503020204020204" pitchFamily="34" charset="-122"/>
+                <a:ea typeface="微软雅黑" panose="020B0503020204020204" pitchFamily="34" charset="-122"/>
+              </a:rPr>
+              <a:t>算术运算符</a:t>
+            </a:r>
+            <a:endParaRPr lang="zh-CN" altLang="en-US" sz="2400" dirty="0" smtClean="0">
+              <a:latin typeface="微软雅黑" panose="020B0503020204020204" pitchFamily="34" charset="-122"/>
+              <a:ea typeface="微软雅黑" panose="020B0503020204020204" pitchFamily="34" charset="-122"/>
+            </a:endParaRPr>
+          </a:p>
+        </p:txBody>
+      </p:sp>
+      <p:sp>
+        <p:nvSpPr>
+          <p:cNvPr id="2" name="文本框 1"/>
+          <p:cNvSpPr txBox="1"/>
+          <p:nvPr/>
+        </p:nvSpPr>
+        <p:spPr>
+          <a:xfrm>
+            <a:off x="1727835" y="1740535"/>
+            <a:ext cx="5964555" cy="460375"/>
+          </a:xfrm>
+          <a:prstGeom prst="rect">
+            <a:avLst/>
+          </a:prstGeom>
+          <a:noFill/>
+        </p:spPr>
+        <p:txBody>
+          <a:bodyPr wrap="square" rtlCol="0" anchor="t">
+            <a:spAutoFit/>
+          </a:bodyPr>
+          <a:p>
+            <a:r>
+              <a:rPr lang="zh-CN" altLang="en-US" sz="2400"/>
+              <a:t>乘法运算：将运算符两边的操作数相乘。</a:t>
+            </a:r>
+            <a:endParaRPr lang="zh-CN" altLang="en-US" sz="2400"/>
+          </a:p>
+        </p:txBody>
+      </p:sp>
+      <p:sp>
+        <p:nvSpPr>
+          <p:cNvPr id="5" name="文本框 4"/>
+          <p:cNvSpPr txBox="1"/>
+          <p:nvPr/>
+        </p:nvSpPr>
+        <p:spPr>
+          <a:xfrm>
+            <a:off x="1853565" y="2338705"/>
+            <a:ext cx="2540000" cy="1476375"/>
+          </a:xfrm>
+          <a:prstGeom prst="rect">
+            <a:avLst/>
+          </a:prstGeom>
+          <a:noFill/>
+        </p:spPr>
+        <p:txBody>
+          <a:bodyPr wrap="square" rtlCol="0" anchor="t">
+            <a:spAutoFit/>
+          </a:bodyPr>
+          <a:p>
+            <a:r>
+              <a:rPr lang="zh-CN" altLang="en-US"/>
+              <a:t>例</a:t>
+            </a:r>
+            <a:r>
+              <a:rPr lang="en-US" altLang="zh-CN"/>
+              <a:t>1</a:t>
+            </a:r>
+            <a:r>
+              <a:rPr lang="zh-CN" altLang="en-US"/>
+              <a:t>：</a:t>
+            </a:r>
+            <a:endParaRPr lang="en-US" altLang="zh-CN"/>
+          </a:p>
+          <a:p>
+            <a:r>
+              <a:rPr lang="en-US" altLang="zh-CN"/>
+              <a:t>a = 4</a:t>
+            </a:r>
+            <a:endParaRPr lang="en-US" altLang="zh-CN"/>
+          </a:p>
+          <a:p>
+            <a:r>
+              <a:rPr lang="en-US" altLang="zh-CN"/>
+              <a:t>b=5</a:t>
+            </a:r>
+            <a:endParaRPr lang="zh-CN" altLang="en-US"/>
+          </a:p>
+          <a:p>
+            <a:r>
+              <a:rPr lang="en-US" altLang="zh-CN"/>
+              <a:t>c=</a:t>
+            </a:r>
+            <a:r>
+              <a:rPr lang="zh-CN" altLang="en-US"/>
+              <a:t>a </a:t>
+            </a:r>
+            <a:r>
+              <a:rPr lang="en-US" altLang="zh-CN"/>
+              <a:t>*</a:t>
+            </a:r>
+            <a:r>
+              <a:rPr lang="zh-CN" altLang="en-US"/>
+              <a:t> b</a:t>
+            </a:r>
+            <a:endParaRPr lang="zh-CN" altLang="en-US"/>
+          </a:p>
+          <a:p>
+            <a:r>
+              <a:rPr lang="en-US" altLang="zh-CN"/>
+              <a:t>print(c)</a:t>
+            </a:r>
+            <a:r>
+              <a:rPr lang="zh-CN" altLang="en-US"/>
+              <a:t> </a:t>
+            </a:r>
+            <a:endParaRPr lang="zh-CN" altLang="en-US"/>
+          </a:p>
+        </p:txBody>
+      </p:sp>
+      <p:sp>
+        <p:nvSpPr>
+          <p:cNvPr id="8" name="文本框 7"/>
+          <p:cNvSpPr txBox="1"/>
+          <p:nvPr/>
+        </p:nvSpPr>
+        <p:spPr>
+          <a:xfrm>
+            <a:off x="1732915" y="3863975"/>
+            <a:ext cx="7821295" cy="460375"/>
+          </a:xfrm>
+          <a:prstGeom prst="rect">
+            <a:avLst/>
+          </a:prstGeom>
+          <a:noFill/>
+        </p:spPr>
+        <p:txBody>
+          <a:bodyPr wrap="square" rtlCol="0" anchor="t">
+            <a:spAutoFit/>
+          </a:bodyPr>
+          <a:p>
+            <a:r>
+              <a:rPr lang="zh-CN" altLang="en-US" sz="2400"/>
+              <a:t>除法运算：用右操作数除左操作数。</a:t>
+            </a:r>
+            <a:endParaRPr lang="zh-CN" altLang="en-US" sz="2400"/>
+          </a:p>
+        </p:txBody>
+      </p:sp>
+      <p:sp>
+        <p:nvSpPr>
+          <p:cNvPr id="13" name="文本框 12"/>
+          <p:cNvSpPr txBox="1"/>
+          <p:nvPr/>
+        </p:nvSpPr>
+        <p:spPr>
+          <a:xfrm>
+            <a:off x="1847850" y="4504055"/>
+            <a:ext cx="2540000" cy="1476375"/>
+          </a:xfrm>
+          <a:prstGeom prst="rect">
+            <a:avLst/>
+          </a:prstGeom>
+          <a:noFill/>
+        </p:spPr>
+        <p:txBody>
+          <a:bodyPr wrap="square" rtlCol="0" anchor="t">
+            <a:spAutoFit/>
+          </a:bodyPr>
+          <a:p>
+            <a:r>
+              <a:rPr lang="zh-CN" altLang="en-US"/>
+              <a:t>例</a:t>
+            </a:r>
+            <a:r>
+              <a:rPr lang="en-US" altLang="zh-CN"/>
+              <a:t>2</a:t>
+            </a:r>
+            <a:r>
+              <a:rPr lang="zh-CN" altLang="en-US"/>
+              <a:t>：</a:t>
+            </a:r>
+            <a:endParaRPr lang="en-US" altLang="zh-CN"/>
+          </a:p>
+          <a:p>
+            <a:r>
+              <a:rPr lang="en-US" altLang="zh-CN"/>
+              <a:t>a = 20</a:t>
+            </a:r>
+            <a:endParaRPr lang="en-US" altLang="zh-CN"/>
+          </a:p>
+          <a:p>
+            <a:r>
+              <a:rPr lang="en-US" altLang="zh-CN"/>
+              <a:t>b =4</a:t>
+            </a:r>
+            <a:endParaRPr lang="zh-CN" altLang="en-US"/>
+          </a:p>
+          <a:p>
+            <a:r>
+              <a:rPr lang="en-US" altLang="zh-CN"/>
+              <a:t>c=</a:t>
+            </a:r>
+            <a:r>
+              <a:rPr lang="zh-CN" altLang="en-US"/>
+              <a:t>a </a:t>
+            </a:r>
+            <a:r>
+              <a:rPr lang="en-US" altLang="zh-CN"/>
+              <a:t>/</a:t>
+            </a:r>
+            <a:r>
+              <a:rPr lang="zh-CN" altLang="en-US"/>
+              <a:t> b</a:t>
+            </a:r>
+            <a:endParaRPr lang="zh-CN" altLang="en-US"/>
+          </a:p>
+          <a:p>
+            <a:r>
+              <a:rPr lang="en-US" altLang="zh-CN">
+                <a:sym typeface="+mn-ea"/>
+              </a:rPr>
+              <a:t>print(c)</a:t>
+            </a:r>
+            <a:r>
+              <a:rPr lang="zh-CN" altLang="en-US">
+                <a:sym typeface="+mn-ea"/>
+              </a:rPr>
+              <a:t> </a:t>
+            </a:r>
+            <a:r>
+              <a:rPr lang="zh-CN" altLang="en-US"/>
+              <a:t> </a:t>
+            </a:r>
+            <a:endParaRPr lang="zh-CN" altLang="en-US"/>
+          </a:p>
+        </p:txBody>
+      </p:sp>
+    </p:spTree>
+  </p:cSld>
+  <p:clrMapOvr>
+    <a:masterClrMapping/>
+  </p:clrMapOvr>
+  <p:timing>
+    <p:tnLst>
+      <p:par>
+        <p:cTn id="1" dur="indefinite" restart="never" nodeType="tmRoot"/>
+      </p:par>
+    </p:tnLst>
+  </p:timing>
+</p:sld>
+</file>
+
+<file path=ppt/slides/slide9.xml><?xml version="1.0" encoding="utf-8"?>
+<p:sld xmlns:a="http://schemas.openxmlformats.org/drawingml/2006/main" xmlns:r="http://schemas.openxmlformats.org/officeDocument/2006/relationships" xmlns:p="http://schemas.openxmlformats.org/presentationml/2006/main">
+  <p:cSld>
+    <p:spTree>
+      <p:nvGrpSpPr>
+        <p:cNvPr id="1" name=""/>
+        <p:cNvGrpSpPr/>
+        <p:nvPr/>
+      </p:nvGrpSpPr>
+      <p:grpSpPr>
+        <a:xfrm>
+          <a:off x="0" y="0"/>
+          <a:ext cx="0" cy="0"/>
+          <a:chOff x="0" y="0"/>
+          <a:chExt cx="0" cy="0"/>
+        </a:xfrm>
+      </p:grpSpPr>
+      <p:sp>
+        <p:nvSpPr>
+          <p:cNvPr id="4" name="文本框 3"/>
+          <p:cNvSpPr txBox="1">
+            <a:spLocks noChangeArrowheads="1"/>
+          </p:cNvSpPr>
+          <p:nvPr/>
+        </p:nvSpPr>
+        <p:spPr bwMode="auto">
+          <a:xfrm>
+            <a:off x="887413" y="419100"/>
+            <a:ext cx="3729037" cy="1198880"/>
+          </a:xfrm>
+          <a:prstGeom prst="rect">
+            <a:avLst/>
+          </a:prstGeom>
+          <a:noFill/>
+          <a:ln>
+            <a:noFill/>
+          </a:ln>
+          <a:extLst>
+            <a:ext uri="{909E8E84-426E-40DD-AFC4-6F175D3DCCD1}">
+              <a14:hiddenFill xmlns:a14="http://schemas.microsoft.com/office/drawing/2010/main">
+                <a:solidFill>
+                  <a:srgbClr val="FFFFFF"/>
+                </a:solidFill>
+              </a14:hiddenFill>
+            </a:ext>
+            <a:ext uri="{91240B29-F687-4F45-9708-019B960494DF}">
+              <a14:hiddenLine xmlns:a14="http://schemas.microsoft.com/office/drawing/2010/main" w="9525">
+                <a:solidFill>
+                  <a:srgbClr val="000000"/>
+                </a:solidFill>
+                <a:miter lim="800000"/>
+                <a:headEnd/>
+                <a:tailEnd/>
+              </a14:hiddenLine>
+            </a:ext>
+          </a:extLst>
+        </p:spPr>
+        <p:txBody>
+          <a:bodyPr>
+            <a:spAutoFit/>
+          </a:bodyPr>
+          <a:lstStyle>
+            <a:lvl1pPr eaLnBrk="0" hangingPunct="0">
+              <a:defRPr>
+                <a:solidFill>
+                  <a:schemeClr val="tx1"/>
+                </a:solidFill>
+                <a:latin typeface="等线" panose="02010600030101010101" charset="-122"/>
+                <a:ea typeface="等线" panose="02010600030101010101" charset="-122"/>
+                <a:cs typeface="等线" panose="02010600030101010101" charset="-122"/>
+              </a:defRPr>
+            </a:lvl1pPr>
+            <a:lvl2pPr marL="742950" indent="-285750" eaLnBrk="0" hangingPunct="0">
+              <a:defRPr>
+                <a:solidFill>
+                  <a:schemeClr val="tx1"/>
+                </a:solidFill>
+                <a:latin typeface="等线" panose="02010600030101010101" charset="-122"/>
+                <a:ea typeface="等线" panose="02010600030101010101" charset="-122"/>
+                <a:cs typeface="等线" panose="02010600030101010101" charset="-122"/>
+              </a:defRPr>
+            </a:lvl2pPr>
+            <a:lvl3pPr marL="1143000" indent="-228600" eaLnBrk="0" hangingPunct="0">
+              <a:defRPr>
+                <a:solidFill>
+                  <a:schemeClr val="tx1"/>
+                </a:solidFill>
+                <a:latin typeface="等线" panose="02010600030101010101" charset="-122"/>
+                <a:ea typeface="等线" panose="02010600030101010101" charset="-122"/>
+                <a:cs typeface="等线" panose="02010600030101010101" charset="-122"/>
+              </a:defRPr>
+            </a:lvl3pPr>
+            <a:lvl4pPr marL="1600200" indent="-228600" eaLnBrk="0" hangingPunct="0">
+              <a:defRPr>
+                <a:solidFill>
+                  <a:schemeClr val="tx1"/>
+                </a:solidFill>
+                <a:latin typeface="等线" panose="02010600030101010101" charset="-122"/>
+                <a:ea typeface="等线" panose="02010600030101010101" charset="-122"/>
+                <a:cs typeface="等线" panose="02010600030101010101" charset="-122"/>
+              </a:defRPr>
+            </a:lvl4pPr>
+            <a:lvl5pPr marL="2057400" indent="-228600" eaLnBrk="0" hangingPunct="0">
+              <a:defRPr>
+                <a:solidFill>
+                  <a:schemeClr val="tx1"/>
+                </a:solidFill>
+                <a:latin typeface="等线" panose="02010600030101010101" charset="-122"/>
+                <a:ea typeface="等线" panose="02010600030101010101" charset="-122"/>
+                <a:cs typeface="等线" panose="02010600030101010101" charset="-122"/>
+              </a:defRPr>
+            </a:lvl5pPr>
+            <a:lvl6pPr marL="2514600" indent="-228600" eaLnBrk="0" fontAlgn="base" hangingPunct="0">
+              <a:spcBef>
+                <a:spcPct val="0"/>
+              </a:spcBef>
+              <a:spcAft>
+                <a:spcPct val="0"/>
+              </a:spcAft>
+              <a:defRPr>
+                <a:solidFill>
+                  <a:schemeClr val="tx1"/>
+                </a:solidFill>
+                <a:latin typeface="等线" panose="02010600030101010101" charset="-122"/>
+                <a:ea typeface="等线" panose="02010600030101010101" charset="-122"/>
+                <a:cs typeface="等线" panose="02010600030101010101" charset="-122"/>
+              </a:defRPr>
+            </a:lvl6pPr>
+            <a:lvl7pPr marL="2971800" indent="-228600" eaLnBrk="0" fontAlgn="base" hangingPunct="0">
+              <a:spcBef>
+                <a:spcPct val="0"/>
+              </a:spcBef>
+              <a:spcAft>
+                <a:spcPct val="0"/>
+              </a:spcAft>
+              <a:defRPr>
+                <a:solidFill>
+                  <a:schemeClr val="tx1"/>
+                </a:solidFill>
+                <a:latin typeface="等线" panose="02010600030101010101" charset="-122"/>
+                <a:ea typeface="等线" panose="02010600030101010101" charset="-122"/>
+                <a:cs typeface="等线" panose="02010600030101010101" charset="-122"/>
+              </a:defRPr>
+            </a:lvl7pPr>
+            <a:lvl8pPr marL="3429000" indent="-228600" eaLnBrk="0" fontAlgn="base" hangingPunct="0">
+              <a:spcBef>
+                <a:spcPct val="0"/>
+              </a:spcBef>
+              <a:spcAft>
+                <a:spcPct val="0"/>
+              </a:spcAft>
+              <a:defRPr>
+                <a:solidFill>
+                  <a:schemeClr val="tx1"/>
+                </a:solidFill>
+                <a:latin typeface="等线" panose="02010600030101010101" charset="-122"/>
+                <a:ea typeface="等线" panose="02010600030101010101" charset="-122"/>
+                <a:cs typeface="等线" panose="02010600030101010101" charset="-122"/>
+              </a:defRPr>
+            </a:lvl8pPr>
+            <a:lvl9pPr marL="3886200" indent="-228600" eaLnBrk="0" fontAlgn="base" hangingPunct="0">
+              <a:spcBef>
+                <a:spcPct val="0"/>
+              </a:spcBef>
+              <a:spcAft>
+                <a:spcPct val="0"/>
+              </a:spcAft>
+              <a:defRPr>
+                <a:solidFill>
+                  <a:schemeClr val="tx1"/>
+                </a:solidFill>
+                <a:latin typeface="等线" panose="02010600030101010101" charset="-122"/>
+                <a:ea typeface="等线" panose="02010600030101010101" charset="-122"/>
+                <a:cs typeface="等线" panose="02010600030101010101" charset="-122"/>
+              </a:defRPr>
+            </a:lvl9pPr>
+          </a:lstStyle>
+          <a:p>
+            <a:pPr eaLnBrk="1" hangingPunct="1"/>
+            <a:r>
+              <a:rPr lang="zh-CN" altLang="en-US" dirty="0" smtClean="0">
+                <a:latin typeface="微软雅黑" panose="020B0503020204020204" pitchFamily="34" charset="-122"/>
+                <a:ea typeface="微软雅黑" panose="020B0503020204020204" pitchFamily="34" charset="-122"/>
+                <a:sym typeface="+mn-ea"/>
+              </a:rPr>
+              <a:t>理解简单数学运算</a:t>
+            </a:r>
+            <a:endParaRPr lang="zh-CN" altLang="en-US" dirty="0">
+              <a:latin typeface="微软雅黑" panose="020B0503020204020204" pitchFamily="34" charset="-122"/>
+              <a:ea typeface="微软雅黑" panose="020B0503020204020204" pitchFamily="34" charset="-122"/>
+            </a:endParaRPr>
+          </a:p>
+          <a:p>
+            <a:pPr eaLnBrk="1" hangingPunct="1"/>
+            <a:endParaRPr lang="zh-CN" altLang="en-US" dirty="0" smtClean="0">
+              <a:solidFill>
+                <a:schemeClr val="tx1"/>
+              </a:solidFill>
+              <a:latin typeface="微软雅黑" panose="020B0503020204020204" pitchFamily="34" charset="-122"/>
+              <a:ea typeface="微软雅黑" panose="020B0503020204020204" pitchFamily="34" charset="-122"/>
+            </a:endParaRPr>
+          </a:p>
+          <a:p>
+            <a:pPr eaLnBrk="1" hangingPunct="1"/>
+            <a:endParaRPr lang="zh-CN" altLang="en-US">
+              <a:latin typeface="微软雅黑" panose="020B0503020204020204" pitchFamily="34" charset="-122"/>
+              <a:ea typeface="微软雅黑" panose="020B0503020204020204" pitchFamily="34" charset="-122"/>
+            </a:endParaRPr>
+          </a:p>
+          <a:p>
+            <a:pPr eaLnBrk="1" hangingPunct="1"/>
+            <a:endParaRPr lang="zh-CN" altLang="en-US">
+              <a:latin typeface="微软雅黑" panose="020B0503020204020204" pitchFamily="34" charset="-122"/>
+              <a:ea typeface="微软雅黑" panose="020B0503020204020204" pitchFamily="34" charset="-122"/>
+            </a:endParaRPr>
+          </a:p>
+        </p:txBody>
+      </p:sp>
+      <p:pic>
+        <p:nvPicPr>
+          <p:cNvPr id="17411" name="Picture 3" descr="C:\Users\Bob\Desktop\图片素材\8258a2e7ef69f732cb3090123406204.png"/>
+          <p:cNvPicPr>
+            <a:picLocks noChangeAspect="1" noChangeArrowheads="1"/>
+          </p:cNvPicPr>
+          <p:nvPr/>
+        </p:nvPicPr>
+        <p:blipFill>
+          <a:blip r:embed="rId1">
+            <a:extLst>
+              <a:ext uri="{28A0092B-C50C-407E-A947-70E740481C1C}">
+                <a14:useLocalDpi xmlns:a14="http://schemas.microsoft.com/office/drawing/2010/main" val="0"/>
+              </a:ext>
+            </a:extLst>
+          </a:blip>
+          <a:srcRect/>
+          <a:stretch>
+            <a:fillRect/>
+          </a:stretch>
+        </p:blipFill>
+        <p:spPr bwMode="auto">
+          <a:xfrm>
+            <a:off x="800418" y="1660525"/>
+            <a:ext cx="2039937" cy="2916238"/>
+          </a:xfrm>
+          <a:prstGeom prst="rect">
+            <a:avLst/>
+          </a:prstGeom>
+          <a:noFill/>
+          <a:ln>
+            <a:noFill/>
+          </a:ln>
+          <a:extLst>
+            <a:ext uri="{909E8E84-426E-40DD-AFC4-6F175D3DCCD1}">
+              <a14:hiddenFill xmlns:a14="http://schemas.microsoft.com/office/drawing/2010/main">
+                <a:solidFill>
+                  <a:srgbClr val="FFFFFF"/>
+                </a:solidFill>
+              </a14:hiddenFill>
+            </a:ext>
+            <a:ext uri="{91240B29-F687-4F45-9708-019B960494DF}">
+              <a14:hiddenLine xmlns:a14="http://schemas.microsoft.com/office/drawing/2010/main" w="9525">
+                <a:solidFill>
+                  <a:srgbClr val="000000"/>
+                </a:solidFill>
+                <a:miter lim="800000"/>
+                <a:headEnd/>
+                <a:tailEnd/>
+              </a14:hiddenLine>
+            </a:ext>
+          </a:extLst>
+        </p:spPr>
+      </p:pic>
+      <p:sp>
+        <p:nvSpPr>
+          <p:cNvPr id="3" name="文本框 2"/>
+          <p:cNvSpPr txBox="1"/>
+          <p:nvPr/>
+        </p:nvSpPr>
+        <p:spPr>
+          <a:xfrm>
+            <a:off x="4006215" y="1403350"/>
+            <a:ext cx="6824980" cy="1938020"/>
+          </a:xfrm>
+          <a:prstGeom prst="rect">
+            <a:avLst/>
+          </a:prstGeom>
+          <a:noFill/>
+        </p:spPr>
+        <p:txBody>
+          <a:bodyPr wrap="square" rtlCol="0" anchor="t">
+            <a:spAutoFit/>
+          </a:bodyPr>
+          <a:p>
+            <a:pPr>
+              <a:lnSpc>
+                <a:spcPct val="150000"/>
+              </a:lnSpc>
+            </a:pPr>
+            <a:r>
+              <a:rPr lang="zh-CN" altLang="en-US" sz="2000">
+                <a:solidFill>
+                  <a:schemeClr val="tx1"/>
+                </a:solidFill>
+              </a:rPr>
+              <a:t>**需求**</a:t>
             </a:r>
             <a:endParaRPr lang="zh-CN" altLang="en-US" sz="2000">
               <a:solidFill>
@@ -23674,18 +24528,20 @@
             </a:endParaRPr>
           </a:p>
           <a:p>
-            <a:pPr marL="285750" indent="-285750">
-              <a:buFont typeface="Wingdings" panose="05000000000000000000" charset="0"/>
-              <a:buChar char="u"/>
+            <a:pPr marL="342900" indent="-342900">
+              <a:lnSpc>
+                <a:spcPct val="150000"/>
+              </a:lnSpc>
+              <a:buFont typeface="Arial" panose="020B0604020202020204" pitchFamily="34" charset="0"/>
+              <a:buChar char="•"/>
             </a:pPr>
             <a:r>
               <a:rPr lang="zh-CN" altLang="en-US" sz="2000">
                 <a:solidFill>
                   <a:schemeClr val="tx1"/>
                 </a:solidFill>
-                <a:sym typeface="+mn-ea"/>
               </a:rPr>
-              <a:t>bool —— 布尔（真True，假False）</a:t>
+              <a:t> 苹果的价格是 8 元/斤</a:t>
             </a:r>
             <a:endParaRPr lang="zh-CN" altLang="en-US" sz="2000">
               <a:solidFill>
@@ -23694,18 +24550,20 @@
             </a:endParaRPr>
           </a:p>
           <a:p>
-            <a:pPr marL="285750" indent="-285750">
-              <a:buFont typeface="Wingdings" panose="05000000000000000000" charset="0"/>
-              <a:buChar char="u"/>
+            <a:pPr marL="342900" indent="-342900">
+              <a:lnSpc>
+                <a:spcPct val="150000"/>
+              </a:lnSpc>
+              <a:buFont typeface="Arial" panose="020B0604020202020204" pitchFamily="34" charset="0"/>
+              <a:buChar char="•"/>
             </a:pPr>
             <a:r>
               <a:rPr lang="zh-CN" altLang="en-US" sz="2000">
                 <a:solidFill>
                   <a:schemeClr val="tx1"/>
                 </a:solidFill>
-                <a:sym typeface="+mn-ea"/>
               </a:rPr>
-              <a:t>int—— 整数</a:t>
+              <a:t> 买了 7斤苹果</a:t>
             </a:r>
             <a:endParaRPr lang="zh-CN" altLang="en-US" sz="2000">
               <a:solidFill>
@@ -23714,25 +24572,113 @@
             </a:endParaRPr>
           </a:p>
           <a:p>
-            <a:pPr marL="285750" indent="-285750">
-              <a:buFont typeface="Wingdings" panose="05000000000000000000" charset="0"/>
-              <a:buChar char="u"/>
+            <a:pPr marL="342900" indent="-342900">
+              <a:lnSpc>
+                <a:spcPct val="150000"/>
+              </a:lnSpc>
+              <a:buFont typeface="Arial" panose="020B0604020202020204" pitchFamily="34" charset="0"/>
+              <a:buChar char="•"/>
             </a:pPr>
             <a:r>
               <a:rPr lang="zh-CN" altLang="en-US" sz="2000">
                 <a:solidFill>
                   <a:schemeClr val="tx1"/>
                 </a:solidFill>
-                <a:sym typeface="+mn-ea"/>
               </a:rPr>
-              <a:t>float—— 浮点数（小数）</a:t>
+              <a:t> 计算付款金额</a:t>
             </a:r>
             <a:endParaRPr lang="zh-CN" altLang="en-US" sz="2000">
               <a:solidFill>
                 <a:schemeClr val="tx1"/>
               </a:solidFill>
-              <a:sym typeface="+mn-ea"/>
             </a:endParaRPr>
+          </a:p>
+        </p:txBody>
+      </p:sp>
+      <p:sp>
+        <p:nvSpPr>
+          <p:cNvPr id="6" name="文本框 5"/>
+          <p:cNvSpPr txBox="1"/>
+          <p:nvPr/>
+        </p:nvSpPr>
+        <p:spPr>
+          <a:xfrm>
+            <a:off x="4439285" y="3637280"/>
+            <a:ext cx="4133215" cy="2030095"/>
+          </a:xfrm>
+          <a:prstGeom prst="rect">
+            <a:avLst/>
+          </a:prstGeom>
+          <a:noFill/>
+        </p:spPr>
+        <p:txBody>
+          <a:bodyPr wrap="square" rtlCol="0" anchor="t">
+            <a:spAutoFit/>
+          </a:bodyPr>
+          <a:p>
+            <a:pPr marL="0" indent="0">
+              <a:buFont typeface="Wingdings" panose="05000000000000000000" charset="0"/>
+              <a:buNone/>
+            </a:pPr>
+            <a:r>
+              <a:rPr lang="zh-CN" altLang="en-US">
+                <a:solidFill>
+                  <a:srgbClr val="FF0000"/>
+                </a:solidFill>
+              </a:rPr>
+              <a:t># 定义苹果价格变量</a:t>
+            </a:r>
+            <a:endParaRPr lang="zh-CN" altLang="en-US"/>
+          </a:p>
+          <a:p>
+            <a:r>
+              <a:rPr lang="zh-CN" altLang="en-US"/>
+              <a:t>price = 8</a:t>
+            </a:r>
+            <a:endParaRPr lang="zh-CN" altLang="en-US"/>
+          </a:p>
+          <a:p>
+            <a:r>
+              <a:rPr lang="zh-CN" altLang="en-US">
+                <a:solidFill>
+                  <a:srgbClr val="FF0000"/>
+                </a:solidFill>
+              </a:rPr>
+              <a:t># 定义购买重量</a:t>
+            </a:r>
+            <a:endParaRPr lang="zh-CN" altLang="en-US"/>
+          </a:p>
+          <a:p>
+            <a:r>
+              <a:rPr lang="zh-CN" altLang="en-US"/>
+              <a:t>weight = 7</a:t>
+            </a:r>
+            <a:endParaRPr lang="zh-CN" altLang="en-US"/>
+          </a:p>
+          <a:p>
+            <a:r>
+              <a:rPr lang="zh-CN" altLang="en-US">
+                <a:solidFill>
+                  <a:srgbClr val="FF0000"/>
+                </a:solidFill>
+              </a:rPr>
+              <a:t># 计算金额</a:t>
+            </a:r>
+            <a:endParaRPr lang="zh-CN" altLang="en-US"/>
+          </a:p>
+          <a:p>
+            <a:r>
+              <a:rPr lang="zh-CN" altLang="en-US"/>
+              <a:t>money = price * weight</a:t>
+            </a:r>
+            <a:endParaRPr lang="zh-CN" altLang="en-US"/>
+          </a:p>
+          <a:p>
+            <a:r>
+              <a:rPr lang="zh-CN" altLang="en-US"/>
+              <a:t>print(money)</a:t>
+            </a:r>
+            <a:endParaRPr lang="zh-CN" altLang="en-US"/>
           </a:p>
         </p:txBody>
       </p:sp>

--- a/第2节课/01ppt/P1-2第二节.pptx
+++ b/第2节课/01ppt/P1-2第二节.pptx
@@ -17,18 +17,21 @@
     <p:sldId id="431" r:id="rId12"/>
     <p:sldId id="432" r:id="rId13"/>
     <p:sldId id="433" r:id="rId14"/>
-    <p:sldId id="435" r:id="rId15"/>
-    <p:sldId id="436" r:id="rId16"/>
-    <p:sldId id="437" r:id="rId17"/>
-    <p:sldId id="438" r:id="rId18"/>
-    <p:sldId id="439" r:id="rId19"/>
-    <p:sldId id="440" r:id="rId20"/>
-    <p:sldId id="441" r:id="rId21"/>
-    <p:sldId id="442" r:id="rId22"/>
-    <p:sldId id="443" r:id="rId23"/>
-    <p:sldId id="444" r:id="rId24"/>
-    <p:sldId id="446" r:id="rId25"/>
-    <p:sldId id="260" r:id="rId26"/>
+    <p:sldId id="466" r:id="rId15"/>
+    <p:sldId id="435" r:id="rId16"/>
+    <p:sldId id="467" r:id="rId17"/>
+    <p:sldId id="436" r:id="rId18"/>
+    <p:sldId id="437" r:id="rId19"/>
+    <p:sldId id="438" r:id="rId20"/>
+    <p:sldId id="468" r:id="rId21"/>
+    <p:sldId id="439" r:id="rId22"/>
+    <p:sldId id="440" r:id="rId23"/>
+    <p:sldId id="441" r:id="rId24"/>
+    <p:sldId id="442" r:id="rId25"/>
+    <p:sldId id="443" r:id="rId26"/>
+    <p:sldId id="444" r:id="rId27"/>
+    <p:sldId id="446" r:id="rId28"/>
+    <p:sldId id="260" r:id="rId29"/>
   </p:sldIdLst>
   <p:sldSz cx="12192000" cy="6858000"/>
   <p:notesSz cx="6858000" cy="9144000"/>
@@ -14580,14 +14583,14 @@
       </p:sp>
       <p:sp>
         <p:nvSpPr>
-          <p:cNvPr id="7" name="文本框 6"/>
+          <p:cNvPr id="5" name="文本框 4"/>
           <p:cNvSpPr txBox="1"/>
           <p:nvPr/>
         </p:nvSpPr>
         <p:spPr>
           <a:xfrm>
-            <a:off x="1449705" y="1734185"/>
-            <a:ext cx="5326380" cy="1938020"/>
+            <a:off x="1555115" y="1935480"/>
+            <a:ext cx="6798310" cy="2861310"/>
           </a:xfrm>
           <a:prstGeom prst="rect">
             <a:avLst/>
@@ -14595,420 +14598,90 @@
           <a:noFill/>
         </p:spPr>
         <p:txBody>
-          <a:bodyPr wrap="square" rtlCol="0" anchor="t">
+          <a:bodyPr wrap="square" rtlCol="0">
             <a:spAutoFit/>
           </a:bodyPr>
           <a:p>
-            <a:pPr marL="0" indent="0">
-              <a:lnSpc>
-                <a:spcPct val="150000"/>
-              </a:lnSpc>
-              <a:buFont typeface="Wingdings" panose="05000000000000000000" charset="0"/>
-              <a:buNone/>
-            </a:pPr>
-            <a:r>
-              <a:rPr lang="zh-CN" altLang="en-US" sz="2000">
-                <a:solidFill>
-                  <a:schemeClr val="tx1"/>
-                </a:solidFill>
-                <a:effectLst>
-                  <a:outerShdw blurRad="38100" dist="25400" dir="5400000" algn="ctr" rotWithShape="0">
-                    <a:srgbClr val="6E747A">
-                      <a:alpha val="43000"/>
-                    </a:srgbClr>
-                  </a:outerShdw>
-                </a:effectLst>
-                <a:latin typeface="微软雅黑" panose="020B0503020204020204" pitchFamily="34" charset="-122"/>
-                <a:ea typeface="微软雅黑" panose="020B0503020204020204" pitchFamily="34" charset="-122"/>
-                <a:cs typeface="微软雅黑" panose="020B0503020204020204" pitchFamily="34" charset="-122"/>
-                <a:sym typeface="+mn-ea"/>
+            <a:r>
+              <a:rPr lang="zh-CN" altLang="en-US">
+                <a:solidFill>
+                  <a:srgbClr val="FF0000"/>
+                </a:solidFill>
               </a:rPr>
-              <a:t>类型转换函数：</a:t>
-            </a:r>
-            <a:endParaRPr lang="zh-CN" altLang="en-US" sz="2000">
-              <a:solidFill>
-                <a:schemeClr val="tx1"/>
-              </a:solidFill>
-              <a:effectLst>
-                <a:outerShdw blurRad="38100" dist="25400" dir="5400000" algn="ctr" rotWithShape="0">
-                  <a:srgbClr val="6E747A">
-                    <a:alpha val="43000"/>
-                  </a:srgbClr>
-                </a:outerShdw>
-              </a:effectLst>
-              <a:latin typeface="微软雅黑" panose="020B0503020204020204" pitchFamily="34" charset="-122"/>
-              <a:ea typeface="微软雅黑" panose="020B0503020204020204" pitchFamily="34" charset="-122"/>
-              <a:cs typeface="微软雅黑" panose="020B0503020204020204" pitchFamily="34" charset="-122"/>
-              <a:sym typeface="+mn-ea"/>
-            </a:endParaRPr>
-          </a:p>
-          <a:p>
-            <a:pPr marL="285750" indent="-285750">
-              <a:lnSpc>
-                <a:spcPct val="150000"/>
-              </a:lnSpc>
-              <a:buFont typeface="Arial" panose="020B0604020202020204" pitchFamily="34" charset="0"/>
-              <a:buChar char="•"/>
-            </a:pPr>
-            <a:r>
-              <a:rPr lang="zh-CN" altLang="en-US" sz="2000">
-                <a:solidFill>
-                  <a:schemeClr val="tx1"/>
-                </a:solidFill>
-                <a:effectLst>
-                  <a:outerShdw blurRad="38100" dist="25400" dir="5400000" algn="ctr" rotWithShape="0">
-                    <a:srgbClr val="6E747A">
-                      <a:alpha val="43000"/>
-                    </a:srgbClr>
-                  </a:outerShdw>
-                </a:effectLst>
-                <a:latin typeface="微软雅黑" panose="020B0503020204020204" pitchFamily="34" charset="-122"/>
-                <a:ea typeface="微软雅黑" panose="020B0503020204020204" pitchFamily="34" charset="-122"/>
-                <a:cs typeface="微软雅黑" panose="020B0503020204020204" pitchFamily="34" charset="-122"/>
-                <a:sym typeface="+mn-ea"/>
+              <a:t>例</a:t>
+            </a:r>
+            <a:r>
+              <a:rPr lang="en-US" altLang="zh-CN">
+                <a:solidFill>
+                  <a:srgbClr val="FF0000"/>
+                </a:solidFill>
               </a:rPr>
-              <a:t>int(x)  将 x 转换为一个整数 </a:t>
-            </a:r>
-            <a:endParaRPr lang="zh-CN" altLang="en-US" sz="2000">
-              <a:solidFill>
-                <a:schemeClr val="tx1"/>
-              </a:solidFill>
-              <a:effectLst>
-                <a:outerShdw blurRad="38100" dist="25400" dir="5400000" algn="ctr" rotWithShape="0">
-                  <a:srgbClr val="6E747A">
-                    <a:alpha val="43000"/>
-                  </a:srgbClr>
-                </a:outerShdw>
-              </a:effectLst>
-              <a:latin typeface="微软雅黑" panose="020B0503020204020204" pitchFamily="34" charset="-122"/>
-              <a:ea typeface="微软雅黑" panose="020B0503020204020204" pitchFamily="34" charset="-122"/>
-              <a:cs typeface="微软雅黑" panose="020B0503020204020204" pitchFamily="34" charset="-122"/>
-              <a:sym typeface="+mn-ea"/>
-            </a:endParaRPr>
-          </a:p>
-          <a:p>
-            <a:pPr marL="285750" indent="-285750">
-              <a:lnSpc>
-                <a:spcPct val="150000"/>
-              </a:lnSpc>
-              <a:buFont typeface="Arial" panose="020B0604020202020204" pitchFamily="34" charset="0"/>
-              <a:buChar char="•"/>
-            </a:pPr>
-            <a:r>
-              <a:rPr lang="zh-CN" altLang="en-US" sz="2000">
-                <a:solidFill>
-                  <a:schemeClr val="tx1"/>
-                </a:solidFill>
-                <a:effectLst>
-                  <a:outerShdw blurRad="38100" dist="25400" dir="5400000" algn="ctr" rotWithShape="0">
-                    <a:srgbClr val="6E747A">
-                      <a:alpha val="43000"/>
-                    </a:srgbClr>
-                  </a:outerShdw>
-                </a:effectLst>
-                <a:latin typeface="微软雅黑" panose="020B0503020204020204" pitchFamily="34" charset="-122"/>
-                <a:ea typeface="微软雅黑" panose="020B0503020204020204" pitchFamily="34" charset="-122"/>
-                <a:cs typeface="微软雅黑" panose="020B0503020204020204" pitchFamily="34" charset="-122"/>
-                <a:sym typeface="+mn-ea"/>
-              </a:rPr>
-              <a:t>float(x) 将 x 转换为一个浮点数</a:t>
-            </a:r>
-            <a:r>
-              <a:rPr lang="zh-CN" altLang="en-US" sz="2000">
-                <a:solidFill>
-                  <a:srgbClr val="0070C0"/>
-                </a:solidFill>
-                <a:effectLst>
-                  <a:outerShdw blurRad="38100" dist="25400" dir="5400000" algn="ctr" rotWithShape="0">
-                    <a:srgbClr val="6E747A">
-                      <a:alpha val="43000"/>
-                    </a:srgbClr>
-                  </a:outerShdw>
-                </a:effectLst>
-                <a:latin typeface="微软雅黑" panose="020B0503020204020204" pitchFamily="34" charset="-122"/>
-                <a:ea typeface="微软雅黑" panose="020B0503020204020204" pitchFamily="34" charset="-122"/>
-                <a:cs typeface="微软雅黑" panose="020B0503020204020204" pitchFamily="34" charset="-122"/>
-                <a:sym typeface="+mn-ea"/>
-              </a:rPr>
-              <a:t> </a:t>
-            </a:r>
-            <a:endParaRPr lang="zh-CN" altLang="en-US" sz="2000">
-              <a:solidFill>
-                <a:srgbClr val="0070C0"/>
-              </a:solidFill>
-              <a:effectLst>
-                <a:outerShdw blurRad="38100" dist="25400" dir="5400000" algn="ctr" rotWithShape="0">
-                  <a:srgbClr val="6E747A">
-                    <a:alpha val="43000"/>
-                  </a:srgbClr>
-                </a:outerShdw>
-              </a:effectLst>
-              <a:latin typeface="微软雅黑" panose="020B0503020204020204" pitchFamily="34" charset="-122"/>
-              <a:ea typeface="微软雅黑" panose="020B0503020204020204" pitchFamily="34" charset="-122"/>
-              <a:cs typeface="微软雅黑" panose="020B0503020204020204" pitchFamily="34" charset="-122"/>
-              <a:sym typeface="+mn-ea"/>
-            </a:endParaRPr>
-          </a:p>
-          <a:p>
-            <a:pPr marL="285750" indent="-285750">
-              <a:lnSpc>
-                <a:spcPct val="150000"/>
-              </a:lnSpc>
-              <a:buFont typeface="Arial" panose="020B0604020202020204" pitchFamily="34" charset="0"/>
-              <a:buChar char="•"/>
-            </a:pPr>
-            <a:r>
-              <a:rPr lang="en-US" altLang="zh-CN" sz="2000">
-                <a:effectLst>
-                  <a:outerShdw blurRad="38100" dist="25400" dir="5400000" algn="ctr" rotWithShape="0">
-                    <a:srgbClr val="6E747A">
-                      <a:alpha val="43000"/>
-                    </a:srgbClr>
-                  </a:outerShdw>
-                </a:effectLst>
-                <a:latin typeface="微软雅黑" panose="020B0503020204020204" pitchFamily="34" charset="-122"/>
-                <a:ea typeface="微软雅黑" panose="020B0503020204020204" pitchFamily="34" charset="-122"/>
-                <a:cs typeface="微软雅黑" panose="020B0503020204020204" pitchFamily="34" charset="-122"/>
-                <a:sym typeface="+mn-ea"/>
-              </a:rPr>
-              <a:t>str</a:t>
-            </a:r>
-            <a:r>
-              <a:rPr lang="zh-CN" altLang="en-US" sz="2000">
-                <a:effectLst>
-                  <a:outerShdw blurRad="38100" dist="25400" dir="5400000" algn="ctr" rotWithShape="0">
-                    <a:srgbClr val="6E747A">
-                      <a:alpha val="43000"/>
-                    </a:srgbClr>
-                  </a:outerShdw>
-                </a:effectLst>
-                <a:latin typeface="微软雅黑" panose="020B0503020204020204" pitchFamily="34" charset="-122"/>
-                <a:ea typeface="微软雅黑" panose="020B0503020204020204" pitchFamily="34" charset="-122"/>
-                <a:cs typeface="微软雅黑" panose="020B0503020204020204" pitchFamily="34" charset="-122"/>
-                <a:sym typeface="+mn-ea"/>
-              </a:rPr>
-              <a:t>(x) 将 x 转换为一个字符串</a:t>
-            </a:r>
-            <a:r>
-              <a:rPr lang="zh-CN" altLang="en-US" sz="2000">
-                <a:solidFill>
-                  <a:srgbClr val="0070C0"/>
-                </a:solidFill>
-                <a:effectLst>
-                  <a:outerShdw blurRad="38100" dist="25400" dir="5400000" algn="ctr" rotWithShape="0">
-                    <a:srgbClr val="6E747A">
-                      <a:alpha val="43000"/>
-                    </a:srgbClr>
-                  </a:outerShdw>
-                </a:effectLst>
-                <a:latin typeface="微软雅黑" panose="020B0503020204020204" pitchFamily="34" charset="-122"/>
-                <a:ea typeface="微软雅黑" panose="020B0503020204020204" pitchFamily="34" charset="-122"/>
-                <a:cs typeface="微软雅黑" panose="020B0503020204020204" pitchFamily="34" charset="-122"/>
-                <a:sym typeface="+mn-ea"/>
-              </a:rPr>
-              <a:t> </a:t>
-            </a:r>
-            <a:endParaRPr lang="zh-CN" altLang="en-US">
-              <a:solidFill>
-                <a:srgbClr val="0070C0"/>
-              </a:solidFill>
-              <a:effectLst>
-                <a:outerShdw blurRad="38100" dist="25400" dir="5400000" algn="ctr" rotWithShape="0">
-                  <a:srgbClr val="6E747A">
-                    <a:alpha val="43000"/>
-                  </a:srgbClr>
-                </a:outerShdw>
-              </a:effectLst>
-              <a:latin typeface="微软雅黑" panose="020B0503020204020204" pitchFamily="34" charset="-122"/>
-              <a:ea typeface="微软雅黑" panose="020B0503020204020204" pitchFamily="34" charset="-122"/>
-              <a:cs typeface="微软雅黑" panose="020B0503020204020204" pitchFamily="34" charset="-122"/>
-              <a:sym typeface="+mn-ea"/>
-            </a:endParaRPr>
-          </a:p>
-        </p:txBody>
-      </p:sp>
-      <p:sp>
-        <p:nvSpPr>
-          <p:cNvPr id="2" name="文本框 1"/>
-          <p:cNvSpPr txBox="1"/>
-          <p:nvPr/>
-        </p:nvSpPr>
-        <p:spPr>
-          <a:xfrm>
-            <a:off x="1551305" y="3943350"/>
-            <a:ext cx="5326380" cy="1753235"/>
-          </a:xfrm>
-          <a:prstGeom prst="rect">
-            <a:avLst/>
-          </a:prstGeom>
-          <a:noFill/>
-        </p:spPr>
-        <p:txBody>
-          <a:bodyPr wrap="square" rtlCol="0" anchor="t">
-            <a:spAutoFit/>
-          </a:bodyPr>
-          <a:p>
-            <a:pPr marL="0" indent="0">
-              <a:lnSpc>
-                <a:spcPct val="150000"/>
-              </a:lnSpc>
-              <a:buFont typeface="Wingdings" panose="05000000000000000000" charset="0"/>
-              <a:buNone/>
-            </a:pPr>
-            <a:r>
-              <a:rPr lang="en-US" altLang="zh-CN">
-                <a:solidFill>
-                  <a:srgbClr val="0070C0"/>
-                </a:solidFill>
-                <a:effectLst>
-                  <a:outerShdw blurRad="38100" dist="25400" dir="5400000" algn="ctr" rotWithShape="0">
-                    <a:srgbClr val="6E747A">
-                      <a:alpha val="43000"/>
-                    </a:srgbClr>
-                  </a:outerShdw>
-                </a:effectLst>
-                <a:latin typeface="微软雅黑" panose="020B0503020204020204" pitchFamily="34" charset="-122"/>
-                <a:ea typeface="微软雅黑" panose="020B0503020204020204" pitchFamily="34" charset="-122"/>
-                <a:cs typeface="微软雅黑" panose="020B0503020204020204" pitchFamily="34" charset="-122"/>
-                <a:sym typeface="+mn-ea"/>
-              </a:rPr>
-              <a:t>   a = 1.7</a:t>
+              <a:t>6</a:t>
             </a:r>
             <a:endParaRPr lang="en-US" altLang="zh-CN">
               <a:solidFill>
-                <a:srgbClr val="0070C0"/>
+                <a:srgbClr val="FF0000"/>
               </a:solidFill>
-              <a:effectLst>
-                <a:outerShdw blurRad="38100" dist="25400" dir="5400000" algn="ctr" rotWithShape="0">
-                  <a:srgbClr val="6E747A">
-                    <a:alpha val="43000"/>
-                  </a:srgbClr>
-                </a:outerShdw>
-              </a:effectLst>
-              <a:latin typeface="微软雅黑" panose="020B0503020204020204" pitchFamily="34" charset="-122"/>
-              <a:ea typeface="微软雅黑" panose="020B0503020204020204" pitchFamily="34" charset="-122"/>
-              <a:cs typeface="微软雅黑" panose="020B0503020204020204" pitchFamily="34" charset="-122"/>
-              <a:sym typeface="+mn-ea"/>
             </a:endParaRPr>
           </a:p>
           <a:p>
-            <a:pPr marL="0" indent="0">
-              <a:lnSpc>
-                <a:spcPct val="150000"/>
-              </a:lnSpc>
-              <a:buFont typeface="Wingdings" panose="05000000000000000000" charset="0"/>
-              <a:buNone/>
-            </a:pPr>
-            <a:r>
-              <a:rPr lang="en-US" altLang="zh-CN">
-                <a:solidFill>
-                  <a:srgbClr val="0070C0"/>
-                </a:solidFill>
-                <a:effectLst>
-                  <a:outerShdw blurRad="38100" dist="25400" dir="5400000" algn="ctr" rotWithShape="0">
-                    <a:srgbClr val="6E747A">
-                      <a:alpha val="43000"/>
-                    </a:srgbClr>
-                  </a:outerShdw>
-                </a:effectLst>
-                <a:latin typeface="微软雅黑" panose="020B0503020204020204" pitchFamily="34" charset="-122"/>
-                <a:ea typeface="微软雅黑" panose="020B0503020204020204" pitchFamily="34" charset="-122"/>
-                <a:cs typeface="微软雅黑" panose="020B0503020204020204" pitchFamily="34" charset="-122"/>
-                <a:sym typeface="+mn-ea"/>
-              </a:rPr>
-              <a:t>   b = int(a)</a:t>
-            </a:r>
-            <a:endParaRPr lang="en-US" altLang="zh-CN">
-              <a:solidFill>
-                <a:srgbClr val="0070C0"/>
-              </a:solidFill>
-              <a:effectLst>
-                <a:outerShdw blurRad="38100" dist="25400" dir="5400000" algn="ctr" rotWithShape="0">
-                  <a:srgbClr val="6E747A">
-                    <a:alpha val="43000"/>
-                  </a:srgbClr>
-                </a:outerShdw>
-              </a:effectLst>
-              <a:latin typeface="微软雅黑" panose="020B0503020204020204" pitchFamily="34" charset="-122"/>
-              <a:ea typeface="微软雅黑" panose="020B0503020204020204" pitchFamily="34" charset="-122"/>
-              <a:cs typeface="微软雅黑" panose="020B0503020204020204" pitchFamily="34" charset="-122"/>
-              <a:sym typeface="+mn-ea"/>
-            </a:endParaRPr>
-          </a:p>
-          <a:p>
-            <a:pPr marL="0" indent="0">
-              <a:lnSpc>
-                <a:spcPct val="150000"/>
-              </a:lnSpc>
-              <a:buFont typeface="Wingdings" panose="05000000000000000000" charset="0"/>
-              <a:buNone/>
-            </a:pPr>
-            <a:r>
-              <a:rPr lang="en-US" altLang="zh-CN">
-                <a:solidFill>
-                  <a:srgbClr val="0070C0"/>
-                </a:solidFill>
-                <a:effectLst>
-                  <a:outerShdw blurRad="38100" dist="25400" dir="5400000" algn="ctr" rotWithShape="0">
-                    <a:srgbClr val="6E747A">
-                      <a:alpha val="43000"/>
-                    </a:srgbClr>
-                  </a:outerShdw>
-                </a:effectLst>
-                <a:latin typeface="微软雅黑" panose="020B0503020204020204" pitchFamily="34" charset="-122"/>
-                <a:ea typeface="微软雅黑" panose="020B0503020204020204" pitchFamily="34" charset="-122"/>
-                <a:cs typeface="微软雅黑" panose="020B0503020204020204" pitchFamily="34" charset="-122"/>
-                <a:sym typeface="+mn-ea"/>
-              </a:rPr>
-              <a:t>   print(a)</a:t>
-            </a:r>
-            <a:endParaRPr lang="en-US" altLang="zh-CN">
-              <a:solidFill>
-                <a:srgbClr val="0070C0"/>
-              </a:solidFill>
-              <a:effectLst>
-                <a:outerShdw blurRad="38100" dist="25400" dir="5400000" algn="ctr" rotWithShape="0">
-                  <a:srgbClr val="6E747A">
-                    <a:alpha val="43000"/>
-                  </a:srgbClr>
-                </a:outerShdw>
-              </a:effectLst>
-              <a:latin typeface="微软雅黑" panose="020B0503020204020204" pitchFamily="34" charset="-122"/>
-              <a:ea typeface="微软雅黑" panose="020B0503020204020204" pitchFamily="34" charset="-122"/>
-              <a:cs typeface="微软雅黑" panose="020B0503020204020204" pitchFamily="34" charset="-122"/>
-              <a:sym typeface="+mn-ea"/>
-            </a:endParaRPr>
-          </a:p>
-          <a:p>
-            <a:pPr marL="0" indent="0">
-              <a:lnSpc>
-                <a:spcPct val="150000"/>
-              </a:lnSpc>
-              <a:buFont typeface="Wingdings" panose="05000000000000000000" charset="0"/>
-              <a:buNone/>
-            </a:pPr>
-            <a:r>
-              <a:rPr lang="zh-CN" altLang="en-US" b="1">
-                <a:sym typeface="+mn-ea"/>
-              </a:rPr>
-              <a:t>int ( )总是下取整</a:t>
-            </a:r>
-            <a:endParaRPr lang="en-US" altLang="zh-CN" b="1">
-              <a:solidFill>
-                <a:srgbClr val="0070C0"/>
-              </a:solidFill>
-              <a:effectLst>
-                <a:outerShdw blurRad="38100" dist="25400" dir="5400000" algn="ctr" rotWithShape="0">
-                  <a:srgbClr val="6E747A">
-                    <a:alpha val="43000"/>
-                  </a:srgbClr>
-                </a:outerShdw>
-              </a:effectLst>
-              <a:latin typeface="微软雅黑" panose="020B0503020204020204" pitchFamily="34" charset="-122"/>
-              <a:ea typeface="微软雅黑" panose="020B0503020204020204" pitchFamily="34" charset="-122"/>
-              <a:cs typeface="微软雅黑" panose="020B0503020204020204" pitchFamily="34" charset="-122"/>
-              <a:sym typeface="+mn-ea"/>
-            </a:endParaRPr>
+            <a:endParaRPr lang="zh-CN" altLang="en-US"/>
+          </a:p>
+          <a:p>
+            <a:r>
+              <a:rPr lang="zh-CN" altLang="en-US"/>
+              <a:t>#字符串</a:t>
+            </a:r>
+            <a:endParaRPr lang="zh-CN" altLang="en-US"/>
+          </a:p>
+          <a:p>
+            <a:r>
+              <a:rPr lang="zh-CN" altLang="en-US"/>
+              <a:t>name ="小刚"</a:t>
+            </a:r>
+            <a:endParaRPr lang="zh-CN" altLang="en-US"/>
+          </a:p>
+          <a:p>
+            <a:r>
+              <a:rPr lang="zh-CN" altLang="en-US"/>
+              <a:t>#bool值  True 真   false  假</a:t>
+            </a:r>
+            <a:endParaRPr lang="zh-CN" altLang="en-US"/>
+          </a:p>
+          <a:p>
+            <a:r>
+              <a:rPr lang="zh-CN" altLang="en-US"/>
+              <a:t>run=True</a:t>
+            </a:r>
+            <a:endParaRPr lang="zh-CN" altLang="en-US"/>
+          </a:p>
+          <a:p>
+            <a:r>
+              <a:rPr lang="zh-CN" altLang="en-US"/>
+              <a:t>#整型</a:t>
+            </a:r>
+            <a:endParaRPr lang="zh-CN" altLang="en-US"/>
+          </a:p>
+          <a:p>
+            <a:r>
+              <a:rPr lang="zh-CN" altLang="en-US"/>
+              <a:t>age = 10</a:t>
+            </a:r>
+            <a:endParaRPr lang="zh-CN" altLang="en-US"/>
+          </a:p>
+          <a:p>
+            <a:r>
+              <a:rPr lang="zh-CN" altLang="en-US"/>
+              <a:t>#浮点数</a:t>
+            </a:r>
+            <a:endParaRPr lang="zh-CN" altLang="en-US"/>
+          </a:p>
+          <a:p>
+            <a:r>
+              <a:rPr lang="zh-CN" altLang="en-US"/>
+              <a:t>n1=1.8</a:t>
+            </a:r>
+            <a:endParaRPr lang="zh-CN" altLang="en-US"/>
           </a:p>
         </p:txBody>
       </p:sp>
@@ -15282,14 +14955,14 @@
       </p:sp>
       <p:sp>
         <p:nvSpPr>
-          <p:cNvPr id="6" name="文本框 5"/>
+          <p:cNvPr id="7" name="文本框 6"/>
           <p:cNvSpPr txBox="1"/>
           <p:nvPr/>
         </p:nvSpPr>
         <p:spPr>
           <a:xfrm>
-            <a:off x="1658620" y="1710690"/>
-            <a:ext cx="8875395" cy="3046095"/>
+            <a:off x="1449705" y="1734185"/>
+            <a:ext cx="5326380" cy="1938020"/>
           </a:xfrm>
           <a:prstGeom prst="rect">
             <a:avLst/>
@@ -15301,14 +14974,18 @@
             <a:spAutoFit/>
           </a:bodyPr>
           <a:p>
-            <a:r>
-              <a:rPr lang="zh-CN" altLang="en-US" sz="2400" b="1">
-                <a:sym typeface="+mn-ea"/>
-              </a:rPr>
-              <a:t>type</a:t>
-            </a:r>
-            <a:r>
-              <a:rPr lang="zh-CN" altLang="en-US" sz="2400" b="1">
+            <a:pPr marL="0" indent="0">
+              <a:lnSpc>
+                <a:spcPct val="150000"/>
+              </a:lnSpc>
+              <a:buFont typeface="Wingdings" panose="05000000000000000000" charset="0"/>
+              <a:buNone/>
+            </a:pPr>
+            <a:r>
+              <a:rPr lang="zh-CN" altLang="en-US" sz="2000">
+                <a:solidFill>
+                  <a:schemeClr val="tx1"/>
+                </a:solidFill>
                 <a:effectLst>
                   <a:outerShdw blurRad="38100" dist="25400" dir="5400000" algn="ctr" rotWithShape="0">
                     <a:srgbClr val="6E747A">
@@ -15321,68 +14998,392 @@
                 <a:cs typeface="微软雅黑" panose="020B0503020204020204" pitchFamily="34" charset="-122"/>
                 <a:sym typeface="+mn-ea"/>
               </a:rPr>
-              <a:t>函数：</a:t>
-            </a:r>
-            <a:r>
-              <a:rPr lang="zh-CN" altLang="en-US" sz="2400" b="1">
-                <a:sym typeface="+mn-ea"/>
-              </a:rPr>
-              <a:t>变量的类型</a:t>
-            </a:r>
-            <a:endParaRPr lang="zh-CN" altLang="en-US" sz="2400"/>
-          </a:p>
-          <a:p>
-            <a:r>
-              <a:rPr lang="zh-CN" altLang="en-US" sz="2400"/>
-              <a:t>     a='44.2'</a:t>
-            </a:r>
-            <a:endParaRPr lang="zh-CN" altLang="en-US" sz="2400"/>
-          </a:p>
-          <a:p>
-            <a:r>
-              <a:rPr lang="zh-CN" altLang="en-US" sz="2400"/>
-              <a:t>     b=44.2</a:t>
-            </a:r>
-            <a:endParaRPr lang="zh-CN" altLang="en-US" sz="2400"/>
-          </a:p>
-          <a:p>
-            <a:r>
-              <a:rPr lang="zh-CN" altLang="en-US" sz="2400"/>
-              <a:t>     type(a)</a:t>
-            </a:r>
-            <a:endParaRPr lang="zh-CN" altLang="en-US" sz="2400"/>
-          </a:p>
-          <a:p>
-            <a:r>
-              <a:rPr lang="zh-CN" altLang="en-US" sz="2400"/>
-              <a:t>     type(b)</a:t>
-            </a:r>
-            <a:endParaRPr lang="zh-CN" altLang="en-US" sz="2400"/>
-          </a:p>
-          <a:p>
-            <a:endParaRPr lang="zh-CN" altLang="en-US" sz="2400"/>
-          </a:p>
-          <a:p>
-            <a:pPr marL="342900" indent="-342900">
+              <a:t>类型转换函数：</a:t>
+            </a:r>
+            <a:endParaRPr lang="zh-CN" altLang="en-US" sz="2000">
+              <a:solidFill>
+                <a:schemeClr val="tx1"/>
+              </a:solidFill>
+              <a:effectLst>
+                <a:outerShdw blurRad="38100" dist="25400" dir="5400000" algn="ctr" rotWithShape="0">
+                  <a:srgbClr val="6E747A">
+                    <a:alpha val="43000"/>
+                  </a:srgbClr>
+                </a:outerShdw>
+              </a:effectLst>
+              <a:latin typeface="微软雅黑" panose="020B0503020204020204" pitchFamily="34" charset="-122"/>
+              <a:ea typeface="微软雅黑" panose="020B0503020204020204" pitchFamily="34" charset="-122"/>
+              <a:cs typeface="微软雅黑" panose="020B0503020204020204" pitchFamily="34" charset="-122"/>
+              <a:sym typeface="+mn-ea"/>
+            </a:endParaRPr>
+          </a:p>
+          <a:p>
+            <a:pPr marL="285750" indent="-285750">
+              <a:lnSpc>
+                <a:spcPct val="150000"/>
+              </a:lnSpc>
               <a:buFont typeface="Arial" panose="020B0604020202020204" pitchFamily="34" charset="0"/>
               <a:buChar char="•"/>
             </a:pPr>
             <a:r>
-              <a:rPr lang="zh-CN" altLang="en-US" sz="2400" b="1"/>
-              <a:t>a 的类型是 'str'，这代表字符串</a:t>
-            </a:r>
-            <a:endParaRPr lang="zh-CN" altLang="en-US" sz="2400" b="1"/>
-          </a:p>
-          <a:p>
-            <a:pPr marL="342900" indent="-342900">
+              <a:rPr lang="zh-CN" altLang="en-US" sz="2000">
+                <a:solidFill>
+                  <a:schemeClr val="tx1"/>
+                </a:solidFill>
+                <a:effectLst>
+                  <a:outerShdw blurRad="38100" dist="25400" dir="5400000" algn="ctr" rotWithShape="0">
+                    <a:srgbClr val="6E747A">
+                      <a:alpha val="43000"/>
+                    </a:srgbClr>
+                  </a:outerShdw>
+                </a:effectLst>
+                <a:latin typeface="微软雅黑" panose="020B0503020204020204" pitchFamily="34" charset="-122"/>
+                <a:ea typeface="微软雅黑" panose="020B0503020204020204" pitchFamily="34" charset="-122"/>
+                <a:cs typeface="微软雅黑" panose="020B0503020204020204" pitchFamily="34" charset="-122"/>
+                <a:sym typeface="+mn-ea"/>
+              </a:rPr>
+              <a:t>int(x)  将 x 转换为一个整数 </a:t>
+            </a:r>
+            <a:endParaRPr lang="zh-CN" altLang="en-US" sz="2000">
+              <a:solidFill>
+                <a:schemeClr val="tx1"/>
+              </a:solidFill>
+              <a:effectLst>
+                <a:outerShdw blurRad="38100" dist="25400" dir="5400000" algn="ctr" rotWithShape="0">
+                  <a:srgbClr val="6E747A">
+                    <a:alpha val="43000"/>
+                  </a:srgbClr>
+                </a:outerShdw>
+              </a:effectLst>
+              <a:latin typeface="微软雅黑" panose="020B0503020204020204" pitchFamily="34" charset="-122"/>
+              <a:ea typeface="微软雅黑" panose="020B0503020204020204" pitchFamily="34" charset="-122"/>
+              <a:cs typeface="微软雅黑" panose="020B0503020204020204" pitchFamily="34" charset="-122"/>
+              <a:sym typeface="+mn-ea"/>
+            </a:endParaRPr>
+          </a:p>
+          <a:p>
+            <a:pPr marL="285750" indent="-285750">
+              <a:lnSpc>
+                <a:spcPct val="150000"/>
+              </a:lnSpc>
               <a:buFont typeface="Arial" panose="020B0604020202020204" pitchFamily="34" charset="0"/>
               <a:buChar char="•"/>
             </a:pPr>
             <a:r>
-              <a:rPr lang="zh-CN" altLang="en-US" sz="2400" b="1"/>
-              <a:t>b 的类型是 'float'，这代表浮点数</a:t>
-            </a:r>
-            <a:endParaRPr lang="zh-CN" altLang="en-US" sz="2400" b="1"/>
+              <a:rPr lang="zh-CN" altLang="en-US" sz="2000">
+                <a:solidFill>
+                  <a:schemeClr val="tx1"/>
+                </a:solidFill>
+                <a:effectLst>
+                  <a:outerShdw blurRad="38100" dist="25400" dir="5400000" algn="ctr" rotWithShape="0">
+                    <a:srgbClr val="6E747A">
+                      <a:alpha val="43000"/>
+                    </a:srgbClr>
+                  </a:outerShdw>
+                </a:effectLst>
+                <a:latin typeface="微软雅黑" panose="020B0503020204020204" pitchFamily="34" charset="-122"/>
+                <a:ea typeface="微软雅黑" panose="020B0503020204020204" pitchFamily="34" charset="-122"/>
+                <a:cs typeface="微软雅黑" panose="020B0503020204020204" pitchFamily="34" charset="-122"/>
+                <a:sym typeface="+mn-ea"/>
+              </a:rPr>
+              <a:t>float(x) 将 x 转换为一个浮点数</a:t>
+            </a:r>
+            <a:r>
+              <a:rPr lang="zh-CN" altLang="en-US" sz="2000">
+                <a:solidFill>
+                  <a:srgbClr val="0070C0"/>
+                </a:solidFill>
+                <a:effectLst>
+                  <a:outerShdw blurRad="38100" dist="25400" dir="5400000" algn="ctr" rotWithShape="0">
+                    <a:srgbClr val="6E747A">
+                      <a:alpha val="43000"/>
+                    </a:srgbClr>
+                  </a:outerShdw>
+                </a:effectLst>
+                <a:latin typeface="微软雅黑" panose="020B0503020204020204" pitchFamily="34" charset="-122"/>
+                <a:ea typeface="微软雅黑" panose="020B0503020204020204" pitchFamily="34" charset="-122"/>
+                <a:cs typeface="微软雅黑" panose="020B0503020204020204" pitchFamily="34" charset="-122"/>
+                <a:sym typeface="+mn-ea"/>
+              </a:rPr>
+              <a:t> </a:t>
+            </a:r>
+            <a:endParaRPr lang="zh-CN" altLang="en-US" sz="2000">
+              <a:solidFill>
+                <a:srgbClr val="0070C0"/>
+              </a:solidFill>
+              <a:effectLst>
+                <a:outerShdw blurRad="38100" dist="25400" dir="5400000" algn="ctr" rotWithShape="0">
+                  <a:srgbClr val="6E747A">
+                    <a:alpha val="43000"/>
+                  </a:srgbClr>
+                </a:outerShdw>
+              </a:effectLst>
+              <a:latin typeface="微软雅黑" panose="020B0503020204020204" pitchFamily="34" charset="-122"/>
+              <a:ea typeface="微软雅黑" panose="020B0503020204020204" pitchFamily="34" charset="-122"/>
+              <a:cs typeface="微软雅黑" panose="020B0503020204020204" pitchFamily="34" charset="-122"/>
+              <a:sym typeface="+mn-ea"/>
+            </a:endParaRPr>
+          </a:p>
+          <a:p>
+            <a:pPr marL="285750" indent="-285750">
+              <a:lnSpc>
+                <a:spcPct val="150000"/>
+              </a:lnSpc>
+              <a:buFont typeface="Arial" panose="020B0604020202020204" pitchFamily="34" charset="0"/>
+              <a:buChar char="•"/>
+            </a:pPr>
+            <a:r>
+              <a:rPr lang="en-US" altLang="zh-CN" sz="2000">
+                <a:effectLst>
+                  <a:outerShdw blurRad="38100" dist="25400" dir="5400000" algn="ctr" rotWithShape="0">
+                    <a:srgbClr val="6E747A">
+                      <a:alpha val="43000"/>
+                    </a:srgbClr>
+                  </a:outerShdw>
+                </a:effectLst>
+                <a:latin typeface="微软雅黑" panose="020B0503020204020204" pitchFamily="34" charset="-122"/>
+                <a:ea typeface="微软雅黑" panose="020B0503020204020204" pitchFamily="34" charset="-122"/>
+                <a:cs typeface="微软雅黑" panose="020B0503020204020204" pitchFamily="34" charset="-122"/>
+                <a:sym typeface="+mn-ea"/>
+              </a:rPr>
+              <a:t>str</a:t>
+            </a:r>
+            <a:r>
+              <a:rPr lang="zh-CN" altLang="en-US" sz="2000">
+                <a:effectLst>
+                  <a:outerShdw blurRad="38100" dist="25400" dir="5400000" algn="ctr" rotWithShape="0">
+                    <a:srgbClr val="6E747A">
+                      <a:alpha val="43000"/>
+                    </a:srgbClr>
+                  </a:outerShdw>
+                </a:effectLst>
+                <a:latin typeface="微软雅黑" panose="020B0503020204020204" pitchFamily="34" charset="-122"/>
+                <a:ea typeface="微软雅黑" panose="020B0503020204020204" pitchFamily="34" charset="-122"/>
+                <a:cs typeface="微软雅黑" panose="020B0503020204020204" pitchFamily="34" charset="-122"/>
+                <a:sym typeface="+mn-ea"/>
+              </a:rPr>
+              <a:t>(x) 将 x 转换为一个字符串</a:t>
+            </a:r>
+            <a:r>
+              <a:rPr lang="zh-CN" altLang="en-US" sz="2000">
+                <a:solidFill>
+                  <a:srgbClr val="0070C0"/>
+                </a:solidFill>
+                <a:effectLst>
+                  <a:outerShdw blurRad="38100" dist="25400" dir="5400000" algn="ctr" rotWithShape="0">
+                    <a:srgbClr val="6E747A">
+                      <a:alpha val="43000"/>
+                    </a:srgbClr>
+                  </a:outerShdw>
+                </a:effectLst>
+                <a:latin typeface="微软雅黑" panose="020B0503020204020204" pitchFamily="34" charset="-122"/>
+                <a:ea typeface="微软雅黑" panose="020B0503020204020204" pitchFamily="34" charset="-122"/>
+                <a:cs typeface="微软雅黑" panose="020B0503020204020204" pitchFamily="34" charset="-122"/>
+                <a:sym typeface="+mn-ea"/>
+              </a:rPr>
+              <a:t> </a:t>
+            </a:r>
+            <a:endParaRPr lang="zh-CN" altLang="en-US">
+              <a:solidFill>
+                <a:srgbClr val="0070C0"/>
+              </a:solidFill>
+              <a:effectLst>
+                <a:outerShdw blurRad="38100" dist="25400" dir="5400000" algn="ctr" rotWithShape="0">
+                  <a:srgbClr val="6E747A">
+                    <a:alpha val="43000"/>
+                  </a:srgbClr>
+                </a:outerShdw>
+              </a:effectLst>
+              <a:latin typeface="微软雅黑" panose="020B0503020204020204" pitchFamily="34" charset="-122"/>
+              <a:ea typeface="微软雅黑" panose="020B0503020204020204" pitchFamily="34" charset="-122"/>
+              <a:cs typeface="微软雅黑" panose="020B0503020204020204" pitchFamily="34" charset="-122"/>
+              <a:sym typeface="+mn-ea"/>
+            </a:endParaRPr>
+          </a:p>
+        </p:txBody>
+      </p:sp>
+      <p:sp>
+        <p:nvSpPr>
+          <p:cNvPr id="2" name="文本框 1"/>
+          <p:cNvSpPr txBox="1"/>
+          <p:nvPr/>
+        </p:nvSpPr>
+        <p:spPr>
+          <a:xfrm>
+            <a:off x="1551305" y="3943350"/>
+            <a:ext cx="5326380" cy="1753235"/>
+          </a:xfrm>
+          <a:prstGeom prst="rect">
+            <a:avLst/>
+          </a:prstGeom>
+          <a:noFill/>
+        </p:spPr>
+        <p:txBody>
+          <a:bodyPr wrap="square" rtlCol="0" anchor="t">
+            <a:spAutoFit/>
+          </a:bodyPr>
+          <a:p>
+            <a:pPr marL="0" indent="0">
+              <a:lnSpc>
+                <a:spcPct val="150000"/>
+              </a:lnSpc>
+              <a:buFont typeface="Wingdings" panose="05000000000000000000" charset="0"/>
+              <a:buNone/>
+            </a:pPr>
+            <a:r>
+              <a:rPr lang="en-US" altLang="zh-CN">
+                <a:solidFill>
+                  <a:srgbClr val="0070C0"/>
+                </a:solidFill>
+                <a:effectLst>
+                  <a:outerShdw blurRad="38100" dist="25400" dir="5400000" algn="ctr" rotWithShape="0">
+                    <a:srgbClr val="6E747A">
+                      <a:alpha val="43000"/>
+                    </a:srgbClr>
+                  </a:outerShdw>
+                </a:effectLst>
+                <a:latin typeface="微软雅黑" panose="020B0503020204020204" pitchFamily="34" charset="-122"/>
+                <a:ea typeface="微软雅黑" panose="020B0503020204020204" pitchFamily="34" charset="-122"/>
+                <a:cs typeface="微软雅黑" panose="020B0503020204020204" pitchFamily="34" charset="-122"/>
+                <a:sym typeface="+mn-ea"/>
+              </a:rPr>
+              <a:t>   a = 1.7</a:t>
+            </a:r>
+            <a:endParaRPr lang="en-US" altLang="zh-CN">
+              <a:solidFill>
+                <a:srgbClr val="0070C0"/>
+              </a:solidFill>
+              <a:effectLst>
+                <a:outerShdw blurRad="38100" dist="25400" dir="5400000" algn="ctr" rotWithShape="0">
+                  <a:srgbClr val="6E747A">
+                    <a:alpha val="43000"/>
+                  </a:srgbClr>
+                </a:outerShdw>
+              </a:effectLst>
+              <a:latin typeface="微软雅黑" panose="020B0503020204020204" pitchFamily="34" charset="-122"/>
+              <a:ea typeface="微软雅黑" panose="020B0503020204020204" pitchFamily="34" charset="-122"/>
+              <a:cs typeface="微软雅黑" panose="020B0503020204020204" pitchFamily="34" charset="-122"/>
+              <a:sym typeface="+mn-ea"/>
+            </a:endParaRPr>
+          </a:p>
+          <a:p>
+            <a:pPr marL="0" indent="0">
+              <a:lnSpc>
+                <a:spcPct val="150000"/>
+              </a:lnSpc>
+              <a:buFont typeface="Wingdings" panose="05000000000000000000" charset="0"/>
+              <a:buNone/>
+            </a:pPr>
+            <a:r>
+              <a:rPr lang="en-US" altLang="zh-CN">
+                <a:solidFill>
+                  <a:srgbClr val="0070C0"/>
+                </a:solidFill>
+                <a:effectLst>
+                  <a:outerShdw blurRad="38100" dist="25400" dir="5400000" algn="ctr" rotWithShape="0">
+                    <a:srgbClr val="6E747A">
+                      <a:alpha val="43000"/>
+                    </a:srgbClr>
+                  </a:outerShdw>
+                </a:effectLst>
+                <a:latin typeface="微软雅黑" panose="020B0503020204020204" pitchFamily="34" charset="-122"/>
+                <a:ea typeface="微软雅黑" panose="020B0503020204020204" pitchFamily="34" charset="-122"/>
+                <a:cs typeface="微软雅黑" panose="020B0503020204020204" pitchFamily="34" charset="-122"/>
+                <a:sym typeface="+mn-ea"/>
+              </a:rPr>
+              <a:t>   b = int(a)</a:t>
+            </a:r>
+            <a:endParaRPr lang="en-US" altLang="zh-CN">
+              <a:solidFill>
+                <a:srgbClr val="0070C0"/>
+              </a:solidFill>
+              <a:effectLst>
+                <a:outerShdw blurRad="38100" dist="25400" dir="5400000" algn="ctr" rotWithShape="0">
+                  <a:srgbClr val="6E747A">
+                    <a:alpha val="43000"/>
+                  </a:srgbClr>
+                </a:outerShdw>
+              </a:effectLst>
+              <a:latin typeface="微软雅黑" panose="020B0503020204020204" pitchFamily="34" charset="-122"/>
+              <a:ea typeface="微软雅黑" panose="020B0503020204020204" pitchFamily="34" charset="-122"/>
+              <a:cs typeface="微软雅黑" panose="020B0503020204020204" pitchFamily="34" charset="-122"/>
+              <a:sym typeface="+mn-ea"/>
+            </a:endParaRPr>
+          </a:p>
+          <a:p>
+            <a:pPr marL="0" indent="0">
+              <a:lnSpc>
+                <a:spcPct val="150000"/>
+              </a:lnSpc>
+              <a:buFont typeface="Wingdings" panose="05000000000000000000" charset="0"/>
+              <a:buNone/>
+            </a:pPr>
+            <a:r>
+              <a:rPr lang="en-US" altLang="zh-CN">
+                <a:solidFill>
+                  <a:srgbClr val="0070C0"/>
+                </a:solidFill>
+                <a:effectLst>
+                  <a:outerShdw blurRad="38100" dist="25400" dir="5400000" algn="ctr" rotWithShape="0">
+                    <a:srgbClr val="6E747A">
+                      <a:alpha val="43000"/>
+                    </a:srgbClr>
+                  </a:outerShdw>
+                </a:effectLst>
+                <a:latin typeface="微软雅黑" panose="020B0503020204020204" pitchFamily="34" charset="-122"/>
+                <a:ea typeface="微软雅黑" panose="020B0503020204020204" pitchFamily="34" charset="-122"/>
+                <a:cs typeface="微软雅黑" panose="020B0503020204020204" pitchFamily="34" charset="-122"/>
+                <a:sym typeface="+mn-ea"/>
+              </a:rPr>
+              <a:t>   print(a)</a:t>
+            </a:r>
+            <a:endParaRPr lang="en-US" altLang="zh-CN">
+              <a:solidFill>
+                <a:srgbClr val="0070C0"/>
+              </a:solidFill>
+              <a:effectLst>
+                <a:outerShdw blurRad="38100" dist="25400" dir="5400000" algn="ctr" rotWithShape="0">
+                  <a:srgbClr val="6E747A">
+                    <a:alpha val="43000"/>
+                  </a:srgbClr>
+                </a:outerShdw>
+              </a:effectLst>
+              <a:latin typeface="微软雅黑" panose="020B0503020204020204" pitchFamily="34" charset="-122"/>
+              <a:ea typeface="微软雅黑" panose="020B0503020204020204" pitchFamily="34" charset="-122"/>
+              <a:cs typeface="微软雅黑" panose="020B0503020204020204" pitchFamily="34" charset="-122"/>
+              <a:sym typeface="+mn-ea"/>
+            </a:endParaRPr>
+          </a:p>
+          <a:p>
+            <a:pPr marL="0" indent="0">
+              <a:lnSpc>
+                <a:spcPct val="150000"/>
+              </a:lnSpc>
+              <a:buFont typeface="Wingdings" panose="05000000000000000000" charset="0"/>
+              <a:buNone/>
+            </a:pPr>
+            <a:r>
+              <a:rPr lang="zh-CN" altLang="en-US" b="1">
+                <a:sym typeface="+mn-ea"/>
+              </a:rPr>
+              <a:t>int ( )总是下取整</a:t>
+            </a:r>
+            <a:endParaRPr lang="en-US" altLang="zh-CN" b="1">
+              <a:solidFill>
+                <a:srgbClr val="0070C0"/>
+              </a:solidFill>
+              <a:effectLst>
+                <a:outerShdw blurRad="38100" dist="25400" dir="5400000" algn="ctr" rotWithShape="0">
+                  <a:srgbClr val="6E747A">
+                    <a:alpha val="43000"/>
+                  </a:srgbClr>
+                </a:outerShdw>
+              </a:effectLst>
+              <a:latin typeface="微软雅黑" panose="020B0503020204020204" pitchFamily="34" charset="-122"/>
+              <a:ea typeface="微软雅黑" panose="020B0503020204020204" pitchFamily="34" charset="-122"/>
+              <a:cs typeface="微软雅黑" panose="020B0503020204020204" pitchFamily="34" charset="-122"/>
+              <a:sym typeface="+mn-ea"/>
+            </a:endParaRPr>
           </a:p>
         </p:txBody>
       </p:sp>
@@ -15645,6 +15646,1181 @@
                 <a:latin typeface="微软雅黑" panose="020B0503020204020204" pitchFamily="34" charset="-122"/>
                 <a:ea typeface="微软雅黑" panose="020B0503020204020204" pitchFamily="34" charset="-122"/>
               </a:rPr>
+              <a:t>数据类型</a:t>
+            </a:r>
+            <a:endParaRPr lang="zh-CN" altLang="en-US" sz="2400" dirty="0" smtClean="0">
+              <a:latin typeface="微软雅黑" panose="020B0503020204020204" pitchFamily="34" charset="-122"/>
+              <a:ea typeface="微软雅黑" panose="020B0503020204020204" pitchFamily="34" charset="-122"/>
+            </a:endParaRPr>
+          </a:p>
+        </p:txBody>
+      </p:sp>
+      <p:sp>
+        <p:nvSpPr>
+          <p:cNvPr id="2" name="文本框 1"/>
+          <p:cNvSpPr txBox="1"/>
+          <p:nvPr/>
+        </p:nvSpPr>
+        <p:spPr>
+          <a:xfrm>
+            <a:off x="1564005" y="1748155"/>
+            <a:ext cx="5326380" cy="3830955"/>
+          </a:xfrm>
+          <a:prstGeom prst="rect">
+            <a:avLst/>
+          </a:prstGeom>
+          <a:noFill/>
+        </p:spPr>
+        <p:txBody>
+          <a:bodyPr wrap="square" rtlCol="0" anchor="t">
+            <a:spAutoFit/>
+          </a:bodyPr>
+          <a:p>
+            <a:pPr marL="0" indent="0">
+              <a:lnSpc>
+                <a:spcPct val="150000"/>
+              </a:lnSpc>
+              <a:buFont typeface="Wingdings" panose="05000000000000000000" charset="0"/>
+              <a:buNone/>
+            </a:pPr>
+            <a:r>
+              <a:rPr lang="zh-CN" altLang="en-US">
+                <a:solidFill>
+                  <a:srgbClr val="FF0000"/>
+                </a:solidFill>
+                <a:effectLst>
+                  <a:outerShdw blurRad="38100" dist="25400" dir="5400000" algn="ctr" rotWithShape="0">
+                    <a:srgbClr val="6E747A">
+                      <a:alpha val="43000"/>
+                    </a:srgbClr>
+                  </a:outerShdw>
+                </a:effectLst>
+                <a:latin typeface="微软雅黑" panose="020B0503020204020204" pitchFamily="34" charset="-122"/>
+                <a:ea typeface="微软雅黑" panose="020B0503020204020204" pitchFamily="34" charset="-122"/>
+                <a:cs typeface="微软雅黑" panose="020B0503020204020204" pitchFamily="34" charset="-122"/>
+                <a:sym typeface="+mn-ea"/>
+              </a:rPr>
+              <a:t>例</a:t>
+            </a:r>
+            <a:r>
+              <a:rPr lang="en-US" altLang="zh-CN">
+                <a:solidFill>
+                  <a:srgbClr val="FF0000"/>
+                </a:solidFill>
+                <a:effectLst>
+                  <a:outerShdw blurRad="38100" dist="25400" dir="5400000" algn="ctr" rotWithShape="0">
+                    <a:srgbClr val="6E747A">
+                      <a:alpha val="43000"/>
+                    </a:srgbClr>
+                  </a:outerShdw>
+                </a:effectLst>
+                <a:latin typeface="微软雅黑" panose="020B0503020204020204" pitchFamily="34" charset="-122"/>
+                <a:ea typeface="微软雅黑" panose="020B0503020204020204" pitchFamily="34" charset="-122"/>
+                <a:cs typeface="微软雅黑" panose="020B0503020204020204" pitchFamily="34" charset="-122"/>
+                <a:sym typeface="+mn-ea"/>
+              </a:rPr>
+              <a:t>7:</a:t>
+            </a:r>
+            <a:endParaRPr lang="en-US" altLang="zh-CN">
+              <a:solidFill>
+                <a:srgbClr val="0070C0"/>
+              </a:solidFill>
+              <a:effectLst>
+                <a:outerShdw blurRad="38100" dist="25400" dir="5400000" algn="ctr" rotWithShape="0">
+                  <a:srgbClr val="6E747A">
+                    <a:alpha val="43000"/>
+                  </a:srgbClr>
+                </a:outerShdw>
+              </a:effectLst>
+              <a:latin typeface="微软雅黑" panose="020B0503020204020204" pitchFamily="34" charset="-122"/>
+              <a:ea typeface="微软雅黑" panose="020B0503020204020204" pitchFamily="34" charset="-122"/>
+              <a:cs typeface="微软雅黑" panose="020B0503020204020204" pitchFamily="34" charset="-122"/>
+              <a:sym typeface="+mn-ea"/>
+            </a:endParaRPr>
+          </a:p>
+          <a:p>
+            <a:pPr marL="0" indent="0">
+              <a:lnSpc>
+                <a:spcPct val="150000"/>
+              </a:lnSpc>
+              <a:buFont typeface="Wingdings" panose="05000000000000000000" charset="0"/>
+              <a:buNone/>
+            </a:pPr>
+            <a:r>
+              <a:rPr lang="en-US" altLang="zh-CN">
+                <a:solidFill>
+                  <a:schemeClr val="tx1"/>
+                </a:solidFill>
+                <a:effectLst>
+                  <a:outerShdw blurRad="38100" dist="25400" dir="5400000" algn="ctr" rotWithShape="0">
+                    <a:srgbClr val="6E747A">
+                      <a:alpha val="43000"/>
+                    </a:srgbClr>
+                  </a:outerShdw>
+                </a:effectLst>
+                <a:latin typeface="微软雅黑" panose="020B0503020204020204" pitchFamily="34" charset="-122"/>
+                <a:ea typeface="微软雅黑" panose="020B0503020204020204" pitchFamily="34" charset="-122"/>
+                <a:cs typeface="微软雅黑" panose="020B0503020204020204" pitchFamily="34" charset="-122"/>
+                <a:sym typeface="+mn-ea"/>
+              </a:rPr>
+              <a:t>#设置a为1.7    a是一个浮点数</a:t>
+            </a:r>
+            <a:endParaRPr lang="en-US" altLang="zh-CN">
+              <a:solidFill>
+                <a:schemeClr val="tx1"/>
+              </a:solidFill>
+              <a:effectLst>
+                <a:outerShdw blurRad="38100" dist="25400" dir="5400000" algn="ctr" rotWithShape="0">
+                  <a:srgbClr val="6E747A">
+                    <a:alpha val="43000"/>
+                  </a:srgbClr>
+                </a:outerShdw>
+              </a:effectLst>
+              <a:latin typeface="微软雅黑" panose="020B0503020204020204" pitchFamily="34" charset="-122"/>
+              <a:ea typeface="微软雅黑" panose="020B0503020204020204" pitchFamily="34" charset="-122"/>
+              <a:cs typeface="微软雅黑" panose="020B0503020204020204" pitchFamily="34" charset="-122"/>
+              <a:sym typeface="+mn-ea"/>
+            </a:endParaRPr>
+          </a:p>
+          <a:p>
+            <a:pPr marL="0" indent="0">
+              <a:lnSpc>
+                <a:spcPct val="150000"/>
+              </a:lnSpc>
+              <a:buFont typeface="Wingdings" panose="05000000000000000000" charset="0"/>
+              <a:buNone/>
+            </a:pPr>
+            <a:r>
+              <a:rPr lang="en-US" altLang="zh-CN">
+                <a:solidFill>
+                  <a:schemeClr val="tx1"/>
+                </a:solidFill>
+                <a:effectLst>
+                  <a:outerShdw blurRad="38100" dist="25400" dir="5400000" algn="ctr" rotWithShape="0">
+                    <a:srgbClr val="6E747A">
+                      <a:alpha val="43000"/>
+                    </a:srgbClr>
+                  </a:outerShdw>
+                </a:effectLst>
+                <a:latin typeface="微软雅黑" panose="020B0503020204020204" pitchFamily="34" charset="-122"/>
+                <a:ea typeface="微软雅黑" panose="020B0503020204020204" pitchFamily="34" charset="-122"/>
+                <a:cs typeface="微软雅黑" panose="020B0503020204020204" pitchFamily="34" charset="-122"/>
+                <a:sym typeface="+mn-ea"/>
+              </a:rPr>
+              <a:t>a = 1.7</a:t>
+            </a:r>
+            <a:endParaRPr lang="en-US" altLang="zh-CN">
+              <a:solidFill>
+                <a:schemeClr val="tx1"/>
+              </a:solidFill>
+              <a:effectLst>
+                <a:outerShdw blurRad="38100" dist="25400" dir="5400000" algn="ctr" rotWithShape="0">
+                  <a:srgbClr val="6E747A">
+                    <a:alpha val="43000"/>
+                  </a:srgbClr>
+                </a:outerShdw>
+              </a:effectLst>
+              <a:latin typeface="微软雅黑" panose="020B0503020204020204" pitchFamily="34" charset="-122"/>
+              <a:ea typeface="微软雅黑" panose="020B0503020204020204" pitchFamily="34" charset="-122"/>
+              <a:cs typeface="微软雅黑" panose="020B0503020204020204" pitchFamily="34" charset="-122"/>
+              <a:sym typeface="+mn-ea"/>
+            </a:endParaRPr>
+          </a:p>
+          <a:p>
+            <a:pPr marL="0" indent="0">
+              <a:lnSpc>
+                <a:spcPct val="150000"/>
+              </a:lnSpc>
+              <a:buFont typeface="Wingdings" panose="05000000000000000000" charset="0"/>
+              <a:buNone/>
+            </a:pPr>
+            <a:r>
+              <a:rPr lang="en-US" altLang="zh-CN">
+                <a:solidFill>
+                  <a:schemeClr val="tx1"/>
+                </a:solidFill>
+                <a:effectLst>
+                  <a:outerShdw blurRad="38100" dist="25400" dir="5400000" algn="ctr" rotWithShape="0">
+                    <a:srgbClr val="6E747A">
+                      <a:alpha val="43000"/>
+                    </a:srgbClr>
+                  </a:outerShdw>
+                </a:effectLst>
+                <a:latin typeface="微软雅黑" panose="020B0503020204020204" pitchFamily="34" charset="-122"/>
+                <a:ea typeface="微软雅黑" panose="020B0503020204020204" pitchFamily="34" charset="-122"/>
+                <a:cs typeface="微软雅黑" panose="020B0503020204020204" pitchFamily="34" charset="-122"/>
+                <a:sym typeface="+mn-ea"/>
+              </a:rPr>
+              <a:t>#把浮点数转为整数</a:t>
+            </a:r>
+            <a:r>
+              <a:rPr lang="zh-CN" altLang="en-US">
+                <a:solidFill>
+                  <a:schemeClr val="tx1"/>
+                </a:solidFill>
+                <a:effectLst>
+                  <a:outerShdw blurRad="38100" dist="25400" dir="5400000" algn="ctr" rotWithShape="0">
+                    <a:srgbClr val="6E747A">
+                      <a:alpha val="43000"/>
+                    </a:srgbClr>
+                  </a:outerShdw>
+                </a:effectLst>
+                <a:latin typeface="微软雅黑" panose="020B0503020204020204" pitchFamily="34" charset="-122"/>
+                <a:ea typeface="微软雅黑" panose="020B0503020204020204" pitchFamily="34" charset="-122"/>
+                <a:cs typeface="微软雅黑" panose="020B0503020204020204" pitchFamily="34" charset="-122"/>
+                <a:sym typeface="+mn-ea"/>
+              </a:rPr>
+              <a:t>，</a:t>
+            </a:r>
+            <a:r>
+              <a:rPr lang="en-US" altLang="zh-CN">
+                <a:solidFill>
+                  <a:schemeClr val="tx1"/>
+                </a:solidFill>
+                <a:effectLst>
+                  <a:outerShdw blurRad="38100" dist="25400" dir="5400000" algn="ctr" rotWithShape="0">
+                    <a:srgbClr val="6E747A">
+                      <a:alpha val="43000"/>
+                    </a:srgbClr>
+                  </a:outerShdw>
+                </a:effectLst>
+                <a:latin typeface="微软雅黑" panose="020B0503020204020204" pitchFamily="34" charset="-122"/>
+                <a:ea typeface="微软雅黑" panose="020B0503020204020204" pitchFamily="34" charset="-122"/>
+                <a:cs typeface="微软雅黑" panose="020B0503020204020204" pitchFamily="34" charset="-122"/>
+                <a:sym typeface="+mn-ea"/>
+              </a:rPr>
+              <a:t>int</a:t>
+            </a:r>
+            <a:r>
+              <a:rPr lang="zh-CN" altLang="en-US">
+                <a:solidFill>
+                  <a:schemeClr val="tx1"/>
+                </a:solidFill>
+                <a:effectLst>
+                  <a:outerShdw blurRad="38100" dist="25400" dir="5400000" algn="ctr" rotWithShape="0">
+                    <a:srgbClr val="6E747A">
+                      <a:alpha val="43000"/>
+                    </a:srgbClr>
+                  </a:outerShdw>
+                </a:effectLst>
+                <a:latin typeface="微软雅黑" panose="020B0503020204020204" pitchFamily="34" charset="-122"/>
+                <a:ea typeface="微软雅黑" panose="020B0503020204020204" pitchFamily="34" charset="-122"/>
+                <a:cs typeface="微软雅黑" panose="020B0503020204020204" pitchFamily="34" charset="-122"/>
+                <a:sym typeface="+mn-ea"/>
+              </a:rPr>
+              <a:t>总是向下取整</a:t>
+            </a:r>
+            <a:endParaRPr lang="en-US" altLang="zh-CN">
+              <a:solidFill>
+                <a:schemeClr val="tx1"/>
+              </a:solidFill>
+              <a:effectLst>
+                <a:outerShdw blurRad="38100" dist="25400" dir="5400000" algn="ctr" rotWithShape="0">
+                  <a:srgbClr val="6E747A">
+                    <a:alpha val="43000"/>
+                  </a:srgbClr>
+                </a:outerShdw>
+              </a:effectLst>
+              <a:latin typeface="微软雅黑" panose="020B0503020204020204" pitchFamily="34" charset="-122"/>
+              <a:ea typeface="微软雅黑" panose="020B0503020204020204" pitchFamily="34" charset="-122"/>
+              <a:cs typeface="微软雅黑" panose="020B0503020204020204" pitchFamily="34" charset="-122"/>
+              <a:sym typeface="+mn-ea"/>
+            </a:endParaRPr>
+          </a:p>
+          <a:p>
+            <a:pPr marL="0" indent="0">
+              <a:lnSpc>
+                <a:spcPct val="150000"/>
+              </a:lnSpc>
+              <a:buFont typeface="Wingdings" panose="05000000000000000000" charset="0"/>
+              <a:buNone/>
+            </a:pPr>
+            <a:r>
+              <a:rPr lang="en-US" altLang="zh-CN">
+                <a:solidFill>
+                  <a:schemeClr val="tx1"/>
+                </a:solidFill>
+                <a:effectLst>
+                  <a:outerShdw blurRad="38100" dist="25400" dir="5400000" algn="ctr" rotWithShape="0">
+                    <a:srgbClr val="6E747A">
+                      <a:alpha val="43000"/>
+                    </a:srgbClr>
+                  </a:outerShdw>
+                </a:effectLst>
+                <a:latin typeface="微软雅黑" panose="020B0503020204020204" pitchFamily="34" charset="-122"/>
+                <a:ea typeface="微软雅黑" panose="020B0503020204020204" pitchFamily="34" charset="-122"/>
+                <a:cs typeface="微软雅黑" panose="020B0503020204020204" pitchFamily="34" charset="-122"/>
+                <a:sym typeface="+mn-ea"/>
+              </a:rPr>
+              <a:t>b = int(a)</a:t>
+            </a:r>
+            <a:endParaRPr lang="en-US" altLang="zh-CN">
+              <a:solidFill>
+                <a:schemeClr val="tx1"/>
+              </a:solidFill>
+              <a:effectLst>
+                <a:outerShdw blurRad="38100" dist="25400" dir="5400000" algn="ctr" rotWithShape="0">
+                  <a:srgbClr val="6E747A">
+                    <a:alpha val="43000"/>
+                  </a:srgbClr>
+                </a:outerShdw>
+              </a:effectLst>
+              <a:latin typeface="微软雅黑" panose="020B0503020204020204" pitchFamily="34" charset="-122"/>
+              <a:ea typeface="微软雅黑" panose="020B0503020204020204" pitchFamily="34" charset="-122"/>
+              <a:cs typeface="微软雅黑" panose="020B0503020204020204" pitchFamily="34" charset="-122"/>
+              <a:sym typeface="+mn-ea"/>
+            </a:endParaRPr>
+          </a:p>
+          <a:p>
+            <a:pPr marL="0" indent="0">
+              <a:lnSpc>
+                <a:spcPct val="150000"/>
+              </a:lnSpc>
+              <a:buFont typeface="Wingdings" panose="05000000000000000000" charset="0"/>
+              <a:buNone/>
+            </a:pPr>
+            <a:r>
+              <a:rPr lang="en-US" altLang="zh-CN">
+                <a:solidFill>
+                  <a:schemeClr val="tx1"/>
+                </a:solidFill>
+                <a:effectLst>
+                  <a:outerShdw blurRad="38100" dist="25400" dir="5400000" algn="ctr" rotWithShape="0">
+                    <a:srgbClr val="6E747A">
+                      <a:alpha val="43000"/>
+                    </a:srgbClr>
+                  </a:outerShdw>
+                </a:effectLst>
+                <a:latin typeface="微软雅黑" panose="020B0503020204020204" pitchFamily="34" charset="-122"/>
+                <a:ea typeface="微软雅黑" panose="020B0503020204020204" pitchFamily="34" charset="-122"/>
+                <a:cs typeface="微软雅黑" panose="020B0503020204020204" pitchFamily="34" charset="-122"/>
+                <a:sym typeface="+mn-ea"/>
+              </a:rPr>
+              <a:t>#设置c为‘2.3’  c是一个字符串</a:t>
+            </a:r>
+            <a:endParaRPr lang="en-US" altLang="zh-CN">
+              <a:solidFill>
+                <a:schemeClr val="tx1"/>
+              </a:solidFill>
+              <a:effectLst>
+                <a:outerShdw blurRad="38100" dist="25400" dir="5400000" algn="ctr" rotWithShape="0">
+                  <a:srgbClr val="6E747A">
+                    <a:alpha val="43000"/>
+                  </a:srgbClr>
+                </a:outerShdw>
+              </a:effectLst>
+              <a:latin typeface="微软雅黑" panose="020B0503020204020204" pitchFamily="34" charset="-122"/>
+              <a:ea typeface="微软雅黑" panose="020B0503020204020204" pitchFamily="34" charset="-122"/>
+              <a:cs typeface="微软雅黑" panose="020B0503020204020204" pitchFamily="34" charset="-122"/>
+              <a:sym typeface="+mn-ea"/>
+            </a:endParaRPr>
+          </a:p>
+          <a:p>
+            <a:pPr marL="0" indent="0">
+              <a:lnSpc>
+                <a:spcPct val="150000"/>
+              </a:lnSpc>
+              <a:buFont typeface="Wingdings" panose="05000000000000000000" charset="0"/>
+              <a:buNone/>
+            </a:pPr>
+            <a:r>
+              <a:rPr lang="en-US" altLang="zh-CN">
+                <a:solidFill>
+                  <a:schemeClr val="tx1"/>
+                </a:solidFill>
+                <a:effectLst>
+                  <a:outerShdw blurRad="38100" dist="25400" dir="5400000" algn="ctr" rotWithShape="0">
+                    <a:srgbClr val="6E747A">
+                      <a:alpha val="43000"/>
+                    </a:srgbClr>
+                  </a:outerShdw>
+                </a:effectLst>
+                <a:latin typeface="微软雅黑" panose="020B0503020204020204" pitchFamily="34" charset="-122"/>
+                <a:ea typeface="微软雅黑" panose="020B0503020204020204" pitchFamily="34" charset="-122"/>
+                <a:cs typeface="微软雅黑" panose="020B0503020204020204" pitchFamily="34" charset="-122"/>
+                <a:sym typeface="+mn-ea"/>
+              </a:rPr>
+              <a:t>c = '2.4'</a:t>
+            </a:r>
+            <a:endParaRPr lang="en-US" altLang="zh-CN">
+              <a:solidFill>
+                <a:schemeClr val="tx1"/>
+              </a:solidFill>
+              <a:effectLst>
+                <a:outerShdw blurRad="38100" dist="25400" dir="5400000" algn="ctr" rotWithShape="0">
+                  <a:srgbClr val="6E747A">
+                    <a:alpha val="43000"/>
+                  </a:srgbClr>
+                </a:outerShdw>
+              </a:effectLst>
+              <a:latin typeface="微软雅黑" panose="020B0503020204020204" pitchFamily="34" charset="-122"/>
+              <a:ea typeface="微软雅黑" panose="020B0503020204020204" pitchFamily="34" charset="-122"/>
+              <a:cs typeface="微软雅黑" panose="020B0503020204020204" pitchFamily="34" charset="-122"/>
+              <a:sym typeface="+mn-ea"/>
+            </a:endParaRPr>
+          </a:p>
+          <a:p>
+            <a:pPr marL="0" indent="0">
+              <a:lnSpc>
+                <a:spcPct val="150000"/>
+              </a:lnSpc>
+              <a:buFont typeface="Wingdings" panose="05000000000000000000" charset="0"/>
+              <a:buNone/>
+            </a:pPr>
+            <a:r>
+              <a:rPr lang="en-US" altLang="zh-CN">
+                <a:solidFill>
+                  <a:schemeClr val="tx1"/>
+                </a:solidFill>
+                <a:effectLst>
+                  <a:outerShdw blurRad="38100" dist="25400" dir="5400000" algn="ctr" rotWithShape="0">
+                    <a:srgbClr val="6E747A">
+                      <a:alpha val="43000"/>
+                    </a:srgbClr>
+                  </a:outerShdw>
+                </a:effectLst>
+                <a:latin typeface="微软雅黑" panose="020B0503020204020204" pitchFamily="34" charset="-122"/>
+                <a:ea typeface="微软雅黑" panose="020B0503020204020204" pitchFamily="34" charset="-122"/>
+                <a:cs typeface="微软雅黑" panose="020B0503020204020204" pitchFamily="34" charset="-122"/>
+                <a:sym typeface="+mn-ea"/>
+              </a:rPr>
+              <a:t>#把字符串转为浮点数</a:t>
+            </a:r>
+            <a:endParaRPr lang="en-US" altLang="zh-CN">
+              <a:solidFill>
+                <a:schemeClr val="tx1"/>
+              </a:solidFill>
+              <a:effectLst>
+                <a:outerShdw blurRad="38100" dist="25400" dir="5400000" algn="ctr" rotWithShape="0">
+                  <a:srgbClr val="6E747A">
+                    <a:alpha val="43000"/>
+                  </a:srgbClr>
+                </a:outerShdw>
+              </a:effectLst>
+              <a:latin typeface="微软雅黑" panose="020B0503020204020204" pitchFamily="34" charset="-122"/>
+              <a:ea typeface="微软雅黑" panose="020B0503020204020204" pitchFamily="34" charset="-122"/>
+              <a:cs typeface="微软雅黑" panose="020B0503020204020204" pitchFamily="34" charset="-122"/>
+              <a:sym typeface="+mn-ea"/>
+            </a:endParaRPr>
+          </a:p>
+          <a:p>
+            <a:pPr marL="0" indent="0">
+              <a:lnSpc>
+                <a:spcPct val="150000"/>
+              </a:lnSpc>
+              <a:buFont typeface="Wingdings" panose="05000000000000000000" charset="0"/>
+              <a:buNone/>
+            </a:pPr>
+            <a:r>
+              <a:rPr lang="en-US" altLang="zh-CN">
+                <a:solidFill>
+                  <a:schemeClr val="tx1"/>
+                </a:solidFill>
+                <a:effectLst>
+                  <a:outerShdw blurRad="38100" dist="25400" dir="5400000" algn="ctr" rotWithShape="0">
+                    <a:srgbClr val="6E747A">
+                      <a:alpha val="43000"/>
+                    </a:srgbClr>
+                  </a:outerShdw>
+                </a:effectLst>
+                <a:latin typeface="微软雅黑" panose="020B0503020204020204" pitchFamily="34" charset="-122"/>
+                <a:ea typeface="微软雅黑" panose="020B0503020204020204" pitchFamily="34" charset="-122"/>
+                <a:cs typeface="微软雅黑" panose="020B0503020204020204" pitchFamily="34" charset="-122"/>
+                <a:sym typeface="+mn-ea"/>
+              </a:rPr>
+              <a:t>d= float(c)</a:t>
+            </a:r>
+            <a:endParaRPr lang="en-US" altLang="zh-CN" b="1">
+              <a:solidFill>
+                <a:schemeClr val="tx1"/>
+              </a:solidFill>
+              <a:effectLst>
+                <a:outerShdw blurRad="38100" dist="25400" dir="5400000" algn="ctr" rotWithShape="0">
+                  <a:srgbClr val="6E747A">
+                    <a:alpha val="43000"/>
+                  </a:srgbClr>
+                </a:outerShdw>
+              </a:effectLst>
+              <a:latin typeface="微软雅黑" panose="020B0503020204020204" pitchFamily="34" charset="-122"/>
+              <a:ea typeface="微软雅黑" panose="020B0503020204020204" pitchFamily="34" charset="-122"/>
+              <a:cs typeface="微软雅黑" panose="020B0503020204020204" pitchFamily="34" charset="-122"/>
+              <a:sym typeface="+mn-ea"/>
+            </a:endParaRPr>
+          </a:p>
+        </p:txBody>
+      </p:sp>
+    </p:spTree>
+  </p:cSld>
+  <p:clrMapOvr>
+    <a:masterClrMapping/>
+  </p:clrMapOvr>
+  <p:timing>
+    <p:tnLst>
+      <p:par>
+        <p:cTn id="1" dur="indefinite" restart="never" nodeType="tmRoot"/>
+      </p:par>
+    </p:tnLst>
+  </p:timing>
+</p:sld>
+</file>
+
+<file path=ppt/slides/slide15.xml><?xml version="1.0" encoding="utf-8"?>
+<p:sld xmlns:a="http://schemas.openxmlformats.org/drawingml/2006/main" xmlns:r="http://schemas.openxmlformats.org/officeDocument/2006/relationships" xmlns:p="http://schemas.openxmlformats.org/presentationml/2006/main">
+  <p:cSld>
+    <p:bg>
+      <p:bgPr>
+        <a:blipFill dpi="0" rotWithShape="0">
+          <a:blip r:embed="rId1"/>
+          <a:srcRect/>
+          <a:stretch>
+            <a:fillRect/>
+          </a:stretch>
+        </a:blipFill>
+        <a:effectLst/>
+      </p:bgPr>
+    </p:bg>
+    <p:spTree>
+      <p:nvGrpSpPr>
+        <p:cNvPr id="1" name=""/>
+        <p:cNvGrpSpPr/>
+        <p:nvPr/>
+      </p:nvGrpSpPr>
+      <p:grpSpPr>
+        <a:xfrm>
+          <a:off x="0" y="0"/>
+          <a:ext cx="0" cy="0"/>
+          <a:chOff x="0" y="0"/>
+          <a:chExt cx="0" cy="0"/>
+        </a:xfrm>
+      </p:grpSpPr>
+      <p:sp>
+        <p:nvSpPr>
+          <p:cNvPr id="16386" name="文本框 3"/>
+          <p:cNvSpPr txBox="1">
+            <a:spLocks noChangeArrowheads="1"/>
+          </p:cNvSpPr>
+          <p:nvPr/>
+        </p:nvSpPr>
+        <p:spPr bwMode="auto">
+          <a:xfrm>
+            <a:off x="887413" y="419100"/>
+            <a:ext cx="3729037" cy="368300"/>
+          </a:xfrm>
+          <a:prstGeom prst="rect">
+            <a:avLst/>
+          </a:prstGeom>
+          <a:noFill/>
+          <a:ln>
+            <a:noFill/>
+          </a:ln>
+          <a:extLst>
+            <a:ext uri="{909E8E84-426E-40DD-AFC4-6F175D3DCCD1}">
+              <a14:hiddenFill xmlns:a14="http://schemas.microsoft.com/office/drawing/2010/main">
+                <a:solidFill>
+                  <a:srgbClr val="FFFFFF"/>
+                </a:solidFill>
+              </a14:hiddenFill>
+            </a:ext>
+            <a:ext uri="{91240B29-F687-4F45-9708-019B960494DF}">
+              <a14:hiddenLine xmlns:a14="http://schemas.microsoft.com/office/drawing/2010/main" w="9525">
+                <a:solidFill>
+                  <a:srgbClr val="000000"/>
+                </a:solidFill>
+                <a:miter lim="800000"/>
+                <a:headEnd/>
+                <a:tailEnd/>
+              </a14:hiddenLine>
+            </a:ext>
+          </a:extLst>
+        </p:spPr>
+        <p:txBody>
+          <a:bodyPr>
+            <a:spAutoFit/>
+          </a:bodyPr>
+          <a:lstStyle>
+            <a:lvl1pPr eaLnBrk="0" hangingPunct="0">
+              <a:defRPr>
+                <a:solidFill>
+                  <a:schemeClr val="tx1"/>
+                </a:solidFill>
+                <a:latin typeface="等线" panose="02010600030101010101" charset="-122"/>
+                <a:ea typeface="等线" panose="02010600030101010101" charset="-122"/>
+                <a:cs typeface="等线" panose="02010600030101010101" charset="-122"/>
+              </a:defRPr>
+            </a:lvl1pPr>
+            <a:lvl2pPr marL="742950" indent="-285750" eaLnBrk="0" hangingPunct="0">
+              <a:defRPr>
+                <a:solidFill>
+                  <a:schemeClr val="tx1"/>
+                </a:solidFill>
+                <a:latin typeface="等线" panose="02010600030101010101" charset="-122"/>
+                <a:ea typeface="等线" panose="02010600030101010101" charset="-122"/>
+                <a:cs typeface="等线" panose="02010600030101010101" charset="-122"/>
+              </a:defRPr>
+            </a:lvl2pPr>
+            <a:lvl3pPr marL="1143000" indent="-228600" eaLnBrk="0" hangingPunct="0">
+              <a:defRPr>
+                <a:solidFill>
+                  <a:schemeClr val="tx1"/>
+                </a:solidFill>
+                <a:latin typeface="等线" panose="02010600030101010101" charset="-122"/>
+                <a:ea typeface="等线" panose="02010600030101010101" charset="-122"/>
+                <a:cs typeface="等线" panose="02010600030101010101" charset="-122"/>
+              </a:defRPr>
+            </a:lvl3pPr>
+            <a:lvl4pPr marL="1600200" indent="-228600" eaLnBrk="0" hangingPunct="0">
+              <a:defRPr>
+                <a:solidFill>
+                  <a:schemeClr val="tx1"/>
+                </a:solidFill>
+                <a:latin typeface="等线" panose="02010600030101010101" charset="-122"/>
+                <a:ea typeface="等线" panose="02010600030101010101" charset="-122"/>
+                <a:cs typeface="等线" panose="02010600030101010101" charset="-122"/>
+              </a:defRPr>
+            </a:lvl4pPr>
+            <a:lvl5pPr marL="2057400" indent="-228600" eaLnBrk="0" hangingPunct="0">
+              <a:defRPr>
+                <a:solidFill>
+                  <a:schemeClr val="tx1"/>
+                </a:solidFill>
+                <a:latin typeface="等线" panose="02010600030101010101" charset="-122"/>
+                <a:ea typeface="等线" panose="02010600030101010101" charset="-122"/>
+                <a:cs typeface="等线" panose="02010600030101010101" charset="-122"/>
+              </a:defRPr>
+            </a:lvl5pPr>
+            <a:lvl6pPr marL="2514600" indent="-228600" eaLnBrk="0" fontAlgn="base" hangingPunct="0">
+              <a:spcBef>
+                <a:spcPct val="0"/>
+              </a:spcBef>
+              <a:spcAft>
+                <a:spcPct val="0"/>
+              </a:spcAft>
+              <a:defRPr>
+                <a:solidFill>
+                  <a:schemeClr val="tx1"/>
+                </a:solidFill>
+                <a:latin typeface="等线" panose="02010600030101010101" charset="-122"/>
+                <a:ea typeface="等线" panose="02010600030101010101" charset="-122"/>
+                <a:cs typeface="等线" panose="02010600030101010101" charset="-122"/>
+              </a:defRPr>
+            </a:lvl6pPr>
+            <a:lvl7pPr marL="2971800" indent="-228600" eaLnBrk="0" fontAlgn="base" hangingPunct="0">
+              <a:spcBef>
+                <a:spcPct val="0"/>
+              </a:spcBef>
+              <a:spcAft>
+                <a:spcPct val="0"/>
+              </a:spcAft>
+              <a:defRPr>
+                <a:solidFill>
+                  <a:schemeClr val="tx1"/>
+                </a:solidFill>
+                <a:latin typeface="等线" panose="02010600030101010101" charset="-122"/>
+                <a:ea typeface="等线" panose="02010600030101010101" charset="-122"/>
+                <a:cs typeface="等线" panose="02010600030101010101" charset="-122"/>
+              </a:defRPr>
+            </a:lvl7pPr>
+            <a:lvl8pPr marL="3429000" indent="-228600" eaLnBrk="0" fontAlgn="base" hangingPunct="0">
+              <a:spcBef>
+                <a:spcPct val="0"/>
+              </a:spcBef>
+              <a:spcAft>
+                <a:spcPct val="0"/>
+              </a:spcAft>
+              <a:defRPr>
+                <a:solidFill>
+                  <a:schemeClr val="tx1"/>
+                </a:solidFill>
+                <a:latin typeface="等线" panose="02010600030101010101" charset="-122"/>
+                <a:ea typeface="等线" panose="02010600030101010101" charset="-122"/>
+                <a:cs typeface="等线" panose="02010600030101010101" charset="-122"/>
+              </a:defRPr>
+            </a:lvl8pPr>
+            <a:lvl9pPr marL="3886200" indent="-228600" eaLnBrk="0" fontAlgn="base" hangingPunct="0">
+              <a:spcBef>
+                <a:spcPct val="0"/>
+              </a:spcBef>
+              <a:spcAft>
+                <a:spcPct val="0"/>
+              </a:spcAft>
+              <a:defRPr>
+                <a:solidFill>
+                  <a:schemeClr val="tx1"/>
+                </a:solidFill>
+                <a:latin typeface="等线" panose="02010600030101010101" charset="-122"/>
+                <a:ea typeface="等线" panose="02010600030101010101" charset="-122"/>
+                <a:cs typeface="等线" panose="02010600030101010101" charset="-122"/>
+              </a:defRPr>
+            </a:lvl9pPr>
+          </a:lstStyle>
+          <a:p>
+            <a:pPr eaLnBrk="1" hangingPunct="1"/>
+            <a:r>
+              <a:rPr lang="zh-CN" altLang="en-US" dirty="0" smtClean="0">
+                <a:solidFill>
+                  <a:schemeClr val="tx1"/>
+                </a:solidFill>
+                <a:latin typeface="微软雅黑" panose="020B0503020204020204" pitchFamily="34" charset="-122"/>
+                <a:ea typeface="微软雅黑" panose="020B0503020204020204" pitchFamily="34" charset="-122"/>
+                <a:sym typeface="+mn-ea"/>
+              </a:rPr>
+              <a:t>了解人机对话</a:t>
+            </a:r>
+            <a:endParaRPr lang="zh-CN" altLang="en-US" dirty="0" smtClean="0">
+              <a:solidFill>
+                <a:schemeClr val="tx1"/>
+              </a:solidFill>
+              <a:latin typeface="微软雅黑" panose="020B0503020204020204" pitchFamily="34" charset="-122"/>
+              <a:ea typeface="微软雅黑" panose="020B0503020204020204" pitchFamily="34" charset="-122"/>
+              <a:sym typeface="+mn-ea"/>
+            </a:endParaRPr>
+          </a:p>
+        </p:txBody>
+      </p:sp>
+      <p:sp>
+        <p:nvSpPr>
+          <p:cNvPr id="3" name="TextBox 2"/>
+          <p:cNvSpPr txBox="1"/>
+          <p:nvPr/>
+        </p:nvSpPr>
+        <p:spPr>
+          <a:xfrm>
+            <a:off x="1015009" y="932322"/>
+            <a:ext cx="1744980" cy="460375"/>
+          </a:xfrm>
+          <a:prstGeom prst="rect">
+            <a:avLst/>
+          </a:prstGeom>
+          <a:noFill/>
+        </p:spPr>
+        <p:txBody>
+          <a:bodyPr wrap="none" rtlCol="0">
+            <a:spAutoFit/>
+          </a:bodyPr>
+          <a:lstStyle/>
+          <a:p>
+            <a:pPr marL="342900" indent="-342900" algn="l">
+              <a:buFont typeface="Wingdings" panose="05000000000000000000" charset="0"/>
+              <a:buChar char="Ø"/>
+            </a:pPr>
+            <a:r>
+              <a:rPr lang="zh-CN" altLang="en-US" sz="2400" dirty="0" smtClean="0">
+                <a:latin typeface="微软雅黑" panose="020B0503020204020204" pitchFamily="34" charset="-122"/>
+                <a:ea typeface="微软雅黑" panose="020B0503020204020204" pitchFamily="34" charset="-122"/>
+              </a:rPr>
+              <a:t>数据类型</a:t>
+            </a:r>
+            <a:endParaRPr lang="zh-CN" altLang="en-US" sz="2400" dirty="0" smtClean="0">
+              <a:latin typeface="微软雅黑" panose="020B0503020204020204" pitchFamily="34" charset="-122"/>
+              <a:ea typeface="微软雅黑" panose="020B0503020204020204" pitchFamily="34" charset="-122"/>
+            </a:endParaRPr>
+          </a:p>
+        </p:txBody>
+      </p:sp>
+      <p:sp>
+        <p:nvSpPr>
+          <p:cNvPr id="6" name="文本框 5"/>
+          <p:cNvSpPr txBox="1"/>
+          <p:nvPr/>
+        </p:nvSpPr>
+        <p:spPr>
+          <a:xfrm>
+            <a:off x="1658620" y="1710690"/>
+            <a:ext cx="8875395" cy="4154170"/>
+          </a:xfrm>
+          <a:prstGeom prst="rect">
+            <a:avLst/>
+          </a:prstGeom>
+          <a:noFill/>
+        </p:spPr>
+        <p:txBody>
+          <a:bodyPr wrap="square" rtlCol="0" anchor="t">
+            <a:spAutoFit/>
+          </a:bodyPr>
+          <a:p>
+            <a:r>
+              <a:rPr lang="zh-CN" altLang="en-US" sz="2400" b="1">
+                <a:sym typeface="+mn-ea"/>
+              </a:rPr>
+              <a:t>type</a:t>
+            </a:r>
+            <a:r>
+              <a:rPr lang="zh-CN" altLang="en-US" sz="2400" b="1">
+                <a:effectLst>
+                  <a:outerShdw blurRad="38100" dist="25400" dir="5400000" algn="ctr" rotWithShape="0">
+                    <a:srgbClr val="6E747A">
+                      <a:alpha val="43000"/>
+                    </a:srgbClr>
+                  </a:outerShdw>
+                </a:effectLst>
+                <a:latin typeface="微软雅黑" panose="020B0503020204020204" pitchFamily="34" charset="-122"/>
+                <a:ea typeface="微软雅黑" panose="020B0503020204020204" pitchFamily="34" charset="-122"/>
+                <a:cs typeface="微软雅黑" panose="020B0503020204020204" pitchFamily="34" charset="-122"/>
+                <a:sym typeface="+mn-ea"/>
+              </a:rPr>
+              <a:t>函数：</a:t>
+            </a:r>
+            <a:r>
+              <a:rPr lang="zh-CN" altLang="en-US" sz="2400" b="1">
+                <a:sym typeface="+mn-ea"/>
+              </a:rPr>
+              <a:t>变量的类型</a:t>
+            </a:r>
+            <a:endParaRPr lang="zh-CN" altLang="en-US" sz="2400" b="1">
+              <a:sym typeface="+mn-ea"/>
+            </a:endParaRPr>
+          </a:p>
+          <a:p>
+            <a:endParaRPr lang="zh-CN" altLang="en-US" sz="2400"/>
+          </a:p>
+          <a:p>
+            <a:r>
+              <a:rPr lang="zh-CN" altLang="en-US" sz="2400"/>
+              <a:t>    </a:t>
+            </a:r>
+            <a:r>
+              <a:rPr lang="zh-CN" altLang="en-US" sz="2400">
+                <a:solidFill>
+                  <a:srgbClr val="FF0000"/>
+                </a:solidFill>
+              </a:rPr>
+              <a:t>例</a:t>
+            </a:r>
+            <a:r>
+              <a:rPr lang="en-US" altLang="zh-CN" sz="2400">
+                <a:solidFill>
+                  <a:srgbClr val="FF0000"/>
+                </a:solidFill>
+              </a:rPr>
+              <a:t>8</a:t>
+            </a:r>
+            <a:r>
+              <a:rPr lang="zh-CN" altLang="en-US" sz="2400">
+                <a:solidFill>
+                  <a:srgbClr val="FF0000"/>
+                </a:solidFill>
+              </a:rPr>
+              <a:t>：</a:t>
+            </a:r>
+            <a:endParaRPr lang="zh-CN" altLang="en-US" sz="2400"/>
+          </a:p>
+          <a:p>
+            <a:endParaRPr lang="zh-CN" altLang="en-US" sz="2400"/>
+          </a:p>
+          <a:p>
+            <a:r>
+              <a:rPr lang="zh-CN" altLang="en-US" sz="2400"/>
+              <a:t>a='44.2'</a:t>
+            </a:r>
+            <a:endParaRPr lang="zh-CN" altLang="en-US" sz="2400"/>
+          </a:p>
+          <a:p>
+            <a:r>
+              <a:rPr lang="zh-CN" altLang="en-US" sz="2400"/>
+              <a:t>b=44.2</a:t>
+            </a:r>
+            <a:endParaRPr lang="zh-CN" altLang="en-US" sz="2400"/>
+          </a:p>
+          <a:p>
+            <a:r>
+              <a:rPr lang="zh-CN" altLang="en-US" sz="2400"/>
+              <a:t>print(type(a))</a:t>
+            </a:r>
+            <a:endParaRPr lang="zh-CN" altLang="en-US" sz="2400"/>
+          </a:p>
+          <a:p>
+            <a:r>
+              <a:rPr lang="zh-CN" altLang="en-US" sz="2400"/>
+              <a:t>print(type(b))</a:t>
+            </a:r>
+            <a:endParaRPr lang="zh-CN" altLang="en-US" sz="2400"/>
+          </a:p>
+          <a:p>
+            <a:endParaRPr lang="zh-CN" altLang="en-US" sz="2400"/>
+          </a:p>
+          <a:p>
+            <a:pPr marL="342900" indent="-342900">
+              <a:buFont typeface="Arial" panose="020B0604020202020204" pitchFamily="34" charset="0"/>
+              <a:buChar char="•"/>
+            </a:pPr>
+            <a:r>
+              <a:rPr lang="zh-CN" altLang="en-US" sz="2400" b="1"/>
+              <a:t>a 的类型是 'str'，这代表字符串</a:t>
+            </a:r>
+            <a:endParaRPr lang="zh-CN" altLang="en-US" sz="2400" b="1"/>
+          </a:p>
+          <a:p>
+            <a:pPr marL="342900" indent="-342900">
+              <a:buFont typeface="Arial" panose="020B0604020202020204" pitchFamily="34" charset="0"/>
+              <a:buChar char="•"/>
+            </a:pPr>
+            <a:r>
+              <a:rPr lang="zh-CN" altLang="en-US" sz="2400" b="1"/>
+              <a:t>b 的类型是 'float'，这代表浮点数</a:t>
+            </a:r>
+            <a:endParaRPr lang="zh-CN" altLang="en-US" sz="2400" b="1"/>
+          </a:p>
+        </p:txBody>
+      </p:sp>
+    </p:spTree>
+  </p:cSld>
+  <p:clrMapOvr>
+    <a:masterClrMapping/>
+  </p:clrMapOvr>
+  <p:timing>
+    <p:tnLst>
+      <p:par>
+        <p:cTn id="1" dur="indefinite" restart="never" nodeType="tmRoot"/>
+      </p:par>
+    </p:tnLst>
+  </p:timing>
+</p:sld>
+</file>
+
+<file path=ppt/slides/slide16.xml><?xml version="1.0" encoding="utf-8"?>
+<p:sld xmlns:a="http://schemas.openxmlformats.org/drawingml/2006/main" xmlns:r="http://schemas.openxmlformats.org/officeDocument/2006/relationships" xmlns:p="http://schemas.openxmlformats.org/presentationml/2006/main">
+  <p:cSld>
+    <p:bg>
+      <p:bgPr>
+        <a:blipFill dpi="0" rotWithShape="0">
+          <a:blip r:embed="rId1"/>
+          <a:srcRect/>
+          <a:stretch>
+            <a:fillRect/>
+          </a:stretch>
+        </a:blipFill>
+        <a:effectLst/>
+      </p:bgPr>
+    </p:bg>
+    <p:spTree>
+      <p:nvGrpSpPr>
+        <p:cNvPr id="1" name=""/>
+        <p:cNvGrpSpPr/>
+        <p:nvPr/>
+      </p:nvGrpSpPr>
+      <p:grpSpPr>
+        <a:xfrm>
+          <a:off x="0" y="0"/>
+          <a:ext cx="0" cy="0"/>
+          <a:chOff x="0" y="0"/>
+          <a:chExt cx="0" cy="0"/>
+        </a:xfrm>
+      </p:grpSpPr>
+      <p:sp>
+        <p:nvSpPr>
+          <p:cNvPr id="16386" name="文本框 3"/>
+          <p:cNvSpPr txBox="1">
+            <a:spLocks noChangeArrowheads="1"/>
+          </p:cNvSpPr>
+          <p:nvPr/>
+        </p:nvSpPr>
+        <p:spPr bwMode="auto">
+          <a:xfrm>
+            <a:off x="887413" y="419100"/>
+            <a:ext cx="3729037" cy="368300"/>
+          </a:xfrm>
+          <a:prstGeom prst="rect">
+            <a:avLst/>
+          </a:prstGeom>
+          <a:noFill/>
+          <a:ln>
+            <a:noFill/>
+          </a:ln>
+          <a:extLst>
+            <a:ext uri="{909E8E84-426E-40DD-AFC4-6F175D3DCCD1}">
+              <a14:hiddenFill xmlns:a14="http://schemas.microsoft.com/office/drawing/2010/main">
+                <a:solidFill>
+                  <a:srgbClr val="FFFFFF"/>
+                </a:solidFill>
+              </a14:hiddenFill>
+            </a:ext>
+            <a:ext uri="{91240B29-F687-4F45-9708-019B960494DF}">
+              <a14:hiddenLine xmlns:a14="http://schemas.microsoft.com/office/drawing/2010/main" w="9525">
+                <a:solidFill>
+                  <a:srgbClr val="000000"/>
+                </a:solidFill>
+                <a:miter lim="800000"/>
+                <a:headEnd/>
+                <a:tailEnd/>
+              </a14:hiddenLine>
+            </a:ext>
+          </a:extLst>
+        </p:spPr>
+        <p:txBody>
+          <a:bodyPr>
+            <a:spAutoFit/>
+          </a:bodyPr>
+          <a:lstStyle>
+            <a:lvl1pPr eaLnBrk="0" hangingPunct="0">
+              <a:defRPr>
+                <a:solidFill>
+                  <a:schemeClr val="tx1"/>
+                </a:solidFill>
+                <a:latin typeface="等线" panose="02010600030101010101" charset="-122"/>
+                <a:ea typeface="等线" panose="02010600030101010101" charset="-122"/>
+                <a:cs typeface="等线" panose="02010600030101010101" charset="-122"/>
+              </a:defRPr>
+            </a:lvl1pPr>
+            <a:lvl2pPr marL="742950" indent="-285750" eaLnBrk="0" hangingPunct="0">
+              <a:defRPr>
+                <a:solidFill>
+                  <a:schemeClr val="tx1"/>
+                </a:solidFill>
+                <a:latin typeface="等线" panose="02010600030101010101" charset="-122"/>
+                <a:ea typeface="等线" panose="02010600030101010101" charset="-122"/>
+                <a:cs typeface="等线" panose="02010600030101010101" charset="-122"/>
+              </a:defRPr>
+            </a:lvl2pPr>
+            <a:lvl3pPr marL="1143000" indent="-228600" eaLnBrk="0" hangingPunct="0">
+              <a:defRPr>
+                <a:solidFill>
+                  <a:schemeClr val="tx1"/>
+                </a:solidFill>
+                <a:latin typeface="等线" panose="02010600030101010101" charset="-122"/>
+                <a:ea typeface="等线" panose="02010600030101010101" charset="-122"/>
+                <a:cs typeface="等线" panose="02010600030101010101" charset="-122"/>
+              </a:defRPr>
+            </a:lvl3pPr>
+            <a:lvl4pPr marL="1600200" indent="-228600" eaLnBrk="0" hangingPunct="0">
+              <a:defRPr>
+                <a:solidFill>
+                  <a:schemeClr val="tx1"/>
+                </a:solidFill>
+                <a:latin typeface="等线" panose="02010600030101010101" charset="-122"/>
+                <a:ea typeface="等线" panose="02010600030101010101" charset="-122"/>
+                <a:cs typeface="等线" panose="02010600030101010101" charset="-122"/>
+              </a:defRPr>
+            </a:lvl4pPr>
+            <a:lvl5pPr marL="2057400" indent="-228600" eaLnBrk="0" hangingPunct="0">
+              <a:defRPr>
+                <a:solidFill>
+                  <a:schemeClr val="tx1"/>
+                </a:solidFill>
+                <a:latin typeface="等线" panose="02010600030101010101" charset="-122"/>
+                <a:ea typeface="等线" panose="02010600030101010101" charset="-122"/>
+                <a:cs typeface="等线" panose="02010600030101010101" charset="-122"/>
+              </a:defRPr>
+            </a:lvl5pPr>
+            <a:lvl6pPr marL="2514600" indent="-228600" eaLnBrk="0" fontAlgn="base" hangingPunct="0">
+              <a:spcBef>
+                <a:spcPct val="0"/>
+              </a:spcBef>
+              <a:spcAft>
+                <a:spcPct val="0"/>
+              </a:spcAft>
+              <a:defRPr>
+                <a:solidFill>
+                  <a:schemeClr val="tx1"/>
+                </a:solidFill>
+                <a:latin typeface="等线" panose="02010600030101010101" charset="-122"/>
+                <a:ea typeface="等线" panose="02010600030101010101" charset="-122"/>
+                <a:cs typeface="等线" panose="02010600030101010101" charset="-122"/>
+              </a:defRPr>
+            </a:lvl6pPr>
+            <a:lvl7pPr marL="2971800" indent="-228600" eaLnBrk="0" fontAlgn="base" hangingPunct="0">
+              <a:spcBef>
+                <a:spcPct val="0"/>
+              </a:spcBef>
+              <a:spcAft>
+                <a:spcPct val="0"/>
+              </a:spcAft>
+              <a:defRPr>
+                <a:solidFill>
+                  <a:schemeClr val="tx1"/>
+                </a:solidFill>
+                <a:latin typeface="等线" panose="02010600030101010101" charset="-122"/>
+                <a:ea typeface="等线" panose="02010600030101010101" charset="-122"/>
+                <a:cs typeface="等线" panose="02010600030101010101" charset="-122"/>
+              </a:defRPr>
+            </a:lvl7pPr>
+            <a:lvl8pPr marL="3429000" indent="-228600" eaLnBrk="0" fontAlgn="base" hangingPunct="0">
+              <a:spcBef>
+                <a:spcPct val="0"/>
+              </a:spcBef>
+              <a:spcAft>
+                <a:spcPct val="0"/>
+              </a:spcAft>
+              <a:defRPr>
+                <a:solidFill>
+                  <a:schemeClr val="tx1"/>
+                </a:solidFill>
+                <a:latin typeface="等线" panose="02010600030101010101" charset="-122"/>
+                <a:ea typeface="等线" panose="02010600030101010101" charset="-122"/>
+                <a:cs typeface="等线" panose="02010600030101010101" charset="-122"/>
+              </a:defRPr>
+            </a:lvl8pPr>
+            <a:lvl9pPr marL="3886200" indent="-228600" eaLnBrk="0" fontAlgn="base" hangingPunct="0">
+              <a:spcBef>
+                <a:spcPct val="0"/>
+              </a:spcBef>
+              <a:spcAft>
+                <a:spcPct val="0"/>
+              </a:spcAft>
+              <a:defRPr>
+                <a:solidFill>
+                  <a:schemeClr val="tx1"/>
+                </a:solidFill>
+                <a:latin typeface="等线" panose="02010600030101010101" charset="-122"/>
+                <a:ea typeface="等线" panose="02010600030101010101" charset="-122"/>
+                <a:cs typeface="等线" panose="02010600030101010101" charset="-122"/>
+              </a:defRPr>
+            </a:lvl9pPr>
+          </a:lstStyle>
+          <a:p>
+            <a:pPr eaLnBrk="1" hangingPunct="1"/>
+            <a:r>
+              <a:rPr lang="zh-CN" altLang="en-US" dirty="0" smtClean="0">
+                <a:solidFill>
+                  <a:schemeClr val="tx1"/>
+                </a:solidFill>
+                <a:latin typeface="微软雅黑" panose="020B0503020204020204" pitchFamily="34" charset="-122"/>
+                <a:ea typeface="微软雅黑" panose="020B0503020204020204" pitchFamily="34" charset="-122"/>
+                <a:sym typeface="+mn-ea"/>
+              </a:rPr>
+              <a:t>了解人机对话</a:t>
+            </a:r>
+            <a:endParaRPr lang="zh-CN" altLang="en-US" dirty="0" smtClean="0">
+              <a:solidFill>
+                <a:schemeClr val="tx1"/>
+              </a:solidFill>
+              <a:latin typeface="微软雅黑" panose="020B0503020204020204" pitchFamily="34" charset="-122"/>
+              <a:ea typeface="微软雅黑" panose="020B0503020204020204" pitchFamily="34" charset="-122"/>
+              <a:sym typeface="+mn-ea"/>
+            </a:endParaRPr>
+          </a:p>
+        </p:txBody>
+      </p:sp>
+      <p:sp>
+        <p:nvSpPr>
+          <p:cNvPr id="3" name="TextBox 2"/>
+          <p:cNvSpPr txBox="1"/>
+          <p:nvPr/>
+        </p:nvSpPr>
+        <p:spPr>
+          <a:xfrm>
+            <a:off x="1015009" y="932322"/>
+            <a:ext cx="1744980" cy="460375"/>
+          </a:xfrm>
+          <a:prstGeom prst="rect">
+            <a:avLst/>
+          </a:prstGeom>
+          <a:noFill/>
+        </p:spPr>
+        <p:txBody>
+          <a:bodyPr wrap="none" rtlCol="0">
+            <a:spAutoFit/>
+          </a:bodyPr>
+          <a:lstStyle/>
+          <a:p>
+            <a:pPr marL="342900" indent="-342900" algn="l">
+              <a:buFont typeface="Wingdings" panose="05000000000000000000" charset="0"/>
+              <a:buChar char="Ø"/>
+            </a:pPr>
+            <a:r>
+              <a:rPr lang="zh-CN" altLang="en-US" sz="2400" dirty="0" smtClean="0">
+                <a:latin typeface="微软雅黑" panose="020B0503020204020204" pitchFamily="34" charset="-122"/>
+                <a:ea typeface="微软雅黑" panose="020B0503020204020204" pitchFamily="34" charset="-122"/>
+              </a:rPr>
               <a:t>数据输入</a:t>
             </a:r>
             <a:endParaRPr lang="zh-CN" altLang="en-US" sz="2400" dirty="0" smtClean="0">
@@ -15816,6 +16992,69 @@
           </a:p>
         </p:txBody>
       </p:sp>
+      <p:sp>
+        <p:nvSpPr>
+          <p:cNvPr id="2" name="文本框 1"/>
+          <p:cNvSpPr txBox="1"/>
+          <p:nvPr/>
+        </p:nvSpPr>
+        <p:spPr>
+          <a:xfrm>
+            <a:off x="1818005" y="3980180"/>
+            <a:ext cx="7588885" cy="922020"/>
+          </a:xfrm>
+          <a:prstGeom prst="rect">
+            <a:avLst/>
+          </a:prstGeom>
+          <a:noFill/>
+        </p:spPr>
+        <p:txBody>
+          <a:bodyPr wrap="square" rtlCol="0">
+            <a:spAutoFit/>
+          </a:bodyPr>
+          <a:p>
+            <a:r>
+              <a:rPr lang="zh-CN" altLang="en-US">
+                <a:solidFill>
+                  <a:srgbClr val="FF0000"/>
+                </a:solidFill>
+              </a:rPr>
+              <a:t>例</a:t>
+            </a:r>
+            <a:r>
+              <a:rPr lang="en-US" altLang="zh-CN">
+                <a:solidFill>
+                  <a:srgbClr val="FF0000"/>
+                </a:solidFill>
+              </a:rPr>
+              <a:t>9</a:t>
+            </a:r>
+            <a:r>
+              <a:rPr lang="zh-CN" altLang="en-US">
+                <a:solidFill>
+                  <a:srgbClr val="FF0000"/>
+                </a:solidFill>
+              </a:rPr>
+              <a:t>：</a:t>
+            </a:r>
+            <a:endParaRPr lang="zh-CN" altLang="en-US"/>
+          </a:p>
+          <a:p>
+            <a:r>
+              <a:rPr lang="zh-CN" altLang="en-US"/>
+              <a:t>text = input("请输入:")</a:t>
+            </a:r>
+            <a:endParaRPr lang="zh-CN" altLang="en-US"/>
+          </a:p>
+          <a:p>
+            <a:r>
+              <a:rPr lang="zh-CN" altLang="en-US"/>
+              <a:t>print(text)</a:t>
+            </a:r>
+            <a:endParaRPr lang="zh-CN" altLang="en-US"/>
+          </a:p>
+        </p:txBody>
+      </p:sp>
     </p:spTree>
   </p:cSld>
   <p:clrMapOvr>
@@ -15831,7 +17070,7 @@
 </p:sld>
 </file>
 
-<file path=ppt/slides/slide15.xml><?xml version="1.0" encoding="utf-8"?>
+<file path=ppt/slides/slide17.xml><?xml version="1.0" encoding="utf-8"?>
 <p:sld xmlns:a="http://schemas.openxmlformats.org/drawingml/2006/main" xmlns:r="http://schemas.openxmlformats.org/officeDocument/2006/relationships" xmlns:p="http://schemas.openxmlformats.org/presentationml/2006/main">
   <p:cSld>
     <p:spTree>
@@ -16249,7 +17488,595 @@
 </p:sld>
 </file>
 
-<file path=ppt/slides/slide16.xml><?xml version="1.0" encoding="utf-8"?>
+<file path=ppt/slides/slide18.xml><?xml version="1.0" encoding="utf-8"?>
+<p:sld xmlns:a="http://schemas.openxmlformats.org/drawingml/2006/main" xmlns:r="http://schemas.openxmlformats.org/officeDocument/2006/relationships" xmlns:p="http://schemas.openxmlformats.org/presentationml/2006/main">
+  <p:cSld>
+    <p:spTree>
+      <p:nvGrpSpPr>
+        <p:cNvPr id="1" name=""/>
+        <p:cNvGrpSpPr/>
+        <p:nvPr/>
+      </p:nvGrpSpPr>
+      <p:grpSpPr>
+        <a:xfrm>
+          <a:off x="0" y="0"/>
+          <a:ext cx="0" cy="0"/>
+          <a:chOff x="0" y="0"/>
+          <a:chExt cx="0" cy="0"/>
+        </a:xfrm>
+      </p:grpSpPr>
+      <p:sp>
+        <p:nvSpPr>
+          <p:cNvPr id="4" name="文本框 3"/>
+          <p:cNvSpPr txBox="1">
+            <a:spLocks noChangeArrowheads="1"/>
+          </p:cNvSpPr>
+          <p:nvPr/>
+        </p:nvSpPr>
+        <p:spPr bwMode="auto">
+          <a:xfrm>
+            <a:off x="887413" y="419100"/>
+            <a:ext cx="3729037" cy="1476375"/>
+          </a:xfrm>
+          <a:prstGeom prst="rect">
+            <a:avLst/>
+          </a:prstGeom>
+          <a:noFill/>
+          <a:ln>
+            <a:noFill/>
+          </a:ln>
+          <a:extLst>
+            <a:ext uri="{909E8E84-426E-40DD-AFC4-6F175D3DCCD1}">
+              <a14:hiddenFill xmlns:a14="http://schemas.microsoft.com/office/drawing/2010/main">
+                <a:solidFill>
+                  <a:srgbClr val="FFFFFF"/>
+                </a:solidFill>
+              </a14:hiddenFill>
+            </a:ext>
+            <a:ext uri="{91240B29-F687-4F45-9708-019B960494DF}">
+              <a14:hiddenLine xmlns:a14="http://schemas.microsoft.com/office/drawing/2010/main" w="9525">
+                <a:solidFill>
+                  <a:srgbClr val="000000"/>
+                </a:solidFill>
+                <a:miter lim="800000"/>
+                <a:headEnd/>
+                <a:tailEnd/>
+              </a14:hiddenLine>
+            </a:ext>
+          </a:extLst>
+        </p:spPr>
+        <p:txBody>
+          <a:bodyPr>
+            <a:spAutoFit/>
+          </a:bodyPr>
+          <a:lstStyle>
+            <a:lvl1pPr eaLnBrk="0" hangingPunct="0">
+              <a:defRPr>
+                <a:solidFill>
+                  <a:schemeClr val="tx1"/>
+                </a:solidFill>
+                <a:latin typeface="等线" panose="02010600030101010101" charset="-122"/>
+                <a:ea typeface="等线" panose="02010600030101010101" charset="-122"/>
+                <a:cs typeface="等线" panose="02010600030101010101" charset="-122"/>
+              </a:defRPr>
+            </a:lvl1pPr>
+            <a:lvl2pPr marL="742950" indent="-285750" eaLnBrk="0" hangingPunct="0">
+              <a:defRPr>
+                <a:solidFill>
+                  <a:schemeClr val="tx1"/>
+                </a:solidFill>
+                <a:latin typeface="等线" panose="02010600030101010101" charset="-122"/>
+                <a:ea typeface="等线" panose="02010600030101010101" charset="-122"/>
+                <a:cs typeface="等线" panose="02010600030101010101" charset="-122"/>
+              </a:defRPr>
+            </a:lvl2pPr>
+            <a:lvl3pPr marL="1143000" indent="-228600" eaLnBrk="0" hangingPunct="0">
+              <a:defRPr>
+                <a:solidFill>
+                  <a:schemeClr val="tx1"/>
+                </a:solidFill>
+                <a:latin typeface="等线" panose="02010600030101010101" charset="-122"/>
+                <a:ea typeface="等线" panose="02010600030101010101" charset="-122"/>
+                <a:cs typeface="等线" panose="02010600030101010101" charset="-122"/>
+              </a:defRPr>
+            </a:lvl3pPr>
+            <a:lvl4pPr marL="1600200" indent="-228600" eaLnBrk="0" hangingPunct="0">
+              <a:defRPr>
+                <a:solidFill>
+                  <a:schemeClr val="tx1"/>
+                </a:solidFill>
+                <a:latin typeface="等线" panose="02010600030101010101" charset="-122"/>
+                <a:ea typeface="等线" panose="02010600030101010101" charset="-122"/>
+                <a:cs typeface="等线" panose="02010600030101010101" charset="-122"/>
+              </a:defRPr>
+            </a:lvl4pPr>
+            <a:lvl5pPr marL="2057400" indent="-228600" eaLnBrk="0" hangingPunct="0">
+              <a:defRPr>
+                <a:solidFill>
+                  <a:schemeClr val="tx1"/>
+                </a:solidFill>
+                <a:latin typeface="等线" panose="02010600030101010101" charset="-122"/>
+                <a:ea typeface="等线" panose="02010600030101010101" charset="-122"/>
+                <a:cs typeface="等线" panose="02010600030101010101" charset="-122"/>
+              </a:defRPr>
+            </a:lvl5pPr>
+            <a:lvl6pPr marL="2514600" indent="-228600" eaLnBrk="0" fontAlgn="base" hangingPunct="0">
+              <a:spcBef>
+                <a:spcPct val="0"/>
+              </a:spcBef>
+              <a:spcAft>
+                <a:spcPct val="0"/>
+              </a:spcAft>
+              <a:defRPr>
+                <a:solidFill>
+                  <a:schemeClr val="tx1"/>
+                </a:solidFill>
+                <a:latin typeface="等线" panose="02010600030101010101" charset="-122"/>
+                <a:ea typeface="等线" panose="02010600030101010101" charset="-122"/>
+                <a:cs typeface="等线" panose="02010600030101010101" charset="-122"/>
+              </a:defRPr>
+            </a:lvl6pPr>
+            <a:lvl7pPr marL="2971800" indent="-228600" eaLnBrk="0" fontAlgn="base" hangingPunct="0">
+              <a:spcBef>
+                <a:spcPct val="0"/>
+              </a:spcBef>
+              <a:spcAft>
+                <a:spcPct val="0"/>
+              </a:spcAft>
+              <a:defRPr>
+                <a:solidFill>
+                  <a:schemeClr val="tx1"/>
+                </a:solidFill>
+                <a:latin typeface="等线" panose="02010600030101010101" charset="-122"/>
+                <a:ea typeface="等线" panose="02010600030101010101" charset="-122"/>
+                <a:cs typeface="等线" panose="02010600030101010101" charset="-122"/>
+              </a:defRPr>
+            </a:lvl7pPr>
+            <a:lvl8pPr marL="3429000" indent="-228600" eaLnBrk="0" fontAlgn="base" hangingPunct="0">
+              <a:spcBef>
+                <a:spcPct val="0"/>
+              </a:spcBef>
+              <a:spcAft>
+                <a:spcPct val="0"/>
+              </a:spcAft>
+              <a:defRPr>
+                <a:solidFill>
+                  <a:schemeClr val="tx1"/>
+                </a:solidFill>
+                <a:latin typeface="等线" panose="02010600030101010101" charset="-122"/>
+                <a:ea typeface="等线" panose="02010600030101010101" charset="-122"/>
+                <a:cs typeface="等线" panose="02010600030101010101" charset="-122"/>
+              </a:defRPr>
+            </a:lvl8pPr>
+            <a:lvl9pPr marL="3886200" indent="-228600" eaLnBrk="0" fontAlgn="base" hangingPunct="0">
+              <a:spcBef>
+                <a:spcPct val="0"/>
+              </a:spcBef>
+              <a:spcAft>
+                <a:spcPct val="0"/>
+              </a:spcAft>
+              <a:defRPr>
+                <a:solidFill>
+                  <a:schemeClr val="tx1"/>
+                </a:solidFill>
+                <a:latin typeface="等线" panose="02010600030101010101" charset="-122"/>
+                <a:ea typeface="等线" panose="02010600030101010101" charset="-122"/>
+                <a:cs typeface="等线" panose="02010600030101010101" charset="-122"/>
+              </a:defRPr>
+            </a:lvl9pPr>
+          </a:lstStyle>
+          <a:p>
+            <a:pPr eaLnBrk="1" hangingPunct="1"/>
+            <a:r>
+              <a:rPr lang="zh-CN" altLang="en-US" dirty="0" smtClean="0">
+                <a:latin typeface="微软雅黑" panose="020B0503020204020204" pitchFamily="34" charset="-122"/>
+                <a:ea typeface="微软雅黑" panose="020B0503020204020204" pitchFamily="34" charset="-122"/>
+                <a:sym typeface="+mn-ea"/>
+              </a:rPr>
+              <a:t>了解人机对话</a:t>
+            </a:r>
+            <a:endParaRPr lang="zh-CN" altLang="en-US" dirty="0" smtClean="0">
+              <a:solidFill>
+                <a:schemeClr val="tx1"/>
+              </a:solidFill>
+              <a:latin typeface="微软雅黑" panose="020B0503020204020204" pitchFamily="34" charset="-122"/>
+              <a:ea typeface="微软雅黑" panose="020B0503020204020204" pitchFamily="34" charset="-122"/>
+              <a:sym typeface="+mn-ea"/>
+            </a:endParaRPr>
+          </a:p>
+          <a:p>
+            <a:pPr eaLnBrk="1" hangingPunct="1"/>
+            <a:endParaRPr lang="zh-CN" altLang="en-US" dirty="0">
+              <a:latin typeface="微软雅黑" panose="020B0503020204020204" pitchFamily="34" charset="-122"/>
+              <a:ea typeface="微软雅黑" panose="020B0503020204020204" pitchFamily="34" charset="-122"/>
+            </a:endParaRPr>
+          </a:p>
+          <a:p>
+            <a:pPr eaLnBrk="1" hangingPunct="1"/>
+            <a:endParaRPr lang="zh-CN" altLang="en-US" dirty="0" smtClean="0">
+              <a:solidFill>
+                <a:schemeClr val="tx1"/>
+              </a:solidFill>
+              <a:latin typeface="微软雅黑" panose="020B0503020204020204" pitchFamily="34" charset="-122"/>
+              <a:ea typeface="微软雅黑" panose="020B0503020204020204" pitchFamily="34" charset="-122"/>
+            </a:endParaRPr>
+          </a:p>
+          <a:p>
+            <a:pPr eaLnBrk="1" hangingPunct="1"/>
+            <a:endParaRPr lang="zh-CN" altLang="en-US">
+              <a:latin typeface="微软雅黑" panose="020B0503020204020204" pitchFamily="34" charset="-122"/>
+              <a:ea typeface="微软雅黑" panose="020B0503020204020204" pitchFamily="34" charset="-122"/>
+            </a:endParaRPr>
+          </a:p>
+          <a:p>
+            <a:pPr eaLnBrk="1" hangingPunct="1"/>
+            <a:endParaRPr lang="zh-CN" altLang="en-US">
+              <a:latin typeface="微软雅黑" panose="020B0503020204020204" pitchFamily="34" charset="-122"/>
+              <a:ea typeface="微软雅黑" panose="020B0503020204020204" pitchFamily="34" charset="-122"/>
+            </a:endParaRPr>
+          </a:p>
+        </p:txBody>
+      </p:sp>
+      <p:pic>
+        <p:nvPicPr>
+          <p:cNvPr id="17411" name="Picture 3" descr="C:\Users\Bob\Desktop\图片素材\8258a2e7ef69f732cb3090123406204.png"/>
+          <p:cNvPicPr>
+            <a:picLocks noChangeAspect="1" noChangeArrowheads="1"/>
+          </p:cNvPicPr>
+          <p:nvPr/>
+        </p:nvPicPr>
+        <p:blipFill>
+          <a:blip r:embed="rId1">
+            <a:extLst>
+              <a:ext uri="{28A0092B-C50C-407E-A947-70E740481C1C}">
+                <a14:useLocalDpi xmlns:a14="http://schemas.microsoft.com/office/drawing/2010/main" val="0"/>
+              </a:ext>
+            </a:extLst>
+          </a:blip>
+          <a:srcRect/>
+          <a:stretch>
+            <a:fillRect/>
+          </a:stretch>
+        </p:blipFill>
+        <p:spPr bwMode="auto">
+          <a:xfrm>
+            <a:off x="800418" y="1660525"/>
+            <a:ext cx="2039937" cy="2916238"/>
+          </a:xfrm>
+          <a:prstGeom prst="rect">
+            <a:avLst/>
+          </a:prstGeom>
+          <a:noFill/>
+          <a:ln>
+            <a:noFill/>
+          </a:ln>
+          <a:extLst>
+            <a:ext uri="{909E8E84-426E-40DD-AFC4-6F175D3DCCD1}">
+              <a14:hiddenFill xmlns:a14="http://schemas.microsoft.com/office/drawing/2010/main">
+                <a:solidFill>
+                  <a:srgbClr val="FFFFFF"/>
+                </a:solidFill>
+              </a14:hiddenFill>
+            </a:ext>
+            <a:ext uri="{91240B29-F687-4F45-9708-019B960494DF}">
+              <a14:hiddenLine xmlns:a14="http://schemas.microsoft.com/office/drawing/2010/main" w="9525">
+                <a:solidFill>
+                  <a:srgbClr val="000000"/>
+                </a:solidFill>
+                <a:miter lim="800000"/>
+                <a:headEnd/>
+                <a:tailEnd/>
+              </a14:hiddenLine>
+            </a:ext>
+          </a:extLst>
+        </p:spPr>
+      </p:pic>
+      <p:sp>
+        <p:nvSpPr>
+          <p:cNvPr id="2" name="文本框 1"/>
+          <p:cNvSpPr txBox="1"/>
+          <p:nvPr/>
+        </p:nvSpPr>
+        <p:spPr>
+          <a:xfrm>
+            <a:off x="4516755" y="613410"/>
+            <a:ext cx="5650230" cy="6092825"/>
+          </a:xfrm>
+          <a:prstGeom prst="rect">
+            <a:avLst/>
+          </a:prstGeom>
+          <a:noFill/>
+        </p:spPr>
+        <p:txBody>
+          <a:bodyPr wrap="square" rtlCol="0" anchor="t">
+            <a:spAutoFit/>
+          </a:bodyPr>
+          <a:p>
+            <a:pPr>
+              <a:lnSpc>
+                <a:spcPct val="150000"/>
+              </a:lnSpc>
+            </a:pPr>
+            <a:r>
+              <a:rPr lang="zh-CN" altLang="en-US" sz="2000">
+                <a:solidFill>
+                  <a:srgbClr val="FF0000"/>
+                </a:solidFill>
+              </a:rPr>
+              <a:t>**例</a:t>
+            </a:r>
+            <a:r>
+              <a:rPr lang="en-US" altLang="zh-CN" sz="2000">
+                <a:solidFill>
+                  <a:srgbClr val="FF0000"/>
+                </a:solidFill>
+              </a:rPr>
+              <a:t>10</a:t>
+            </a:r>
+            <a:r>
+              <a:rPr lang="zh-CN" altLang="en-US" sz="2000">
+                <a:solidFill>
+                  <a:srgbClr val="FF0000"/>
+                </a:solidFill>
+              </a:rPr>
+              <a:t>**</a:t>
+            </a:r>
+            <a:endParaRPr lang="zh-CN" altLang="en-US" sz="2000">
+              <a:solidFill>
+                <a:schemeClr val="tx1"/>
+              </a:solidFill>
+            </a:endParaRPr>
+          </a:p>
+          <a:p>
+            <a:pPr>
+              <a:lnSpc>
+                <a:spcPct val="150000"/>
+              </a:lnSpc>
+            </a:pPr>
+            <a:endParaRPr lang="zh-CN" altLang="en-US" sz="2000">
+              <a:solidFill>
+                <a:schemeClr val="tx1"/>
+              </a:solidFill>
+            </a:endParaRPr>
+          </a:p>
+          <a:p>
+            <a:pPr>
+              <a:lnSpc>
+                <a:spcPct val="150000"/>
+              </a:lnSpc>
+            </a:pPr>
+            <a:r>
+              <a:rPr lang="zh-CN" altLang="en-US" sz="2000">
+                <a:solidFill>
+                  <a:schemeClr val="tx1"/>
+                </a:solidFill>
+              </a:rPr>
+              <a:t>#收银员输入苹果的价格</a:t>
+            </a:r>
+            <a:endParaRPr lang="zh-CN" altLang="en-US" sz="2000">
+              <a:solidFill>
+                <a:schemeClr val="tx1"/>
+              </a:solidFill>
+            </a:endParaRPr>
+          </a:p>
+          <a:p>
+            <a:pPr>
+              <a:lnSpc>
+                <a:spcPct val="150000"/>
+              </a:lnSpc>
+            </a:pPr>
+            <a:r>
+              <a:rPr lang="zh-CN" altLang="en-US" sz="2000">
+                <a:solidFill>
+                  <a:schemeClr val="tx1"/>
+                </a:solidFill>
+              </a:rPr>
+              <a:t>p1=input("苹果价格:")</a:t>
+            </a:r>
+            <a:endParaRPr lang="zh-CN" altLang="en-US" sz="2000">
+              <a:solidFill>
+                <a:schemeClr val="tx1"/>
+              </a:solidFill>
+            </a:endParaRPr>
+          </a:p>
+          <a:p>
+            <a:pPr>
+              <a:lnSpc>
+                <a:spcPct val="150000"/>
+              </a:lnSpc>
+            </a:pPr>
+            <a:r>
+              <a:rPr lang="zh-CN" altLang="en-US" sz="2000">
+                <a:solidFill>
+                  <a:schemeClr val="tx1"/>
+                </a:solidFill>
+              </a:rPr>
+              <a:t>#p1是个字符串，需要把字符串转为浮点数</a:t>
+            </a:r>
+            <a:endParaRPr lang="zh-CN" altLang="en-US" sz="2000">
+              <a:solidFill>
+                <a:schemeClr val="tx1"/>
+              </a:solidFill>
+            </a:endParaRPr>
+          </a:p>
+          <a:p>
+            <a:pPr>
+              <a:lnSpc>
+                <a:spcPct val="150000"/>
+              </a:lnSpc>
+            </a:pPr>
+            <a:r>
+              <a:rPr lang="zh-CN" altLang="en-US" sz="2000">
+                <a:solidFill>
+                  <a:schemeClr val="tx1"/>
+                </a:solidFill>
+              </a:rPr>
+              <a:t>p2=float(p1)</a:t>
+            </a:r>
+            <a:endParaRPr lang="zh-CN" altLang="en-US" sz="2000">
+              <a:solidFill>
+                <a:schemeClr val="tx1"/>
+              </a:solidFill>
+            </a:endParaRPr>
+          </a:p>
+          <a:p>
+            <a:pPr>
+              <a:lnSpc>
+                <a:spcPct val="150000"/>
+              </a:lnSpc>
+            </a:pPr>
+            <a:r>
+              <a:rPr lang="zh-CN" altLang="en-US" sz="2000">
+                <a:solidFill>
+                  <a:schemeClr val="tx1"/>
+                </a:solidFill>
+              </a:rPr>
+              <a:t>#购买苹果重量</a:t>
+            </a:r>
+            <a:endParaRPr lang="zh-CN" altLang="en-US" sz="2000">
+              <a:solidFill>
+                <a:schemeClr val="tx1"/>
+              </a:solidFill>
+            </a:endParaRPr>
+          </a:p>
+          <a:p>
+            <a:pPr>
+              <a:lnSpc>
+                <a:spcPct val="150000"/>
+              </a:lnSpc>
+            </a:pPr>
+            <a:r>
+              <a:rPr lang="zh-CN" altLang="en-US" sz="2000">
+                <a:solidFill>
+                  <a:schemeClr val="tx1"/>
+                </a:solidFill>
+              </a:rPr>
+              <a:t>w1=input("苹果重量:")</a:t>
+            </a:r>
+            <a:endParaRPr lang="zh-CN" altLang="en-US" sz="2000">
+              <a:solidFill>
+                <a:schemeClr val="tx1"/>
+              </a:solidFill>
+            </a:endParaRPr>
+          </a:p>
+          <a:p>
+            <a:pPr>
+              <a:lnSpc>
+                <a:spcPct val="150000"/>
+              </a:lnSpc>
+            </a:pPr>
+            <a:r>
+              <a:rPr lang="zh-CN" altLang="en-US" sz="2000">
+                <a:solidFill>
+                  <a:schemeClr val="tx1"/>
+                </a:solidFill>
+              </a:rPr>
+              <a:t>#把w1转为浮点数</a:t>
+            </a:r>
+            <a:endParaRPr lang="zh-CN" altLang="en-US" sz="2000">
+              <a:solidFill>
+                <a:schemeClr val="tx1"/>
+              </a:solidFill>
+            </a:endParaRPr>
+          </a:p>
+          <a:p>
+            <a:pPr>
+              <a:lnSpc>
+                <a:spcPct val="150000"/>
+              </a:lnSpc>
+            </a:pPr>
+            <a:r>
+              <a:rPr lang="zh-CN" altLang="en-US" sz="2000">
+                <a:solidFill>
+                  <a:schemeClr val="tx1"/>
+                </a:solidFill>
+              </a:rPr>
+              <a:t>w2=float(w1)</a:t>
+            </a:r>
+            <a:endParaRPr lang="zh-CN" altLang="en-US" sz="2000">
+              <a:solidFill>
+                <a:schemeClr val="tx1"/>
+              </a:solidFill>
+            </a:endParaRPr>
+          </a:p>
+          <a:p>
+            <a:pPr>
+              <a:lnSpc>
+                <a:spcPct val="150000"/>
+              </a:lnSpc>
+            </a:pPr>
+            <a:r>
+              <a:rPr lang="zh-CN" altLang="en-US" sz="2000">
+                <a:solidFill>
+                  <a:schemeClr val="tx1"/>
+                </a:solidFill>
+              </a:rPr>
+              <a:t>#计算总的金额</a:t>
+            </a:r>
+            <a:endParaRPr lang="zh-CN" altLang="en-US" sz="2000">
+              <a:solidFill>
+                <a:schemeClr val="tx1"/>
+              </a:solidFill>
+            </a:endParaRPr>
+          </a:p>
+          <a:p>
+            <a:pPr>
+              <a:lnSpc>
+                <a:spcPct val="150000"/>
+              </a:lnSpc>
+            </a:pPr>
+            <a:r>
+              <a:rPr lang="zh-CN" altLang="en-US" sz="2000">
+                <a:solidFill>
+                  <a:schemeClr val="tx1"/>
+                </a:solidFill>
+              </a:rPr>
+              <a:t>total = p2*w2</a:t>
+            </a:r>
+            <a:endParaRPr lang="zh-CN" altLang="en-US" sz="2000">
+              <a:solidFill>
+                <a:schemeClr val="tx1"/>
+              </a:solidFill>
+            </a:endParaRPr>
+          </a:p>
+          <a:p>
+            <a:pPr>
+              <a:lnSpc>
+                <a:spcPct val="150000"/>
+              </a:lnSpc>
+            </a:pPr>
+            <a:r>
+              <a:rPr lang="zh-CN" altLang="en-US" sz="2000">
+                <a:solidFill>
+                  <a:schemeClr val="tx1"/>
+                </a:solidFill>
+              </a:rPr>
+              <a:t>print("总金额是:",total)</a:t>
+            </a:r>
+            <a:endParaRPr lang="zh-CN" altLang="en-US" sz="2000">
+              <a:solidFill>
+                <a:schemeClr val="tx1"/>
+              </a:solidFill>
+            </a:endParaRPr>
+          </a:p>
+        </p:txBody>
+      </p:sp>
+    </p:spTree>
+  </p:cSld>
+  <p:clrMapOvr>
+    <a:masterClrMapping/>
+  </p:clrMapOvr>
+  <p:timing>
+    <p:tnLst>
+      <p:par>
+        <p:cTn id="1" dur="indefinite" restart="never" nodeType="tmRoot"/>
+      </p:par>
+    </p:tnLst>
+  </p:timing>
+</p:sld>
+</file>
+
+<file path=ppt/slides/slide19.xml><?xml version="1.0" encoding="utf-8"?>
 <p:sld xmlns:a="http://schemas.openxmlformats.org/drawingml/2006/main" xmlns:r="http://schemas.openxmlformats.org/officeDocument/2006/relationships" xmlns:p="http://schemas.openxmlformats.org/presentationml/2006/main">
   <p:cSld>
     <p:bg>
@@ -17061,1683 +18888,6 @@
           </a:p>
         </p:txBody>
       </p:sp>
-    </p:spTree>
-  </p:cSld>
-  <p:clrMapOvr>
-    <a:masterClrMapping/>
-  </p:clrMapOvr>
-  <p:timing>
-    <p:tnLst>
-      <p:par>
-        <p:cTn id="1" dur="indefinite" restart="never" nodeType="tmRoot"/>
-      </p:par>
-    </p:tnLst>
-  </p:timing>
-</p:sld>
-</file>
-
-<file path=ppt/slides/slide17.xml><?xml version="1.0" encoding="utf-8"?>
-<p:sld xmlns:a="http://schemas.openxmlformats.org/drawingml/2006/main" xmlns:r="http://schemas.openxmlformats.org/officeDocument/2006/relationships" xmlns:p="http://schemas.openxmlformats.org/presentationml/2006/main">
-  <p:cSld>
-    <p:bg>
-      <p:bgPr>
-        <a:blipFill dpi="0" rotWithShape="0">
-          <a:blip r:embed="rId1"/>
-          <a:srcRect/>
-          <a:stretch>
-            <a:fillRect/>
-          </a:stretch>
-        </a:blipFill>
-        <a:effectLst/>
-      </p:bgPr>
-    </p:bg>
-    <p:spTree>
-      <p:nvGrpSpPr>
-        <p:cNvPr id="1" name=""/>
-        <p:cNvGrpSpPr/>
-        <p:nvPr/>
-      </p:nvGrpSpPr>
-      <p:grpSpPr>
-        <a:xfrm>
-          <a:off x="0" y="0"/>
-          <a:ext cx="0" cy="0"/>
-          <a:chOff x="0" y="0"/>
-          <a:chExt cx="0" cy="0"/>
-        </a:xfrm>
-      </p:grpSpPr>
-      <p:sp>
-        <p:nvSpPr>
-          <p:cNvPr id="16386" name="文本框 3"/>
-          <p:cNvSpPr txBox="1">
-            <a:spLocks noChangeArrowheads="1"/>
-          </p:cNvSpPr>
-          <p:nvPr/>
-        </p:nvSpPr>
-        <p:spPr bwMode="auto">
-          <a:xfrm>
-            <a:off x="887413" y="419100"/>
-            <a:ext cx="3729037" cy="368300"/>
-          </a:xfrm>
-          <a:prstGeom prst="rect">
-            <a:avLst/>
-          </a:prstGeom>
-          <a:noFill/>
-          <a:ln>
-            <a:noFill/>
-          </a:ln>
-          <a:extLst>
-            <a:ext uri="{909E8E84-426E-40DD-AFC4-6F175D3DCCD1}">
-              <a14:hiddenFill xmlns:a14="http://schemas.microsoft.com/office/drawing/2010/main">
-                <a:solidFill>
-                  <a:srgbClr val="FFFFFF"/>
-                </a:solidFill>
-              </a14:hiddenFill>
-            </a:ext>
-            <a:ext uri="{91240B29-F687-4F45-9708-019B960494DF}">
-              <a14:hiddenLine xmlns:a14="http://schemas.microsoft.com/office/drawing/2010/main" w="9525">
-                <a:solidFill>
-                  <a:srgbClr val="000000"/>
-                </a:solidFill>
-                <a:miter lim="800000"/>
-                <a:headEnd/>
-                <a:tailEnd/>
-              </a14:hiddenLine>
-            </a:ext>
-          </a:extLst>
-        </p:spPr>
-        <p:txBody>
-          <a:bodyPr>
-            <a:spAutoFit/>
-          </a:bodyPr>
-          <a:lstStyle>
-            <a:lvl1pPr eaLnBrk="0" hangingPunct="0">
-              <a:defRPr>
-                <a:solidFill>
-                  <a:schemeClr val="tx1"/>
-                </a:solidFill>
-                <a:latin typeface="等线" panose="02010600030101010101" charset="-122"/>
-                <a:ea typeface="等线" panose="02010600030101010101" charset="-122"/>
-                <a:cs typeface="等线" panose="02010600030101010101" charset="-122"/>
-              </a:defRPr>
-            </a:lvl1pPr>
-            <a:lvl2pPr marL="742950" indent="-285750" eaLnBrk="0" hangingPunct="0">
-              <a:defRPr>
-                <a:solidFill>
-                  <a:schemeClr val="tx1"/>
-                </a:solidFill>
-                <a:latin typeface="等线" panose="02010600030101010101" charset="-122"/>
-                <a:ea typeface="等线" panose="02010600030101010101" charset="-122"/>
-                <a:cs typeface="等线" panose="02010600030101010101" charset="-122"/>
-              </a:defRPr>
-            </a:lvl2pPr>
-            <a:lvl3pPr marL="1143000" indent="-228600" eaLnBrk="0" hangingPunct="0">
-              <a:defRPr>
-                <a:solidFill>
-                  <a:schemeClr val="tx1"/>
-                </a:solidFill>
-                <a:latin typeface="等线" panose="02010600030101010101" charset="-122"/>
-                <a:ea typeface="等线" panose="02010600030101010101" charset="-122"/>
-                <a:cs typeface="等线" panose="02010600030101010101" charset="-122"/>
-              </a:defRPr>
-            </a:lvl3pPr>
-            <a:lvl4pPr marL="1600200" indent="-228600" eaLnBrk="0" hangingPunct="0">
-              <a:defRPr>
-                <a:solidFill>
-                  <a:schemeClr val="tx1"/>
-                </a:solidFill>
-                <a:latin typeface="等线" panose="02010600030101010101" charset="-122"/>
-                <a:ea typeface="等线" panose="02010600030101010101" charset="-122"/>
-                <a:cs typeface="等线" panose="02010600030101010101" charset="-122"/>
-              </a:defRPr>
-            </a:lvl4pPr>
-            <a:lvl5pPr marL="2057400" indent="-228600" eaLnBrk="0" hangingPunct="0">
-              <a:defRPr>
-                <a:solidFill>
-                  <a:schemeClr val="tx1"/>
-                </a:solidFill>
-                <a:latin typeface="等线" panose="02010600030101010101" charset="-122"/>
-                <a:ea typeface="等线" panose="02010600030101010101" charset="-122"/>
-                <a:cs typeface="等线" panose="02010600030101010101" charset="-122"/>
-              </a:defRPr>
-            </a:lvl5pPr>
-            <a:lvl6pPr marL="2514600" indent="-228600" eaLnBrk="0" fontAlgn="base" hangingPunct="0">
-              <a:spcBef>
-                <a:spcPct val="0"/>
-              </a:spcBef>
-              <a:spcAft>
-                <a:spcPct val="0"/>
-              </a:spcAft>
-              <a:defRPr>
-                <a:solidFill>
-                  <a:schemeClr val="tx1"/>
-                </a:solidFill>
-                <a:latin typeface="等线" panose="02010600030101010101" charset="-122"/>
-                <a:ea typeface="等线" panose="02010600030101010101" charset="-122"/>
-                <a:cs typeface="等线" panose="02010600030101010101" charset="-122"/>
-              </a:defRPr>
-            </a:lvl6pPr>
-            <a:lvl7pPr marL="2971800" indent="-228600" eaLnBrk="0" fontAlgn="base" hangingPunct="0">
-              <a:spcBef>
-                <a:spcPct val="0"/>
-              </a:spcBef>
-              <a:spcAft>
-                <a:spcPct val="0"/>
-              </a:spcAft>
-              <a:defRPr>
-                <a:solidFill>
-                  <a:schemeClr val="tx1"/>
-                </a:solidFill>
-                <a:latin typeface="等线" panose="02010600030101010101" charset="-122"/>
-                <a:ea typeface="等线" panose="02010600030101010101" charset="-122"/>
-                <a:cs typeface="等线" panose="02010600030101010101" charset="-122"/>
-              </a:defRPr>
-            </a:lvl7pPr>
-            <a:lvl8pPr marL="3429000" indent="-228600" eaLnBrk="0" fontAlgn="base" hangingPunct="0">
-              <a:spcBef>
-                <a:spcPct val="0"/>
-              </a:spcBef>
-              <a:spcAft>
-                <a:spcPct val="0"/>
-              </a:spcAft>
-              <a:defRPr>
-                <a:solidFill>
-                  <a:schemeClr val="tx1"/>
-                </a:solidFill>
-                <a:latin typeface="等线" panose="02010600030101010101" charset="-122"/>
-                <a:ea typeface="等线" panose="02010600030101010101" charset="-122"/>
-                <a:cs typeface="等线" panose="02010600030101010101" charset="-122"/>
-              </a:defRPr>
-            </a:lvl8pPr>
-            <a:lvl9pPr marL="3886200" indent="-228600" eaLnBrk="0" fontAlgn="base" hangingPunct="0">
-              <a:spcBef>
-                <a:spcPct val="0"/>
-              </a:spcBef>
-              <a:spcAft>
-                <a:spcPct val="0"/>
-              </a:spcAft>
-              <a:defRPr>
-                <a:solidFill>
-                  <a:schemeClr val="tx1"/>
-                </a:solidFill>
-                <a:latin typeface="等线" panose="02010600030101010101" charset="-122"/>
-                <a:ea typeface="等线" panose="02010600030101010101" charset="-122"/>
-                <a:cs typeface="等线" panose="02010600030101010101" charset="-122"/>
-              </a:defRPr>
-            </a:lvl9pPr>
-          </a:lstStyle>
-          <a:p>
-            <a:pPr eaLnBrk="1" hangingPunct="1"/>
-            <a:r>
-              <a:rPr lang="zh-CN" altLang="en-US" dirty="0" smtClean="0">
-                <a:solidFill>
-                  <a:schemeClr val="tx1"/>
-                </a:solidFill>
-                <a:latin typeface="微软雅黑" panose="020B0503020204020204" pitchFamily="34" charset="-122"/>
-                <a:ea typeface="微软雅黑" panose="020B0503020204020204" pitchFamily="34" charset="-122"/>
-                <a:sym typeface="+mn-ea"/>
-              </a:rPr>
-              <a:t>条件语句</a:t>
-            </a:r>
-            <a:endParaRPr lang="zh-CN" altLang="en-US" dirty="0" smtClean="0">
-              <a:solidFill>
-                <a:schemeClr val="tx1"/>
-              </a:solidFill>
-              <a:latin typeface="微软雅黑" panose="020B0503020204020204" pitchFamily="34" charset="-122"/>
-              <a:ea typeface="微软雅黑" panose="020B0503020204020204" pitchFamily="34" charset="-122"/>
-              <a:sym typeface="+mn-ea"/>
-            </a:endParaRPr>
-          </a:p>
-        </p:txBody>
-      </p:sp>
-      <p:sp>
-        <p:nvSpPr>
-          <p:cNvPr id="5123" name="内容占位符 2"/>
-          <p:cNvSpPr>
-            <a:spLocks noGrp="1"/>
-          </p:cNvSpPr>
-          <p:nvPr>
-            <p:ph idx="1"/>
-          </p:nvPr>
-        </p:nvSpPr>
-        <p:spPr>
-          <a:xfrm>
-            <a:off x="1715453" y="1050290"/>
-            <a:ext cx="8229600" cy="4527550"/>
-          </a:xfrm>
-        </p:spPr>
-        <p:txBody>
-          <a:bodyPr vert="horz" wrap="square" lIns="91440" tIns="45720" rIns="91440" bIns="45720" anchor="t"/>
-          <a:p>
-            <a:r>
-              <a:rPr lang="zh-CN" altLang="en-US" dirty="0"/>
-              <a:t>条件语句：</a:t>
-            </a:r>
-            <a:r>
-              <a:rPr lang="zh-CN" altLang="en-US" b="1" dirty="0">
-                <a:solidFill>
-                  <a:srgbClr val="FF0000"/>
-                </a:solidFill>
-              </a:rPr>
-              <a:t>if</a:t>
-            </a:r>
-            <a:r>
-              <a:rPr lang="zh-CN" altLang="en-US" dirty="0"/>
-              <a:t> 和</a:t>
-            </a:r>
-            <a:r>
-              <a:rPr lang="zh-CN" altLang="en-US" b="1" dirty="0">
-                <a:solidFill>
-                  <a:srgbClr val="FF0000"/>
-                </a:solidFill>
-              </a:rPr>
-              <a:t> else</a:t>
-            </a:r>
-            <a:r>
-              <a:rPr lang="zh-CN" altLang="en-US" dirty="0"/>
-              <a:t> 语句以及各自的缩进部分共同是一个</a:t>
-            </a:r>
-            <a:r>
-              <a:rPr lang="zh-CN" altLang="en-US" dirty="0">
-                <a:solidFill>
-                  <a:srgbClr val="FF0000"/>
-                </a:solidFill>
-              </a:rPr>
-              <a:t>完整的代码块</a:t>
-            </a:r>
-            <a:r>
-              <a:rPr lang="zh-CN" altLang="en-US" dirty="0"/>
-              <a:t>。</a:t>
-            </a:r>
-            <a:endParaRPr lang="zh-CN" altLang="en-US" dirty="0"/>
-          </a:p>
-        </p:txBody>
-      </p:sp>
-      <p:sp>
-        <p:nvSpPr>
-          <p:cNvPr id="9" name="矩形 8"/>
-          <p:cNvSpPr/>
-          <p:nvPr/>
-        </p:nvSpPr>
-        <p:spPr>
-          <a:xfrm>
-            <a:off x="3143250" y="2276475"/>
-            <a:ext cx="1584325" cy="504825"/>
-          </a:xfrm>
-          <a:prstGeom prst="rect">
-            <a:avLst/>
-          </a:prstGeom>
-        </p:spPr>
-        <p:style>
-          <a:lnRef idx="1">
-            <a:schemeClr val="accent6"/>
-          </a:lnRef>
-          <a:fillRef idx="2">
-            <a:schemeClr val="accent6"/>
-          </a:fillRef>
-          <a:effectRef idx="1">
-            <a:schemeClr val="accent6"/>
-          </a:effectRef>
-          <a:fontRef idx="minor">
-            <a:schemeClr val="dk1"/>
-          </a:fontRef>
-        </p:style>
-        <p:txBody>
-          <a:bodyPr rot="0" spcFirstLastPara="0" vertOverflow="overflow" horzOverflow="overflow" vert="horz" wrap="square" lIns="91440" tIns="45720" rIns="91440" bIns="45720" numCol="1" spcCol="0" rtlCol="0" fromWordArt="0" anchor="ctr" anchorCtr="0" forceAA="0" compatLnSpc="1">
-            <a:noAutofit/>
-          </a:bodyPr>
-          <a:p>
-            <a:pPr marL="0" marR="0" lvl="0" indent="0" algn="ctr" defTabSz="914400" rtl="0" eaLnBrk="1" fontAlgn="base" latinLnBrk="0" hangingPunct="1">
-              <a:lnSpc>
-                <a:spcPct val="100000"/>
-              </a:lnSpc>
-              <a:spcBef>
-                <a:spcPct val="0"/>
-              </a:spcBef>
-              <a:spcAft>
-                <a:spcPct val="0"/>
-              </a:spcAft>
-              <a:buClrTx/>
-              <a:buSzTx/>
-              <a:buFontTx/>
-              <a:buNone/>
-              <a:defRPr/>
-            </a:pPr>
-            <a:r>
-              <a:rPr kumimoji="0" lang="en-US" altLang="zh-CN" sz="2400" b="0" i="0" u="none" strike="noStrike" kern="1200" cap="none" spc="0" normalizeH="0" baseline="0" noProof="0" dirty="0" smtClean="0">
-                <a:ln>
-                  <a:noFill/>
-                </a:ln>
-                <a:solidFill>
-                  <a:schemeClr val="dk1"/>
-                </a:solidFill>
-                <a:effectLst/>
-                <a:uLnTx/>
-                <a:uFillTx/>
-                <a:latin typeface="+mn-lt"/>
-                <a:ea typeface="+mn-ea"/>
-                <a:cs typeface="+mn-cs"/>
-              </a:rPr>
-              <a:t>if</a:t>
-            </a:r>
-            <a:r>
-              <a:rPr kumimoji="0" lang="en-US" altLang="zh-CN" sz="2400" b="0" i="0" u="none" strike="noStrike" kern="1200" cap="none" spc="0" normalizeH="0" baseline="0" noProof="0" dirty="0" smtClean="0">
-                <a:ln>
-                  <a:noFill/>
-                </a:ln>
-                <a:solidFill>
-                  <a:schemeClr val="tx1"/>
-                </a:solidFill>
-                <a:effectLst/>
-                <a:uLnTx/>
-                <a:uFillTx/>
-                <a:latin typeface="+mn-lt"/>
-                <a:ea typeface="+mn-ea"/>
-                <a:cs typeface="+mn-cs"/>
-              </a:rPr>
-              <a:t> </a:t>
-            </a:r>
-            <a:r>
-              <a:rPr kumimoji="0" lang="zh-CN" altLang="zh-CN" sz="2400" b="0" i="0" u="none" strike="noStrike" kern="1200" cap="none" spc="0" normalizeH="0" baseline="0" noProof="0" dirty="0" smtClean="0">
-                <a:ln>
-                  <a:noFill/>
-                </a:ln>
-                <a:solidFill>
-                  <a:schemeClr val="tx1"/>
-                </a:solidFill>
-                <a:effectLst/>
-                <a:uLnTx/>
-                <a:uFillTx/>
-                <a:latin typeface="+mn-lt"/>
-                <a:ea typeface="+mn-ea"/>
-                <a:cs typeface="+mn-cs"/>
-              </a:rPr>
-              <a:t>条件</a:t>
-            </a:r>
-            <a:r>
-              <a:rPr kumimoji="0" lang="en-US" altLang="zh-CN" sz="2400" b="0" i="0" u="none" strike="noStrike" kern="1200" cap="none" spc="0" normalizeH="0" baseline="0" noProof="0" dirty="0" smtClean="0">
-                <a:ln>
-                  <a:noFill/>
-                </a:ln>
-                <a:solidFill>
-                  <a:schemeClr val="tx1"/>
-                </a:solidFill>
-                <a:effectLst/>
-                <a:uLnTx/>
-                <a:uFillTx/>
-                <a:latin typeface="+mn-lt"/>
-                <a:ea typeface="+mn-ea"/>
-                <a:cs typeface="+mn-cs"/>
-              </a:rPr>
-              <a:t> </a:t>
-            </a:r>
-            <a:r>
-              <a:rPr kumimoji="0" lang="en-US" altLang="zh-CN" sz="2400" b="0" i="0" u="none" strike="noStrike" kern="1200" cap="none" spc="0" normalizeH="0" baseline="0" noProof="0" dirty="0" smtClean="0">
-                <a:ln>
-                  <a:noFill/>
-                </a:ln>
-                <a:solidFill>
-                  <a:schemeClr val="dk1"/>
-                </a:solidFill>
-                <a:effectLst/>
-                <a:uLnTx/>
-                <a:uFillTx/>
-                <a:latin typeface="+mn-lt"/>
-                <a:ea typeface="+mn-ea"/>
-                <a:cs typeface="+mn-cs"/>
-              </a:rPr>
-              <a:t>:</a:t>
-            </a:r>
-            <a:endParaRPr kumimoji="0" lang="zh-CN" altLang="zh-CN" sz="2400" b="0" i="0" u="none" strike="noStrike" kern="1200" cap="none" spc="0" normalizeH="0" baseline="0" noProof="0" dirty="0" smtClean="0">
-              <a:ln>
-                <a:noFill/>
-              </a:ln>
-              <a:solidFill>
-                <a:schemeClr val="dk1"/>
-              </a:solidFill>
-              <a:effectLst/>
-              <a:uLnTx/>
-              <a:uFillTx/>
-              <a:latin typeface="+mn-lt"/>
-              <a:ea typeface="+mn-ea"/>
-              <a:cs typeface="+mn-cs"/>
-            </a:endParaRPr>
-          </a:p>
-        </p:txBody>
-      </p:sp>
-      <p:sp>
-        <p:nvSpPr>
-          <p:cNvPr id="10" name="矩形 9"/>
-          <p:cNvSpPr/>
-          <p:nvPr/>
-        </p:nvSpPr>
-        <p:spPr>
-          <a:xfrm>
-            <a:off x="3143250" y="4365625"/>
-            <a:ext cx="1081088" cy="503238"/>
-          </a:xfrm>
-          <a:prstGeom prst="rect">
-            <a:avLst/>
-          </a:prstGeom>
-        </p:spPr>
-        <p:style>
-          <a:lnRef idx="1">
-            <a:schemeClr val="accent6"/>
-          </a:lnRef>
-          <a:fillRef idx="2">
-            <a:schemeClr val="accent6"/>
-          </a:fillRef>
-          <a:effectRef idx="1">
-            <a:schemeClr val="accent6"/>
-          </a:effectRef>
-          <a:fontRef idx="minor">
-            <a:schemeClr val="dk1"/>
-          </a:fontRef>
-        </p:style>
-        <p:txBody>
-          <a:bodyPr rot="0" spcFirstLastPara="0" vertOverflow="overflow" horzOverflow="overflow" vert="horz" wrap="square" lIns="91440" tIns="45720" rIns="91440" bIns="45720" numCol="1" spcCol="0" rtlCol="0" fromWordArt="0" anchor="ctr" anchorCtr="0" forceAA="0" compatLnSpc="1">
-            <a:noAutofit/>
-          </a:bodyPr>
-          <a:p>
-            <a:pPr marL="0" marR="0" lvl="0" indent="0" algn="ctr" defTabSz="914400" rtl="0" eaLnBrk="1" fontAlgn="base" latinLnBrk="0" hangingPunct="1">
-              <a:lnSpc>
-                <a:spcPct val="100000"/>
-              </a:lnSpc>
-              <a:spcBef>
-                <a:spcPct val="0"/>
-              </a:spcBef>
-              <a:spcAft>
-                <a:spcPct val="0"/>
-              </a:spcAft>
-              <a:buClrTx/>
-              <a:buSzTx/>
-              <a:buFontTx/>
-              <a:buNone/>
-              <a:defRPr/>
-            </a:pPr>
-            <a:r>
-              <a:rPr kumimoji="0" lang="en-US" altLang="zh-CN" sz="2400" b="0" i="0" u="none" strike="noStrike" kern="1200" cap="none" spc="0" normalizeH="0" baseline="0" noProof="0" dirty="0" smtClean="0">
-                <a:ln>
-                  <a:noFill/>
-                </a:ln>
-                <a:solidFill>
-                  <a:schemeClr val="dk1"/>
-                </a:solidFill>
-                <a:effectLst/>
-                <a:uLnTx/>
-                <a:uFillTx/>
-                <a:latin typeface="+mn-lt"/>
-                <a:ea typeface="+mn-ea"/>
-                <a:cs typeface="+mn-cs"/>
-              </a:rPr>
-              <a:t>else:</a:t>
-            </a:r>
-            <a:endParaRPr kumimoji="0" lang="zh-CN" altLang="en-US" sz="2400" b="0" i="0" u="none" strike="noStrike" kern="1200" cap="none" spc="0" normalizeH="0" baseline="0" noProof="0" dirty="0" smtClean="0">
-              <a:ln>
-                <a:noFill/>
-              </a:ln>
-              <a:solidFill>
-                <a:schemeClr val="dk1"/>
-              </a:solidFill>
-              <a:effectLst/>
-              <a:uLnTx/>
-              <a:uFillTx/>
-              <a:latin typeface="+mn-lt"/>
-              <a:ea typeface="+mn-ea"/>
-              <a:cs typeface="+mn-cs"/>
-            </a:endParaRPr>
-          </a:p>
-        </p:txBody>
-      </p:sp>
-      <p:sp>
-        <p:nvSpPr>
-          <p:cNvPr id="11" name="矩形 10"/>
-          <p:cNvSpPr/>
-          <p:nvPr/>
-        </p:nvSpPr>
-        <p:spPr>
-          <a:xfrm>
-            <a:off x="3795713" y="2924175"/>
-            <a:ext cx="4532313" cy="1296988"/>
-          </a:xfrm>
-          <a:prstGeom prst="rect">
-            <a:avLst/>
-          </a:prstGeom>
-        </p:spPr>
-        <p:style>
-          <a:lnRef idx="1">
-            <a:schemeClr val="accent5"/>
-          </a:lnRef>
-          <a:fillRef idx="2">
-            <a:schemeClr val="accent5"/>
-          </a:fillRef>
-          <a:effectRef idx="1">
-            <a:schemeClr val="accent5"/>
-          </a:effectRef>
-          <a:fontRef idx="minor">
-            <a:schemeClr val="dk1"/>
-          </a:fontRef>
-        </p:style>
-        <p:txBody>
-          <a:bodyPr rot="0" spcFirstLastPara="0" vertOverflow="overflow" horzOverflow="overflow" vert="horz" wrap="square" lIns="91440" tIns="45720" rIns="91440" bIns="45720" numCol="1" spcCol="0" rtlCol="0" fromWordArt="0" anchor="ctr" anchorCtr="0" forceAA="0" compatLnSpc="1">
-            <a:noAutofit/>
-          </a:bodyPr>
-          <a:p>
-            <a:pPr marL="0" marR="0" lvl="0" indent="0" algn="ctr" defTabSz="914400" rtl="0" eaLnBrk="1" fontAlgn="base" latinLnBrk="0" hangingPunct="1">
-              <a:lnSpc>
-                <a:spcPct val="100000"/>
-              </a:lnSpc>
-              <a:spcBef>
-                <a:spcPct val="0"/>
-              </a:spcBef>
-              <a:spcAft>
-                <a:spcPct val="0"/>
-              </a:spcAft>
-              <a:buClrTx/>
-              <a:buSzTx/>
-              <a:buFontTx/>
-              <a:buNone/>
-              <a:defRPr/>
-            </a:pPr>
-            <a:r>
-              <a:rPr kumimoji="0" lang="zh-CN" altLang="zh-CN" sz="2400" b="0" i="0" u="none" strike="noStrike" kern="1200" cap="none" spc="0" normalizeH="0" baseline="0" noProof="0" dirty="0" smtClean="0">
-                <a:ln>
-                  <a:noFill/>
-                </a:ln>
-                <a:solidFill>
-                  <a:schemeClr val="dk1"/>
-                </a:solidFill>
-                <a:effectLst/>
-                <a:uLnTx/>
-                <a:uFillTx/>
-                <a:latin typeface="+mn-lt"/>
-                <a:ea typeface="+mn-ea"/>
-                <a:cs typeface="+mn-cs"/>
-              </a:rPr>
-              <a:t>条件为真（</a:t>
-            </a:r>
-            <a:r>
-              <a:rPr kumimoji="0" lang="en-US" altLang="zh-CN" sz="2400" b="0" i="0" u="none" strike="noStrike" kern="1200" cap="none" spc="0" normalizeH="0" baseline="0" noProof="0" dirty="0" smtClean="0">
-                <a:ln>
-                  <a:noFill/>
-                </a:ln>
-                <a:solidFill>
-                  <a:schemeClr val="dk1"/>
-                </a:solidFill>
-                <a:effectLst/>
-                <a:uLnTx/>
-                <a:uFillTx/>
-                <a:latin typeface="+mn-lt"/>
-                <a:ea typeface="+mn-ea"/>
-                <a:cs typeface="+mn-cs"/>
-              </a:rPr>
-              <a:t>True</a:t>
-            </a:r>
-            <a:r>
-              <a:rPr kumimoji="0" lang="zh-CN" altLang="zh-CN" sz="2400" b="0" i="0" u="none" strike="noStrike" kern="1200" cap="none" spc="0" normalizeH="0" baseline="0" noProof="0" dirty="0" smtClean="0">
-                <a:ln>
-                  <a:noFill/>
-                </a:ln>
-                <a:solidFill>
-                  <a:schemeClr val="dk1"/>
-                </a:solidFill>
-                <a:effectLst/>
-                <a:uLnTx/>
-                <a:uFillTx/>
-                <a:latin typeface="+mn-lt"/>
-                <a:ea typeface="+mn-ea"/>
-                <a:cs typeface="+mn-cs"/>
-              </a:rPr>
-              <a:t>）执行的操作</a:t>
-            </a:r>
-            <a:endParaRPr kumimoji="0" lang="zh-CN" altLang="zh-CN" sz="2400" b="0" i="0" u="none" strike="noStrike" kern="1200" cap="none" spc="0" normalizeH="0" baseline="0" noProof="0" dirty="0" smtClean="0">
-              <a:ln>
-                <a:noFill/>
-              </a:ln>
-              <a:solidFill>
-                <a:schemeClr val="dk1"/>
-              </a:solidFill>
-              <a:effectLst/>
-              <a:uLnTx/>
-              <a:uFillTx/>
-              <a:latin typeface="+mn-lt"/>
-              <a:ea typeface="+mn-ea"/>
-              <a:cs typeface="+mn-cs"/>
-            </a:endParaRPr>
-          </a:p>
-        </p:txBody>
-      </p:sp>
-      <p:sp>
-        <p:nvSpPr>
-          <p:cNvPr id="12" name="矩形 11"/>
-          <p:cNvSpPr/>
-          <p:nvPr/>
-        </p:nvSpPr>
-        <p:spPr>
-          <a:xfrm>
-            <a:off x="3795713" y="5013325"/>
-            <a:ext cx="4532313" cy="936625"/>
-          </a:xfrm>
-          <a:prstGeom prst="rect">
-            <a:avLst/>
-          </a:prstGeom>
-        </p:spPr>
-        <p:style>
-          <a:lnRef idx="1">
-            <a:schemeClr val="accent5"/>
-          </a:lnRef>
-          <a:fillRef idx="2">
-            <a:schemeClr val="accent5"/>
-          </a:fillRef>
-          <a:effectRef idx="1">
-            <a:schemeClr val="accent5"/>
-          </a:effectRef>
-          <a:fontRef idx="minor">
-            <a:schemeClr val="dk1"/>
-          </a:fontRef>
-        </p:style>
-        <p:txBody>
-          <a:bodyPr rot="0" spcFirstLastPara="0" vertOverflow="overflow" horzOverflow="overflow" vert="horz" wrap="square" lIns="91440" tIns="45720" rIns="91440" bIns="45720" numCol="1" spcCol="0" rtlCol="0" fromWordArt="0" anchor="ctr" anchorCtr="0" forceAA="0" compatLnSpc="1">
-            <a:noAutofit/>
-          </a:bodyPr>
-          <a:p>
-            <a:pPr marL="0" marR="0" lvl="0" indent="0" algn="ctr" defTabSz="914400" rtl="0" eaLnBrk="1" fontAlgn="base" latinLnBrk="0" hangingPunct="1">
-              <a:lnSpc>
-                <a:spcPct val="100000"/>
-              </a:lnSpc>
-              <a:spcBef>
-                <a:spcPct val="0"/>
-              </a:spcBef>
-              <a:spcAft>
-                <a:spcPct val="0"/>
-              </a:spcAft>
-              <a:buClrTx/>
-              <a:buSzTx/>
-              <a:buFontTx/>
-              <a:buNone/>
-              <a:defRPr/>
-            </a:pPr>
-            <a:r>
-              <a:rPr kumimoji="0" lang="zh-CN" altLang="zh-CN" sz="2400" b="0" i="0" u="none" strike="noStrike" kern="1200" cap="none" spc="0" normalizeH="0" baseline="0" noProof="0" dirty="0" smtClean="0">
-                <a:ln>
-                  <a:noFill/>
-                </a:ln>
-                <a:solidFill>
-                  <a:schemeClr val="dk1"/>
-                </a:solidFill>
-                <a:effectLst/>
-                <a:uLnTx/>
-                <a:uFillTx/>
-                <a:latin typeface="+mn-lt"/>
-                <a:ea typeface="+mn-ea"/>
-                <a:cs typeface="+mn-cs"/>
-              </a:rPr>
-              <a:t>条件为假（</a:t>
-            </a:r>
-            <a:r>
-              <a:rPr kumimoji="0" lang="en-US" altLang="zh-CN" sz="2400" b="0" i="0" u="none" strike="noStrike" kern="1200" cap="none" spc="0" normalizeH="0" baseline="0" noProof="0" dirty="0" smtClean="0">
-                <a:ln>
-                  <a:noFill/>
-                </a:ln>
-                <a:solidFill>
-                  <a:schemeClr val="dk1"/>
-                </a:solidFill>
-                <a:effectLst/>
-                <a:uLnTx/>
-                <a:uFillTx/>
-                <a:latin typeface="+mn-lt"/>
-                <a:ea typeface="+mn-ea"/>
-                <a:cs typeface="+mn-cs"/>
-              </a:rPr>
-              <a:t>False</a:t>
-            </a:r>
-            <a:r>
-              <a:rPr kumimoji="0" lang="zh-CN" altLang="zh-CN" sz="2400" b="0" i="0" u="none" strike="noStrike" kern="1200" cap="none" spc="0" normalizeH="0" baseline="0" noProof="0" dirty="0" smtClean="0">
-                <a:ln>
-                  <a:noFill/>
-                </a:ln>
-                <a:solidFill>
-                  <a:schemeClr val="dk1"/>
-                </a:solidFill>
-                <a:effectLst/>
-                <a:uLnTx/>
-                <a:uFillTx/>
-                <a:latin typeface="+mn-lt"/>
-                <a:ea typeface="+mn-ea"/>
-                <a:cs typeface="+mn-cs"/>
-              </a:rPr>
-              <a:t>）执行的操作</a:t>
-            </a:r>
-            <a:endParaRPr kumimoji="0" lang="zh-CN" altLang="zh-CN" sz="2400" b="0" i="0" u="none" strike="noStrike" kern="1200" cap="none" spc="0" normalizeH="0" baseline="0" noProof="0" dirty="0" smtClean="0">
-              <a:ln>
-                <a:noFill/>
-              </a:ln>
-              <a:solidFill>
-                <a:schemeClr val="dk1"/>
-              </a:solidFill>
-              <a:effectLst/>
-              <a:uLnTx/>
-              <a:uFillTx/>
-              <a:latin typeface="+mn-lt"/>
-              <a:ea typeface="+mn-ea"/>
-              <a:cs typeface="+mn-cs"/>
-            </a:endParaRPr>
-          </a:p>
-        </p:txBody>
-      </p:sp>
-    </p:spTree>
-  </p:cSld>
-  <p:clrMapOvr>
-    <a:masterClrMapping/>
-  </p:clrMapOvr>
-  <p:timing>
-    <p:tnLst>
-      <p:par>
-        <p:cTn id="1" dur="indefinite" restart="never" nodeType="tmRoot"/>
-      </p:par>
-    </p:tnLst>
-  </p:timing>
-</p:sld>
-</file>
-
-<file path=ppt/slides/slide18.xml><?xml version="1.0" encoding="utf-8"?>
-<p:sld xmlns:a="http://schemas.openxmlformats.org/drawingml/2006/main" xmlns:r="http://schemas.openxmlformats.org/officeDocument/2006/relationships" xmlns:p="http://schemas.openxmlformats.org/presentationml/2006/main">
-  <p:cSld>
-    <p:bg>
-      <p:bgPr>
-        <a:blipFill dpi="0" rotWithShape="0">
-          <a:blip r:embed="rId1"/>
-          <a:srcRect/>
-          <a:stretch>
-            <a:fillRect/>
-          </a:stretch>
-        </a:blipFill>
-        <a:effectLst/>
-      </p:bgPr>
-    </p:bg>
-    <p:spTree>
-      <p:nvGrpSpPr>
-        <p:cNvPr id="1" name=""/>
-        <p:cNvGrpSpPr/>
-        <p:nvPr/>
-      </p:nvGrpSpPr>
-      <p:grpSpPr>
-        <a:xfrm>
-          <a:off x="0" y="0"/>
-          <a:ext cx="0" cy="0"/>
-          <a:chOff x="0" y="0"/>
-          <a:chExt cx="0" cy="0"/>
-        </a:xfrm>
-      </p:grpSpPr>
-      <p:sp>
-        <p:nvSpPr>
-          <p:cNvPr id="16386" name="文本框 3"/>
-          <p:cNvSpPr txBox="1">
-            <a:spLocks noChangeArrowheads="1"/>
-          </p:cNvSpPr>
-          <p:nvPr/>
-        </p:nvSpPr>
-        <p:spPr bwMode="auto">
-          <a:xfrm>
-            <a:off x="887413" y="419100"/>
-            <a:ext cx="3729037" cy="368300"/>
-          </a:xfrm>
-          <a:prstGeom prst="rect">
-            <a:avLst/>
-          </a:prstGeom>
-          <a:noFill/>
-          <a:ln>
-            <a:noFill/>
-          </a:ln>
-          <a:extLst>
-            <a:ext uri="{909E8E84-426E-40DD-AFC4-6F175D3DCCD1}">
-              <a14:hiddenFill xmlns:a14="http://schemas.microsoft.com/office/drawing/2010/main">
-                <a:solidFill>
-                  <a:srgbClr val="FFFFFF"/>
-                </a:solidFill>
-              </a14:hiddenFill>
-            </a:ext>
-            <a:ext uri="{91240B29-F687-4F45-9708-019B960494DF}">
-              <a14:hiddenLine xmlns:a14="http://schemas.microsoft.com/office/drawing/2010/main" w="9525">
-                <a:solidFill>
-                  <a:srgbClr val="000000"/>
-                </a:solidFill>
-                <a:miter lim="800000"/>
-                <a:headEnd/>
-                <a:tailEnd/>
-              </a14:hiddenLine>
-            </a:ext>
-          </a:extLst>
-        </p:spPr>
-        <p:txBody>
-          <a:bodyPr>
-            <a:spAutoFit/>
-          </a:bodyPr>
-          <a:lstStyle>
-            <a:lvl1pPr eaLnBrk="0" hangingPunct="0">
-              <a:defRPr>
-                <a:solidFill>
-                  <a:schemeClr val="tx1"/>
-                </a:solidFill>
-                <a:latin typeface="等线" panose="02010600030101010101" charset="-122"/>
-                <a:ea typeface="等线" panose="02010600030101010101" charset="-122"/>
-                <a:cs typeface="等线" panose="02010600030101010101" charset="-122"/>
-              </a:defRPr>
-            </a:lvl1pPr>
-            <a:lvl2pPr marL="742950" indent="-285750" eaLnBrk="0" hangingPunct="0">
-              <a:defRPr>
-                <a:solidFill>
-                  <a:schemeClr val="tx1"/>
-                </a:solidFill>
-                <a:latin typeface="等线" panose="02010600030101010101" charset="-122"/>
-                <a:ea typeface="等线" panose="02010600030101010101" charset="-122"/>
-                <a:cs typeface="等线" panose="02010600030101010101" charset="-122"/>
-              </a:defRPr>
-            </a:lvl2pPr>
-            <a:lvl3pPr marL="1143000" indent="-228600" eaLnBrk="0" hangingPunct="0">
-              <a:defRPr>
-                <a:solidFill>
-                  <a:schemeClr val="tx1"/>
-                </a:solidFill>
-                <a:latin typeface="等线" panose="02010600030101010101" charset="-122"/>
-                <a:ea typeface="等线" panose="02010600030101010101" charset="-122"/>
-                <a:cs typeface="等线" panose="02010600030101010101" charset="-122"/>
-              </a:defRPr>
-            </a:lvl3pPr>
-            <a:lvl4pPr marL="1600200" indent="-228600" eaLnBrk="0" hangingPunct="0">
-              <a:defRPr>
-                <a:solidFill>
-                  <a:schemeClr val="tx1"/>
-                </a:solidFill>
-                <a:latin typeface="等线" panose="02010600030101010101" charset="-122"/>
-                <a:ea typeface="等线" panose="02010600030101010101" charset="-122"/>
-                <a:cs typeface="等线" panose="02010600030101010101" charset="-122"/>
-              </a:defRPr>
-            </a:lvl4pPr>
-            <a:lvl5pPr marL="2057400" indent="-228600" eaLnBrk="0" hangingPunct="0">
-              <a:defRPr>
-                <a:solidFill>
-                  <a:schemeClr val="tx1"/>
-                </a:solidFill>
-                <a:latin typeface="等线" panose="02010600030101010101" charset="-122"/>
-                <a:ea typeface="等线" panose="02010600030101010101" charset="-122"/>
-                <a:cs typeface="等线" panose="02010600030101010101" charset="-122"/>
-              </a:defRPr>
-            </a:lvl5pPr>
-            <a:lvl6pPr marL="2514600" indent="-228600" eaLnBrk="0" fontAlgn="base" hangingPunct="0">
-              <a:spcBef>
-                <a:spcPct val="0"/>
-              </a:spcBef>
-              <a:spcAft>
-                <a:spcPct val="0"/>
-              </a:spcAft>
-              <a:defRPr>
-                <a:solidFill>
-                  <a:schemeClr val="tx1"/>
-                </a:solidFill>
-                <a:latin typeface="等线" panose="02010600030101010101" charset="-122"/>
-                <a:ea typeface="等线" panose="02010600030101010101" charset="-122"/>
-                <a:cs typeface="等线" panose="02010600030101010101" charset="-122"/>
-              </a:defRPr>
-            </a:lvl6pPr>
-            <a:lvl7pPr marL="2971800" indent="-228600" eaLnBrk="0" fontAlgn="base" hangingPunct="0">
-              <a:spcBef>
-                <a:spcPct val="0"/>
-              </a:spcBef>
-              <a:spcAft>
-                <a:spcPct val="0"/>
-              </a:spcAft>
-              <a:defRPr>
-                <a:solidFill>
-                  <a:schemeClr val="tx1"/>
-                </a:solidFill>
-                <a:latin typeface="等线" panose="02010600030101010101" charset="-122"/>
-                <a:ea typeface="等线" panose="02010600030101010101" charset="-122"/>
-                <a:cs typeface="等线" panose="02010600030101010101" charset="-122"/>
-              </a:defRPr>
-            </a:lvl7pPr>
-            <a:lvl8pPr marL="3429000" indent="-228600" eaLnBrk="0" fontAlgn="base" hangingPunct="0">
-              <a:spcBef>
-                <a:spcPct val="0"/>
-              </a:spcBef>
-              <a:spcAft>
-                <a:spcPct val="0"/>
-              </a:spcAft>
-              <a:defRPr>
-                <a:solidFill>
-                  <a:schemeClr val="tx1"/>
-                </a:solidFill>
-                <a:latin typeface="等线" panose="02010600030101010101" charset="-122"/>
-                <a:ea typeface="等线" panose="02010600030101010101" charset="-122"/>
-                <a:cs typeface="等线" panose="02010600030101010101" charset="-122"/>
-              </a:defRPr>
-            </a:lvl8pPr>
-            <a:lvl9pPr marL="3886200" indent="-228600" eaLnBrk="0" fontAlgn="base" hangingPunct="0">
-              <a:spcBef>
-                <a:spcPct val="0"/>
-              </a:spcBef>
-              <a:spcAft>
-                <a:spcPct val="0"/>
-              </a:spcAft>
-              <a:defRPr>
-                <a:solidFill>
-                  <a:schemeClr val="tx1"/>
-                </a:solidFill>
-                <a:latin typeface="等线" panose="02010600030101010101" charset="-122"/>
-                <a:ea typeface="等线" panose="02010600030101010101" charset="-122"/>
-                <a:cs typeface="等线" panose="02010600030101010101" charset="-122"/>
-              </a:defRPr>
-            </a:lvl9pPr>
-          </a:lstStyle>
-          <a:p>
-            <a:pPr eaLnBrk="1" hangingPunct="1"/>
-            <a:r>
-              <a:rPr lang="zh-CN" altLang="en-US" dirty="0" smtClean="0">
-                <a:solidFill>
-                  <a:schemeClr val="tx1"/>
-                </a:solidFill>
-                <a:latin typeface="微软雅黑" panose="020B0503020204020204" pitchFamily="34" charset="-122"/>
-                <a:ea typeface="微软雅黑" panose="020B0503020204020204" pitchFamily="34" charset="-122"/>
-                <a:sym typeface="+mn-ea"/>
-              </a:rPr>
-              <a:t>条件语句</a:t>
-            </a:r>
-            <a:endParaRPr lang="zh-CN" altLang="en-US" dirty="0" smtClean="0">
-              <a:solidFill>
-                <a:schemeClr val="tx1"/>
-              </a:solidFill>
-              <a:latin typeface="微软雅黑" panose="020B0503020204020204" pitchFamily="34" charset="-122"/>
-              <a:ea typeface="微软雅黑" panose="020B0503020204020204" pitchFamily="34" charset="-122"/>
-              <a:sym typeface="+mn-ea"/>
-            </a:endParaRPr>
-          </a:p>
-        </p:txBody>
-      </p:sp>
-      <p:sp>
-        <p:nvSpPr>
-          <p:cNvPr id="3" name="文本框 2"/>
-          <p:cNvSpPr txBox="1"/>
-          <p:nvPr/>
-        </p:nvSpPr>
-        <p:spPr>
-          <a:xfrm>
-            <a:off x="3752850" y="2446020"/>
-            <a:ext cx="5385435" cy="2168525"/>
-          </a:xfrm>
-          <a:prstGeom prst="rect">
-            <a:avLst/>
-          </a:prstGeom>
-          <a:noFill/>
-        </p:spPr>
-        <p:txBody>
-          <a:bodyPr wrap="square" rtlCol="0" anchor="t">
-            <a:spAutoFit/>
-          </a:bodyPr>
-          <a:p>
-            <a:pPr>
-              <a:lnSpc>
-                <a:spcPct val="150000"/>
-              </a:lnSpc>
-            </a:pPr>
-            <a:r>
-              <a:rPr lang="zh-CN" altLang="en-US">
-                <a:solidFill>
-                  <a:schemeClr val="tx1"/>
-                </a:solidFill>
-                <a:latin typeface="微软雅黑" panose="020B0503020204020204" pitchFamily="34" charset="-122"/>
-                <a:ea typeface="微软雅黑" panose="020B0503020204020204" pitchFamily="34" charset="-122"/>
-                <a:cs typeface="微软雅黑" panose="020B0503020204020204" pitchFamily="34" charset="-122"/>
-                <a:sym typeface="+mn-ea"/>
-              </a:rPr>
-              <a:t>score = int(input('请输入一个分数：'))</a:t>
-            </a:r>
-            <a:endParaRPr lang="zh-CN" altLang="en-US">
-              <a:solidFill>
-                <a:schemeClr val="tx1"/>
-              </a:solidFill>
-              <a:latin typeface="微软雅黑" panose="020B0503020204020204" pitchFamily="34" charset="-122"/>
-              <a:ea typeface="微软雅黑" panose="020B0503020204020204" pitchFamily="34" charset="-122"/>
-              <a:cs typeface="微软雅黑" panose="020B0503020204020204" pitchFamily="34" charset="-122"/>
-              <a:sym typeface="+mn-ea"/>
-            </a:endParaRPr>
-          </a:p>
-          <a:p>
-            <a:pPr>
-              <a:lnSpc>
-                <a:spcPct val="150000"/>
-              </a:lnSpc>
-            </a:pPr>
-            <a:r>
-              <a:rPr lang="zh-CN" altLang="en-US">
-                <a:solidFill>
-                  <a:schemeClr val="tx1"/>
-                </a:solidFill>
-                <a:latin typeface="微软雅黑" panose="020B0503020204020204" pitchFamily="34" charset="-122"/>
-                <a:ea typeface="微软雅黑" panose="020B0503020204020204" pitchFamily="34" charset="-122"/>
-                <a:cs typeface="微软雅黑" panose="020B0503020204020204" pitchFamily="34" charset="-122"/>
-                <a:sym typeface="+mn-ea"/>
-              </a:rPr>
-              <a:t>if  score &gt;= 90:</a:t>
-            </a:r>
-            <a:endParaRPr lang="zh-CN" altLang="en-US">
-              <a:solidFill>
-                <a:schemeClr val="tx1"/>
-              </a:solidFill>
-              <a:latin typeface="微软雅黑" panose="020B0503020204020204" pitchFamily="34" charset="-122"/>
-              <a:ea typeface="微软雅黑" panose="020B0503020204020204" pitchFamily="34" charset="-122"/>
-              <a:cs typeface="微软雅黑" panose="020B0503020204020204" pitchFamily="34" charset="-122"/>
-              <a:sym typeface="+mn-ea"/>
-            </a:endParaRPr>
-          </a:p>
-          <a:p>
-            <a:pPr>
-              <a:lnSpc>
-                <a:spcPct val="150000"/>
-              </a:lnSpc>
-            </a:pPr>
-            <a:r>
-              <a:rPr lang="zh-CN" altLang="en-US">
-                <a:solidFill>
-                  <a:schemeClr val="tx1"/>
-                </a:solidFill>
-                <a:latin typeface="微软雅黑" panose="020B0503020204020204" pitchFamily="34" charset="-122"/>
-                <a:ea typeface="微软雅黑" panose="020B0503020204020204" pitchFamily="34" charset="-122"/>
-                <a:cs typeface="微软雅黑" panose="020B0503020204020204" pitchFamily="34" charset="-122"/>
-                <a:sym typeface="+mn-ea"/>
-              </a:rPr>
-              <a:t>    print('A')</a:t>
-            </a:r>
-            <a:endParaRPr lang="zh-CN" altLang="en-US">
-              <a:solidFill>
-                <a:schemeClr val="tx1"/>
-              </a:solidFill>
-              <a:latin typeface="微软雅黑" panose="020B0503020204020204" pitchFamily="34" charset="-122"/>
-              <a:ea typeface="微软雅黑" panose="020B0503020204020204" pitchFamily="34" charset="-122"/>
-              <a:cs typeface="微软雅黑" panose="020B0503020204020204" pitchFamily="34" charset="-122"/>
-              <a:sym typeface="+mn-ea"/>
-            </a:endParaRPr>
-          </a:p>
-          <a:p>
-            <a:pPr>
-              <a:lnSpc>
-                <a:spcPct val="150000"/>
-              </a:lnSpc>
-            </a:pPr>
-            <a:r>
-              <a:rPr lang="zh-CN" altLang="en-US">
-                <a:solidFill>
-                  <a:schemeClr val="tx1"/>
-                </a:solidFill>
-                <a:latin typeface="微软雅黑" panose="020B0503020204020204" pitchFamily="34" charset="-122"/>
-                <a:ea typeface="微软雅黑" panose="020B0503020204020204" pitchFamily="34" charset="-122"/>
-                <a:cs typeface="微软雅黑" panose="020B0503020204020204" pitchFamily="34" charset="-122"/>
-                <a:sym typeface="+mn-ea"/>
-              </a:rPr>
-              <a:t>else:</a:t>
-            </a:r>
-            <a:endParaRPr lang="zh-CN" altLang="en-US">
-              <a:solidFill>
-                <a:schemeClr val="tx1"/>
-              </a:solidFill>
-              <a:latin typeface="微软雅黑" panose="020B0503020204020204" pitchFamily="34" charset="-122"/>
-              <a:ea typeface="微软雅黑" panose="020B0503020204020204" pitchFamily="34" charset="-122"/>
-              <a:cs typeface="微软雅黑" panose="020B0503020204020204" pitchFamily="34" charset="-122"/>
-              <a:sym typeface="+mn-ea"/>
-            </a:endParaRPr>
-          </a:p>
-          <a:p>
-            <a:pPr>
-              <a:lnSpc>
-                <a:spcPct val="150000"/>
-              </a:lnSpc>
-            </a:pPr>
-            <a:r>
-              <a:rPr lang="zh-CN" altLang="en-US">
-                <a:solidFill>
-                  <a:schemeClr val="tx1"/>
-                </a:solidFill>
-                <a:latin typeface="微软雅黑" panose="020B0503020204020204" pitchFamily="34" charset="-122"/>
-                <a:ea typeface="微软雅黑" panose="020B0503020204020204" pitchFamily="34" charset="-122"/>
-                <a:cs typeface="微软雅黑" panose="020B0503020204020204" pitchFamily="34" charset="-122"/>
-                <a:sym typeface="+mn-ea"/>
-              </a:rPr>
-              <a:t>    print(</a:t>
-            </a:r>
-            <a:r>
-              <a:rPr lang="en-US" altLang="zh-CN">
-                <a:solidFill>
-                  <a:schemeClr val="tx1"/>
-                </a:solidFill>
-                <a:latin typeface="微软雅黑" panose="020B0503020204020204" pitchFamily="34" charset="-122"/>
-                <a:ea typeface="微软雅黑" panose="020B0503020204020204" pitchFamily="34" charset="-122"/>
-                <a:cs typeface="微软雅黑" panose="020B0503020204020204" pitchFamily="34" charset="-122"/>
-                <a:sym typeface="+mn-ea"/>
-              </a:rPr>
-              <a:t>'</a:t>
-            </a:r>
-            <a:r>
-              <a:rPr lang="en-US" altLang="zh-CN">
-                <a:solidFill>
-                  <a:schemeClr val="tx1"/>
-                </a:solidFill>
-                <a:latin typeface="微软雅黑" panose="020B0503020204020204" pitchFamily="34" charset="-122"/>
-                <a:ea typeface="微软雅黑" panose="020B0503020204020204" pitchFamily="34" charset="-122"/>
-                <a:cs typeface="微软雅黑" panose="020B0503020204020204" pitchFamily="34" charset="-122"/>
-                <a:sym typeface="+mn-ea"/>
-              </a:rPr>
-              <a:t>B</a:t>
-            </a:r>
-            <a:r>
-              <a:rPr lang="zh-CN" altLang="en-US">
-                <a:solidFill>
-                  <a:schemeClr val="tx1"/>
-                </a:solidFill>
-                <a:latin typeface="微软雅黑" panose="020B0503020204020204" pitchFamily="34" charset="-122"/>
-                <a:ea typeface="微软雅黑" panose="020B0503020204020204" pitchFamily="34" charset="-122"/>
-                <a:cs typeface="微软雅黑" panose="020B0503020204020204" pitchFamily="34" charset="-122"/>
-                <a:sym typeface="+mn-ea"/>
-              </a:rPr>
-              <a:t>')</a:t>
-            </a:r>
-            <a:endParaRPr lang="zh-CN" altLang="en-US">
-              <a:solidFill>
-                <a:schemeClr val="tx1"/>
-              </a:solidFill>
-              <a:latin typeface="微软雅黑" panose="020B0503020204020204" pitchFamily="34" charset="-122"/>
-              <a:ea typeface="微软雅黑" panose="020B0503020204020204" pitchFamily="34" charset="-122"/>
-              <a:cs typeface="微软雅黑" panose="020B0503020204020204" pitchFamily="34" charset="-122"/>
-              <a:sym typeface="+mn-ea"/>
-            </a:endParaRPr>
-          </a:p>
-        </p:txBody>
-      </p:sp>
-      <p:pic>
-        <p:nvPicPr>
-          <p:cNvPr id="17411" name="Picture 3" descr="C:\Users\Bob\Desktop\图片素材\8258a2e7ef69f732cb3090123406204.png"/>
-          <p:cNvPicPr>
-            <a:picLocks noChangeAspect="1" noChangeArrowheads="1"/>
-          </p:cNvPicPr>
-          <p:nvPr/>
-        </p:nvPicPr>
-        <p:blipFill>
-          <a:blip r:embed="rId2">
-            <a:extLst>
-              <a:ext uri="{28A0092B-C50C-407E-A947-70E740481C1C}">
-                <a14:useLocalDpi xmlns:a14="http://schemas.microsoft.com/office/drawing/2010/main" val="0"/>
-              </a:ext>
-            </a:extLst>
-          </a:blip>
-          <a:srcRect/>
-          <a:stretch>
-            <a:fillRect/>
-          </a:stretch>
-        </p:blipFill>
-        <p:spPr bwMode="auto">
-          <a:xfrm>
-            <a:off x="800418" y="1660525"/>
-            <a:ext cx="2039937" cy="2916238"/>
-          </a:xfrm>
-          <a:prstGeom prst="rect">
-            <a:avLst/>
-          </a:prstGeom>
-          <a:noFill/>
-          <a:ln>
-            <a:noFill/>
-          </a:ln>
-          <a:extLst>
-            <a:ext uri="{909E8E84-426E-40DD-AFC4-6F175D3DCCD1}">
-              <a14:hiddenFill xmlns:a14="http://schemas.microsoft.com/office/drawing/2010/main">
-                <a:solidFill>
-                  <a:srgbClr val="FFFFFF"/>
-                </a:solidFill>
-              </a14:hiddenFill>
-            </a:ext>
-            <a:ext uri="{91240B29-F687-4F45-9708-019B960494DF}">
-              <a14:hiddenLine xmlns:a14="http://schemas.microsoft.com/office/drawing/2010/main" w="9525">
-                <a:solidFill>
-                  <a:srgbClr val="000000"/>
-                </a:solidFill>
-                <a:miter lim="800000"/>
-                <a:headEnd/>
-                <a:tailEnd/>
-              </a14:hiddenLine>
-            </a:ext>
-          </a:extLst>
-        </p:spPr>
-      </p:pic>
-      <p:sp>
-        <p:nvSpPr>
-          <p:cNvPr id="4" name="文本框 3"/>
-          <p:cNvSpPr txBox="1"/>
-          <p:nvPr/>
-        </p:nvSpPr>
-        <p:spPr>
-          <a:xfrm>
-            <a:off x="3752850" y="1660525"/>
-            <a:ext cx="5139690" cy="645160"/>
-          </a:xfrm>
-          <a:prstGeom prst="rect">
-            <a:avLst/>
-          </a:prstGeom>
-          <a:noFill/>
-        </p:spPr>
-        <p:txBody>
-          <a:bodyPr wrap="none" rtlCol="0" anchor="t">
-            <a:spAutoFit/>
-          </a:bodyPr>
-          <a:p>
-            <a:pPr marL="285750" indent="-285750">
-              <a:buFont typeface="Wingdings" panose="05000000000000000000" charset="0"/>
-              <a:buChar char="Ø"/>
-            </a:pPr>
-            <a:r>
-              <a:rPr>
-                <a:effectLst>
-                  <a:outerShdw blurRad="38100" dist="25400" dir="5400000" algn="ctr" rotWithShape="0">
-                    <a:srgbClr val="6E747A">
-                      <a:alpha val="43000"/>
-                    </a:srgbClr>
-                  </a:outerShdw>
-                </a:effectLst>
-                <a:latin typeface="微软雅黑" panose="020B0503020204020204" pitchFamily="34" charset="-122"/>
-                <a:ea typeface="微软雅黑" panose="020B0503020204020204" pitchFamily="34" charset="-122"/>
-                <a:cs typeface="微软雅黑" panose="020B0503020204020204" pitchFamily="34" charset="-122"/>
-                <a:sym typeface="+mn-ea"/>
-              </a:rPr>
-              <a:t>按照100分制，90分以上成绩为A，</a:t>
-            </a:r>
-            <a:r>
-              <a:rPr lang="en-US">
-                <a:effectLst>
-                  <a:outerShdw blurRad="38100" dist="25400" dir="5400000" algn="ctr" rotWithShape="0">
-                    <a:srgbClr val="6E747A">
-                      <a:alpha val="43000"/>
-                    </a:srgbClr>
-                  </a:outerShdw>
-                </a:effectLst>
-                <a:latin typeface="微软雅黑" panose="020B0503020204020204" pitchFamily="34" charset="-122"/>
-                <a:ea typeface="微软雅黑" panose="020B0503020204020204" pitchFamily="34" charset="-122"/>
-                <a:cs typeface="微软雅黑" panose="020B0503020204020204" pitchFamily="34" charset="-122"/>
-                <a:sym typeface="+mn-ea"/>
-              </a:rPr>
-              <a:t>90</a:t>
-            </a:r>
-            <a:r>
-              <a:rPr>
-                <a:effectLst>
-                  <a:outerShdw blurRad="38100" dist="25400" dir="5400000" algn="ctr" rotWithShape="0">
-                    <a:srgbClr val="6E747A">
-                      <a:alpha val="43000"/>
-                    </a:srgbClr>
-                  </a:outerShdw>
-                </a:effectLst>
-                <a:latin typeface="微软雅黑" panose="020B0503020204020204" pitchFamily="34" charset="-122"/>
-                <a:ea typeface="微软雅黑" panose="020B0503020204020204" pitchFamily="34" charset="-122"/>
-                <a:cs typeface="微软雅黑" panose="020B0503020204020204" pitchFamily="34" charset="-122"/>
-                <a:sym typeface="+mn-ea"/>
-              </a:rPr>
-              <a:t>以下为</a:t>
-            </a:r>
-            <a:r>
-              <a:rPr lang="en-US">
-                <a:effectLst>
-                  <a:outerShdw blurRad="38100" dist="25400" dir="5400000" algn="ctr" rotWithShape="0">
-                    <a:srgbClr val="6E747A">
-                      <a:alpha val="43000"/>
-                    </a:srgbClr>
-                  </a:outerShdw>
-                </a:effectLst>
-                <a:latin typeface="微软雅黑" panose="020B0503020204020204" pitchFamily="34" charset="-122"/>
-                <a:ea typeface="微软雅黑" panose="020B0503020204020204" pitchFamily="34" charset="-122"/>
-                <a:cs typeface="微软雅黑" panose="020B0503020204020204" pitchFamily="34" charset="-122"/>
-                <a:sym typeface="+mn-ea"/>
-              </a:rPr>
-              <a:t>B</a:t>
-            </a:r>
-            <a:endParaRPr lang="en-US">
-              <a:effectLst>
-                <a:outerShdw blurRad="38100" dist="25400" dir="5400000" algn="ctr" rotWithShape="0">
-                  <a:srgbClr val="6E747A">
-                    <a:alpha val="43000"/>
-                  </a:srgbClr>
-                </a:outerShdw>
-              </a:effectLst>
-              <a:latin typeface="微软雅黑" panose="020B0503020204020204" pitchFamily="34" charset="-122"/>
-              <a:ea typeface="微软雅黑" panose="020B0503020204020204" pitchFamily="34" charset="-122"/>
-              <a:cs typeface="微软雅黑" panose="020B0503020204020204" pitchFamily="34" charset="-122"/>
-              <a:sym typeface="+mn-ea"/>
-            </a:endParaRPr>
-          </a:p>
-          <a:p>
-            <a:pPr marL="0" indent="0">
-              <a:buFont typeface="Wingdings" panose="05000000000000000000" charset="0"/>
-              <a:buNone/>
-            </a:pPr>
-            <a:r>
-              <a:rPr>
-                <a:effectLst>
-                  <a:outerShdw blurRad="38100" dist="25400" dir="5400000" algn="ctr" rotWithShape="0">
-                    <a:srgbClr val="6E747A">
-                      <a:alpha val="43000"/>
-                    </a:srgbClr>
-                  </a:outerShdw>
-                </a:effectLst>
-                <a:latin typeface="微软雅黑" panose="020B0503020204020204" pitchFamily="34" charset="-122"/>
-                <a:ea typeface="微软雅黑" panose="020B0503020204020204" pitchFamily="34" charset="-122"/>
-                <a:cs typeface="微软雅黑" panose="020B0503020204020204" pitchFamily="34" charset="-122"/>
-                <a:sym typeface="+mn-ea"/>
-              </a:rPr>
-              <a:t>     写一个程序，当用户输入分数</a:t>
-            </a:r>
-            <a:endParaRPr lang="zh-CN" altLang="en-US"/>
-          </a:p>
-        </p:txBody>
-      </p:sp>
-    </p:spTree>
-  </p:cSld>
-  <p:clrMapOvr>
-    <a:masterClrMapping/>
-  </p:clrMapOvr>
-  <p:timing>
-    <p:tnLst>
-      <p:par>
-        <p:cTn id="1" dur="indefinite" restart="never" nodeType="tmRoot"/>
-      </p:par>
-    </p:tnLst>
-  </p:timing>
-</p:sld>
-</file>
-
-<file path=ppt/slides/slide19.xml><?xml version="1.0" encoding="utf-8"?>
-<p:sld xmlns:a="http://schemas.openxmlformats.org/drawingml/2006/main" xmlns:r="http://schemas.openxmlformats.org/officeDocument/2006/relationships" xmlns:p="http://schemas.openxmlformats.org/presentationml/2006/main">
-  <p:cSld>
-    <p:bg>
-      <p:bgPr>
-        <a:blipFill dpi="0" rotWithShape="0">
-          <a:blip r:embed="rId1"/>
-          <a:srcRect/>
-          <a:stretch>
-            <a:fillRect/>
-          </a:stretch>
-        </a:blipFill>
-        <a:effectLst/>
-      </p:bgPr>
-    </p:bg>
-    <p:spTree>
-      <p:nvGrpSpPr>
-        <p:cNvPr id="1" name=""/>
-        <p:cNvGrpSpPr/>
-        <p:nvPr/>
-      </p:nvGrpSpPr>
-      <p:grpSpPr>
-        <a:xfrm>
-          <a:off x="0" y="0"/>
-          <a:ext cx="0" cy="0"/>
-          <a:chOff x="0" y="0"/>
-          <a:chExt cx="0" cy="0"/>
-        </a:xfrm>
-      </p:grpSpPr>
-      <p:sp>
-        <p:nvSpPr>
-          <p:cNvPr id="16386" name="文本框 3"/>
-          <p:cNvSpPr txBox="1">
-            <a:spLocks noChangeArrowheads="1"/>
-          </p:cNvSpPr>
-          <p:nvPr/>
-        </p:nvSpPr>
-        <p:spPr bwMode="auto">
-          <a:xfrm>
-            <a:off x="887413" y="419100"/>
-            <a:ext cx="3729037" cy="368300"/>
-          </a:xfrm>
-          <a:prstGeom prst="rect">
-            <a:avLst/>
-          </a:prstGeom>
-          <a:noFill/>
-          <a:ln>
-            <a:noFill/>
-          </a:ln>
-          <a:extLst>
-            <a:ext uri="{909E8E84-426E-40DD-AFC4-6F175D3DCCD1}">
-              <a14:hiddenFill xmlns:a14="http://schemas.microsoft.com/office/drawing/2010/main">
-                <a:solidFill>
-                  <a:srgbClr val="FFFFFF"/>
-                </a:solidFill>
-              </a14:hiddenFill>
-            </a:ext>
-            <a:ext uri="{91240B29-F687-4F45-9708-019B960494DF}">
-              <a14:hiddenLine xmlns:a14="http://schemas.microsoft.com/office/drawing/2010/main" w="9525">
-                <a:solidFill>
-                  <a:srgbClr val="000000"/>
-                </a:solidFill>
-                <a:miter lim="800000"/>
-                <a:headEnd/>
-                <a:tailEnd/>
-              </a14:hiddenLine>
-            </a:ext>
-          </a:extLst>
-        </p:spPr>
-        <p:txBody>
-          <a:bodyPr>
-            <a:spAutoFit/>
-          </a:bodyPr>
-          <a:lstStyle>
-            <a:lvl1pPr eaLnBrk="0" hangingPunct="0">
-              <a:defRPr>
-                <a:solidFill>
-                  <a:schemeClr val="tx1"/>
-                </a:solidFill>
-                <a:latin typeface="等线" panose="02010600030101010101" charset="-122"/>
-                <a:ea typeface="等线" panose="02010600030101010101" charset="-122"/>
-                <a:cs typeface="等线" panose="02010600030101010101" charset="-122"/>
-              </a:defRPr>
-            </a:lvl1pPr>
-            <a:lvl2pPr marL="742950" indent="-285750" eaLnBrk="0" hangingPunct="0">
-              <a:defRPr>
-                <a:solidFill>
-                  <a:schemeClr val="tx1"/>
-                </a:solidFill>
-                <a:latin typeface="等线" panose="02010600030101010101" charset="-122"/>
-                <a:ea typeface="等线" panose="02010600030101010101" charset="-122"/>
-                <a:cs typeface="等线" panose="02010600030101010101" charset="-122"/>
-              </a:defRPr>
-            </a:lvl2pPr>
-            <a:lvl3pPr marL="1143000" indent="-228600" eaLnBrk="0" hangingPunct="0">
-              <a:defRPr>
-                <a:solidFill>
-                  <a:schemeClr val="tx1"/>
-                </a:solidFill>
-                <a:latin typeface="等线" panose="02010600030101010101" charset="-122"/>
-                <a:ea typeface="等线" panose="02010600030101010101" charset="-122"/>
-                <a:cs typeface="等线" panose="02010600030101010101" charset="-122"/>
-              </a:defRPr>
-            </a:lvl3pPr>
-            <a:lvl4pPr marL="1600200" indent="-228600" eaLnBrk="0" hangingPunct="0">
-              <a:defRPr>
-                <a:solidFill>
-                  <a:schemeClr val="tx1"/>
-                </a:solidFill>
-                <a:latin typeface="等线" panose="02010600030101010101" charset="-122"/>
-                <a:ea typeface="等线" panose="02010600030101010101" charset="-122"/>
-                <a:cs typeface="等线" panose="02010600030101010101" charset="-122"/>
-              </a:defRPr>
-            </a:lvl4pPr>
-            <a:lvl5pPr marL="2057400" indent="-228600" eaLnBrk="0" hangingPunct="0">
-              <a:defRPr>
-                <a:solidFill>
-                  <a:schemeClr val="tx1"/>
-                </a:solidFill>
-                <a:latin typeface="等线" panose="02010600030101010101" charset="-122"/>
-                <a:ea typeface="等线" panose="02010600030101010101" charset="-122"/>
-                <a:cs typeface="等线" panose="02010600030101010101" charset="-122"/>
-              </a:defRPr>
-            </a:lvl5pPr>
-            <a:lvl6pPr marL="2514600" indent="-228600" eaLnBrk="0" fontAlgn="base" hangingPunct="0">
-              <a:spcBef>
-                <a:spcPct val="0"/>
-              </a:spcBef>
-              <a:spcAft>
-                <a:spcPct val="0"/>
-              </a:spcAft>
-              <a:defRPr>
-                <a:solidFill>
-                  <a:schemeClr val="tx1"/>
-                </a:solidFill>
-                <a:latin typeface="等线" panose="02010600030101010101" charset="-122"/>
-                <a:ea typeface="等线" panose="02010600030101010101" charset="-122"/>
-                <a:cs typeface="等线" panose="02010600030101010101" charset="-122"/>
-              </a:defRPr>
-            </a:lvl6pPr>
-            <a:lvl7pPr marL="2971800" indent="-228600" eaLnBrk="0" fontAlgn="base" hangingPunct="0">
-              <a:spcBef>
-                <a:spcPct val="0"/>
-              </a:spcBef>
-              <a:spcAft>
-                <a:spcPct val="0"/>
-              </a:spcAft>
-              <a:defRPr>
-                <a:solidFill>
-                  <a:schemeClr val="tx1"/>
-                </a:solidFill>
-                <a:latin typeface="等线" panose="02010600030101010101" charset="-122"/>
-                <a:ea typeface="等线" panose="02010600030101010101" charset="-122"/>
-                <a:cs typeface="等线" panose="02010600030101010101" charset="-122"/>
-              </a:defRPr>
-            </a:lvl7pPr>
-            <a:lvl8pPr marL="3429000" indent="-228600" eaLnBrk="0" fontAlgn="base" hangingPunct="0">
-              <a:spcBef>
-                <a:spcPct val="0"/>
-              </a:spcBef>
-              <a:spcAft>
-                <a:spcPct val="0"/>
-              </a:spcAft>
-              <a:defRPr>
-                <a:solidFill>
-                  <a:schemeClr val="tx1"/>
-                </a:solidFill>
-                <a:latin typeface="等线" panose="02010600030101010101" charset="-122"/>
-                <a:ea typeface="等线" panose="02010600030101010101" charset="-122"/>
-                <a:cs typeface="等线" panose="02010600030101010101" charset="-122"/>
-              </a:defRPr>
-            </a:lvl8pPr>
-            <a:lvl9pPr marL="3886200" indent="-228600" eaLnBrk="0" fontAlgn="base" hangingPunct="0">
-              <a:spcBef>
-                <a:spcPct val="0"/>
-              </a:spcBef>
-              <a:spcAft>
-                <a:spcPct val="0"/>
-              </a:spcAft>
-              <a:defRPr>
-                <a:solidFill>
-                  <a:schemeClr val="tx1"/>
-                </a:solidFill>
-                <a:latin typeface="等线" panose="02010600030101010101" charset="-122"/>
-                <a:ea typeface="等线" panose="02010600030101010101" charset="-122"/>
-                <a:cs typeface="等线" panose="02010600030101010101" charset="-122"/>
-              </a:defRPr>
-            </a:lvl9pPr>
-          </a:lstStyle>
-          <a:p>
-            <a:pPr eaLnBrk="1" hangingPunct="1"/>
-            <a:r>
-              <a:rPr lang="zh-CN" altLang="en-US" dirty="0" smtClean="0">
-                <a:solidFill>
-                  <a:schemeClr val="tx1"/>
-                </a:solidFill>
-                <a:latin typeface="微软雅黑" panose="020B0503020204020204" pitchFamily="34" charset="-122"/>
-                <a:ea typeface="微软雅黑" panose="020B0503020204020204" pitchFamily="34" charset="-122"/>
-                <a:sym typeface="+mn-ea"/>
-              </a:rPr>
-              <a:t>条件语句</a:t>
-            </a:r>
-            <a:endParaRPr lang="zh-CN" altLang="en-US" dirty="0" smtClean="0">
-              <a:solidFill>
-                <a:schemeClr val="tx1"/>
-              </a:solidFill>
-              <a:latin typeface="微软雅黑" panose="020B0503020204020204" pitchFamily="34" charset="-122"/>
-              <a:ea typeface="微软雅黑" panose="020B0503020204020204" pitchFamily="34" charset="-122"/>
-              <a:sym typeface="+mn-ea"/>
-            </a:endParaRPr>
-          </a:p>
-        </p:txBody>
-      </p:sp>
-      <p:pic>
-        <p:nvPicPr>
-          <p:cNvPr id="17411" name="Picture 3" descr="C:\Users\Bob\Desktop\图片素材\8258a2e7ef69f732cb3090123406204.png"/>
-          <p:cNvPicPr>
-            <a:picLocks noChangeAspect="1" noChangeArrowheads="1"/>
-          </p:cNvPicPr>
-          <p:nvPr/>
-        </p:nvPicPr>
-        <p:blipFill>
-          <a:blip r:embed="rId2">
-            <a:extLst>
-              <a:ext uri="{28A0092B-C50C-407E-A947-70E740481C1C}">
-                <a14:useLocalDpi xmlns:a14="http://schemas.microsoft.com/office/drawing/2010/main" val="0"/>
-              </a:ext>
-            </a:extLst>
-          </a:blip>
-          <a:srcRect/>
-          <a:stretch>
-            <a:fillRect/>
-          </a:stretch>
-        </p:blipFill>
-        <p:spPr bwMode="auto">
-          <a:xfrm>
-            <a:off x="800418" y="1660525"/>
-            <a:ext cx="2039937" cy="2916238"/>
-          </a:xfrm>
-          <a:prstGeom prst="rect">
-            <a:avLst/>
-          </a:prstGeom>
-          <a:noFill/>
-          <a:ln>
-            <a:noFill/>
-          </a:ln>
-          <a:extLst>
-            <a:ext uri="{909E8E84-426E-40DD-AFC4-6F175D3DCCD1}">
-              <a14:hiddenFill xmlns:a14="http://schemas.microsoft.com/office/drawing/2010/main">
-                <a:solidFill>
-                  <a:srgbClr val="FFFFFF"/>
-                </a:solidFill>
-              </a14:hiddenFill>
-            </a:ext>
-            <a:ext uri="{91240B29-F687-4F45-9708-019B960494DF}">
-              <a14:hiddenLine xmlns:a14="http://schemas.microsoft.com/office/drawing/2010/main" w="9525">
-                <a:solidFill>
-                  <a:srgbClr val="000000"/>
-                </a:solidFill>
-                <a:miter lim="800000"/>
-                <a:headEnd/>
-                <a:tailEnd/>
-              </a14:hiddenLine>
-            </a:ext>
-          </a:extLst>
-        </p:spPr>
-      </p:pic>
-      <p:pic>
-        <p:nvPicPr>
-          <p:cNvPr id="6" name="图片 5"/>
-          <p:cNvPicPr>
-            <a:picLocks noChangeAspect="1"/>
-          </p:cNvPicPr>
-          <p:nvPr/>
-        </p:nvPicPr>
-        <p:blipFill>
-          <a:blip r:embed="rId3"/>
-          <a:stretch>
-            <a:fillRect/>
-          </a:stretch>
-        </p:blipFill>
-        <p:spPr>
-          <a:xfrm>
-            <a:off x="3588385" y="1462405"/>
-            <a:ext cx="7523480" cy="3662045"/>
-          </a:xfrm>
-          <a:prstGeom prst="rect">
-            <a:avLst/>
-          </a:prstGeom>
-        </p:spPr>
-      </p:pic>
     </p:spTree>
   </p:cSld>
   <p:clrMapOvr>
@@ -19762,401 +19912,536 @@
       </p:sp>
       <p:sp>
         <p:nvSpPr>
-          <p:cNvPr id="3" name="文本框 2"/>
-          <p:cNvSpPr txBox="1"/>
+          <p:cNvPr id="5123" name="内容占位符 2"/>
+          <p:cNvSpPr>
+            <a:spLocks noGrp="1"/>
+          </p:cNvSpPr>
+          <p:nvPr>
+            <p:ph idx="1"/>
+          </p:nvPr>
+        </p:nvSpPr>
+        <p:spPr>
+          <a:xfrm>
+            <a:off x="1715453" y="1050290"/>
+            <a:ext cx="8229600" cy="4527550"/>
+          </a:xfrm>
+        </p:spPr>
+        <p:txBody>
+          <a:bodyPr vert="horz" wrap="square" lIns="91440" tIns="45720" rIns="91440" bIns="45720" anchor="t"/>
+          <a:p>
+            <a:r>
+              <a:rPr lang="zh-CN" altLang="en-US" dirty="0"/>
+              <a:t>条件语句：</a:t>
+            </a:r>
+            <a:r>
+              <a:rPr lang="zh-CN" altLang="en-US" b="1" dirty="0">
+                <a:solidFill>
+                  <a:srgbClr val="FF0000"/>
+                </a:solidFill>
+              </a:rPr>
+              <a:t>if</a:t>
+            </a:r>
+            <a:r>
+              <a:rPr lang="zh-CN" altLang="en-US" dirty="0"/>
+              <a:t> 和</a:t>
+            </a:r>
+            <a:r>
+              <a:rPr lang="zh-CN" altLang="en-US" b="1" dirty="0">
+                <a:solidFill>
+                  <a:srgbClr val="FF0000"/>
+                </a:solidFill>
+              </a:rPr>
+              <a:t> else</a:t>
+            </a:r>
+            <a:r>
+              <a:rPr lang="zh-CN" altLang="en-US" dirty="0"/>
+              <a:t> 语句以及各自的缩进部分共同是一个</a:t>
+            </a:r>
+            <a:r>
+              <a:rPr lang="zh-CN" altLang="en-US" dirty="0">
+                <a:solidFill>
+                  <a:srgbClr val="FF0000"/>
+                </a:solidFill>
+              </a:rPr>
+              <a:t>完整的代码块</a:t>
+            </a:r>
+            <a:r>
+              <a:rPr lang="zh-CN" altLang="en-US" dirty="0"/>
+              <a:t>。</a:t>
+            </a:r>
+            <a:endParaRPr lang="zh-CN" altLang="en-US" dirty="0"/>
+          </a:p>
+        </p:txBody>
+      </p:sp>
+      <p:sp>
+        <p:nvSpPr>
+          <p:cNvPr id="9" name="矩形 8"/>
+          <p:cNvSpPr/>
           <p:nvPr/>
         </p:nvSpPr>
         <p:spPr>
           <a:xfrm>
-            <a:off x="3752850" y="2446020"/>
-            <a:ext cx="5385435" cy="2999740"/>
+            <a:off x="3143250" y="2276475"/>
+            <a:ext cx="1584325" cy="504825"/>
           </a:xfrm>
           <a:prstGeom prst="rect">
             <a:avLst/>
           </a:prstGeom>
-          <a:noFill/>
         </p:spPr>
+        <p:style>
+          <a:lnRef idx="1">
+            <a:schemeClr val="accent6"/>
+          </a:lnRef>
+          <a:fillRef idx="2">
+            <a:schemeClr val="accent6"/>
+          </a:fillRef>
+          <a:effectRef idx="1">
+            <a:schemeClr val="accent6"/>
+          </a:effectRef>
+          <a:fontRef idx="minor">
+            <a:schemeClr val="dk1"/>
+          </a:fontRef>
+        </p:style>
         <p:txBody>
-          <a:bodyPr wrap="square" rtlCol="0" anchor="t">
-            <a:spAutoFit/>
+          <a:bodyPr rot="0" spcFirstLastPara="0" vertOverflow="overflow" horzOverflow="overflow" vert="horz" wrap="square" lIns="91440" tIns="45720" rIns="91440" bIns="45720" numCol="1" spcCol="0" rtlCol="0" fromWordArt="0" anchor="ctr" anchorCtr="0" forceAA="0" compatLnSpc="1">
+            <a:noAutofit/>
           </a:bodyPr>
           <a:p>
-            <a:pPr>
+            <a:pPr marL="0" marR="0" lvl="0" indent="0" algn="ctr" defTabSz="914400" rtl="0" eaLnBrk="1" fontAlgn="base" latinLnBrk="0" hangingPunct="1">
               <a:lnSpc>
-                <a:spcPct val="150000"/>
+                <a:spcPct val="100000"/>
               </a:lnSpc>
+              <a:spcBef>
+                <a:spcPct val="0"/>
+              </a:spcBef>
+              <a:spcAft>
+                <a:spcPct val="0"/>
+              </a:spcAft>
+              <a:buClrTx/>
+              <a:buSzTx/>
+              <a:buFontTx/>
+              <a:buNone/>
+              <a:defRPr/>
             </a:pPr>
             <a:r>
-              <a:rPr lang="zh-CN" altLang="en-US">
-                <a:solidFill>
-                  <a:schemeClr val="tx1"/>
-                </a:solidFill>
-                <a:latin typeface="微软雅黑" panose="020B0503020204020204" pitchFamily="34" charset="-122"/>
-                <a:ea typeface="微软雅黑" panose="020B0503020204020204" pitchFamily="34" charset="-122"/>
-                <a:cs typeface="微软雅黑" panose="020B0503020204020204" pitchFamily="34" charset="-122"/>
-                <a:sym typeface="+mn-ea"/>
+              <a:rPr kumimoji="0" lang="en-US" altLang="zh-CN" sz="2400" b="0" i="0" u="none" strike="noStrike" kern="1200" cap="none" spc="0" normalizeH="0" baseline="0" noProof="0" dirty="0" smtClean="0">
+                <a:ln>
+                  <a:noFill/>
+                </a:ln>
+                <a:solidFill>
+                  <a:schemeClr val="dk1"/>
+                </a:solidFill>
+                <a:effectLst/>
+                <a:uLnTx/>
+                <a:uFillTx/>
+                <a:latin typeface="+mn-lt"/>
+                <a:ea typeface="+mn-ea"/>
+                <a:cs typeface="+mn-cs"/>
               </a:rPr>
-              <a:t>score = int(input('请输入一个分数：'))</a:t>
-            </a:r>
-            <a:endParaRPr lang="zh-CN" altLang="en-US">
+              <a:t>if</a:t>
+            </a:r>
+            <a:r>
+              <a:rPr kumimoji="0" lang="en-US" altLang="zh-CN" sz="2400" b="0" i="0" u="none" strike="noStrike" kern="1200" cap="none" spc="0" normalizeH="0" baseline="0" noProof="0" dirty="0" smtClean="0">
+                <a:ln>
+                  <a:noFill/>
+                </a:ln>
+                <a:solidFill>
+                  <a:schemeClr val="tx1"/>
+                </a:solidFill>
+                <a:effectLst/>
+                <a:uLnTx/>
+                <a:uFillTx/>
+                <a:latin typeface="+mn-lt"/>
+                <a:ea typeface="+mn-ea"/>
+                <a:cs typeface="+mn-cs"/>
+              </a:rPr>
+              <a:t> </a:t>
+            </a:r>
+            <a:r>
+              <a:rPr kumimoji="0" lang="zh-CN" altLang="zh-CN" sz="2400" b="0" i="0" u="none" strike="noStrike" kern="1200" cap="none" spc="0" normalizeH="0" baseline="0" noProof="0" dirty="0" smtClean="0">
+                <a:ln>
+                  <a:noFill/>
+                </a:ln>
+                <a:solidFill>
+                  <a:schemeClr val="tx1"/>
+                </a:solidFill>
+                <a:effectLst/>
+                <a:uLnTx/>
+                <a:uFillTx/>
+                <a:latin typeface="+mn-lt"/>
+                <a:ea typeface="+mn-ea"/>
+                <a:cs typeface="+mn-cs"/>
+              </a:rPr>
+              <a:t>条件</a:t>
+            </a:r>
+            <a:r>
+              <a:rPr kumimoji="0" lang="en-US" altLang="zh-CN" sz="2400" b="0" i="0" u="none" strike="noStrike" kern="1200" cap="none" spc="0" normalizeH="0" baseline="0" noProof="0" dirty="0" smtClean="0">
+                <a:ln>
+                  <a:noFill/>
+                </a:ln>
+                <a:solidFill>
+                  <a:schemeClr val="tx1"/>
+                </a:solidFill>
+                <a:effectLst/>
+                <a:uLnTx/>
+                <a:uFillTx/>
+                <a:latin typeface="+mn-lt"/>
+                <a:ea typeface="+mn-ea"/>
+                <a:cs typeface="+mn-cs"/>
+              </a:rPr>
+              <a:t> </a:t>
+            </a:r>
+            <a:r>
+              <a:rPr kumimoji="0" lang="en-US" altLang="zh-CN" sz="2400" b="0" i="0" u="none" strike="noStrike" kern="1200" cap="none" spc="0" normalizeH="0" baseline="0" noProof="0" dirty="0" smtClean="0">
+                <a:ln>
+                  <a:noFill/>
+                </a:ln>
+                <a:solidFill>
+                  <a:schemeClr val="dk1"/>
+                </a:solidFill>
+                <a:effectLst/>
+                <a:uLnTx/>
+                <a:uFillTx/>
+                <a:latin typeface="+mn-lt"/>
+                <a:ea typeface="+mn-ea"/>
+                <a:cs typeface="+mn-cs"/>
+              </a:rPr>
+              <a:t>:</a:t>
+            </a:r>
+            <a:endParaRPr kumimoji="0" lang="zh-CN" altLang="zh-CN" sz="2400" b="0" i="0" u="none" strike="noStrike" kern="1200" cap="none" spc="0" normalizeH="0" baseline="0" noProof="0" dirty="0" smtClean="0">
+              <a:ln>
+                <a:noFill/>
+              </a:ln>
               <a:solidFill>
-                <a:schemeClr val="tx1"/>
+                <a:schemeClr val="dk1"/>
               </a:solidFill>
-              <a:latin typeface="微软雅黑" panose="020B0503020204020204" pitchFamily="34" charset="-122"/>
-              <a:ea typeface="微软雅黑" panose="020B0503020204020204" pitchFamily="34" charset="-122"/>
-              <a:cs typeface="微软雅黑" panose="020B0503020204020204" pitchFamily="34" charset="-122"/>
-              <a:sym typeface="+mn-ea"/>
-            </a:endParaRPr>
-          </a:p>
-          <a:p>
-            <a:pPr>
-              <a:lnSpc>
-                <a:spcPct val="150000"/>
-              </a:lnSpc>
-            </a:pPr>
-            <a:r>
-              <a:rPr lang="zh-CN" altLang="en-US">
-                <a:latin typeface="微软雅黑" panose="020B0503020204020204" pitchFamily="34" charset="-122"/>
-                <a:ea typeface="微软雅黑" panose="020B0503020204020204" pitchFamily="34" charset="-122"/>
-                <a:cs typeface="微软雅黑" panose="020B0503020204020204" pitchFamily="34" charset="-122"/>
-                <a:sym typeface="+mn-ea"/>
-              </a:rPr>
-              <a:t>if 100 &gt;= score &gt;= 90:</a:t>
-            </a:r>
-            <a:endParaRPr lang="zh-CN" altLang="en-US">
-              <a:solidFill>
-                <a:schemeClr val="tx1"/>
-              </a:solidFill>
-              <a:latin typeface="微软雅黑" panose="020B0503020204020204" pitchFamily="34" charset="-122"/>
-              <a:ea typeface="微软雅黑" panose="020B0503020204020204" pitchFamily="34" charset="-122"/>
-              <a:cs typeface="微软雅黑" panose="020B0503020204020204" pitchFamily="34" charset="-122"/>
-              <a:sym typeface="+mn-ea"/>
-            </a:endParaRPr>
-          </a:p>
-          <a:p>
-            <a:pPr>
-              <a:lnSpc>
-                <a:spcPct val="150000"/>
-              </a:lnSpc>
-            </a:pPr>
-            <a:r>
-              <a:rPr lang="zh-CN" altLang="en-US">
-                <a:latin typeface="微软雅黑" panose="020B0503020204020204" pitchFamily="34" charset="-122"/>
-                <a:ea typeface="微软雅黑" panose="020B0503020204020204" pitchFamily="34" charset="-122"/>
-                <a:cs typeface="微软雅黑" panose="020B0503020204020204" pitchFamily="34" charset="-122"/>
-                <a:sym typeface="+mn-ea"/>
-              </a:rPr>
-              <a:t>    print('A')</a:t>
-            </a:r>
-            <a:endParaRPr lang="zh-CN" altLang="en-US">
-              <a:solidFill>
-                <a:schemeClr val="tx1"/>
-              </a:solidFill>
-              <a:latin typeface="微软雅黑" panose="020B0503020204020204" pitchFamily="34" charset="-122"/>
-              <a:ea typeface="微软雅黑" panose="020B0503020204020204" pitchFamily="34" charset="-122"/>
-              <a:cs typeface="微软雅黑" panose="020B0503020204020204" pitchFamily="34" charset="-122"/>
-              <a:sym typeface="+mn-ea"/>
-            </a:endParaRPr>
-          </a:p>
-          <a:p>
-            <a:pPr>
-              <a:lnSpc>
-                <a:spcPct val="150000"/>
-              </a:lnSpc>
-            </a:pPr>
-            <a:r>
-              <a:rPr lang="zh-CN" altLang="en-US">
-                <a:latin typeface="微软雅黑" panose="020B0503020204020204" pitchFamily="34" charset="-122"/>
-                <a:ea typeface="微软雅黑" panose="020B0503020204020204" pitchFamily="34" charset="-122"/>
-                <a:cs typeface="微软雅黑" panose="020B0503020204020204" pitchFamily="34" charset="-122"/>
-                <a:sym typeface="+mn-ea"/>
-              </a:rPr>
-              <a:t>elif 90 &gt; score &gt;= 80:</a:t>
-            </a:r>
-            <a:endParaRPr lang="zh-CN" altLang="en-US">
-              <a:solidFill>
-                <a:schemeClr val="tx1"/>
-              </a:solidFill>
-              <a:latin typeface="微软雅黑" panose="020B0503020204020204" pitchFamily="34" charset="-122"/>
-              <a:ea typeface="微软雅黑" panose="020B0503020204020204" pitchFamily="34" charset="-122"/>
-              <a:cs typeface="微软雅黑" panose="020B0503020204020204" pitchFamily="34" charset="-122"/>
-              <a:sym typeface="+mn-ea"/>
-            </a:endParaRPr>
-          </a:p>
-          <a:p>
-            <a:pPr>
-              <a:lnSpc>
-                <a:spcPct val="150000"/>
-              </a:lnSpc>
-            </a:pPr>
-            <a:r>
-              <a:rPr lang="zh-CN" altLang="en-US">
-                <a:latin typeface="微软雅黑" panose="020B0503020204020204" pitchFamily="34" charset="-122"/>
-                <a:ea typeface="微软雅黑" panose="020B0503020204020204" pitchFamily="34" charset="-122"/>
-                <a:cs typeface="微软雅黑" panose="020B0503020204020204" pitchFamily="34" charset="-122"/>
-                <a:sym typeface="+mn-ea"/>
-              </a:rPr>
-              <a:t>    print('B')</a:t>
-            </a:r>
-            <a:endParaRPr lang="zh-CN" altLang="en-US">
-              <a:solidFill>
-                <a:schemeClr val="tx1"/>
-              </a:solidFill>
-              <a:latin typeface="微软雅黑" panose="020B0503020204020204" pitchFamily="34" charset="-122"/>
-              <a:ea typeface="微软雅黑" panose="020B0503020204020204" pitchFamily="34" charset="-122"/>
-              <a:cs typeface="微软雅黑" panose="020B0503020204020204" pitchFamily="34" charset="-122"/>
-              <a:sym typeface="+mn-ea"/>
-            </a:endParaRPr>
-          </a:p>
-          <a:p>
-            <a:pPr>
-              <a:lnSpc>
-                <a:spcPct val="150000"/>
-              </a:lnSpc>
-            </a:pPr>
-            <a:r>
-              <a:rPr lang="zh-CN" altLang="en-US">
-                <a:latin typeface="微软雅黑" panose="020B0503020204020204" pitchFamily="34" charset="-122"/>
-                <a:ea typeface="微软雅黑" panose="020B0503020204020204" pitchFamily="34" charset="-122"/>
-                <a:cs typeface="微软雅黑" panose="020B0503020204020204" pitchFamily="34" charset="-122"/>
-                <a:sym typeface="+mn-ea"/>
-              </a:rPr>
-              <a:t>else:</a:t>
-            </a:r>
-            <a:endParaRPr lang="zh-CN" altLang="en-US">
-              <a:solidFill>
-                <a:schemeClr val="tx1"/>
-              </a:solidFill>
-              <a:latin typeface="微软雅黑" panose="020B0503020204020204" pitchFamily="34" charset="-122"/>
-              <a:ea typeface="微软雅黑" panose="020B0503020204020204" pitchFamily="34" charset="-122"/>
-              <a:cs typeface="微软雅黑" panose="020B0503020204020204" pitchFamily="34" charset="-122"/>
-              <a:sym typeface="+mn-ea"/>
-            </a:endParaRPr>
-          </a:p>
-          <a:p>
-            <a:pPr>
-              <a:lnSpc>
-                <a:spcPct val="150000"/>
-              </a:lnSpc>
-            </a:pPr>
-            <a:r>
-              <a:rPr lang="zh-CN" altLang="en-US">
-                <a:latin typeface="微软雅黑" panose="020B0503020204020204" pitchFamily="34" charset="-122"/>
-                <a:ea typeface="微软雅黑" panose="020B0503020204020204" pitchFamily="34" charset="-122"/>
-                <a:cs typeface="微软雅黑" panose="020B0503020204020204" pitchFamily="34" charset="-122"/>
-                <a:sym typeface="+mn-ea"/>
-              </a:rPr>
-              <a:t>    print('</a:t>
-            </a:r>
-            <a:r>
-              <a:rPr lang="en-US" altLang="zh-CN">
-                <a:latin typeface="微软雅黑" panose="020B0503020204020204" pitchFamily="34" charset="-122"/>
-                <a:ea typeface="微软雅黑" panose="020B0503020204020204" pitchFamily="34" charset="-122"/>
-                <a:cs typeface="微软雅黑" panose="020B0503020204020204" pitchFamily="34" charset="-122"/>
-                <a:sym typeface="+mn-ea"/>
-              </a:rPr>
-              <a:t>C</a:t>
-            </a:r>
-            <a:r>
-              <a:rPr lang="zh-CN" altLang="en-US">
-                <a:latin typeface="微软雅黑" panose="020B0503020204020204" pitchFamily="34" charset="-122"/>
-                <a:ea typeface="微软雅黑" panose="020B0503020204020204" pitchFamily="34" charset="-122"/>
-                <a:cs typeface="微软雅黑" panose="020B0503020204020204" pitchFamily="34" charset="-122"/>
-                <a:sym typeface="+mn-ea"/>
-              </a:rPr>
-              <a:t>')</a:t>
-            </a:r>
-            <a:endParaRPr lang="zh-CN" altLang="en-US">
-              <a:solidFill>
-                <a:schemeClr val="tx1"/>
-              </a:solidFill>
-              <a:latin typeface="微软雅黑" panose="020B0503020204020204" pitchFamily="34" charset="-122"/>
-              <a:ea typeface="微软雅黑" panose="020B0503020204020204" pitchFamily="34" charset="-122"/>
-              <a:cs typeface="微软雅黑" panose="020B0503020204020204" pitchFamily="34" charset="-122"/>
-              <a:sym typeface="+mn-ea"/>
+              <a:effectLst/>
+              <a:uLnTx/>
+              <a:uFillTx/>
+              <a:latin typeface="+mn-lt"/>
+              <a:ea typeface="+mn-ea"/>
+              <a:cs typeface="+mn-cs"/>
             </a:endParaRPr>
           </a:p>
         </p:txBody>
       </p:sp>
-      <p:pic>
-        <p:nvPicPr>
-          <p:cNvPr id="17411" name="Picture 3" descr="C:\Users\Bob\Desktop\图片素材\8258a2e7ef69f732cb3090123406204.png"/>
-          <p:cNvPicPr>
-            <a:picLocks noChangeAspect="1" noChangeArrowheads="1"/>
-          </p:cNvPicPr>
+      <p:sp>
+        <p:nvSpPr>
+          <p:cNvPr id="10" name="矩形 9"/>
+          <p:cNvSpPr/>
           <p:nvPr/>
-        </p:nvPicPr>
-        <p:blipFill>
-          <a:blip r:embed="rId2">
-            <a:extLst>
-              <a:ext uri="{28A0092B-C50C-407E-A947-70E740481C1C}">
-                <a14:useLocalDpi xmlns:a14="http://schemas.microsoft.com/office/drawing/2010/main" val="0"/>
-              </a:ext>
-            </a:extLst>
-          </a:blip>
-          <a:srcRect/>
-          <a:stretch>
-            <a:fillRect/>
-          </a:stretch>
-        </p:blipFill>
-        <p:spPr bwMode="auto">
+        </p:nvSpPr>
+        <p:spPr>
           <a:xfrm>
-            <a:off x="800418" y="1660525"/>
-            <a:ext cx="2039937" cy="2916238"/>
+            <a:off x="3143250" y="4365625"/>
+            <a:ext cx="1081088" cy="503238"/>
           </a:xfrm>
           <a:prstGeom prst="rect">
             <a:avLst/>
           </a:prstGeom>
-          <a:noFill/>
-          <a:ln>
-            <a:noFill/>
-          </a:ln>
-          <a:extLst>
-            <a:ext uri="{909E8E84-426E-40DD-AFC4-6F175D3DCCD1}">
-              <a14:hiddenFill xmlns:a14="http://schemas.microsoft.com/office/drawing/2010/main">
-                <a:solidFill>
-                  <a:srgbClr val="FFFFFF"/>
-                </a:solidFill>
-              </a14:hiddenFill>
-            </a:ext>
-            <a:ext uri="{91240B29-F687-4F45-9708-019B960494DF}">
-              <a14:hiddenLine xmlns:a14="http://schemas.microsoft.com/office/drawing/2010/main" w="9525">
-                <a:solidFill>
-                  <a:srgbClr val="000000"/>
-                </a:solidFill>
-                <a:miter lim="800000"/>
-                <a:headEnd/>
-                <a:tailEnd/>
-              </a14:hiddenLine>
-            </a:ext>
-          </a:extLst>
         </p:spPr>
-      </p:pic>
+        <p:style>
+          <a:lnRef idx="1">
+            <a:schemeClr val="accent6"/>
+          </a:lnRef>
+          <a:fillRef idx="2">
+            <a:schemeClr val="accent6"/>
+          </a:fillRef>
+          <a:effectRef idx="1">
+            <a:schemeClr val="accent6"/>
+          </a:effectRef>
+          <a:fontRef idx="minor">
+            <a:schemeClr val="dk1"/>
+          </a:fontRef>
+        </p:style>
+        <p:txBody>
+          <a:bodyPr rot="0" spcFirstLastPara="0" vertOverflow="overflow" horzOverflow="overflow" vert="horz" wrap="square" lIns="91440" tIns="45720" rIns="91440" bIns="45720" numCol="1" spcCol="0" rtlCol="0" fromWordArt="0" anchor="ctr" anchorCtr="0" forceAA="0" compatLnSpc="1">
+            <a:noAutofit/>
+          </a:bodyPr>
+          <a:p>
+            <a:pPr marL="0" marR="0" lvl="0" indent="0" algn="ctr" defTabSz="914400" rtl="0" eaLnBrk="1" fontAlgn="base" latinLnBrk="0" hangingPunct="1">
+              <a:lnSpc>
+                <a:spcPct val="100000"/>
+              </a:lnSpc>
+              <a:spcBef>
+                <a:spcPct val="0"/>
+              </a:spcBef>
+              <a:spcAft>
+                <a:spcPct val="0"/>
+              </a:spcAft>
+              <a:buClrTx/>
+              <a:buSzTx/>
+              <a:buFontTx/>
+              <a:buNone/>
+              <a:defRPr/>
+            </a:pPr>
+            <a:r>
+              <a:rPr kumimoji="0" lang="en-US" altLang="zh-CN" sz="2400" b="0" i="0" u="none" strike="noStrike" kern="1200" cap="none" spc="0" normalizeH="0" baseline="0" noProof="0" dirty="0" smtClean="0">
+                <a:ln>
+                  <a:noFill/>
+                </a:ln>
+                <a:solidFill>
+                  <a:schemeClr val="dk1"/>
+                </a:solidFill>
+                <a:effectLst/>
+                <a:uLnTx/>
+                <a:uFillTx/>
+                <a:latin typeface="+mn-lt"/>
+                <a:ea typeface="+mn-ea"/>
+                <a:cs typeface="+mn-cs"/>
+              </a:rPr>
+              <a:t>else:</a:t>
+            </a:r>
+            <a:endParaRPr kumimoji="0" lang="zh-CN" altLang="en-US" sz="2400" b="0" i="0" u="none" strike="noStrike" kern="1200" cap="none" spc="0" normalizeH="0" baseline="0" noProof="0" dirty="0" smtClean="0">
+              <a:ln>
+                <a:noFill/>
+              </a:ln>
+              <a:solidFill>
+                <a:schemeClr val="dk1"/>
+              </a:solidFill>
+              <a:effectLst/>
+              <a:uLnTx/>
+              <a:uFillTx/>
+              <a:latin typeface="+mn-lt"/>
+              <a:ea typeface="+mn-ea"/>
+              <a:cs typeface="+mn-cs"/>
+            </a:endParaRPr>
+          </a:p>
+        </p:txBody>
+      </p:sp>
       <p:sp>
         <p:nvSpPr>
-          <p:cNvPr id="4" name="文本框 3"/>
-          <p:cNvSpPr txBox="1"/>
+          <p:cNvPr id="11" name="矩形 10"/>
+          <p:cNvSpPr/>
           <p:nvPr/>
         </p:nvSpPr>
         <p:spPr>
           <a:xfrm>
-            <a:off x="3752850" y="1660525"/>
-            <a:ext cx="5179060" cy="645160"/>
+            <a:off x="3795713" y="2924175"/>
+            <a:ext cx="4532313" cy="1296988"/>
           </a:xfrm>
           <a:prstGeom prst="rect">
             <a:avLst/>
           </a:prstGeom>
-          <a:noFill/>
         </p:spPr>
+        <p:style>
+          <a:lnRef idx="1">
+            <a:schemeClr val="accent5"/>
+          </a:lnRef>
+          <a:fillRef idx="2">
+            <a:schemeClr val="accent5"/>
+          </a:fillRef>
+          <a:effectRef idx="1">
+            <a:schemeClr val="accent5"/>
+          </a:effectRef>
+          <a:fontRef idx="minor">
+            <a:schemeClr val="dk1"/>
+          </a:fontRef>
+        </p:style>
         <p:txBody>
-          <a:bodyPr wrap="none" rtlCol="0" anchor="t">
-            <a:spAutoFit/>
+          <a:bodyPr rot="0" spcFirstLastPara="0" vertOverflow="overflow" horzOverflow="overflow" vert="horz" wrap="square" lIns="91440" tIns="45720" rIns="91440" bIns="45720" numCol="1" spcCol="0" rtlCol="0" fromWordArt="0" anchor="ctr" anchorCtr="0" forceAA="0" compatLnSpc="1">
+            <a:noAutofit/>
           </a:bodyPr>
           <a:p>
-            <a:pPr marL="285750" indent="-285750" algn="l">
-              <a:buFont typeface="Wingdings" panose="05000000000000000000" charset="0"/>
-              <a:buChar char="Ø"/>
+            <a:pPr marL="0" marR="0" lvl="0" indent="0" algn="ctr" defTabSz="914400" rtl="0" eaLnBrk="1" fontAlgn="base" latinLnBrk="0" hangingPunct="1">
+              <a:lnSpc>
+                <a:spcPct val="100000"/>
+              </a:lnSpc>
+              <a:spcBef>
+                <a:spcPct val="0"/>
+              </a:spcBef>
+              <a:spcAft>
+                <a:spcPct val="0"/>
+              </a:spcAft>
+              <a:buClrTx/>
+              <a:buSzTx/>
+              <a:buFontTx/>
+              <a:buNone/>
+              <a:defRPr/>
             </a:pPr>
             <a:r>
-              <a:rPr>
-                <a:effectLst>
-                  <a:outerShdw blurRad="38100" dist="25400" dir="5400000" algn="ctr" rotWithShape="0">
-                    <a:srgbClr val="6E747A">
-                      <a:alpha val="43000"/>
-                    </a:srgbClr>
-                  </a:outerShdw>
-                </a:effectLst>
-                <a:latin typeface="微软雅黑" panose="020B0503020204020204" pitchFamily="34" charset="-122"/>
-                <a:ea typeface="微软雅黑" panose="020B0503020204020204" pitchFamily="34" charset="-122"/>
-                <a:cs typeface="微软雅黑" panose="020B0503020204020204" pitchFamily="34" charset="-122"/>
-                <a:sym typeface="+mn-ea"/>
+              <a:rPr kumimoji="0" lang="zh-CN" altLang="zh-CN" sz="2400" b="0" i="0" u="none" strike="noStrike" kern="1200" cap="none" spc="0" normalizeH="0" baseline="0" noProof="0" dirty="0" smtClean="0">
+                <a:ln>
+                  <a:noFill/>
+                </a:ln>
+                <a:solidFill>
+                  <a:schemeClr val="dk1"/>
+                </a:solidFill>
+                <a:effectLst/>
+                <a:uLnTx/>
+                <a:uFillTx/>
+                <a:latin typeface="+mn-lt"/>
+                <a:ea typeface="+mn-ea"/>
+                <a:cs typeface="+mn-cs"/>
               </a:rPr>
-              <a:t>按照100分制，90分以上成绩为A，80到90为B</a:t>
-            </a:r>
-            <a:endParaRPr>
-              <a:effectLst>
-                <a:outerShdw blurRad="38100" dist="25400" dir="5400000" algn="ctr" rotWithShape="0">
-                  <a:srgbClr val="6E747A">
-                    <a:alpha val="43000"/>
-                  </a:srgbClr>
-                </a:outerShdw>
-              </a:effectLst>
-              <a:latin typeface="微软雅黑" panose="020B0503020204020204" pitchFamily="34" charset="-122"/>
-              <a:ea typeface="微软雅黑" panose="020B0503020204020204" pitchFamily="34" charset="-122"/>
-              <a:cs typeface="微软雅黑" panose="020B0503020204020204" pitchFamily="34" charset="-122"/>
-              <a:sym typeface="+mn-ea"/>
+              <a:t>条件为真（</a:t>
+            </a:r>
+            <a:r>
+              <a:rPr kumimoji="0" lang="en-US" altLang="zh-CN" sz="2400" b="0" i="0" u="none" strike="noStrike" kern="1200" cap="none" spc="0" normalizeH="0" baseline="0" noProof="0" dirty="0" smtClean="0">
+                <a:ln>
+                  <a:noFill/>
+                </a:ln>
+                <a:solidFill>
+                  <a:schemeClr val="dk1"/>
+                </a:solidFill>
+                <a:effectLst/>
+                <a:uLnTx/>
+                <a:uFillTx/>
+                <a:latin typeface="+mn-lt"/>
+                <a:ea typeface="+mn-ea"/>
+                <a:cs typeface="+mn-cs"/>
+              </a:rPr>
+              <a:t>True</a:t>
+            </a:r>
+            <a:r>
+              <a:rPr kumimoji="0" lang="zh-CN" altLang="zh-CN" sz="2400" b="0" i="0" u="none" strike="noStrike" kern="1200" cap="none" spc="0" normalizeH="0" baseline="0" noProof="0" dirty="0" smtClean="0">
+                <a:ln>
+                  <a:noFill/>
+                </a:ln>
+                <a:solidFill>
+                  <a:schemeClr val="dk1"/>
+                </a:solidFill>
+                <a:effectLst/>
+                <a:uLnTx/>
+                <a:uFillTx/>
+                <a:latin typeface="+mn-lt"/>
+                <a:ea typeface="+mn-ea"/>
+                <a:cs typeface="+mn-cs"/>
+              </a:rPr>
+              <a:t>）执行的操作</a:t>
+            </a:r>
+            <a:endParaRPr kumimoji="0" lang="zh-CN" altLang="zh-CN" sz="2400" b="0" i="0" u="none" strike="noStrike" kern="1200" cap="none" spc="0" normalizeH="0" baseline="0" noProof="0" dirty="0" smtClean="0">
+              <a:ln>
+                <a:noFill/>
+              </a:ln>
+              <a:solidFill>
+                <a:schemeClr val="dk1"/>
+              </a:solidFill>
+              <a:effectLst/>
+              <a:uLnTx/>
+              <a:uFillTx/>
+              <a:latin typeface="+mn-lt"/>
+              <a:ea typeface="+mn-ea"/>
+              <a:cs typeface="+mn-cs"/>
             </a:endParaRPr>
           </a:p>
-          <a:p>
-            <a:pPr marL="0" indent="0" algn="l">
-              <a:buFont typeface="Wingdings" panose="05000000000000000000" charset="0"/>
+        </p:txBody>
+      </p:sp>
+      <p:sp>
+        <p:nvSpPr>
+          <p:cNvPr id="12" name="矩形 11"/>
+          <p:cNvSpPr/>
+          <p:nvPr/>
+        </p:nvSpPr>
+        <p:spPr>
+          <a:xfrm>
+            <a:off x="3795713" y="5013325"/>
+            <a:ext cx="4532313" cy="936625"/>
+          </a:xfrm>
+          <a:prstGeom prst="rect">
+            <a:avLst/>
+          </a:prstGeom>
+        </p:spPr>
+        <p:style>
+          <a:lnRef idx="1">
+            <a:schemeClr val="accent5"/>
+          </a:lnRef>
+          <a:fillRef idx="2">
+            <a:schemeClr val="accent5"/>
+          </a:fillRef>
+          <a:effectRef idx="1">
+            <a:schemeClr val="accent5"/>
+          </a:effectRef>
+          <a:fontRef idx="minor">
+            <a:schemeClr val="dk1"/>
+          </a:fontRef>
+        </p:style>
+        <p:txBody>
+          <a:bodyPr rot="0" spcFirstLastPara="0" vertOverflow="overflow" horzOverflow="overflow" vert="horz" wrap="square" lIns="91440" tIns="45720" rIns="91440" bIns="45720" numCol="1" spcCol="0" rtlCol="0" fromWordArt="0" anchor="ctr" anchorCtr="0" forceAA="0" compatLnSpc="1">
+            <a:noAutofit/>
+          </a:bodyPr>
+          <a:p>
+            <a:pPr marL="0" marR="0" lvl="0" indent="0" algn="ctr" defTabSz="914400" rtl="0" eaLnBrk="1" fontAlgn="base" latinLnBrk="0" hangingPunct="1">
+              <a:lnSpc>
+                <a:spcPct val="100000"/>
+              </a:lnSpc>
+              <a:spcBef>
+                <a:spcPct val="0"/>
+              </a:spcBef>
+              <a:spcAft>
+                <a:spcPct val="0"/>
+              </a:spcAft>
+              <a:buClrTx/>
+              <a:buSzTx/>
+              <a:buFontTx/>
               <a:buNone/>
+              <a:defRPr/>
             </a:pPr>
             <a:r>
-              <a:rPr lang="en-US">
-                <a:effectLst>
-                  <a:outerShdw blurRad="38100" dist="25400" dir="5400000" algn="ctr" rotWithShape="0">
-                    <a:srgbClr val="6E747A">
-                      <a:alpha val="43000"/>
-                    </a:srgbClr>
-                  </a:outerShdw>
-                </a:effectLst>
-                <a:latin typeface="微软雅黑" panose="020B0503020204020204" pitchFamily="34" charset="-122"/>
-                <a:ea typeface="微软雅黑" panose="020B0503020204020204" pitchFamily="34" charset="-122"/>
-                <a:cs typeface="微软雅黑" panose="020B0503020204020204" pitchFamily="34" charset="-122"/>
-                <a:sym typeface="+mn-ea"/>
+              <a:rPr kumimoji="0" lang="zh-CN" altLang="zh-CN" sz="2400" b="0" i="0" u="none" strike="noStrike" kern="1200" cap="none" spc="0" normalizeH="0" baseline="0" noProof="0" dirty="0" smtClean="0">
+                <a:ln>
+                  <a:noFill/>
+                </a:ln>
+                <a:solidFill>
+                  <a:schemeClr val="dk1"/>
+                </a:solidFill>
+                <a:effectLst/>
+                <a:uLnTx/>
+                <a:uFillTx/>
+                <a:latin typeface="+mn-lt"/>
+                <a:ea typeface="+mn-ea"/>
+                <a:cs typeface="+mn-cs"/>
               </a:rPr>
-              <a:t>    8</a:t>
-            </a:r>
-            <a:r>
-              <a:rPr>
-                <a:effectLst>
-                  <a:outerShdw blurRad="38100" dist="25400" dir="5400000" algn="ctr" rotWithShape="0">
-                    <a:srgbClr val="6E747A">
-                      <a:alpha val="43000"/>
-                    </a:srgbClr>
-                  </a:outerShdw>
-                </a:effectLst>
-                <a:latin typeface="微软雅黑" panose="020B0503020204020204" pitchFamily="34" charset="-122"/>
-                <a:ea typeface="微软雅黑" panose="020B0503020204020204" pitchFamily="34" charset="-122"/>
-                <a:cs typeface="微软雅黑" panose="020B0503020204020204" pitchFamily="34" charset="-122"/>
-                <a:sym typeface="+mn-ea"/>
+              <a:t>条件为假（</a:t>
+            </a:r>
+            <a:r>
+              <a:rPr kumimoji="0" lang="en-US" altLang="zh-CN" sz="2400" b="0" i="0" u="none" strike="noStrike" kern="1200" cap="none" spc="0" normalizeH="0" baseline="0" noProof="0" dirty="0" smtClean="0">
+                <a:ln>
+                  <a:noFill/>
+                </a:ln>
+                <a:solidFill>
+                  <a:schemeClr val="dk1"/>
+                </a:solidFill>
+                <a:effectLst/>
+                <a:uLnTx/>
+                <a:uFillTx/>
+                <a:latin typeface="+mn-lt"/>
+                <a:ea typeface="+mn-ea"/>
+                <a:cs typeface="+mn-cs"/>
               </a:rPr>
-              <a:t>0以下为</a:t>
-            </a:r>
-            <a:r>
-              <a:rPr lang="en-US">
-                <a:effectLst>
-                  <a:outerShdw blurRad="38100" dist="25400" dir="5400000" algn="ctr" rotWithShape="0">
-                    <a:srgbClr val="6E747A">
-                      <a:alpha val="43000"/>
-                    </a:srgbClr>
-                  </a:outerShdw>
-                </a:effectLst>
-                <a:latin typeface="微软雅黑" panose="020B0503020204020204" pitchFamily="34" charset="-122"/>
-                <a:ea typeface="微软雅黑" panose="020B0503020204020204" pitchFamily="34" charset="-122"/>
-                <a:cs typeface="微软雅黑" panose="020B0503020204020204" pitchFamily="34" charset="-122"/>
-                <a:sym typeface="+mn-ea"/>
+              <a:t>False</a:t>
+            </a:r>
+            <a:r>
+              <a:rPr kumimoji="0" lang="zh-CN" altLang="zh-CN" sz="2400" b="0" i="0" u="none" strike="noStrike" kern="1200" cap="none" spc="0" normalizeH="0" baseline="0" noProof="0" dirty="0" smtClean="0">
+                <a:ln>
+                  <a:noFill/>
+                </a:ln>
+                <a:solidFill>
+                  <a:schemeClr val="dk1"/>
+                </a:solidFill>
+                <a:effectLst/>
+                <a:uLnTx/>
+                <a:uFillTx/>
+                <a:latin typeface="+mn-lt"/>
+                <a:ea typeface="+mn-ea"/>
+                <a:cs typeface="+mn-cs"/>
               </a:rPr>
-              <a:t>C</a:t>
-            </a:r>
-            <a:r>
-              <a:rPr>
-                <a:effectLst>
-                  <a:outerShdw blurRad="38100" dist="25400" dir="5400000" algn="ctr" rotWithShape="0">
-                    <a:srgbClr val="6E747A">
-                      <a:alpha val="43000"/>
-                    </a:srgbClr>
-                  </a:outerShdw>
-                </a:effectLst>
-                <a:latin typeface="微软雅黑" panose="020B0503020204020204" pitchFamily="34" charset="-122"/>
-                <a:ea typeface="微软雅黑" panose="020B0503020204020204" pitchFamily="34" charset="-122"/>
-                <a:cs typeface="微软雅黑" panose="020B0503020204020204" pitchFamily="34" charset="-122"/>
-                <a:sym typeface="+mn-ea"/>
-              </a:rPr>
-              <a:t>，写一个程序</a:t>
-            </a:r>
-            <a:endParaRPr lang="zh-CN" altLang="en-US"/>
+              <a:t>）执行的操作</a:t>
+            </a:r>
+            <a:endParaRPr kumimoji="0" lang="zh-CN" altLang="zh-CN" sz="2400" b="0" i="0" u="none" strike="noStrike" kern="1200" cap="none" spc="0" normalizeH="0" baseline="0" noProof="0" dirty="0" smtClean="0">
+              <a:ln>
+                <a:noFill/>
+              </a:ln>
+              <a:solidFill>
+                <a:schemeClr val="dk1"/>
+              </a:solidFill>
+              <a:effectLst/>
+              <a:uLnTx/>
+              <a:uFillTx/>
+              <a:latin typeface="+mn-lt"/>
+              <a:ea typeface="+mn-ea"/>
+              <a:cs typeface="+mn-cs"/>
+            </a:endParaRPr>
           </a:p>
         </p:txBody>
       </p:sp>
@@ -20388,6 +20673,256 @@
           </a:p>
         </p:txBody>
       </p:sp>
+      <p:sp>
+        <p:nvSpPr>
+          <p:cNvPr id="3" name="文本框 2"/>
+          <p:cNvSpPr txBox="1"/>
+          <p:nvPr/>
+        </p:nvSpPr>
+        <p:spPr>
+          <a:xfrm>
+            <a:off x="3752850" y="2446020"/>
+            <a:ext cx="5385435" cy="2584450"/>
+          </a:xfrm>
+          <a:prstGeom prst="rect">
+            <a:avLst/>
+          </a:prstGeom>
+          <a:noFill/>
+        </p:spPr>
+        <p:txBody>
+          <a:bodyPr wrap="square" rtlCol="0" anchor="t">
+            <a:spAutoFit/>
+          </a:bodyPr>
+          <a:p>
+            <a:pPr>
+              <a:lnSpc>
+                <a:spcPct val="150000"/>
+              </a:lnSpc>
+            </a:pPr>
+            <a:r>
+              <a:rPr lang="zh-CN" altLang="en-US">
+                <a:solidFill>
+                  <a:srgbClr val="FF0000"/>
+                </a:solidFill>
+                <a:latin typeface="微软雅黑" panose="020B0503020204020204" pitchFamily="34" charset="-122"/>
+                <a:ea typeface="微软雅黑" panose="020B0503020204020204" pitchFamily="34" charset="-122"/>
+                <a:cs typeface="微软雅黑" panose="020B0503020204020204" pitchFamily="34" charset="-122"/>
+                <a:sym typeface="+mn-ea"/>
+              </a:rPr>
+              <a:t>例</a:t>
+            </a:r>
+            <a:r>
+              <a:rPr lang="en-US" altLang="zh-CN">
+                <a:solidFill>
+                  <a:srgbClr val="FF0000"/>
+                </a:solidFill>
+                <a:latin typeface="微软雅黑" panose="020B0503020204020204" pitchFamily="34" charset="-122"/>
+                <a:ea typeface="微软雅黑" panose="020B0503020204020204" pitchFamily="34" charset="-122"/>
+                <a:cs typeface="微软雅黑" panose="020B0503020204020204" pitchFamily="34" charset="-122"/>
+                <a:sym typeface="+mn-ea"/>
+              </a:rPr>
+              <a:t>11</a:t>
+            </a:r>
+            <a:r>
+              <a:rPr lang="zh-CN" altLang="en-US">
+                <a:solidFill>
+                  <a:srgbClr val="FF0000"/>
+                </a:solidFill>
+                <a:latin typeface="微软雅黑" panose="020B0503020204020204" pitchFamily="34" charset="-122"/>
+                <a:ea typeface="微软雅黑" panose="020B0503020204020204" pitchFamily="34" charset="-122"/>
+                <a:cs typeface="微软雅黑" panose="020B0503020204020204" pitchFamily="34" charset="-122"/>
+                <a:sym typeface="+mn-ea"/>
+              </a:rPr>
+              <a:t>：</a:t>
+            </a:r>
+            <a:endParaRPr lang="zh-CN" altLang="en-US">
+              <a:solidFill>
+                <a:schemeClr val="tx1"/>
+              </a:solidFill>
+              <a:latin typeface="微软雅黑" panose="020B0503020204020204" pitchFamily="34" charset="-122"/>
+              <a:ea typeface="微软雅黑" panose="020B0503020204020204" pitchFamily="34" charset="-122"/>
+              <a:cs typeface="微软雅黑" panose="020B0503020204020204" pitchFamily="34" charset="-122"/>
+              <a:sym typeface="+mn-ea"/>
+            </a:endParaRPr>
+          </a:p>
+          <a:p>
+            <a:pPr>
+              <a:lnSpc>
+                <a:spcPct val="150000"/>
+              </a:lnSpc>
+            </a:pPr>
+            <a:r>
+              <a:rPr lang="zh-CN" altLang="en-US">
+                <a:solidFill>
+                  <a:schemeClr val="tx1"/>
+                </a:solidFill>
+                <a:latin typeface="微软雅黑" panose="020B0503020204020204" pitchFamily="34" charset="-122"/>
+                <a:ea typeface="微软雅黑" panose="020B0503020204020204" pitchFamily="34" charset="-122"/>
+                <a:cs typeface="微软雅黑" panose="020B0503020204020204" pitchFamily="34" charset="-122"/>
+                <a:sym typeface="+mn-ea"/>
+              </a:rPr>
+              <a:t>score = int(input('请输入一个分数：'))</a:t>
+            </a:r>
+            <a:endParaRPr lang="zh-CN" altLang="en-US">
+              <a:solidFill>
+                <a:schemeClr val="tx1"/>
+              </a:solidFill>
+              <a:latin typeface="微软雅黑" panose="020B0503020204020204" pitchFamily="34" charset="-122"/>
+              <a:ea typeface="微软雅黑" panose="020B0503020204020204" pitchFamily="34" charset="-122"/>
+              <a:cs typeface="微软雅黑" panose="020B0503020204020204" pitchFamily="34" charset="-122"/>
+              <a:sym typeface="+mn-ea"/>
+            </a:endParaRPr>
+          </a:p>
+          <a:p>
+            <a:pPr>
+              <a:lnSpc>
+                <a:spcPct val="150000"/>
+              </a:lnSpc>
+            </a:pPr>
+            <a:r>
+              <a:rPr lang="zh-CN" altLang="en-US">
+                <a:solidFill>
+                  <a:schemeClr val="tx1"/>
+                </a:solidFill>
+                <a:latin typeface="微软雅黑" panose="020B0503020204020204" pitchFamily="34" charset="-122"/>
+                <a:ea typeface="微软雅黑" panose="020B0503020204020204" pitchFamily="34" charset="-122"/>
+                <a:cs typeface="微软雅黑" panose="020B0503020204020204" pitchFamily="34" charset="-122"/>
+                <a:sym typeface="+mn-ea"/>
+              </a:rPr>
+              <a:t>if  score &gt;= 90:</a:t>
+            </a:r>
+            <a:endParaRPr lang="zh-CN" altLang="en-US">
+              <a:solidFill>
+                <a:schemeClr val="tx1"/>
+              </a:solidFill>
+              <a:latin typeface="微软雅黑" panose="020B0503020204020204" pitchFamily="34" charset="-122"/>
+              <a:ea typeface="微软雅黑" panose="020B0503020204020204" pitchFamily="34" charset="-122"/>
+              <a:cs typeface="微软雅黑" panose="020B0503020204020204" pitchFamily="34" charset="-122"/>
+              <a:sym typeface="+mn-ea"/>
+            </a:endParaRPr>
+          </a:p>
+          <a:p>
+            <a:pPr>
+              <a:lnSpc>
+                <a:spcPct val="150000"/>
+              </a:lnSpc>
+            </a:pPr>
+            <a:r>
+              <a:rPr lang="zh-CN" altLang="en-US">
+                <a:solidFill>
+                  <a:schemeClr val="tx1"/>
+                </a:solidFill>
+                <a:latin typeface="微软雅黑" panose="020B0503020204020204" pitchFamily="34" charset="-122"/>
+                <a:ea typeface="微软雅黑" panose="020B0503020204020204" pitchFamily="34" charset="-122"/>
+                <a:cs typeface="微软雅黑" panose="020B0503020204020204" pitchFamily="34" charset="-122"/>
+                <a:sym typeface="+mn-ea"/>
+              </a:rPr>
+              <a:t>    print('A')</a:t>
+            </a:r>
+            <a:endParaRPr lang="zh-CN" altLang="en-US">
+              <a:solidFill>
+                <a:schemeClr val="tx1"/>
+              </a:solidFill>
+              <a:latin typeface="微软雅黑" panose="020B0503020204020204" pitchFamily="34" charset="-122"/>
+              <a:ea typeface="微软雅黑" panose="020B0503020204020204" pitchFamily="34" charset="-122"/>
+              <a:cs typeface="微软雅黑" panose="020B0503020204020204" pitchFamily="34" charset="-122"/>
+              <a:sym typeface="+mn-ea"/>
+            </a:endParaRPr>
+          </a:p>
+          <a:p>
+            <a:pPr>
+              <a:lnSpc>
+                <a:spcPct val="150000"/>
+              </a:lnSpc>
+            </a:pPr>
+            <a:r>
+              <a:rPr lang="zh-CN" altLang="en-US">
+                <a:solidFill>
+                  <a:schemeClr val="tx1"/>
+                </a:solidFill>
+                <a:latin typeface="微软雅黑" panose="020B0503020204020204" pitchFamily="34" charset="-122"/>
+                <a:ea typeface="微软雅黑" panose="020B0503020204020204" pitchFamily="34" charset="-122"/>
+                <a:cs typeface="微软雅黑" panose="020B0503020204020204" pitchFamily="34" charset="-122"/>
+                <a:sym typeface="+mn-ea"/>
+              </a:rPr>
+              <a:t>else:</a:t>
+            </a:r>
+            <a:endParaRPr lang="zh-CN" altLang="en-US">
+              <a:solidFill>
+                <a:schemeClr val="tx1"/>
+              </a:solidFill>
+              <a:latin typeface="微软雅黑" panose="020B0503020204020204" pitchFamily="34" charset="-122"/>
+              <a:ea typeface="微软雅黑" panose="020B0503020204020204" pitchFamily="34" charset="-122"/>
+              <a:cs typeface="微软雅黑" panose="020B0503020204020204" pitchFamily="34" charset="-122"/>
+              <a:sym typeface="+mn-ea"/>
+            </a:endParaRPr>
+          </a:p>
+          <a:p>
+            <a:pPr>
+              <a:lnSpc>
+                <a:spcPct val="150000"/>
+              </a:lnSpc>
+            </a:pPr>
+            <a:r>
+              <a:rPr lang="zh-CN" altLang="en-US">
+                <a:solidFill>
+                  <a:schemeClr val="tx1"/>
+                </a:solidFill>
+                <a:latin typeface="微软雅黑" panose="020B0503020204020204" pitchFamily="34" charset="-122"/>
+                <a:ea typeface="微软雅黑" panose="020B0503020204020204" pitchFamily="34" charset="-122"/>
+                <a:cs typeface="微软雅黑" panose="020B0503020204020204" pitchFamily="34" charset="-122"/>
+                <a:sym typeface="+mn-ea"/>
+              </a:rPr>
+              <a:t>    print(</a:t>
+            </a:r>
+            <a:r>
+              <a:rPr lang="en-US" altLang="zh-CN">
+                <a:solidFill>
+                  <a:schemeClr val="tx1"/>
+                </a:solidFill>
+                <a:latin typeface="微软雅黑" panose="020B0503020204020204" pitchFamily="34" charset="-122"/>
+                <a:ea typeface="微软雅黑" panose="020B0503020204020204" pitchFamily="34" charset="-122"/>
+                <a:cs typeface="微软雅黑" panose="020B0503020204020204" pitchFamily="34" charset="-122"/>
+                <a:sym typeface="+mn-ea"/>
+              </a:rPr>
+              <a:t>'</a:t>
+            </a:r>
+            <a:r>
+              <a:rPr lang="en-US" altLang="zh-CN">
+                <a:solidFill>
+                  <a:schemeClr val="tx1"/>
+                </a:solidFill>
+                <a:latin typeface="微软雅黑" panose="020B0503020204020204" pitchFamily="34" charset="-122"/>
+                <a:ea typeface="微软雅黑" panose="020B0503020204020204" pitchFamily="34" charset="-122"/>
+                <a:cs typeface="微软雅黑" panose="020B0503020204020204" pitchFamily="34" charset="-122"/>
+                <a:sym typeface="+mn-ea"/>
+              </a:rPr>
+              <a:t>B</a:t>
+            </a:r>
+            <a:r>
+              <a:rPr lang="zh-CN" altLang="en-US">
+                <a:solidFill>
+                  <a:schemeClr val="tx1"/>
+                </a:solidFill>
+                <a:latin typeface="微软雅黑" panose="020B0503020204020204" pitchFamily="34" charset="-122"/>
+                <a:ea typeface="微软雅黑" panose="020B0503020204020204" pitchFamily="34" charset="-122"/>
+                <a:cs typeface="微软雅黑" panose="020B0503020204020204" pitchFamily="34" charset="-122"/>
+                <a:sym typeface="+mn-ea"/>
+              </a:rPr>
+              <a:t>')</a:t>
+            </a:r>
+            <a:endParaRPr lang="zh-CN" altLang="en-US">
+              <a:solidFill>
+                <a:schemeClr val="tx1"/>
+              </a:solidFill>
+              <a:latin typeface="微软雅黑" panose="020B0503020204020204" pitchFamily="34" charset="-122"/>
+              <a:ea typeface="微软雅黑" panose="020B0503020204020204" pitchFamily="34" charset="-122"/>
+              <a:cs typeface="微软雅黑" panose="020B0503020204020204" pitchFamily="34" charset="-122"/>
+              <a:sym typeface="+mn-ea"/>
+            </a:endParaRPr>
+          </a:p>
+        </p:txBody>
+      </p:sp>
       <p:pic>
         <p:nvPicPr>
           <p:cNvPr id="17411" name="Picture 3" descr="C:\Users\Bob\Desktop\图片素材\8258a2e7ef69f732cb3090123406204.png"/>
@@ -20444,14 +20979,14 @@
       </p:pic>
       <p:sp>
         <p:nvSpPr>
-          <p:cNvPr id="2" name="文本框 1"/>
+          <p:cNvPr id="4" name="文本框 3"/>
           <p:cNvSpPr txBox="1"/>
           <p:nvPr/>
         </p:nvSpPr>
         <p:spPr>
           <a:xfrm>
-            <a:off x="3676015" y="1715770"/>
-            <a:ext cx="5650230" cy="2861310"/>
+            <a:off x="3752850" y="1660525"/>
+            <a:ext cx="5139690" cy="645160"/>
           </a:xfrm>
           <a:prstGeom prst="rect">
             <a:avLst/>
@@ -20459,152 +20994,114 @@
           <a:noFill/>
         </p:spPr>
         <p:txBody>
-          <a:bodyPr wrap="square" rtlCol="0" anchor="t">
+          <a:bodyPr wrap="none" rtlCol="0" anchor="t">
             <a:spAutoFit/>
           </a:bodyPr>
           <a:p>
-            <a:pPr>
-              <a:lnSpc>
-                <a:spcPct val="150000"/>
-              </a:lnSpc>
+            <a:pPr marL="285750" indent="-285750">
+              <a:buFont typeface="Wingdings" panose="05000000000000000000" charset="0"/>
+              <a:buChar char="Ø"/>
             </a:pPr>
             <a:r>
-              <a:rPr lang="zh-CN" altLang="en-US" sz="2000">
-                <a:solidFill>
-                  <a:schemeClr val="tx1"/>
-                </a:solidFill>
+              <a:rPr>
+                <a:effectLst>
+                  <a:outerShdw blurRad="38100" dist="25400" dir="5400000" algn="ctr" rotWithShape="0">
+                    <a:srgbClr val="6E747A">
+                      <a:alpha val="43000"/>
+                    </a:srgbClr>
+                  </a:outerShdw>
+                </a:effectLst>
+                <a:latin typeface="微软雅黑" panose="020B0503020204020204" pitchFamily="34" charset="-122"/>
+                <a:ea typeface="微软雅黑" panose="020B0503020204020204" pitchFamily="34" charset="-122"/>
+                <a:cs typeface="微软雅黑" panose="020B0503020204020204" pitchFamily="34" charset="-122"/>
+                <a:sym typeface="+mn-ea"/>
               </a:rPr>
-              <a:t>**需求**</a:t>
-            </a:r>
-            <a:endParaRPr lang="zh-CN" altLang="en-US" sz="2000">
-              <a:solidFill>
-                <a:schemeClr val="tx1"/>
-              </a:solidFill>
+              <a:t>按照100分制，90分以上成绩为A，</a:t>
+            </a:r>
+            <a:r>
+              <a:rPr lang="en-US">
+                <a:effectLst>
+                  <a:outerShdw blurRad="38100" dist="25400" dir="5400000" algn="ctr" rotWithShape="0">
+                    <a:srgbClr val="6E747A">
+                      <a:alpha val="43000"/>
+                    </a:srgbClr>
+                  </a:outerShdw>
+                </a:effectLst>
+                <a:latin typeface="微软雅黑" panose="020B0503020204020204" pitchFamily="34" charset="-122"/>
+                <a:ea typeface="微软雅黑" panose="020B0503020204020204" pitchFamily="34" charset="-122"/>
+                <a:cs typeface="微软雅黑" panose="020B0503020204020204" pitchFamily="34" charset="-122"/>
+                <a:sym typeface="+mn-ea"/>
+              </a:rPr>
+              <a:t>90</a:t>
+            </a:r>
+            <a:r>
+              <a:rPr>
+                <a:effectLst>
+                  <a:outerShdw blurRad="38100" dist="25400" dir="5400000" algn="ctr" rotWithShape="0">
+                    <a:srgbClr val="6E747A">
+                      <a:alpha val="43000"/>
+                    </a:srgbClr>
+                  </a:outerShdw>
+                </a:effectLst>
+                <a:latin typeface="微软雅黑" panose="020B0503020204020204" pitchFamily="34" charset="-122"/>
+                <a:ea typeface="微软雅黑" panose="020B0503020204020204" pitchFamily="34" charset="-122"/>
+                <a:cs typeface="微软雅黑" panose="020B0503020204020204" pitchFamily="34" charset="-122"/>
+                <a:sym typeface="+mn-ea"/>
+              </a:rPr>
+              <a:t>以下为</a:t>
+            </a:r>
+            <a:r>
+              <a:rPr lang="en-US">
+                <a:effectLst>
+                  <a:outerShdw blurRad="38100" dist="25400" dir="5400000" algn="ctr" rotWithShape="0">
+                    <a:srgbClr val="6E747A">
+                      <a:alpha val="43000"/>
+                    </a:srgbClr>
+                  </a:outerShdw>
+                </a:effectLst>
+                <a:latin typeface="微软雅黑" panose="020B0503020204020204" pitchFamily="34" charset="-122"/>
+                <a:ea typeface="微软雅黑" panose="020B0503020204020204" pitchFamily="34" charset="-122"/>
+                <a:cs typeface="微软雅黑" panose="020B0503020204020204" pitchFamily="34" charset="-122"/>
+                <a:sym typeface="+mn-ea"/>
+              </a:rPr>
+              <a:t>B</a:t>
+            </a:r>
+            <a:endParaRPr lang="en-US">
+              <a:effectLst>
+                <a:outerShdw blurRad="38100" dist="25400" dir="5400000" algn="ctr" rotWithShape="0">
+                  <a:srgbClr val="6E747A">
+                    <a:alpha val="43000"/>
+                  </a:srgbClr>
+                </a:outerShdw>
+              </a:effectLst>
+              <a:latin typeface="微软雅黑" panose="020B0503020204020204" pitchFamily="34" charset="-122"/>
+              <a:ea typeface="微软雅黑" panose="020B0503020204020204" pitchFamily="34" charset="-122"/>
+              <a:cs typeface="微软雅黑" panose="020B0503020204020204" pitchFamily="34" charset="-122"/>
+              <a:sym typeface="+mn-ea"/>
             </a:endParaRPr>
           </a:p>
           <a:p>
-            <a:pPr>
-              <a:lnSpc>
-                <a:spcPct val="150000"/>
-              </a:lnSpc>
+            <a:pPr marL="0" indent="0">
+              <a:buFont typeface="Wingdings" panose="05000000000000000000" charset="0"/>
+              <a:buNone/>
             </a:pPr>
-            <a:endParaRPr lang="zh-CN" altLang="en-US" sz="2000">
-              <a:solidFill>
-                <a:schemeClr val="tx1"/>
-              </a:solidFill>
-            </a:endParaRPr>
-          </a:p>
-          <a:p>
-            <a:pPr>
-              <a:lnSpc>
-                <a:spcPct val="150000"/>
-              </a:lnSpc>
-            </a:pPr>
-            <a:r>
-              <a:rPr lang="zh-CN" altLang="en-US" sz="2000">
-                <a:solidFill>
-                  <a:schemeClr val="tx1"/>
-                </a:solidFill>
+            <a:r>
+              <a:rPr>
+                <a:effectLst>
+                  <a:outerShdw blurRad="38100" dist="25400" dir="5400000" algn="ctr" rotWithShape="0">
+                    <a:srgbClr val="6E747A">
+                      <a:alpha val="43000"/>
+                    </a:srgbClr>
+                  </a:outerShdw>
+                </a:effectLst>
+                <a:latin typeface="微软雅黑" panose="020B0503020204020204" pitchFamily="34" charset="-122"/>
+                <a:ea typeface="微软雅黑" panose="020B0503020204020204" pitchFamily="34" charset="-122"/>
+                <a:cs typeface="微软雅黑" panose="020B0503020204020204" pitchFamily="34" charset="-122"/>
+                <a:sym typeface="+mn-ea"/>
               </a:rPr>
-              <a:t>1. 输入用户年龄</a:t>
-            </a:r>
-            <a:endParaRPr lang="zh-CN" altLang="en-US" sz="2000">
-              <a:solidFill>
-                <a:schemeClr val="tx1"/>
-              </a:solidFill>
-            </a:endParaRPr>
-          </a:p>
-          <a:p>
-            <a:pPr>
-              <a:lnSpc>
-                <a:spcPct val="150000"/>
-              </a:lnSpc>
-            </a:pPr>
-            <a:r>
-              <a:rPr lang="zh-CN" altLang="en-US" sz="2000">
-                <a:solidFill>
-                  <a:schemeClr val="tx1"/>
-                </a:solidFill>
-              </a:rPr>
-              <a:t>2. 判断是否满 18 岁 （如：</a:t>
-            </a:r>
-            <a:r>
-              <a:rPr lang="en-US" altLang="zh-CN" sz="2000">
-                <a:solidFill>
-                  <a:schemeClr val="tx1"/>
-                </a:solidFill>
-              </a:rPr>
-              <a:t>age</a:t>
-            </a:r>
-            <a:r>
-              <a:rPr lang="zh-CN" altLang="en-US" sz="2000">
-                <a:solidFill>
-                  <a:schemeClr val="tx1"/>
-                </a:solidFill>
-              </a:rPr>
-              <a:t>&gt;=</a:t>
-            </a:r>
-            <a:r>
-              <a:rPr lang="en-US" altLang="zh-CN" sz="2000">
-                <a:solidFill>
-                  <a:schemeClr val="tx1"/>
-                </a:solidFill>
-              </a:rPr>
-              <a:t>18</a:t>
-            </a:r>
-            <a:r>
-              <a:rPr lang="zh-CN" altLang="en-US" sz="2000">
-                <a:solidFill>
-                  <a:schemeClr val="tx1"/>
-                </a:solidFill>
-              </a:rPr>
-              <a:t>）</a:t>
-            </a:r>
-            <a:endParaRPr lang="zh-CN" altLang="en-US" sz="2000">
-              <a:solidFill>
-                <a:schemeClr val="tx1"/>
-              </a:solidFill>
-            </a:endParaRPr>
-          </a:p>
-          <a:p>
-            <a:pPr>
-              <a:lnSpc>
-                <a:spcPct val="150000"/>
-              </a:lnSpc>
-            </a:pPr>
-            <a:r>
-              <a:rPr lang="zh-CN" altLang="en-US" sz="2000">
-                <a:solidFill>
-                  <a:schemeClr val="tx1"/>
-                </a:solidFill>
-              </a:rPr>
-              <a:t>3. 如果满 18 岁，允许玩这个游戏</a:t>
-            </a:r>
-            <a:endParaRPr lang="zh-CN" altLang="en-US" sz="2000">
-              <a:solidFill>
-                <a:schemeClr val="tx1"/>
-              </a:solidFill>
-            </a:endParaRPr>
-          </a:p>
-          <a:p>
-            <a:pPr>
-              <a:lnSpc>
-                <a:spcPct val="150000"/>
-              </a:lnSpc>
-            </a:pPr>
-            <a:r>
-              <a:rPr lang="zh-CN" altLang="en-US" sz="2000">
-                <a:solidFill>
-                  <a:schemeClr val="tx1"/>
-                </a:solidFill>
-              </a:rPr>
-              <a:t>4. 如果未满 18 岁，提示回家写作业</a:t>
-            </a:r>
-            <a:endParaRPr lang="zh-CN" altLang="en-US" sz="2000">
-              <a:solidFill>
-                <a:schemeClr val="tx1"/>
-              </a:solidFill>
-            </a:endParaRPr>
+              <a:t>     写一个程序，当用户输入分数</a:t>
+            </a:r>
+            <a:endParaRPr lang="zh-CN" altLang="en-US"/>
           </a:p>
         </p:txBody>
       </p:sp>
@@ -20823,7 +21320,7 @@
                 <a:ea typeface="微软雅黑" panose="020B0503020204020204" pitchFamily="34" charset="-122"/>
                 <a:sym typeface="+mn-ea"/>
               </a:rPr>
-              <a:t>总结</a:t>
+              <a:t>条件语句</a:t>
             </a:r>
             <a:endParaRPr lang="zh-CN" altLang="en-US" dirty="0" smtClean="0">
               <a:solidFill>
@@ -20890,6 +21387,1437 @@
           </a:extLst>
         </p:spPr>
       </p:pic>
+      <p:pic>
+        <p:nvPicPr>
+          <p:cNvPr id="6" name="图片 5"/>
+          <p:cNvPicPr>
+            <a:picLocks noChangeAspect="1"/>
+          </p:cNvPicPr>
+          <p:nvPr/>
+        </p:nvPicPr>
+        <p:blipFill>
+          <a:blip r:embed="rId3"/>
+          <a:stretch>
+            <a:fillRect/>
+          </a:stretch>
+        </p:blipFill>
+        <p:spPr>
+          <a:xfrm>
+            <a:off x="3588385" y="1462405"/>
+            <a:ext cx="7523480" cy="3662045"/>
+          </a:xfrm>
+          <a:prstGeom prst="rect">
+            <a:avLst/>
+          </a:prstGeom>
+        </p:spPr>
+      </p:pic>
+    </p:spTree>
+  </p:cSld>
+  <p:clrMapOvr>
+    <a:masterClrMapping/>
+  </p:clrMapOvr>
+  <p:timing>
+    <p:tnLst>
+      <p:par>
+        <p:cTn id="1" dur="indefinite" restart="never" nodeType="tmRoot"/>
+      </p:par>
+    </p:tnLst>
+  </p:timing>
+</p:sld>
+</file>
+
+<file path=ppt/slides/slide23.xml><?xml version="1.0" encoding="utf-8"?>
+<p:sld xmlns:a="http://schemas.openxmlformats.org/drawingml/2006/main" xmlns:r="http://schemas.openxmlformats.org/officeDocument/2006/relationships" xmlns:p="http://schemas.openxmlformats.org/presentationml/2006/main">
+  <p:cSld>
+    <p:bg>
+      <p:bgPr>
+        <a:blipFill dpi="0" rotWithShape="0">
+          <a:blip r:embed="rId1"/>
+          <a:srcRect/>
+          <a:stretch>
+            <a:fillRect/>
+          </a:stretch>
+        </a:blipFill>
+        <a:effectLst/>
+      </p:bgPr>
+    </p:bg>
+    <p:spTree>
+      <p:nvGrpSpPr>
+        <p:cNvPr id="1" name=""/>
+        <p:cNvGrpSpPr/>
+        <p:nvPr/>
+      </p:nvGrpSpPr>
+      <p:grpSpPr>
+        <a:xfrm>
+          <a:off x="0" y="0"/>
+          <a:ext cx="0" cy="0"/>
+          <a:chOff x="0" y="0"/>
+          <a:chExt cx="0" cy="0"/>
+        </a:xfrm>
+      </p:grpSpPr>
+      <p:sp>
+        <p:nvSpPr>
+          <p:cNvPr id="16386" name="文本框 3"/>
+          <p:cNvSpPr txBox="1">
+            <a:spLocks noChangeArrowheads="1"/>
+          </p:cNvSpPr>
+          <p:nvPr/>
+        </p:nvSpPr>
+        <p:spPr bwMode="auto">
+          <a:xfrm>
+            <a:off x="887413" y="419100"/>
+            <a:ext cx="3729037" cy="368300"/>
+          </a:xfrm>
+          <a:prstGeom prst="rect">
+            <a:avLst/>
+          </a:prstGeom>
+          <a:noFill/>
+          <a:ln>
+            <a:noFill/>
+          </a:ln>
+          <a:extLst>
+            <a:ext uri="{909E8E84-426E-40DD-AFC4-6F175D3DCCD1}">
+              <a14:hiddenFill xmlns:a14="http://schemas.microsoft.com/office/drawing/2010/main">
+                <a:solidFill>
+                  <a:srgbClr val="FFFFFF"/>
+                </a:solidFill>
+              </a14:hiddenFill>
+            </a:ext>
+            <a:ext uri="{91240B29-F687-4F45-9708-019B960494DF}">
+              <a14:hiddenLine xmlns:a14="http://schemas.microsoft.com/office/drawing/2010/main" w="9525">
+                <a:solidFill>
+                  <a:srgbClr val="000000"/>
+                </a:solidFill>
+                <a:miter lim="800000"/>
+                <a:headEnd/>
+                <a:tailEnd/>
+              </a14:hiddenLine>
+            </a:ext>
+          </a:extLst>
+        </p:spPr>
+        <p:txBody>
+          <a:bodyPr>
+            <a:spAutoFit/>
+          </a:bodyPr>
+          <a:lstStyle>
+            <a:lvl1pPr eaLnBrk="0" hangingPunct="0">
+              <a:defRPr>
+                <a:solidFill>
+                  <a:schemeClr val="tx1"/>
+                </a:solidFill>
+                <a:latin typeface="等线" panose="02010600030101010101" charset="-122"/>
+                <a:ea typeface="等线" panose="02010600030101010101" charset="-122"/>
+                <a:cs typeface="等线" panose="02010600030101010101" charset="-122"/>
+              </a:defRPr>
+            </a:lvl1pPr>
+            <a:lvl2pPr marL="742950" indent="-285750" eaLnBrk="0" hangingPunct="0">
+              <a:defRPr>
+                <a:solidFill>
+                  <a:schemeClr val="tx1"/>
+                </a:solidFill>
+                <a:latin typeface="等线" panose="02010600030101010101" charset="-122"/>
+                <a:ea typeface="等线" panose="02010600030101010101" charset="-122"/>
+                <a:cs typeface="等线" panose="02010600030101010101" charset="-122"/>
+              </a:defRPr>
+            </a:lvl2pPr>
+            <a:lvl3pPr marL="1143000" indent="-228600" eaLnBrk="0" hangingPunct="0">
+              <a:defRPr>
+                <a:solidFill>
+                  <a:schemeClr val="tx1"/>
+                </a:solidFill>
+                <a:latin typeface="等线" panose="02010600030101010101" charset="-122"/>
+                <a:ea typeface="等线" panose="02010600030101010101" charset="-122"/>
+                <a:cs typeface="等线" panose="02010600030101010101" charset="-122"/>
+              </a:defRPr>
+            </a:lvl3pPr>
+            <a:lvl4pPr marL="1600200" indent="-228600" eaLnBrk="0" hangingPunct="0">
+              <a:defRPr>
+                <a:solidFill>
+                  <a:schemeClr val="tx1"/>
+                </a:solidFill>
+                <a:latin typeface="等线" panose="02010600030101010101" charset="-122"/>
+                <a:ea typeface="等线" panose="02010600030101010101" charset="-122"/>
+                <a:cs typeface="等线" panose="02010600030101010101" charset="-122"/>
+              </a:defRPr>
+            </a:lvl4pPr>
+            <a:lvl5pPr marL="2057400" indent="-228600" eaLnBrk="0" hangingPunct="0">
+              <a:defRPr>
+                <a:solidFill>
+                  <a:schemeClr val="tx1"/>
+                </a:solidFill>
+                <a:latin typeface="等线" panose="02010600030101010101" charset="-122"/>
+                <a:ea typeface="等线" panose="02010600030101010101" charset="-122"/>
+                <a:cs typeface="等线" panose="02010600030101010101" charset="-122"/>
+              </a:defRPr>
+            </a:lvl5pPr>
+            <a:lvl6pPr marL="2514600" indent="-228600" eaLnBrk="0" fontAlgn="base" hangingPunct="0">
+              <a:spcBef>
+                <a:spcPct val="0"/>
+              </a:spcBef>
+              <a:spcAft>
+                <a:spcPct val="0"/>
+              </a:spcAft>
+              <a:defRPr>
+                <a:solidFill>
+                  <a:schemeClr val="tx1"/>
+                </a:solidFill>
+                <a:latin typeface="等线" panose="02010600030101010101" charset="-122"/>
+                <a:ea typeface="等线" panose="02010600030101010101" charset="-122"/>
+                <a:cs typeface="等线" panose="02010600030101010101" charset="-122"/>
+              </a:defRPr>
+            </a:lvl6pPr>
+            <a:lvl7pPr marL="2971800" indent="-228600" eaLnBrk="0" fontAlgn="base" hangingPunct="0">
+              <a:spcBef>
+                <a:spcPct val="0"/>
+              </a:spcBef>
+              <a:spcAft>
+                <a:spcPct val="0"/>
+              </a:spcAft>
+              <a:defRPr>
+                <a:solidFill>
+                  <a:schemeClr val="tx1"/>
+                </a:solidFill>
+                <a:latin typeface="等线" panose="02010600030101010101" charset="-122"/>
+                <a:ea typeface="等线" panose="02010600030101010101" charset="-122"/>
+                <a:cs typeface="等线" panose="02010600030101010101" charset="-122"/>
+              </a:defRPr>
+            </a:lvl7pPr>
+            <a:lvl8pPr marL="3429000" indent="-228600" eaLnBrk="0" fontAlgn="base" hangingPunct="0">
+              <a:spcBef>
+                <a:spcPct val="0"/>
+              </a:spcBef>
+              <a:spcAft>
+                <a:spcPct val="0"/>
+              </a:spcAft>
+              <a:defRPr>
+                <a:solidFill>
+                  <a:schemeClr val="tx1"/>
+                </a:solidFill>
+                <a:latin typeface="等线" panose="02010600030101010101" charset="-122"/>
+                <a:ea typeface="等线" panose="02010600030101010101" charset="-122"/>
+                <a:cs typeface="等线" panose="02010600030101010101" charset="-122"/>
+              </a:defRPr>
+            </a:lvl8pPr>
+            <a:lvl9pPr marL="3886200" indent="-228600" eaLnBrk="0" fontAlgn="base" hangingPunct="0">
+              <a:spcBef>
+                <a:spcPct val="0"/>
+              </a:spcBef>
+              <a:spcAft>
+                <a:spcPct val="0"/>
+              </a:spcAft>
+              <a:defRPr>
+                <a:solidFill>
+                  <a:schemeClr val="tx1"/>
+                </a:solidFill>
+                <a:latin typeface="等线" panose="02010600030101010101" charset="-122"/>
+                <a:ea typeface="等线" panose="02010600030101010101" charset="-122"/>
+                <a:cs typeface="等线" panose="02010600030101010101" charset="-122"/>
+              </a:defRPr>
+            </a:lvl9pPr>
+          </a:lstStyle>
+          <a:p>
+            <a:pPr eaLnBrk="1" hangingPunct="1"/>
+            <a:r>
+              <a:rPr lang="zh-CN" altLang="en-US" dirty="0" smtClean="0">
+                <a:solidFill>
+                  <a:schemeClr val="tx1"/>
+                </a:solidFill>
+                <a:latin typeface="微软雅黑" panose="020B0503020204020204" pitchFamily="34" charset="-122"/>
+                <a:ea typeface="微软雅黑" panose="020B0503020204020204" pitchFamily="34" charset="-122"/>
+                <a:sym typeface="+mn-ea"/>
+              </a:rPr>
+              <a:t>条件语句</a:t>
+            </a:r>
+            <a:endParaRPr lang="zh-CN" altLang="en-US" dirty="0" smtClean="0">
+              <a:solidFill>
+                <a:schemeClr val="tx1"/>
+              </a:solidFill>
+              <a:latin typeface="微软雅黑" panose="020B0503020204020204" pitchFamily="34" charset="-122"/>
+              <a:ea typeface="微软雅黑" panose="020B0503020204020204" pitchFamily="34" charset="-122"/>
+              <a:sym typeface="+mn-ea"/>
+            </a:endParaRPr>
+          </a:p>
+        </p:txBody>
+      </p:sp>
+      <p:sp>
+        <p:nvSpPr>
+          <p:cNvPr id="3" name="文本框 2"/>
+          <p:cNvSpPr txBox="1"/>
+          <p:nvPr/>
+        </p:nvSpPr>
+        <p:spPr>
+          <a:xfrm>
+            <a:off x="3752850" y="2446020"/>
+            <a:ext cx="5385435" cy="3415030"/>
+          </a:xfrm>
+          <a:prstGeom prst="rect">
+            <a:avLst/>
+          </a:prstGeom>
+          <a:noFill/>
+        </p:spPr>
+        <p:txBody>
+          <a:bodyPr wrap="square" rtlCol="0" anchor="t">
+            <a:spAutoFit/>
+          </a:bodyPr>
+          <a:p>
+            <a:pPr>
+              <a:lnSpc>
+                <a:spcPct val="150000"/>
+              </a:lnSpc>
+            </a:pPr>
+            <a:r>
+              <a:rPr lang="zh-CN" altLang="en-US">
+                <a:solidFill>
+                  <a:srgbClr val="FF0000"/>
+                </a:solidFill>
+                <a:latin typeface="微软雅黑" panose="020B0503020204020204" pitchFamily="34" charset="-122"/>
+                <a:ea typeface="微软雅黑" panose="020B0503020204020204" pitchFamily="34" charset="-122"/>
+                <a:cs typeface="微软雅黑" panose="020B0503020204020204" pitchFamily="34" charset="-122"/>
+                <a:sym typeface="+mn-ea"/>
+              </a:rPr>
+              <a:t>例</a:t>
+            </a:r>
+            <a:r>
+              <a:rPr lang="en-US" altLang="zh-CN">
+                <a:solidFill>
+                  <a:srgbClr val="FF0000"/>
+                </a:solidFill>
+                <a:latin typeface="微软雅黑" panose="020B0503020204020204" pitchFamily="34" charset="-122"/>
+                <a:ea typeface="微软雅黑" panose="020B0503020204020204" pitchFamily="34" charset="-122"/>
+                <a:cs typeface="微软雅黑" panose="020B0503020204020204" pitchFamily="34" charset="-122"/>
+                <a:sym typeface="+mn-ea"/>
+              </a:rPr>
+              <a:t>12</a:t>
+            </a:r>
+            <a:r>
+              <a:rPr lang="zh-CN" altLang="en-US">
+                <a:solidFill>
+                  <a:srgbClr val="FF0000"/>
+                </a:solidFill>
+                <a:latin typeface="微软雅黑" panose="020B0503020204020204" pitchFamily="34" charset="-122"/>
+                <a:ea typeface="微软雅黑" panose="020B0503020204020204" pitchFamily="34" charset="-122"/>
+                <a:cs typeface="微软雅黑" panose="020B0503020204020204" pitchFamily="34" charset="-122"/>
+                <a:sym typeface="+mn-ea"/>
+              </a:rPr>
+              <a:t>：</a:t>
+            </a:r>
+            <a:endParaRPr lang="zh-CN" altLang="en-US">
+              <a:solidFill>
+                <a:schemeClr val="tx1"/>
+              </a:solidFill>
+              <a:latin typeface="微软雅黑" panose="020B0503020204020204" pitchFamily="34" charset="-122"/>
+              <a:ea typeface="微软雅黑" panose="020B0503020204020204" pitchFamily="34" charset="-122"/>
+              <a:cs typeface="微软雅黑" panose="020B0503020204020204" pitchFamily="34" charset="-122"/>
+              <a:sym typeface="+mn-ea"/>
+            </a:endParaRPr>
+          </a:p>
+          <a:p>
+            <a:pPr>
+              <a:lnSpc>
+                <a:spcPct val="150000"/>
+              </a:lnSpc>
+            </a:pPr>
+            <a:r>
+              <a:rPr lang="zh-CN" altLang="en-US">
+                <a:solidFill>
+                  <a:schemeClr val="tx1"/>
+                </a:solidFill>
+                <a:latin typeface="微软雅黑" panose="020B0503020204020204" pitchFamily="34" charset="-122"/>
+                <a:ea typeface="微软雅黑" panose="020B0503020204020204" pitchFamily="34" charset="-122"/>
+                <a:cs typeface="微软雅黑" panose="020B0503020204020204" pitchFamily="34" charset="-122"/>
+                <a:sym typeface="+mn-ea"/>
+              </a:rPr>
+              <a:t>score = int(input('请输入一个分数：'))</a:t>
+            </a:r>
+            <a:endParaRPr lang="zh-CN" altLang="en-US">
+              <a:solidFill>
+                <a:schemeClr val="tx1"/>
+              </a:solidFill>
+              <a:latin typeface="微软雅黑" panose="020B0503020204020204" pitchFamily="34" charset="-122"/>
+              <a:ea typeface="微软雅黑" panose="020B0503020204020204" pitchFamily="34" charset="-122"/>
+              <a:cs typeface="微软雅黑" panose="020B0503020204020204" pitchFamily="34" charset="-122"/>
+              <a:sym typeface="+mn-ea"/>
+            </a:endParaRPr>
+          </a:p>
+          <a:p>
+            <a:pPr>
+              <a:lnSpc>
+                <a:spcPct val="150000"/>
+              </a:lnSpc>
+            </a:pPr>
+            <a:r>
+              <a:rPr lang="zh-CN" altLang="en-US">
+                <a:latin typeface="微软雅黑" panose="020B0503020204020204" pitchFamily="34" charset="-122"/>
+                <a:ea typeface="微软雅黑" panose="020B0503020204020204" pitchFamily="34" charset="-122"/>
+                <a:cs typeface="微软雅黑" panose="020B0503020204020204" pitchFamily="34" charset="-122"/>
+                <a:sym typeface="+mn-ea"/>
+              </a:rPr>
+              <a:t>if 100 &gt;= score &gt;= 90:</a:t>
+            </a:r>
+            <a:endParaRPr lang="zh-CN" altLang="en-US">
+              <a:solidFill>
+                <a:schemeClr val="tx1"/>
+              </a:solidFill>
+              <a:latin typeface="微软雅黑" panose="020B0503020204020204" pitchFamily="34" charset="-122"/>
+              <a:ea typeface="微软雅黑" panose="020B0503020204020204" pitchFamily="34" charset="-122"/>
+              <a:cs typeface="微软雅黑" panose="020B0503020204020204" pitchFamily="34" charset="-122"/>
+              <a:sym typeface="+mn-ea"/>
+            </a:endParaRPr>
+          </a:p>
+          <a:p>
+            <a:pPr>
+              <a:lnSpc>
+                <a:spcPct val="150000"/>
+              </a:lnSpc>
+            </a:pPr>
+            <a:r>
+              <a:rPr lang="zh-CN" altLang="en-US">
+                <a:latin typeface="微软雅黑" panose="020B0503020204020204" pitchFamily="34" charset="-122"/>
+                <a:ea typeface="微软雅黑" panose="020B0503020204020204" pitchFamily="34" charset="-122"/>
+                <a:cs typeface="微软雅黑" panose="020B0503020204020204" pitchFamily="34" charset="-122"/>
+                <a:sym typeface="+mn-ea"/>
+              </a:rPr>
+              <a:t>    print('A')</a:t>
+            </a:r>
+            <a:endParaRPr lang="zh-CN" altLang="en-US">
+              <a:solidFill>
+                <a:schemeClr val="tx1"/>
+              </a:solidFill>
+              <a:latin typeface="微软雅黑" panose="020B0503020204020204" pitchFamily="34" charset="-122"/>
+              <a:ea typeface="微软雅黑" panose="020B0503020204020204" pitchFamily="34" charset="-122"/>
+              <a:cs typeface="微软雅黑" panose="020B0503020204020204" pitchFamily="34" charset="-122"/>
+              <a:sym typeface="+mn-ea"/>
+            </a:endParaRPr>
+          </a:p>
+          <a:p>
+            <a:pPr>
+              <a:lnSpc>
+                <a:spcPct val="150000"/>
+              </a:lnSpc>
+            </a:pPr>
+            <a:r>
+              <a:rPr lang="zh-CN" altLang="en-US">
+                <a:latin typeface="微软雅黑" panose="020B0503020204020204" pitchFamily="34" charset="-122"/>
+                <a:ea typeface="微软雅黑" panose="020B0503020204020204" pitchFamily="34" charset="-122"/>
+                <a:cs typeface="微软雅黑" panose="020B0503020204020204" pitchFamily="34" charset="-122"/>
+                <a:sym typeface="+mn-ea"/>
+              </a:rPr>
+              <a:t>elif 90 &gt; score &gt;= 80:</a:t>
+            </a:r>
+            <a:endParaRPr lang="zh-CN" altLang="en-US">
+              <a:solidFill>
+                <a:schemeClr val="tx1"/>
+              </a:solidFill>
+              <a:latin typeface="微软雅黑" panose="020B0503020204020204" pitchFamily="34" charset="-122"/>
+              <a:ea typeface="微软雅黑" panose="020B0503020204020204" pitchFamily="34" charset="-122"/>
+              <a:cs typeface="微软雅黑" panose="020B0503020204020204" pitchFamily="34" charset="-122"/>
+              <a:sym typeface="+mn-ea"/>
+            </a:endParaRPr>
+          </a:p>
+          <a:p>
+            <a:pPr>
+              <a:lnSpc>
+                <a:spcPct val="150000"/>
+              </a:lnSpc>
+            </a:pPr>
+            <a:r>
+              <a:rPr lang="zh-CN" altLang="en-US">
+                <a:latin typeface="微软雅黑" panose="020B0503020204020204" pitchFamily="34" charset="-122"/>
+                <a:ea typeface="微软雅黑" panose="020B0503020204020204" pitchFamily="34" charset="-122"/>
+                <a:cs typeface="微软雅黑" panose="020B0503020204020204" pitchFamily="34" charset="-122"/>
+                <a:sym typeface="+mn-ea"/>
+              </a:rPr>
+              <a:t>    print('B')</a:t>
+            </a:r>
+            <a:endParaRPr lang="zh-CN" altLang="en-US">
+              <a:solidFill>
+                <a:schemeClr val="tx1"/>
+              </a:solidFill>
+              <a:latin typeface="微软雅黑" panose="020B0503020204020204" pitchFamily="34" charset="-122"/>
+              <a:ea typeface="微软雅黑" panose="020B0503020204020204" pitchFamily="34" charset="-122"/>
+              <a:cs typeface="微软雅黑" panose="020B0503020204020204" pitchFamily="34" charset="-122"/>
+              <a:sym typeface="+mn-ea"/>
+            </a:endParaRPr>
+          </a:p>
+          <a:p>
+            <a:pPr>
+              <a:lnSpc>
+                <a:spcPct val="150000"/>
+              </a:lnSpc>
+            </a:pPr>
+            <a:r>
+              <a:rPr lang="zh-CN" altLang="en-US">
+                <a:latin typeface="微软雅黑" panose="020B0503020204020204" pitchFamily="34" charset="-122"/>
+                <a:ea typeface="微软雅黑" panose="020B0503020204020204" pitchFamily="34" charset="-122"/>
+                <a:cs typeface="微软雅黑" panose="020B0503020204020204" pitchFamily="34" charset="-122"/>
+                <a:sym typeface="+mn-ea"/>
+              </a:rPr>
+              <a:t>else:</a:t>
+            </a:r>
+            <a:endParaRPr lang="zh-CN" altLang="en-US">
+              <a:latin typeface="微软雅黑" panose="020B0503020204020204" pitchFamily="34" charset="-122"/>
+              <a:ea typeface="微软雅黑" panose="020B0503020204020204" pitchFamily="34" charset="-122"/>
+              <a:cs typeface="微软雅黑" panose="020B0503020204020204" pitchFamily="34" charset="-122"/>
+              <a:sym typeface="+mn-ea"/>
+            </a:endParaRPr>
+          </a:p>
+          <a:p>
+            <a:pPr>
+              <a:lnSpc>
+                <a:spcPct val="150000"/>
+              </a:lnSpc>
+            </a:pPr>
+            <a:r>
+              <a:rPr lang="zh-CN" altLang="en-US">
+                <a:latin typeface="微软雅黑" panose="020B0503020204020204" pitchFamily="34" charset="-122"/>
+                <a:ea typeface="微软雅黑" panose="020B0503020204020204" pitchFamily="34" charset="-122"/>
+                <a:cs typeface="微软雅黑" panose="020B0503020204020204" pitchFamily="34" charset="-122"/>
+                <a:sym typeface="+mn-ea"/>
+              </a:rPr>
+              <a:t>    print('</a:t>
+            </a:r>
+            <a:r>
+              <a:rPr lang="en-US" altLang="zh-CN">
+                <a:latin typeface="微软雅黑" panose="020B0503020204020204" pitchFamily="34" charset="-122"/>
+                <a:ea typeface="微软雅黑" panose="020B0503020204020204" pitchFamily="34" charset="-122"/>
+                <a:cs typeface="微软雅黑" panose="020B0503020204020204" pitchFamily="34" charset="-122"/>
+                <a:sym typeface="+mn-ea"/>
+              </a:rPr>
+              <a:t>C</a:t>
+            </a:r>
+            <a:r>
+              <a:rPr lang="zh-CN" altLang="en-US">
+                <a:latin typeface="微软雅黑" panose="020B0503020204020204" pitchFamily="34" charset="-122"/>
+                <a:ea typeface="微软雅黑" panose="020B0503020204020204" pitchFamily="34" charset="-122"/>
+                <a:cs typeface="微软雅黑" panose="020B0503020204020204" pitchFamily="34" charset="-122"/>
+                <a:sym typeface="+mn-ea"/>
+              </a:rPr>
+              <a:t>')</a:t>
+            </a:r>
+            <a:endParaRPr lang="zh-CN" altLang="en-US">
+              <a:solidFill>
+                <a:schemeClr val="tx1"/>
+              </a:solidFill>
+              <a:latin typeface="微软雅黑" panose="020B0503020204020204" pitchFamily="34" charset="-122"/>
+              <a:ea typeface="微软雅黑" panose="020B0503020204020204" pitchFamily="34" charset="-122"/>
+              <a:cs typeface="微软雅黑" panose="020B0503020204020204" pitchFamily="34" charset="-122"/>
+              <a:sym typeface="+mn-ea"/>
+            </a:endParaRPr>
+          </a:p>
+        </p:txBody>
+      </p:sp>
+      <p:pic>
+        <p:nvPicPr>
+          <p:cNvPr id="17411" name="Picture 3" descr="C:\Users\Bob\Desktop\图片素材\8258a2e7ef69f732cb3090123406204.png"/>
+          <p:cNvPicPr>
+            <a:picLocks noChangeAspect="1" noChangeArrowheads="1"/>
+          </p:cNvPicPr>
+          <p:nvPr/>
+        </p:nvPicPr>
+        <p:blipFill>
+          <a:blip r:embed="rId2">
+            <a:extLst>
+              <a:ext uri="{28A0092B-C50C-407E-A947-70E740481C1C}">
+                <a14:useLocalDpi xmlns:a14="http://schemas.microsoft.com/office/drawing/2010/main" val="0"/>
+              </a:ext>
+            </a:extLst>
+          </a:blip>
+          <a:srcRect/>
+          <a:stretch>
+            <a:fillRect/>
+          </a:stretch>
+        </p:blipFill>
+        <p:spPr bwMode="auto">
+          <a:xfrm>
+            <a:off x="800418" y="1660525"/>
+            <a:ext cx="2039937" cy="2916238"/>
+          </a:xfrm>
+          <a:prstGeom prst="rect">
+            <a:avLst/>
+          </a:prstGeom>
+          <a:noFill/>
+          <a:ln>
+            <a:noFill/>
+          </a:ln>
+          <a:extLst>
+            <a:ext uri="{909E8E84-426E-40DD-AFC4-6F175D3DCCD1}">
+              <a14:hiddenFill xmlns:a14="http://schemas.microsoft.com/office/drawing/2010/main">
+                <a:solidFill>
+                  <a:srgbClr val="FFFFFF"/>
+                </a:solidFill>
+              </a14:hiddenFill>
+            </a:ext>
+            <a:ext uri="{91240B29-F687-4F45-9708-019B960494DF}">
+              <a14:hiddenLine xmlns:a14="http://schemas.microsoft.com/office/drawing/2010/main" w="9525">
+                <a:solidFill>
+                  <a:srgbClr val="000000"/>
+                </a:solidFill>
+                <a:miter lim="800000"/>
+                <a:headEnd/>
+                <a:tailEnd/>
+              </a14:hiddenLine>
+            </a:ext>
+          </a:extLst>
+        </p:spPr>
+      </p:pic>
+      <p:sp>
+        <p:nvSpPr>
+          <p:cNvPr id="4" name="文本框 3"/>
+          <p:cNvSpPr txBox="1"/>
+          <p:nvPr/>
+        </p:nvSpPr>
+        <p:spPr>
+          <a:xfrm>
+            <a:off x="3752850" y="1660525"/>
+            <a:ext cx="5179060" cy="645160"/>
+          </a:xfrm>
+          <a:prstGeom prst="rect">
+            <a:avLst/>
+          </a:prstGeom>
+          <a:noFill/>
+        </p:spPr>
+        <p:txBody>
+          <a:bodyPr wrap="none" rtlCol="0" anchor="t">
+            <a:spAutoFit/>
+          </a:bodyPr>
+          <a:p>
+            <a:pPr marL="285750" indent="-285750" algn="l">
+              <a:buFont typeface="Wingdings" panose="05000000000000000000" charset="0"/>
+              <a:buChar char="Ø"/>
+            </a:pPr>
+            <a:r>
+              <a:rPr>
+                <a:effectLst>
+                  <a:outerShdw blurRad="38100" dist="25400" dir="5400000" algn="ctr" rotWithShape="0">
+                    <a:srgbClr val="6E747A">
+                      <a:alpha val="43000"/>
+                    </a:srgbClr>
+                  </a:outerShdw>
+                </a:effectLst>
+                <a:latin typeface="微软雅黑" panose="020B0503020204020204" pitchFamily="34" charset="-122"/>
+                <a:ea typeface="微软雅黑" panose="020B0503020204020204" pitchFamily="34" charset="-122"/>
+                <a:cs typeface="微软雅黑" panose="020B0503020204020204" pitchFamily="34" charset="-122"/>
+                <a:sym typeface="+mn-ea"/>
+              </a:rPr>
+              <a:t>按照100分制，90分以上成绩为A，80到90为B</a:t>
+            </a:r>
+            <a:endParaRPr>
+              <a:effectLst>
+                <a:outerShdw blurRad="38100" dist="25400" dir="5400000" algn="ctr" rotWithShape="0">
+                  <a:srgbClr val="6E747A">
+                    <a:alpha val="43000"/>
+                  </a:srgbClr>
+                </a:outerShdw>
+              </a:effectLst>
+              <a:latin typeface="微软雅黑" panose="020B0503020204020204" pitchFamily="34" charset="-122"/>
+              <a:ea typeface="微软雅黑" panose="020B0503020204020204" pitchFamily="34" charset="-122"/>
+              <a:cs typeface="微软雅黑" panose="020B0503020204020204" pitchFamily="34" charset="-122"/>
+              <a:sym typeface="+mn-ea"/>
+            </a:endParaRPr>
+          </a:p>
+          <a:p>
+            <a:pPr marL="0" indent="0" algn="l">
+              <a:buFont typeface="Wingdings" panose="05000000000000000000" charset="0"/>
+              <a:buNone/>
+            </a:pPr>
+            <a:r>
+              <a:rPr lang="en-US">
+                <a:effectLst>
+                  <a:outerShdw blurRad="38100" dist="25400" dir="5400000" algn="ctr" rotWithShape="0">
+                    <a:srgbClr val="6E747A">
+                      <a:alpha val="43000"/>
+                    </a:srgbClr>
+                  </a:outerShdw>
+                </a:effectLst>
+                <a:latin typeface="微软雅黑" panose="020B0503020204020204" pitchFamily="34" charset="-122"/>
+                <a:ea typeface="微软雅黑" panose="020B0503020204020204" pitchFamily="34" charset="-122"/>
+                <a:cs typeface="微软雅黑" panose="020B0503020204020204" pitchFamily="34" charset="-122"/>
+                <a:sym typeface="+mn-ea"/>
+              </a:rPr>
+              <a:t>    8</a:t>
+            </a:r>
+            <a:r>
+              <a:rPr>
+                <a:effectLst>
+                  <a:outerShdw blurRad="38100" dist="25400" dir="5400000" algn="ctr" rotWithShape="0">
+                    <a:srgbClr val="6E747A">
+                      <a:alpha val="43000"/>
+                    </a:srgbClr>
+                  </a:outerShdw>
+                </a:effectLst>
+                <a:latin typeface="微软雅黑" panose="020B0503020204020204" pitchFamily="34" charset="-122"/>
+                <a:ea typeface="微软雅黑" panose="020B0503020204020204" pitchFamily="34" charset="-122"/>
+                <a:cs typeface="微软雅黑" panose="020B0503020204020204" pitchFamily="34" charset="-122"/>
+                <a:sym typeface="+mn-ea"/>
+              </a:rPr>
+              <a:t>0以下为</a:t>
+            </a:r>
+            <a:r>
+              <a:rPr lang="en-US">
+                <a:effectLst>
+                  <a:outerShdw blurRad="38100" dist="25400" dir="5400000" algn="ctr" rotWithShape="0">
+                    <a:srgbClr val="6E747A">
+                      <a:alpha val="43000"/>
+                    </a:srgbClr>
+                  </a:outerShdw>
+                </a:effectLst>
+                <a:latin typeface="微软雅黑" panose="020B0503020204020204" pitchFamily="34" charset="-122"/>
+                <a:ea typeface="微软雅黑" panose="020B0503020204020204" pitchFamily="34" charset="-122"/>
+                <a:cs typeface="微软雅黑" panose="020B0503020204020204" pitchFamily="34" charset="-122"/>
+                <a:sym typeface="+mn-ea"/>
+              </a:rPr>
+              <a:t>C</a:t>
+            </a:r>
+            <a:r>
+              <a:rPr>
+                <a:effectLst>
+                  <a:outerShdw blurRad="38100" dist="25400" dir="5400000" algn="ctr" rotWithShape="0">
+                    <a:srgbClr val="6E747A">
+                      <a:alpha val="43000"/>
+                    </a:srgbClr>
+                  </a:outerShdw>
+                </a:effectLst>
+                <a:latin typeface="微软雅黑" panose="020B0503020204020204" pitchFamily="34" charset="-122"/>
+                <a:ea typeface="微软雅黑" panose="020B0503020204020204" pitchFamily="34" charset="-122"/>
+                <a:cs typeface="微软雅黑" panose="020B0503020204020204" pitchFamily="34" charset="-122"/>
+                <a:sym typeface="+mn-ea"/>
+              </a:rPr>
+              <a:t>，写一个程序</a:t>
+            </a:r>
+            <a:endParaRPr lang="zh-CN" altLang="en-US"/>
+          </a:p>
+        </p:txBody>
+      </p:sp>
+    </p:spTree>
+  </p:cSld>
+  <p:clrMapOvr>
+    <a:masterClrMapping/>
+  </p:clrMapOvr>
+  <p:timing>
+    <p:tnLst>
+      <p:par>
+        <p:cTn id="1" dur="indefinite" restart="never" nodeType="tmRoot"/>
+      </p:par>
+    </p:tnLst>
+  </p:timing>
+</p:sld>
+</file>
+
+<file path=ppt/slides/slide24.xml><?xml version="1.0" encoding="utf-8"?>
+<p:sld xmlns:a="http://schemas.openxmlformats.org/drawingml/2006/main" xmlns:r="http://schemas.openxmlformats.org/officeDocument/2006/relationships" xmlns:p="http://schemas.openxmlformats.org/presentationml/2006/main">
+  <p:cSld>
+    <p:bg>
+      <p:bgPr>
+        <a:blipFill dpi="0" rotWithShape="0">
+          <a:blip r:embed="rId1"/>
+          <a:srcRect/>
+          <a:stretch>
+            <a:fillRect/>
+          </a:stretch>
+        </a:blipFill>
+        <a:effectLst/>
+      </p:bgPr>
+    </p:bg>
+    <p:spTree>
+      <p:nvGrpSpPr>
+        <p:cNvPr id="1" name=""/>
+        <p:cNvGrpSpPr/>
+        <p:nvPr/>
+      </p:nvGrpSpPr>
+      <p:grpSpPr>
+        <a:xfrm>
+          <a:off x="0" y="0"/>
+          <a:ext cx="0" cy="0"/>
+          <a:chOff x="0" y="0"/>
+          <a:chExt cx="0" cy="0"/>
+        </a:xfrm>
+      </p:grpSpPr>
+      <p:sp>
+        <p:nvSpPr>
+          <p:cNvPr id="16386" name="文本框 3"/>
+          <p:cNvSpPr txBox="1">
+            <a:spLocks noChangeArrowheads="1"/>
+          </p:cNvSpPr>
+          <p:nvPr/>
+        </p:nvSpPr>
+        <p:spPr bwMode="auto">
+          <a:xfrm>
+            <a:off x="887413" y="419100"/>
+            <a:ext cx="3729037" cy="368300"/>
+          </a:xfrm>
+          <a:prstGeom prst="rect">
+            <a:avLst/>
+          </a:prstGeom>
+          <a:noFill/>
+          <a:ln>
+            <a:noFill/>
+          </a:ln>
+          <a:extLst>
+            <a:ext uri="{909E8E84-426E-40DD-AFC4-6F175D3DCCD1}">
+              <a14:hiddenFill xmlns:a14="http://schemas.microsoft.com/office/drawing/2010/main">
+                <a:solidFill>
+                  <a:srgbClr val="FFFFFF"/>
+                </a:solidFill>
+              </a14:hiddenFill>
+            </a:ext>
+            <a:ext uri="{91240B29-F687-4F45-9708-019B960494DF}">
+              <a14:hiddenLine xmlns:a14="http://schemas.microsoft.com/office/drawing/2010/main" w="9525">
+                <a:solidFill>
+                  <a:srgbClr val="000000"/>
+                </a:solidFill>
+                <a:miter lim="800000"/>
+                <a:headEnd/>
+                <a:tailEnd/>
+              </a14:hiddenLine>
+            </a:ext>
+          </a:extLst>
+        </p:spPr>
+        <p:txBody>
+          <a:bodyPr>
+            <a:spAutoFit/>
+          </a:bodyPr>
+          <a:lstStyle>
+            <a:lvl1pPr eaLnBrk="0" hangingPunct="0">
+              <a:defRPr>
+                <a:solidFill>
+                  <a:schemeClr val="tx1"/>
+                </a:solidFill>
+                <a:latin typeface="等线" panose="02010600030101010101" charset="-122"/>
+                <a:ea typeface="等线" panose="02010600030101010101" charset="-122"/>
+                <a:cs typeface="等线" panose="02010600030101010101" charset="-122"/>
+              </a:defRPr>
+            </a:lvl1pPr>
+            <a:lvl2pPr marL="742950" indent="-285750" eaLnBrk="0" hangingPunct="0">
+              <a:defRPr>
+                <a:solidFill>
+                  <a:schemeClr val="tx1"/>
+                </a:solidFill>
+                <a:latin typeface="等线" panose="02010600030101010101" charset="-122"/>
+                <a:ea typeface="等线" panose="02010600030101010101" charset="-122"/>
+                <a:cs typeface="等线" panose="02010600030101010101" charset="-122"/>
+              </a:defRPr>
+            </a:lvl2pPr>
+            <a:lvl3pPr marL="1143000" indent="-228600" eaLnBrk="0" hangingPunct="0">
+              <a:defRPr>
+                <a:solidFill>
+                  <a:schemeClr val="tx1"/>
+                </a:solidFill>
+                <a:latin typeface="等线" panose="02010600030101010101" charset="-122"/>
+                <a:ea typeface="等线" panose="02010600030101010101" charset="-122"/>
+                <a:cs typeface="等线" panose="02010600030101010101" charset="-122"/>
+              </a:defRPr>
+            </a:lvl3pPr>
+            <a:lvl4pPr marL="1600200" indent="-228600" eaLnBrk="0" hangingPunct="0">
+              <a:defRPr>
+                <a:solidFill>
+                  <a:schemeClr val="tx1"/>
+                </a:solidFill>
+                <a:latin typeface="等线" panose="02010600030101010101" charset="-122"/>
+                <a:ea typeface="等线" panose="02010600030101010101" charset="-122"/>
+                <a:cs typeface="等线" panose="02010600030101010101" charset="-122"/>
+              </a:defRPr>
+            </a:lvl4pPr>
+            <a:lvl5pPr marL="2057400" indent="-228600" eaLnBrk="0" hangingPunct="0">
+              <a:defRPr>
+                <a:solidFill>
+                  <a:schemeClr val="tx1"/>
+                </a:solidFill>
+                <a:latin typeface="等线" panose="02010600030101010101" charset="-122"/>
+                <a:ea typeface="等线" panose="02010600030101010101" charset="-122"/>
+                <a:cs typeface="等线" panose="02010600030101010101" charset="-122"/>
+              </a:defRPr>
+            </a:lvl5pPr>
+            <a:lvl6pPr marL="2514600" indent="-228600" eaLnBrk="0" fontAlgn="base" hangingPunct="0">
+              <a:spcBef>
+                <a:spcPct val="0"/>
+              </a:spcBef>
+              <a:spcAft>
+                <a:spcPct val="0"/>
+              </a:spcAft>
+              <a:defRPr>
+                <a:solidFill>
+                  <a:schemeClr val="tx1"/>
+                </a:solidFill>
+                <a:latin typeface="等线" panose="02010600030101010101" charset="-122"/>
+                <a:ea typeface="等线" panose="02010600030101010101" charset="-122"/>
+                <a:cs typeface="等线" panose="02010600030101010101" charset="-122"/>
+              </a:defRPr>
+            </a:lvl6pPr>
+            <a:lvl7pPr marL="2971800" indent="-228600" eaLnBrk="0" fontAlgn="base" hangingPunct="0">
+              <a:spcBef>
+                <a:spcPct val="0"/>
+              </a:spcBef>
+              <a:spcAft>
+                <a:spcPct val="0"/>
+              </a:spcAft>
+              <a:defRPr>
+                <a:solidFill>
+                  <a:schemeClr val="tx1"/>
+                </a:solidFill>
+                <a:latin typeface="等线" panose="02010600030101010101" charset="-122"/>
+                <a:ea typeface="等线" panose="02010600030101010101" charset="-122"/>
+                <a:cs typeface="等线" panose="02010600030101010101" charset="-122"/>
+              </a:defRPr>
+            </a:lvl7pPr>
+            <a:lvl8pPr marL="3429000" indent="-228600" eaLnBrk="0" fontAlgn="base" hangingPunct="0">
+              <a:spcBef>
+                <a:spcPct val="0"/>
+              </a:spcBef>
+              <a:spcAft>
+                <a:spcPct val="0"/>
+              </a:spcAft>
+              <a:defRPr>
+                <a:solidFill>
+                  <a:schemeClr val="tx1"/>
+                </a:solidFill>
+                <a:latin typeface="等线" panose="02010600030101010101" charset="-122"/>
+                <a:ea typeface="等线" panose="02010600030101010101" charset="-122"/>
+                <a:cs typeface="等线" panose="02010600030101010101" charset="-122"/>
+              </a:defRPr>
+            </a:lvl8pPr>
+            <a:lvl9pPr marL="3886200" indent="-228600" eaLnBrk="0" fontAlgn="base" hangingPunct="0">
+              <a:spcBef>
+                <a:spcPct val="0"/>
+              </a:spcBef>
+              <a:spcAft>
+                <a:spcPct val="0"/>
+              </a:spcAft>
+              <a:defRPr>
+                <a:solidFill>
+                  <a:schemeClr val="tx1"/>
+                </a:solidFill>
+                <a:latin typeface="等线" panose="02010600030101010101" charset="-122"/>
+                <a:ea typeface="等线" panose="02010600030101010101" charset="-122"/>
+                <a:cs typeface="等线" panose="02010600030101010101" charset="-122"/>
+              </a:defRPr>
+            </a:lvl9pPr>
+          </a:lstStyle>
+          <a:p>
+            <a:pPr eaLnBrk="1" hangingPunct="1"/>
+            <a:r>
+              <a:rPr lang="zh-CN" altLang="en-US" dirty="0" smtClean="0">
+                <a:solidFill>
+                  <a:schemeClr val="tx1"/>
+                </a:solidFill>
+                <a:latin typeface="微软雅黑" panose="020B0503020204020204" pitchFamily="34" charset="-122"/>
+                <a:ea typeface="微软雅黑" panose="020B0503020204020204" pitchFamily="34" charset="-122"/>
+                <a:sym typeface="+mn-ea"/>
+              </a:rPr>
+              <a:t>条件语句</a:t>
+            </a:r>
+            <a:endParaRPr lang="zh-CN" altLang="en-US" dirty="0" smtClean="0">
+              <a:solidFill>
+                <a:schemeClr val="tx1"/>
+              </a:solidFill>
+              <a:latin typeface="微软雅黑" panose="020B0503020204020204" pitchFamily="34" charset="-122"/>
+              <a:ea typeface="微软雅黑" panose="020B0503020204020204" pitchFamily="34" charset="-122"/>
+              <a:sym typeface="+mn-ea"/>
+            </a:endParaRPr>
+          </a:p>
+        </p:txBody>
+      </p:sp>
+      <p:pic>
+        <p:nvPicPr>
+          <p:cNvPr id="17411" name="Picture 3" descr="C:\Users\Bob\Desktop\图片素材\8258a2e7ef69f732cb3090123406204.png"/>
+          <p:cNvPicPr>
+            <a:picLocks noChangeAspect="1" noChangeArrowheads="1"/>
+          </p:cNvPicPr>
+          <p:nvPr/>
+        </p:nvPicPr>
+        <p:blipFill>
+          <a:blip r:embed="rId2">
+            <a:extLst>
+              <a:ext uri="{28A0092B-C50C-407E-A947-70E740481C1C}">
+                <a14:useLocalDpi xmlns:a14="http://schemas.microsoft.com/office/drawing/2010/main" val="0"/>
+              </a:ext>
+            </a:extLst>
+          </a:blip>
+          <a:srcRect/>
+          <a:stretch>
+            <a:fillRect/>
+          </a:stretch>
+        </p:blipFill>
+        <p:spPr bwMode="auto">
+          <a:xfrm>
+            <a:off x="800418" y="1660525"/>
+            <a:ext cx="2039937" cy="2916238"/>
+          </a:xfrm>
+          <a:prstGeom prst="rect">
+            <a:avLst/>
+          </a:prstGeom>
+          <a:noFill/>
+          <a:ln>
+            <a:noFill/>
+          </a:ln>
+          <a:extLst>
+            <a:ext uri="{909E8E84-426E-40DD-AFC4-6F175D3DCCD1}">
+              <a14:hiddenFill xmlns:a14="http://schemas.microsoft.com/office/drawing/2010/main">
+                <a:solidFill>
+                  <a:srgbClr val="FFFFFF"/>
+                </a:solidFill>
+              </a14:hiddenFill>
+            </a:ext>
+            <a:ext uri="{91240B29-F687-4F45-9708-019B960494DF}">
+              <a14:hiddenLine xmlns:a14="http://schemas.microsoft.com/office/drawing/2010/main" w="9525">
+                <a:solidFill>
+                  <a:srgbClr val="000000"/>
+                </a:solidFill>
+                <a:miter lim="800000"/>
+                <a:headEnd/>
+                <a:tailEnd/>
+              </a14:hiddenLine>
+            </a:ext>
+          </a:extLst>
+        </p:spPr>
+      </p:pic>
+      <p:sp>
+        <p:nvSpPr>
+          <p:cNvPr id="2" name="文本框 1"/>
+          <p:cNvSpPr txBox="1"/>
+          <p:nvPr/>
+        </p:nvSpPr>
+        <p:spPr>
+          <a:xfrm>
+            <a:off x="3676015" y="1715770"/>
+            <a:ext cx="5650230" cy="2861310"/>
+          </a:xfrm>
+          <a:prstGeom prst="rect">
+            <a:avLst/>
+          </a:prstGeom>
+          <a:noFill/>
+        </p:spPr>
+        <p:txBody>
+          <a:bodyPr wrap="square" rtlCol="0" anchor="t">
+            <a:spAutoFit/>
+          </a:bodyPr>
+          <a:p>
+            <a:pPr>
+              <a:lnSpc>
+                <a:spcPct val="150000"/>
+              </a:lnSpc>
+            </a:pPr>
+            <a:r>
+              <a:rPr lang="zh-CN" altLang="en-US" sz="2000">
+                <a:solidFill>
+                  <a:schemeClr val="tx1"/>
+                </a:solidFill>
+              </a:rPr>
+              <a:t>**需求**</a:t>
+            </a:r>
+            <a:endParaRPr lang="zh-CN" altLang="en-US" sz="2000">
+              <a:solidFill>
+                <a:schemeClr val="tx1"/>
+              </a:solidFill>
+            </a:endParaRPr>
+          </a:p>
+          <a:p>
+            <a:pPr>
+              <a:lnSpc>
+                <a:spcPct val="150000"/>
+              </a:lnSpc>
+            </a:pPr>
+            <a:endParaRPr lang="zh-CN" altLang="en-US" sz="2000">
+              <a:solidFill>
+                <a:schemeClr val="tx1"/>
+              </a:solidFill>
+            </a:endParaRPr>
+          </a:p>
+          <a:p>
+            <a:pPr>
+              <a:lnSpc>
+                <a:spcPct val="150000"/>
+              </a:lnSpc>
+            </a:pPr>
+            <a:r>
+              <a:rPr lang="zh-CN" altLang="en-US" sz="2000">
+                <a:solidFill>
+                  <a:schemeClr val="tx1"/>
+                </a:solidFill>
+              </a:rPr>
+              <a:t>1. 输入用户年龄</a:t>
+            </a:r>
+            <a:endParaRPr lang="zh-CN" altLang="en-US" sz="2000">
+              <a:solidFill>
+                <a:schemeClr val="tx1"/>
+              </a:solidFill>
+            </a:endParaRPr>
+          </a:p>
+          <a:p>
+            <a:pPr>
+              <a:lnSpc>
+                <a:spcPct val="150000"/>
+              </a:lnSpc>
+            </a:pPr>
+            <a:r>
+              <a:rPr lang="zh-CN" altLang="en-US" sz="2000">
+                <a:solidFill>
+                  <a:schemeClr val="tx1"/>
+                </a:solidFill>
+              </a:rPr>
+              <a:t>2. 判断是否满 18 岁 （如：</a:t>
+            </a:r>
+            <a:r>
+              <a:rPr lang="en-US" altLang="zh-CN" sz="2000">
+                <a:solidFill>
+                  <a:schemeClr val="tx1"/>
+                </a:solidFill>
+              </a:rPr>
+              <a:t>age</a:t>
+            </a:r>
+            <a:r>
+              <a:rPr lang="zh-CN" altLang="en-US" sz="2000">
+                <a:solidFill>
+                  <a:schemeClr val="tx1"/>
+                </a:solidFill>
+              </a:rPr>
+              <a:t>&gt;=</a:t>
+            </a:r>
+            <a:r>
+              <a:rPr lang="en-US" altLang="zh-CN" sz="2000">
+                <a:solidFill>
+                  <a:schemeClr val="tx1"/>
+                </a:solidFill>
+              </a:rPr>
+              <a:t>18</a:t>
+            </a:r>
+            <a:r>
+              <a:rPr lang="zh-CN" altLang="en-US" sz="2000">
+                <a:solidFill>
+                  <a:schemeClr val="tx1"/>
+                </a:solidFill>
+              </a:rPr>
+              <a:t>）</a:t>
+            </a:r>
+            <a:endParaRPr lang="zh-CN" altLang="en-US" sz="2000">
+              <a:solidFill>
+                <a:schemeClr val="tx1"/>
+              </a:solidFill>
+            </a:endParaRPr>
+          </a:p>
+          <a:p>
+            <a:pPr>
+              <a:lnSpc>
+                <a:spcPct val="150000"/>
+              </a:lnSpc>
+            </a:pPr>
+            <a:r>
+              <a:rPr lang="zh-CN" altLang="en-US" sz="2000">
+                <a:solidFill>
+                  <a:schemeClr val="tx1"/>
+                </a:solidFill>
+              </a:rPr>
+              <a:t>3. 如果满 18 岁，允许玩这个游戏</a:t>
+            </a:r>
+            <a:endParaRPr lang="zh-CN" altLang="en-US" sz="2000">
+              <a:solidFill>
+                <a:schemeClr val="tx1"/>
+              </a:solidFill>
+            </a:endParaRPr>
+          </a:p>
+          <a:p>
+            <a:pPr>
+              <a:lnSpc>
+                <a:spcPct val="150000"/>
+              </a:lnSpc>
+            </a:pPr>
+            <a:r>
+              <a:rPr lang="zh-CN" altLang="en-US" sz="2000">
+                <a:solidFill>
+                  <a:schemeClr val="tx1"/>
+                </a:solidFill>
+              </a:rPr>
+              <a:t>4. 如果未满 18 岁，提示回家写作业</a:t>
+            </a:r>
+            <a:endParaRPr lang="zh-CN" altLang="en-US" sz="2000">
+              <a:solidFill>
+                <a:schemeClr val="tx1"/>
+              </a:solidFill>
+            </a:endParaRPr>
+          </a:p>
+        </p:txBody>
+      </p:sp>
+    </p:spTree>
+  </p:cSld>
+  <p:clrMapOvr>
+    <a:masterClrMapping/>
+  </p:clrMapOvr>
+  <p:timing>
+    <p:tnLst>
+      <p:par>
+        <p:cTn id="1" dur="indefinite" restart="never" nodeType="tmRoot"/>
+      </p:par>
+    </p:tnLst>
+  </p:timing>
+</p:sld>
+</file>
+
+<file path=ppt/slides/slide25.xml><?xml version="1.0" encoding="utf-8"?>
+<p:sld xmlns:a="http://schemas.openxmlformats.org/drawingml/2006/main" xmlns:r="http://schemas.openxmlformats.org/officeDocument/2006/relationships" xmlns:p="http://schemas.openxmlformats.org/presentationml/2006/main">
+  <p:cSld>
+    <p:bg>
+      <p:bgPr>
+        <a:blipFill dpi="0" rotWithShape="0">
+          <a:blip r:embed="rId1"/>
+          <a:srcRect/>
+          <a:stretch>
+            <a:fillRect/>
+          </a:stretch>
+        </a:blipFill>
+        <a:effectLst/>
+      </p:bgPr>
+    </p:bg>
+    <p:spTree>
+      <p:nvGrpSpPr>
+        <p:cNvPr id="1" name=""/>
+        <p:cNvGrpSpPr/>
+        <p:nvPr/>
+      </p:nvGrpSpPr>
+      <p:grpSpPr>
+        <a:xfrm>
+          <a:off x="0" y="0"/>
+          <a:ext cx="0" cy="0"/>
+          <a:chOff x="0" y="0"/>
+          <a:chExt cx="0" cy="0"/>
+        </a:xfrm>
+      </p:grpSpPr>
+      <p:sp>
+        <p:nvSpPr>
+          <p:cNvPr id="16386" name="文本框 3"/>
+          <p:cNvSpPr txBox="1">
+            <a:spLocks noChangeArrowheads="1"/>
+          </p:cNvSpPr>
+          <p:nvPr/>
+        </p:nvSpPr>
+        <p:spPr bwMode="auto">
+          <a:xfrm>
+            <a:off x="887413" y="419100"/>
+            <a:ext cx="3729037" cy="368300"/>
+          </a:xfrm>
+          <a:prstGeom prst="rect">
+            <a:avLst/>
+          </a:prstGeom>
+          <a:noFill/>
+          <a:ln>
+            <a:noFill/>
+          </a:ln>
+          <a:extLst>
+            <a:ext uri="{909E8E84-426E-40DD-AFC4-6F175D3DCCD1}">
+              <a14:hiddenFill xmlns:a14="http://schemas.microsoft.com/office/drawing/2010/main">
+                <a:solidFill>
+                  <a:srgbClr val="FFFFFF"/>
+                </a:solidFill>
+              </a14:hiddenFill>
+            </a:ext>
+            <a:ext uri="{91240B29-F687-4F45-9708-019B960494DF}">
+              <a14:hiddenLine xmlns:a14="http://schemas.microsoft.com/office/drawing/2010/main" w="9525">
+                <a:solidFill>
+                  <a:srgbClr val="000000"/>
+                </a:solidFill>
+                <a:miter lim="800000"/>
+                <a:headEnd/>
+                <a:tailEnd/>
+              </a14:hiddenLine>
+            </a:ext>
+          </a:extLst>
+        </p:spPr>
+        <p:txBody>
+          <a:bodyPr>
+            <a:spAutoFit/>
+          </a:bodyPr>
+          <a:lstStyle>
+            <a:lvl1pPr eaLnBrk="0" hangingPunct="0">
+              <a:defRPr>
+                <a:solidFill>
+                  <a:schemeClr val="tx1"/>
+                </a:solidFill>
+                <a:latin typeface="等线" panose="02010600030101010101" charset="-122"/>
+                <a:ea typeface="等线" panose="02010600030101010101" charset="-122"/>
+                <a:cs typeface="等线" panose="02010600030101010101" charset="-122"/>
+              </a:defRPr>
+            </a:lvl1pPr>
+            <a:lvl2pPr marL="742950" indent="-285750" eaLnBrk="0" hangingPunct="0">
+              <a:defRPr>
+                <a:solidFill>
+                  <a:schemeClr val="tx1"/>
+                </a:solidFill>
+                <a:latin typeface="等线" panose="02010600030101010101" charset="-122"/>
+                <a:ea typeface="等线" panose="02010600030101010101" charset="-122"/>
+                <a:cs typeface="等线" panose="02010600030101010101" charset="-122"/>
+              </a:defRPr>
+            </a:lvl2pPr>
+            <a:lvl3pPr marL="1143000" indent="-228600" eaLnBrk="0" hangingPunct="0">
+              <a:defRPr>
+                <a:solidFill>
+                  <a:schemeClr val="tx1"/>
+                </a:solidFill>
+                <a:latin typeface="等线" panose="02010600030101010101" charset="-122"/>
+                <a:ea typeface="等线" panose="02010600030101010101" charset="-122"/>
+                <a:cs typeface="等线" panose="02010600030101010101" charset="-122"/>
+              </a:defRPr>
+            </a:lvl3pPr>
+            <a:lvl4pPr marL="1600200" indent="-228600" eaLnBrk="0" hangingPunct="0">
+              <a:defRPr>
+                <a:solidFill>
+                  <a:schemeClr val="tx1"/>
+                </a:solidFill>
+                <a:latin typeface="等线" panose="02010600030101010101" charset="-122"/>
+                <a:ea typeface="等线" panose="02010600030101010101" charset="-122"/>
+                <a:cs typeface="等线" panose="02010600030101010101" charset="-122"/>
+              </a:defRPr>
+            </a:lvl4pPr>
+            <a:lvl5pPr marL="2057400" indent="-228600" eaLnBrk="0" hangingPunct="0">
+              <a:defRPr>
+                <a:solidFill>
+                  <a:schemeClr val="tx1"/>
+                </a:solidFill>
+                <a:latin typeface="等线" panose="02010600030101010101" charset="-122"/>
+                <a:ea typeface="等线" panose="02010600030101010101" charset="-122"/>
+                <a:cs typeface="等线" panose="02010600030101010101" charset="-122"/>
+              </a:defRPr>
+            </a:lvl5pPr>
+            <a:lvl6pPr marL="2514600" indent="-228600" eaLnBrk="0" fontAlgn="base" hangingPunct="0">
+              <a:spcBef>
+                <a:spcPct val="0"/>
+              </a:spcBef>
+              <a:spcAft>
+                <a:spcPct val="0"/>
+              </a:spcAft>
+              <a:defRPr>
+                <a:solidFill>
+                  <a:schemeClr val="tx1"/>
+                </a:solidFill>
+                <a:latin typeface="等线" panose="02010600030101010101" charset="-122"/>
+                <a:ea typeface="等线" panose="02010600030101010101" charset="-122"/>
+                <a:cs typeface="等线" panose="02010600030101010101" charset="-122"/>
+              </a:defRPr>
+            </a:lvl6pPr>
+            <a:lvl7pPr marL="2971800" indent="-228600" eaLnBrk="0" fontAlgn="base" hangingPunct="0">
+              <a:spcBef>
+                <a:spcPct val="0"/>
+              </a:spcBef>
+              <a:spcAft>
+                <a:spcPct val="0"/>
+              </a:spcAft>
+              <a:defRPr>
+                <a:solidFill>
+                  <a:schemeClr val="tx1"/>
+                </a:solidFill>
+                <a:latin typeface="等线" panose="02010600030101010101" charset="-122"/>
+                <a:ea typeface="等线" panose="02010600030101010101" charset="-122"/>
+                <a:cs typeface="等线" panose="02010600030101010101" charset="-122"/>
+              </a:defRPr>
+            </a:lvl7pPr>
+            <a:lvl8pPr marL="3429000" indent="-228600" eaLnBrk="0" fontAlgn="base" hangingPunct="0">
+              <a:spcBef>
+                <a:spcPct val="0"/>
+              </a:spcBef>
+              <a:spcAft>
+                <a:spcPct val="0"/>
+              </a:spcAft>
+              <a:defRPr>
+                <a:solidFill>
+                  <a:schemeClr val="tx1"/>
+                </a:solidFill>
+                <a:latin typeface="等线" panose="02010600030101010101" charset="-122"/>
+                <a:ea typeface="等线" panose="02010600030101010101" charset="-122"/>
+                <a:cs typeface="等线" panose="02010600030101010101" charset="-122"/>
+              </a:defRPr>
+            </a:lvl8pPr>
+            <a:lvl9pPr marL="3886200" indent="-228600" eaLnBrk="0" fontAlgn="base" hangingPunct="0">
+              <a:spcBef>
+                <a:spcPct val="0"/>
+              </a:spcBef>
+              <a:spcAft>
+                <a:spcPct val="0"/>
+              </a:spcAft>
+              <a:defRPr>
+                <a:solidFill>
+                  <a:schemeClr val="tx1"/>
+                </a:solidFill>
+                <a:latin typeface="等线" panose="02010600030101010101" charset="-122"/>
+                <a:ea typeface="等线" panose="02010600030101010101" charset="-122"/>
+                <a:cs typeface="等线" panose="02010600030101010101" charset="-122"/>
+              </a:defRPr>
+            </a:lvl9pPr>
+          </a:lstStyle>
+          <a:p>
+            <a:pPr eaLnBrk="1" hangingPunct="1"/>
+            <a:r>
+              <a:rPr lang="zh-CN" altLang="en-US" dirty="0" smtClean="0">
+                <a:solidFill>
+                  <a:schemeClr val="tx1"/>
+                </a:solidFill>
+                <a:latin typeface="微软雅黑" panose="020B0503020204020204" pitchFamily="34" charset="-122"/>
+                <a:ea typeface="微软雅黑" panose="020B0503020204020204" pitchFamily="34" charset="-122"/>
+                <a:sym typeface="+mn-ea"/>
+              </a:rPr>
+              <a:t>总结</a:t>
+            </a:r>
+            <a:endParaRPr lang="zh-CN" altLang="en-US" dirty="0" smtClean="0">
+              <a:solidFill>
+                <a:schemeClr val="tx1"/>
+              </a:solidFill>
+              <a:latin typeface="微软雅黑" panose="020B0503020204020204" pitchFamily="34" charset="-122"/>
+              <a:ea typeface="微软雅黑" panose="020B0503020204020204" pitchFamily="34" charset="-122"/>
+              <a:sym typeface="+mn-ea"/>
+            </a:endParaRPr>
+          </a:p>
+        </p:txBody>
+      </p:sp>
+      <p:pic>
+        <p:nvPicPr>
+          <p:cNvPr id="17411" name="Picture 3" descr="C:\Users\Bob\Desktop\图片素材\8258a2e7ef69f732cb3090123406204.png"/>
+          <p:cNvPicPr>
+            <a:picLocks noChangeAspect="1" noChangeArrowheads="1"/>
+          </p:cNvPicPr>
+          <p:nvPr/>
+        </p:nvPicPr>
+        <p:blipFill>
+          <a:blip r:embed="rId2">
+            <a:extLst>
+              <a:ext uri="{28A0092B-C50C-407E-A947-70E740481C1C}">
+                <a14:useLocalDpi xmlns:a14="http://schemas.microsoft.com/office/drawing/2010/main" val="0"/>
+              </a:ext>
+            </a:extLst>
+          </a:blip>
+          <a:srcRect/>
+          <a:stretch>
+            <a:fillRect/>
+          </a:stretch>
+        </p:blipFill>
+        <p:spPr bwMode="auto">
+          <a:xfrm>
+            <a:off x="800418" y="1660525"/>
+            <a:ext cx="2039937" cy="2916238"/>
+          </a:xfrm>
+          <a:prstGeom prst="rect">
+            <a:avLst/>
+          </a:prstGeom>
+          <a:noFill/>
+          <a:ln>
+            <a:noFill/>
+          </a:ln>
+          <a:extLst>
+            <a:ext uri="{909E8E84-426E-40DD-AFC4-6F175D3DCCD1}">
+              <a14:hiddenFill xmlns:a14="http://schemas.microsoft.com/office/drawing/2010/main">
+                <a:solidFill>
+                  <a:srgbClr val="FFFFFF"/>
+                </a:solidFill>
+              </a14:hiddenFill>
+            </a:ext>
+            <a:ext uri="{91240B29-F687-4F45-9708-019B960494DF}">
+              <a14:hiddenLine xmlns:a14="http://schemas.microsoft.com/office/drawing/2010/main" w="9525">
+                <a:solidFill>
+                  <a:srgbClr val="000000"/>
+                </a:solidFill>
+                <a:miter lim="800000"/>
+                <a:headEnd/>
+                <a:tailEnd/>
+              </a14:hiddenLine>
+            </a:ext>
+          </a:extLst>
+        </p:spPr>
+      </p:pic>
       <p:sp>
         <p:nvSpPr>
           <p:cNvPr id="10" name="矩形 9"/>
@@ -21026,7 +22954,7 @@
 </p:sld>
 </file>
 
-<file path=ppt/slides/slide23.xml><?xml version="1.0" encoding="utf-8"?>
+<file path=ppt/slides/slide26.xml><?xml version="1.0" encoding="utf-8"?>
 <p:sld xmlns:a="http://schemas.openxmlformats.org/drawingml/2006/main" xmlns:r="http://schemas.openxmlformats.org/officeDocument/2006/relationships" xmlns:p="http://schemas.openxmlformats.org/presentationml/2006/main">
   <p:cSld>
     <p:bg>
@@ -22745,18 +24673,27 @@
           <a:p>
             <a:r>
               <a:rPr lang="zh-CN" altLang="en-US">
+                <a:solidFill>
+                  <a:srgbClr val="FF0000"/>
+                </a:solidFill>
                 <a:sym typeface="+mn-ea"/>
               </a:rPr>
               <a:t>例</a:t>
             </a:r>
             <a:r>
               <a:rPr lang="en-US" altLang="zh-CN">
+                <a:solidFill>
+                  <a:srgbClr val="FF0000"/>
+                </a:solidFill>
                 <a:sym typeface="+mn-ea"/>
               </a:rPr>
               <a:t>1</a:t>
             </a:r>
             <a:r>
               <a:rPr lang="zh-CN" altLang="en-US">
+                <a:solidFill>
+                  <a:srgbClr val="FF0000"/>
+                </a:solidFill>
                 <a:sym typeface="+mn-ea"/>
               </a:rPr>
               <a:t>：</a:t>
@@ -23141,18 +25078,27 @@
           <a:p>
             <a:r>
               <a:rPr lang="zh-CN" altLang="en-US">
+                <a:solidFill>
+                  <a:srgbClr val="FF0000"/>
+                </a:solidFill>
                 <a:sym typeface="+mn-ea"/>
               </a:rPr>
               <a:t>例</a:t>
             </a:r>
             <a:r>
               <a:rPr lang="en-US" altLang="zh-CN">
+                <a:solidFill>
+                  <a:srgbClr val="FF0000"/>
+                </a:solidFill>
                 <a:sym typeface="+mn-ea"/>
               </a:rPr>
               <a:t>2</a:t>
             </a:r>
             <a:r>
               <a:rPr lang="zh-CN" altLang="en-US">
+                <a:solidFill>
+                  <a:srgbClr val="FF0000"/>
+                </a:solidFill>
                 <a:sym typeface="+mn-ea"/>
               </a:rPr>
               <a:t>：</a:t>
@@ -23521,7 +25467,7 @@
         <p:spPr>
           <a:xfrm>
             <a:off x="1853565" y="2338705"/>
-            <a:ext cx="2540000" cy="1476375"/>
+            <a:ext cx="2540000" cy="2861310"/>
           </a:xfrm>
           <a:prstGeom prst="rect">
             <a:avLst/>
@@ -23534,16 +25480,42 @@
           </a:bodyPr>
           <a:p>
             <a:r>
-              <a:rPr lang="zh-CN" altLang="en-US"/>
+              <a:rPr lang="zh-CN" altLang="en-US">
+                <a:solidFill>
+                  <a:srgbClr val="FF0000"/>
+                </a:solidFill>
+              </a:rPr>
               <a:t>例</a:t>
             </a:r>
             <a:r>
+              <a:rPr lang="en-US" altLang="zh-CN">
+                <a:solidFill>
+                  <a:srgbClr val="FF0000"/>
+                </a:solidFill>
+              </a:rPr>
+              <a:t>3</a:t>
+            </a:r>
+            <a:r>
+              <a:rPr lang="zh-CN" altLang="en-US">
+                <a:solidFill>
+                  <a:srgbClr val="FF0000"/>
+                </a:solidFill>
+              </a:rPr>
+              <a:t>：</a:t>
+            </a:r>
+            <a:endParaRPr lang="zh-CN" altLang="en-US">
+              <a:solidFill>
+                <a:srgbClr val="FF0000"/>
+              </a:solidFill>
+            </a:endParaRPr>
+          </a:p>
+          <a:p>
+            <a:endParaRPr lang="en-US" altLang="zh-CN"/>
+          </a:p>
+          <a:p>
+            <a:r>
               <a:rPr lang="en-US" altLang="zh-CN"/>
-              <a:t>1</a:t>
-            </a:r>
-            <a:r>
-              <a:rPr lang="zh-CN" altLang="en-US"/>
-              <a:t>：</a:t>
+              <a:t>#设置变量a为4</a:t>
             </a:r>
             <a:endParaRPr lang="en-US" altLang="zh-CN"/>
           </a:p>
@@ -23557,157 +25529,44 @@
           <a:p>
             <a:r>
               <a:rPr lang="en-US" altLang="zh-CN"/>
+              <a:t>#设置变量b为5</a:t>
+            </a:r>
+            <a:endParaRPr lang="en-US" altLang="zh-CN"/>
+          </a:p>
+          <a:p>
+            <a:r>
+              <a:rPr lang="en-US" altLang="zh-CN"/>
               <a:t>b=5</a:t>
             </a:r>
-            <a:endParaRPr lang="zh-CN" altLang="en-US"/>
+            <a:endParaRPr lang="en-US" altLang="zh-CN"/>
           </a:p>
           <a:p>
             <a:r>
               <a:rPr lang="en-US" altLang="zh-CN"/>
-              <a:t>c=</a:t>
-            </a:r>
-            <a:r>
-              <a:rPr lang="zh-CN" altLang="en-US"/>
-              <a:t>a </a:t>
-            </a:r>
+              <a:t>#a乘以b并且把值赋给c</a:t>
+            </a:r>
+            <a:endParaRPr lang="en-US" altLang="zh-CN"/>
+          </a:p>
+          <a:p>
             <a:r>
               <a:rPr lang="en-US" altLang="zh-CN"/>
-              <a:t>*</a:t>
-            </a:r>
-            <a:r>
-              <a:rPr lang="zh-CN" altLang="en-US"/>
-              <a:t> b</a:t>
-            </a:r>
-            <a:endParaRPr lang="zh-CN" altLang="en-US"/>
+              <a:t>c=a * b</a:t>
+            </a:r>
+            <a:endParaRPr lang="en-US" altLang="zh-CN"/>
           </a:p>
           <a:p>
             <a:r>
               <a:rPr lang="en-US" altLang="zh-CN"/>
-              <a:t>print(c)</a:t>
-            </a:r>
-            <a:r>
-              <a:rPr lang="zh-CN" altLang="en-US"/>
-              <a:t> </a:t>
-            </a:r>
-            <a:endParaRPr lang="zh-CN" altLang="en-US"/>
-          </a:p>
-        </p:txBody>
-      </p:sp>
-      <p:sp>
-        <p:nvSpPr>
-          <p:cNvPr id="8" name="文本框 7"/>
-          <p:cNvSpPr txBox="1"/>
-          <p:nvPr/>
-        </p:nvSpPr>
-        <p:spPr>
-          <a:xfrm>
-            <a:off x="1732915" y="3863975"/>
-            <a:ext cx="7821295" cy="460375"/>
-          </a:xfrm>
-          <a:prstGeom prst="rect">
-            <a:avLst/>
-          </a:prstGeom>
-          <a:noFill/>
-        </p:spPr>
-        <p:txBody>
-          <a:bodyPr wrap="square" rtlCol="0" anchor="t">
-            <a:spAutoFit/>
-          </a:bodyPr>
-          <a:p>
-            <a:r>
-              <a:rPr lang="zh-CN" altLang="en-US" sz="2400"/>
-              <a:t>除法运算：用右操作数除左操作数。</a:t>
-            </a:r>
-            <a:endParaRPr lang="zh-CN" altLang="en-US" sz="2400"/>
-          </a:p>
-        </p:txBody>
-      </p:sp>
-      <p:sp>
-        <p:nvSpPr>
-          <p:cNvPr id="13" name="文本框 12"/>
-          <p:cNvSpPr txBox="1"/>
-          <p:nvPr/>
-        </p:nvSpPr>
-        <p:spPr>
-          <a:xfrm>
-            <a:off x="1847850" y="4504055"/>
-            <a:ext cx="2540000" cy="1476375"/>
-          </a:xfrm>
-          <a:prstGeom prst="rect">
-            <a:avLst/>
-          </a:prstGeom>
-          <a:noFill/>
-        </p:spPr>
-        <p:txBody>
-          <a:bodyPr wrap="square" rtlCol="0" anchor="t">
-            <a:spAutoFit/>
-          </a:bodyPr>
-          <a:p>
-            <a:r>
-              <a:rPr lang="zh-CN" altLang="en-US"/>
-              <a:t>例</a:t>
-            </a:r>
+              <a:t>#打印c的值</a:t>
+            </a:r>
+            <a:endParaRPr lang="en-US" altLang="zh-CN"/>
+          </a:p>
+          <a:p>
             <a:r>
               <a:rPr lang="en-US" altLang="zh-CN"/>
-              <a:t>2</a:t>
-            </a:r>
-            <a:r>
-              <a:rPr lang="zh-CN" altLang="en-US"/>
-              <a:t>：</a:t>
+              <a:t>print(c) </a:t>
             </a:r>
             <a:endParaRPr lang="en-US" altLang="zh-CN"/>
-          </a:p>
-          <a:p>
-            <a:r>
-              <a:rPr lang="en-US" altLang="zh-CN"/>
-              <a:t>a = 20</a:t>
-            </a:r>
-            <a:endParaRPr lang="en-US" altLang="zh-CN"/>
-          </a:p>
-          <a:p>
-            <a:r>
-              <a:rPr lang="en-US" altLang="zh-CN"/>
-              <a:t>b =4</a:t>
-            </a:r>
-            <a:endParaRPr lang="zh-CN" altLang="en-US"/>
-          </a:p>
-          <a:p>
-            <a:r>
-              <a:rPr lang="en-US" altLang="zh-CN"/>
-              <a:t>c=</a:t>
-            </a:r>
-            <a:r>
-              <a:rPr lang="zh-CN" altLang="en-US"/>
-              <a:t>a </a:t>
-            </a:r>
-            <a:r>
-              <a:rPr lang="en-US" altLang="zh-CN"/>
-              <a:t>/</a:t>
-            </a:r>
-            <a:r>
-              <a:rPr lang="zh-CN" altLang="en-US"/>
-              <a:t> b</a:t>
-            </a:r>
-            <a:endParaRPr lang="zh-CN" altLang="en-US"/>
-          </a:p>
-          <a:p>
-            <a:r>
-              <a:rPr lang="en-US" altLang="zh-CN">
-                <a:sym typeface="+mn-ea"/>
-              </a:rPr>
-              <a:t>print(c)</a:t>
-            </a:r>
-            <a:r>
-              <a:rPr lang="zh-CN" altLang="en-US">
-                <a:sym typeface="+mn-ea"/>
-              </a:rPr>
-              <a:t> </a:t>
-            </a:r>
-            <a:r>
-              <a:rPr lang="zh-CN" altLang="en-US"/>
-              <a:t> </a:t>
-            </a:r>
-            <a:endParaRPr lang="zh-CN" altLang="en-US"/>
           </a:p>
         </p:txBody>
       </p:sp>
@@ -23994,8 +25853,14 @@
           </a:bodyPr>
           <a:p>
             <a:r>
+              <a:rPr lang="zh-CN" altLang="en-US" sz="2400">
+                <a:sym typeface="+mn-ea"/>
+              </a:rPr>
+              <a:t>除法运算：用右操作数除左操作数</a:t>
+            </a:r>
+            <a:r>
               <a:rPr lang="zh-CN" altLang="en-US" sz="2400"/>
-              <a:t>乘法运算：将运算符两边的操作数相乘。</a:t>
+              <a:t>。</a:t>
             </a:r>
             <a:endParaRPr lang="zh-CN" altLang="en-US" sz="2400"/>
           </a:p>
@@ -24003,14 +25868,14 @@
       </p:sp>
       <p:sp>
         <p:nvSpPr>
-          <p:cNvPr id="5" name="文本框 4"/>
+          <p:cNvPr id="13" name="文本框 12"/>
           <p:cNvSpPr txBox="1"/>
           <p:nvPr/>
         </p:nvSpPr>
         <p:spPr>
           <a:xfrm>
-            <a:off x="1853565" y="2338705"/>
-            <a:ext cx="2540000" cy="1476375"/>
+            <a:off x="1854000" y="2340000"/>
+            <a:ext cx="2540000" cy="2861310"/>
           </a:xfrm>
           <a:prstGeom prst="rect">
             <a:avLst/>
@@ -24023,23 +25888,56 @@
           </a:bodyPr>
           <a:p>
             <a:r>
-              <a:rPr lang="zh-CN" altLang="en-US"/>
+              <a:rPr lang="zh-CN" altLang="en-US">
+                <a:solidFill>
+                  <a:srgbClr val="FF0000"/>
+                </a:solidFill>
+              </a:rPr>
               <a:t>例</a:t>
             </a:r>
             <a:r>
+              <a:rPr lang="en-US" altLang="zh-CN">
+                <a:solidFill>
+                  <a:srgbClr val="FF0000"/>
+                </a:solidFill>
+              </a:rPr>
+              <a:t>4</a:t>
+            </a:r>
+            <a:r>
+              <a:rPr lang="zh-CN" altLang="en-US">
+                <a:solidFill>
+                  <a:srgbClr val="FF0000"/>
+                </a:solidFill>
+              </a:rPr>
+              <a:t>：</a:t>
+            </a:r>
+            <a:endParaRPr lang="zh-CN" altLang="en-US">
+              <a:solidFill>
+                <a:srgbClr val="FF0000"/>
+              </a:solidFill>
+            </a:endParaRPr>
+          </a:p>
+          <a:p>
+            <a:endParaRPr lang="en-US" altLang="zh-CN"/>
+          </a:p>
+          <a:p>
+            <a:r>
               <a:rPr lang="en-US" altLang="zh-CN"/>
-              <a:t>1</a:t>
-            </a:r>
-            <a:r>
-              <a:rPr lang="zh-CN" altLang="en-US"/>
-              <a:t>：</a:t>
+              <a:t>#设置变量a为4</a:t>
             </a:r>
             <a:endParaRPr lang="en-US" altLang="zh-CN"/>
           </a:p>
           <a:p>
             <a:r>
               <a:rPr lang="en-US" altLang="zh-CN"/>
-              <a:t>a = 4</a:t>
+              <a:t>a = 10</a:t>
+            </a:r>
+            <a:endParaRPr lang="en-US" altLang="zh-CN"/>
+          </a:p>
+          <a:p>
+            <a:r>
+              <a:rPr lang="en-US" altLang="zh-CN"/>
+              <a:t>#设置变量b为5</a:t>
             </a:r>
             <a:endParaRPr lang="en-US" altLang="zh-CN"/>
           </a:p>
@@ -24048,155 +25946,35 @@
               <a:rPr lang="en-US" altLang="zh-CN"/>
               <a:t>b=5</a:t>
             </a:r>
-            <a:endParaRPr lang="zh-CN" altLang="en-US"/>
+            <a:endParaRPr lang="en-US" altLang="zh-CN"/>
           </a:p>
           <a:p>
             <a:r>
               <a:rPr lang="en-US" altLang="zh-CN"/>
-              <a:t>c=</a:t>
-            </a:r>
-            <a:r>
-              <a:rPr lang="zh-CN" altLang="en-US"/>
-              <a:t>a </a:t>
-            </a:r>
+              <a:t>#a除以b并且把值赋给c</a:t>
+            </a:r>
+            <a:endParaRPr lang="en-US" altLang="zh-CN"/>
+          </a:p>
+          <a:p>
             <a:r>
               <a:rPr lang="en-US" altLang="zh-CN"/>
-              <a:t>*</a:t>
-            </a:r>
-            <a:r>
-              <a:rPr lang="zh-CN" altLang="en-US"/>
-              <a:t> b</a:t>
-            </a:r>
-            <a:endParaRPr lang="zh-CN" altLang="en-US"/>
+              <a:t>c=a / b</a:t>
+            </a:r>
+            <a:endParaRPr lang="en-US" altLang="zh-CN"/>
           </a:p>
           <a:p>
             <a:r>
               <a:rPr lang="en-US" altLang="zh-CN"/>
-              <a:t>print(c)</a:t>
-            </a:r>
-            <a:r>
-              <a:rPr lang="zh-CN" altLang="en-US"/>
-              <a:t> </a:t>
-            </a:r>
-            <a:endParaRPr lang="zh-CN" altLang="en-US"/>
-          </a:p>
-        </p:txBody>
-      </p:sp>
-      <p:sp>
-        <p:nvSpPr>
-          <p:cNvPr id="8" name="文本框 7"/>
-          <p:cNvSpPr txBox="1"/>
-          <p:nvPr/>
-        </p:nvSpPr>
-        <p:spPr>
-          <a:xfrm>
-            <a:off x="1732915" y="3863975"/>
-            <a:ext cx="7821295" cy="460375"/>
-          </a:xfrm>
-          <a:prstGeom prst="rect">
-            <a:avLst/>
-          </a:prstGeom>
-          <a:noFill/>
-        </p:spPr>
-        <p:txBody>
-          <a:bodyPr wrap="square" rtlCol="0" anchor="t">
-            <a:spAutoFit/>
-          </a:bodyPr>
-          <a:p>
-            <a:r>
-              <a:rPr lang="zh-CN" altLang="en-US" sz="2400"/>
-              <a:t>除法运算：用右操作数除左操作数。</a:t>
-            </a:r>
-            <a:endParaRPr lang="zh-CN" altLang="en-US" sz="2400"/>
-          </a:p>
-        </p:txBody>
-      </p:sp>
-      <p:sp>
-        <p:nvSpPr>
-          <p:cNvPr id="13" name="文本框 12"/>
-          <p:cNvSpPr txBox="1"/>
-          <p:nvPr/>
-        </p:nvSpPr>
-        <p:spPr>
-          <a:xfrm>
-            <a:off x="1847850" y="4504055"/>
-            <a:ext cx="2540000" cy="1476375"/>
-          </a:xfrm>
-          <a:prstGeom prst="rect">
-            <a:avLst/>
-          </a:prstGeom>
-          <a:noFill/>
-        </p:spPr>
-        <p:txBody>
-          <a:bodyPr wrap="square" rtlCol="0" anchor="t">
-            <a:spAutoFit/>
-          </a:bodyPr>
-          <a:p>
-            <a:r>
-              <a:rPr lang="zh-CN" altLang="en-US"/>
-              <a:t>例</a:t>
-            </a:r>
+              <a:t>#打印c的值</a:t>
+            </a:r>
+            <a:endParaRPr lang="en-US" altLang="zh-CN"/>
+          </a:p>
+          <a:p>
             <a:r>
               <a:rPr lang="en-US" altLang="zh-CN"/>
-              <a:t>2</a:t>
-            </a:r>
-            <a:r>
-              <a:rPr lang="zh-CN" altLang="en-US"/>
-              <a:t>：</a:t>
+              <a:t>print(c) </a:t>
             </a:r>
             <a:endParaRPr lang="en-US" altLang="zh-CN"/>
-          </a:p>
-          <a:p>
-            <a:r>
-              <a:rPr lang="en-US" altLang="zh-CN"/>
-              <a:t>a = 20</a:t>
-            </a:r>
-            <a:endParaRPr lang="en-US" altLang="zh-CN"/>
-          </a:p>
-          <a:p>
-            <a:r>
-              <a:rPr lang="en-US" altLang="zh-CN"/>
-              <a:t>b =4</a:t>
-            </a:r>
-            <a:endParaRPr lang="zh-CN" altLang="en-US"/>
-          </a:p>
-          <a:p>
-            <a:r>
-              <a:rPr lang="en-US" altLang="zh-CN"/>
-              <a:t>c=</a:t>
-            </a:r>
-            <a:r>
-              <a:rPr lang="zh-CN" altLang="en-US"/>
-              <a:t>a </a:t>
-            </a:r>
-            <a:r>
-              <a:rPr lang="en-US" altLang="zh-CN"/>
-              <a:t>/</a:t>
-            </a:r>
-            <a:r>
-              <a:rPr lang="zh-CN" altLang="en-US"/>
-              <a:t> b</a:t>
-            </a:r>
-            <a:endParaRPr lang="zh-CN" altLang="en-US"/>
-          </a:p>
-          <a:p>
-            <a:r>
-              <a:rPr lang="en-US" altLang="zh-CN">
-                <a:sym typeface="+mn-ea"/>
-              </a:rPr>
-              <a:t>print(c)</a:t>
-            </a:r>
-            <a:r>
-              <a:rPr lang="zh-CN" altLang="en-US">
-                <a:sym typeface="+mn-ea"/>
-              </a:rPr>
-              <a:t> </a:t>
-            </a:r>
-            <a:r>
-              <a:rPr lang="zh-CN" altLang="en-US"/>
-              <a:t> </a:t>
-            </a:r>
-            <a:endParaRPr lang="zh-CN" altLang="en-US"/>
           </a:p>
         </p:txBody>
       </p:sp>
@@ -24495,7 +26273,7 @@
         </p:nvSpPr>
         <p:spPr>
           <a:xfrm>
-            <a:off x="4006215" y="1403350"/>
+            <a:off x="3981450" y="1403350"/>
             <a:ext cx="6824980" cy="1938020"/>
           </a:xfrm>
           <a:prstGeom prst="rect">
@@ -24604,7 +26382,7 @@
         <p:spPr>
           <a:xfrm>
             <a:off x="4439285" y="3637280"/>
-            <a:ext cx="4133215" cy="2030095"/>
+            <a:ext cx="4133215" cy="2861310"/>
           </a:xfrm>
           <a:prstGeom prst="rect">
             <a:avLst/>
@@ -24626,59 +26404,192 @@
                   <a:srgbClr val="FF0000"/>
                 </a:solidFill>
               </a:rPr>
+              <a:t>例</a:t>
+            </a:r>
+            <a:r>
+              <a:rPr lang="en-US" altLang="zh-CN">
+                <a:solidFill>
+                  <a:srgbClr val="FF0000"/>
+                </a:solidFill>
+              </a:rPr>
+              <a:t>5</a:t>
+            </a:r>
+            <a:r>
+              <a:rPr lang="zh-CN" altLang="en-US">
+                <a:solidFill>
+                  <a:srgbClr val="FF0000"/>
+                </a:solidFill>
+              </a:rPr>
+              <a:t>：</a:t>
+            </a:r>
+            <a:endParaRPr lang="zh-CN" altLang="en-US">
+              <a:solidFill>
+                <a:srgbClr val="FF0000"/>
+              </a:solidFill>
+            </a:endParaRPr>
+          </a:p>
+          <a:p>
+            <a:pPr marL="0" indent="0">
+              <a:buFont typeface="Wingdings" panose="05000000000000000000" charset="0"/>
+              <a:buNone/>
+            </a:pPr>
+            <a:endParaRPr lang="zh-CN" altLang="en-US">
+              <a:solidFill>
+                <a:srgbClr val="FF0000"/>
+              </a:solidFill>
+            </a:endParaRPr>
+          </a:p>
+          <a:p>
+            <a:pPr marL="0" indent="0">
+              <a:buFont typeface="Wingdings" panose="05000000000000000000" charset="0"/>
+              <a:buNone/>
+            </a:pPr>
+            <a:r>
+              <a:rPr lang="zh-CN" altLang="en-US">
+                <a:solidFill>
+                  <a:schemeClr val="tx1"/>
+                </a:solidFill>
+              </a:rPr>
               <a:t># 定义苹果价格变量</a:t>
             </a:r>
-            <a:endParaRPr lang="zh-CN" altLang="en-US"/>
-          </a:p>
-          <a:p>
-            <a:r>
-              <a:rPr lang="zh-CN" altLang="en-US"/>
+            <a:endParaRPr lang="zh-CN" altLang="en-US">
+              <a:solidFill>
+                <a:schemeClr val="tx1"/>
+              </a:solidFill>
+            </a:endParaRPr>
+          </a:p>
+          <a:p>
+            <a:pPr marL="0" indent="0">
+              <a:buFont typeface="Wingdings" panose="05000000000000000000" charset="0"/>
+              <a:buNone/>
+            </a:pPr>
+            <a:r>
+              <a:rPr lang="zh-CN" altLang="en-US">
+                <a:solidFill>
+                  <a:schemeClr val="tx1"/>
+                </a:solidFill>
+              </a:rPr>
               <a:t>price = 8</a:t>
             </a:r>
-            <a:endParaRPr lang="zh-CN" altLang="en-US"/>
-          </a:p>
-          <a:p>
+            <a:endParaRPr lang="zh-CN" altLang="en-US">
+              <a:solidFill>
+                <a:schemeClr val="tx1"/>
+              </a:solidFill>
+            </a:endParaRPr>
+          </a:p>
+          <a:p>
+            <a:pPr marL="0" indent="0">
+              <a:buFont typeface="Wingdings" panose="05000000000000000000" charset="0"/>
+              <a:buNone/>
+            </a:pPr>
             <a:r>
               <a:rPr lang="zh-CN" altLang="en-US">
                 <a:solidFill>
-                  <a:srgbClr val="FF0000"/>
+                  <a:schemeClr val="tx1"/>
                 </a:solidFill>
               </a:rPr>
               <a:t># 定义购买重量</a:t>
             </a:r>
-            <a:endParaRPr lang="zh-CN" altLang="en-US"/>
-          </a:p>
-          <a:p>
-            <a:r>
-              <a:rPr lang="zh-CN" altLang="en-US"/>
+            <a:endParaRPr lang="zh-CN" altLang="en-US">
+              <a:solidFill>
+                <a:schemeClr val="tx1"/>
+              </a:solidFill>
+            </a:endParaRPr>
+          </a:p>
+          <a:p>
+            <a:pPr marL="0" indent="0">
+              <a:buFont typeface="Wingdings" panose="05000000000000000000" charset="0"/>
+              <a:buNone/>
+            </a:pPr>
+            <a:r>
+              <a:rPr lang="zh-CN" altLang="en-US">
+                <a:solidFill>
+                  <a:schemeClr val="tx1"/>
+                </a:solidFill>
+              </a:rPr>
               <a:t>weight = 7</a:t>
             </a:r>
-            <a:endParaRPr lang="zh-CN" altLang="en-US"/>
-          </a:p>
-          <a:p>
+            <a:endParaRPr lang="zh-CN" altLang="en-US">
+              <a:solidFill>
+                <a:schemeClr val="tx1"/>
+              </a:solidFill>
+            </a:endParaRPr>
+          </a:p>
+          <a:p>
+            <a:pPr marL="0" indent="0">
+              <a:buFont typeface="Wingdings" panose="05000000000000000000" charset="0"/>
+              <a:buNone/>
+            </a:pPr>
             <a:r>
               <a:rPr lang="zh-CN" altLang="en-US">
                 <a:solidFill>
-                  <a:srgbClr val="FF0000"/>
+                  <a:schemeClr val="tx1"/>
                 </a:solidFill>
               </a:rPr>
               <a:t># 计算金额</a:t>
             </a:r>
-            <a:endParaRPr lang="zh-CN" altLang="en-US"/>
-          </a:p>
-          <a:p>
-            <a:r>
-              <a:rPr lang="zh-CN" altLang="en-US"/>
+            <a:endParaRPr lang="zh-CN" altLang="en-US">
+              <a:solidFill>
+                <a:schemeClr val="tx1"/>
+              </a:solidFill>
+            </a:endParaRPr>
+          </a:p>
+          <a:p>
+            <a:pPr marL="0" indent="0">
+              <a:buFont typeface="Wingdings" panose="05000000000000000000" charset="0"/>
+              <a:buNone/>
+            </a:pPr>
+            <a:r>
+              <a:rPr lang="zh-CN" altLang="en-US">
+                <a:solidFill>
+                  <a:schemeClr val="tx1"/>
+                </a:solidFill>
+              </a:rPr>
               <a:t>money = price * weight</a:t>
             </a:r>
-            <a:endParaRPr lang="zh-CN" altLang="en-US"/>
-          </a:p>
-          <a:p>
-            <a:r>
-              <a:rPr lang="zh-CN" altLang="en-US"/>
+            <a:endParaRPr lang="zh-CN" altLang="en-US">
+              <a:solidFill>
+                <a:schemeClr val="tx1"/>
+              </a:solidFill>
+            </a:endParaRPr>
+          </a:p>
+          <a:p>
+            <a:pPr marL="0" indent="0">
+              <a:buFont typeface="Wingdings" panose="05000000000000000000" charset="0"/>
+              <a:buNone/>
+            </a:pPr>
+            <a:r>
+              <a:rPr lang="zh-CN" altLang="en-US">
+                <a:solidFill>
+                  <a:schemeClr val="tx1"/>
+                </a:solidFill>
+              </a:rPr>
+              <a:t>#打印总的金额</a:t>
+            </a:r>
+            <a:endParaRPr lang="zh-CN" altLang="en-US">
+              <a:solidFill>
+                <a:schemeClr val="tx1"/>
+              </a:solidFill>
+            </a:endParaRPr>
+          </a:p>
+          <a:p>
+            <a:pPr marL="0" indent="0">
+              <a:buFont typeface="Wingdings" panose="05000000000000000000" charset="0"/>
+              <a:buNone/>
+            </a:pPr>
+            <a:r>
+              <a:rPr lang="zh-CN" altLang="en-US">
+                <a:solidFill>
+                  <a:schemeClr val="tx1"/>
+                </a:solidFill>
+              </a:rPr>
               <a:t>print(money)</a:t>
             </a:r>
-            <a:endParaRPr lang="zh-CN" altLang="en-US"/>
+            <a:endParaRPr lang="zh-CN" altLang="en-US">
+              <a:solidFill>
+                <a:schemeClr val="tx1"/>
+              </a:solidFill>
+            </a:endParaRPr>
           </a:p>
         </p:txBody>
       </p:sp>
